--- a/Double Patterning/A High-Performance Triple Patterning Layout Decomposer.pptx
+++ b/Double Patterning/A High-Performance Triple Patterning Layout Decomposer.pptx
@@ -240,14 +240,14 @@
           <a:effectLst/>
           <a:extLst>
             <a:ext uri="{909E8E84-426E-40dd-AFC4-6F175D3DCCD1}">
-              <a14:hiddenFill xmlns="" xmlns:a14="http://schemas.microsoft.com/office/drawing/2010/main">
+              <a14:hiddenFill xmlns:a14="http://schemas.microsoft.com/office/drawing/2010/main" xmlns="">
                 <a:solidFill>
                   <a:schemeClr val="accent1"/>
                 </a:solidFill>
               </a14:hiddenFill>
             </a:ext>
             <a:ext uri="{91240B29-F687-4f45-9708-019B960494DF}">
-              <a14:hiddenLine xmlns="" xmlns:a14="http://schemas.microsoft.com/office/drawing/2010/main" w="9525">
+              <a14:hiddenLine xmlns:a14="http://schemas.microsoft.com/office/drawing/2010/main" xmlns="" w="9525">
                 <a:solidFill>
                   <a:schemeClr val="tx1"/>
                 </a:solidFill>
@@ -257,7 +257,7 @@
               </a14:hiddenLine>
             </a:ext>
             <a:ext uri="{AF507438-7753-43e0-B8FC-AC1667EBCBE1}">
-              <a14:hiddenEffects xmlns="" xmlns:a14="http://schemas.microsoft.com/office/drawing/2010/main">
+              <a14:hiddenEffects xmlns:a14="http://schemas.microsoft.com/office/drawing/2010/main" xmlns="">
                 <a:effectLst>
                   <a:outerShdw dist="35921" dir="2700000" algn="ctr" rotWithShape="0">
                     <a:schemeClr val="bg2"/>
@@ -311,14 +311,14 @@
           <a:effectLst/>
           <a:extLst>
             <a:ext uri="{909E8E84-426E-40dd-AFC4-6F175D3DCCD1}">
-              <a14:hiddenFill xmlns="" xmlns:a14="http://schemas.microsoft.com/office/drawing/2010/main">
+              <a14:hiddenFill xmlns:a14="http://schemas.microsoft.com/office/drawing/2010/main" xmlns="">
                 <a:solidFill>
                   <a:schemeClr val="accent1"/>
                 </a:solidFill>
               </a14:hiddenFill>
             </a:ext>
             <a:ext uri="{91240B29-F687-4f45-9708-019B960494DF}">
-              <a14:hiddenLine xmlns="" xmlns:a14="http://schemas.microsoft.com/office/drawing/2010/main" w="9525">
+              <a14:hiddenLine xmlns:a14="http://schemas.microsoft.com/office/drawing/2010/main" xmlns="" w="9525">
                 <a:solidFill>
                   <a:schemeClr val="tx1"/>
                 </a:solidFill>
@@ -328,7 +328,7 @@
               </a14:hiddenLine>
             </a:ext>
             <a:ext uri="{AF507438-7753-43e0-B8FC-AC1667EBCBE1}">
-              <a14:hiddenEffects xmlns="" xmlns:a14="http://schemas.microsoft.com/office/drawing/2010/main">
+              <a14:hiddenEffects xmlns:a14="http://schemas.microsoft.com/office/drawing/2010/main" xmlns="">
                 <a:effectLst>
                   <a:outerShdw dist="35921" dir="2700000" algn="ctr" rotWithShape="0">
                     <a:schemeClr val="bg2"/>
@@ -382,14 +382,14 @@
           <a:effectLst/>
           <a:extLst>
             <a:ext uri="{909E8E84-426E-40dd-AFC4-6F175D3DCCD1}">
-              <a14:hiddenFill xmlns="" xmlns:a14="http://schemas.microsoft.com/office/drawing/2010/main">
+              <a14:hiddenFill xmlns:a14="http://schemas.microsoft.com/office/drawing/2010/main" xmlns="">
                 <a:solidFill>
                   <a:schemeClr val="accent1"/>
                 </a:solidFill>
               </a14:hiddenFill>
             </a:ext>
             <a:ext uri="{91240B29-F687-4f45-9708-019B960494DF}">
-              <a14:hiddenLine xmlns="" xmlns:a14="http://schemas.microsoft.com/office/drawing/2010/main" w="9525">
+              <a14:hiddenLine xmlns:a14="http://schemas.microsoft.com/office/drawing/2010/main" xmlns="" w="9525">
                 <a:solidFill>
                   <a:schemeClr val="tx1"/>
                 </a:solidFill>
@@ -399,7 +399,7 @@
               </a14:hiddenLine>
             </a:ext>
             <a:ext uri="{AF507438-7753-43e0-B8FC-AC1667EBCBE1}">
-              <a14:hiddenEffects xmlns="" xmlns:a14="http://schemas.microsoft.com/office/drawing/2010/main">
+              <a14:hiddenEffects xmlns:a14="http://schemas.microsoft.com/office/drawing/2010/main" xmlns="">
                 <a:effectLst>
                   <a:outerShdw dist="35921" dir="2700000" algn="ctr" rotWithShape="0">
                     <a:schemeClr val="bg2"/>
@@ -453,14 +453,14 @@
           <a:effectLst/>
           <a:extLst>
             <a:ext uri="{909E8E84-426E-40dd-AFC4-6F175D3DCCD1}">
-              <a14:hiddenFill xmlns="" xmlns:a14="http://schemas.microsoft.com/office/drawing/2010/main">
+              <a14:hiddenFill xmlns:a14="http://schemas.microsoft.com/office/drawing/2010/main" xmlns="">
                 <a:solidFill>
                   <a:schemeClr val="accent1"/>
                 </a:solidFill>
               </a14:hiddenFill>
             </a:ext>
             <a:ext uri="{91240B29-F687-4f45-9708-019B960494DF}">
-              <a14:hiddenLine xmlns="" xmlns:a14="http://schemas.microsoft.com/office/drawing/2010/main" w="9525">
+              <a14:hiddenLine xmlns:a14="http://schemas.microsoft.com/office/drawing/2010/main" xmlns="" w="9525">
                 <a:solidFill>
                   <a:schemeClr val="tx1"/>
                 </a:solidFill>
@@ -470,7 +470,7 @@
               </a14:hiddenLine>
             </a:ext>
             <a:ext uri="{AF507438-7753-43e0-B8FC-AC1667EBCBE1}">
-              <a14:hiddenEffects xmlns="" xmlns:a14="http://schemas.microsoft.com/office/drawing/2010/main">
+              <a14:hiddenEffects xmlns:a14="http://schemas.microsoft.com/office/drawing/2010/main" xmlns="">
                 <a:effectLst>
                   <a:outerShdw dist="35921" dir="2700000" algn="ctr" rotWithShape="0">
                     <a:schemeClr val="bg2"/>
@@ -567,14 +567,14 @@
           <a:effectLst/>
           <a:extLst>
             <a:ext uri="{909E8E84-426E-40dd-AFC4-6F175D3DCCD1}">
-              <a14:hiddenFill xmlns="" xmlns:a14="http://schemas.microsoft.com/office/drawing/2010/main">
+              <a14:hiddenFill xmlns:a14="http://schemas.microsoft.com/office/drawing/2010/main" xmlns="">
                 <a:solidFill>
                   <a:schemeClr val="accent1"/>
                 </a:solidFill>
               </a14:hiddenFill>
             </a:ext>
             <a:ext uri="{91240B29-F687-4f45-9708-019B960494DF}">
-              <a14:hiddenLine xmlns="" xmlns:a14="http://schemas.microsoft.com/office/drawing/2010/main" w="9525">
+              <a14:hiddenLine xmlns:a14="http://schemas.microsoft.com/office/drawing/2010/main" xmlns="" w="9525">
                 <a:solidFill>
                   <a:schemeClr val="tx1"/>
                 </a:solidFill>
@@ -584,7 +584,7 @@
               </a14:hiddenLine>
             </a:ext>
             <a:ext uri="{AF507438-7753-43e0-B8FC-AC1667EBCBE1}">
-              <a14:hiddenEffects xmlns="" xmlns:a14="http://schemas.microsoft.com/office/drawing/2010/main">
+              <a14:hiddenEffects xmlns:a14="http://schemas.microsoft.com/office/drawing/2010/main" xmlns="">
                 <a:effectLst>
                   <a:outerShdw dist="35921" dir="2700000" algn="ctr" rotWithShape="0">
                     <a:schemeClr val="bg2"/>
@@ -638,14 +638,14 @@
           <a:effectLst/>
           <a:extLst>
             <a:ext uri="{909E8E84-426E-40dd-AFC4-6F175D3DCCD1}">
-              <a14:hiddenFill xmlns="" xmlns:a14="http://schemas.microsoft.com/office/drawing/2010/main">
+              <a14:hiddenFill xmlns:a14="http://schemas.microsoft.com/office/drawing/2010/main" xmlns="">
                 <a:solidFill>
                   <a:schemeClr val="accent1"/>
                 </a:solidFill>
               </a14:hiddenFill>
             </a:ext>
             <a:ext uri="{91240B29-F687-4f45-9708-019B960494DF}">
-              <a14:hiddenLine xmlns="" xmlns:a14="http://schemas.microsoft.com/office/drawing/2010/main" w="9525">
+              <a14:hiddenLine xmlns:a14="http://schemas.microsoft.com/office/drawing/2010/main" xmlns="" w="9525">
                 <a:solidFill>
                   <a:schemeClr val="tx1"/>
                 </a:solidFill>
@@ -655,7 +655,7 @@
               </a14:hiddenLine>
             </a:ext>
             <a:ext uri="{AF507438-7753-43e0-B8FC-AC1667EBCBE1}">
-              <a14:hiddenEffects xmlns="" xmlns:a14="http://schemas.microsoft.com/office/drawing/2010/main">
+              <a14:hiddenEffects xmlns:a14="http://schemas.microsoft.com/office/drawing/2010/main" xmlns="">
                 <a:effectLst>
                   <a:outerShdw dist="35921" dir="2700000" algn="ctr" rotWithShape="0">
                     <a:schemeClr val="bg2"/>
@@ -714,14 +714,14 @@
           <a:effectLst/>
           <a:extLst>
             <a:ext uri="{909E8E84-426E-40dd-AFC4-6F175D3DCCD1}">
-              <a14:hiddenFill xmlns="" xmlns:a14="http://schemas.microsoft.com/office/drawing/2010/main">
+              <a14:hiddenFill xmlns:a14="http://schemas.microsoft.com/office/drawing/2010/main" xmlns="">
                 <a:solidFill>
                   <a:srgbClr val="FFFFFF"/>
                 </a:solidFill>
               </a14:hiddenFill>
             </a:ext>
             <a:ext uri="{AF507438-7753-43e0-B8FC-AC1667EBCBE1}">
-              <a14:hiddenEffects xmlns="" xmlns:a14="http://schemas.microsoft.com/office/drawing/2010/main">
+              <a14:hiddenEffects xmlns:a14="http://schemas.microsoft.com/office/drawing/2010/main" xmlns="">
                 <a:effectLst>
                   <a:outerShdw dist="35921" dir="2700000" algn="ctr" rotWithShape="0">
                     <a:srgbClr val="808080"/>
@@ -730,7 +730,7 @@
               </a14:hiddenEffects>
             </a:ext>
             <a:ext uri="{53640926-AAD7-44d8-BBD7-CCE9431645EC}">
-              <a14:shadowObscured xmlns="" xmlns:a14="http://schemas.microsoft.com/office/drawing/2010/main" val="1"/>
+              <a14:shadowObscured xmlns:a14="http://schemas.microsoft.com/office/drawing/2010/main" xmlns="" val="1"/>
             </a:ext>
           </a:extLst>
         </p:spPr>
@@ -760,14 +760,14 @@
           <a:effectLst/>
           <a:extLst>
             <a:ext uri="{909E8E84-426E-40dd-AFC4-6F175D3DCCD1}">
-              <a14:hiddenFill xmlns="" xmlns:a14="http://schemas.microsoft.com/office/drawing/2010/main">
+              <a14:hiddenFill xmlns:a14="http://schemas.microsoft.com/office/drawing/2010/main" xmlns="">
                 <a:solidFill>
                   <a:schemeClr val="accent1"/>
                 </a:solidFill>
               </a14:hiddenFill>
             </a:ext>
             <a:ext uri="{91240B29-F687-4f45-9708-019B960494DF}">
-              <a14:hiddenLine xmlns="" xmlns:a14="http://schemas.microsoft.com/office/drawing/2010/main" w="9525">
+              <a14:hiddenLine xmlns:a14="http://schemas.microsoft.com/office/drawing/2010/main" xmlns="" w="9525">
                 <a:solidFill>
                   <a:schemeClr val="tx1"/>
                 </a:solidFill>
@@ -777,7 +777,7 @@
               </a14:hiddenLine>
             </a:ext>
             <a:ext uri="{AF507438-7753-43e0-B8FC-AC1667EBCBE1}">
-              <a14:hiddenEffects xmlns="" xmlns:a14="http://schemas.microsoft.com/office/drawing/2010/main">
+              <a14:hiddenEffects xmlns:a14="http://schemas.microsoft.com/office/drawing/2010/main" xmlns="">
                 <a:effectLst>
                   <a:outerShdw dist="35921" dir="2700000" algn="ctr" rotWithShape="0">
                     <a:schemeClr val="bg2"/>
@@ -856,14 +856,14 @@
           <a:effectLst/>
           <a:extLst>
             <a:ext uri="{909E8E84-426E-40dd-AFC4-6F175D3DCCD1}">
-              <a14:hiddenFill xmlns="" xmlns:a14="http://schemas.microsoft.com/office/drawing/2010/main">
+              <a14:hiddenFill xmlns:a14="http://schemas.microsoft.com/office/drawing/2010/main" xmlns="">
                 <a:solidFill>
                   <a:schemeClr val="accent1"/>
                 </a:solidFill>
               </a14:hiddenFill>
             </a:ext>
             <a:ext uri="{91240B29-F687-4f45-9708-019B960494DF}">
-              <a14:hiddenLine xmlns="" xmlns:a14="http://schemas.microsoft.com/office/drawing/2010/main" w="9525">
+              <a14:hiddenLine xmlns:a14="http://schemas.microsoft.com/office/drawing/2010/main" xmlns="" w="9525">
                 <a:solidFill>
                   <a:schemeClr val="tx1"/>
                 </a:solidFill>
@@ -873,7 +873,7 @@
               </a14:hiddenLine>
             </a:ext>
             <a:ext uri="{AF507438-7753-43e0-B8FC-AC1667EBCBE1}">
-              <a14:hiddenEffects xmlns="" xmlns:a14="http://schemas.microsoft.com/office/drawing/2010/main">
+              <a14:hiddenEffects xmlns:a14="http://schemas.microsoft.com/office/drawing/2010/main" xmlns="">
                 <a:effectLst>
                   <a:outerShdw dist="35921" dir="2700000" algn="ctr" rotWithShape="0">
                     <a:schemeClr val="bg2"/>
@@ -927,14 +927,14 @@
           <a:effectLst/>
           <a:extLst>
             <a:ext uri="{909E8E84-426E-40dd-AFC4-6F175D3DCCD1}">
-              <a14:hiddenFill xmlns="" xmlns:a14="http://schemas.microsoft.com/office/drawing/2010/main">
+              <a14:hiddenFill xmlns:a14="http://schemas.microsoft.com/office/drawing/2010/main" xmlns="">
                 <a:solidFill>
                   <a:schemeClr val="accent1"/>
                 </a:solidFill>
               </a14:hiddenFill>
             </a:ext>
             <a:ext uri="{91240B29-F687-4f45-9708-019B960494DF}">
-              <a14:hiddenLine xmlns="" xmlns:a14="http://schemas.microsoft.com/office/drawing/2010/main" w="9525">
+              <a14:hiddenLine xmlns:a14="http://schemas.microsoft.com/office/drawing/2010/main" xmlns="" w="9525">
                 <a:solidFill>
                   <a:schemeClr val="tx1"/>
                 </a:solidFill>
@@ -944,7 +944,7 @@
               </a14:hiddenLine>
             </a:ext>
             <a:ext uri="{AF507438-7753-43e0-B8FC-AC1667EBCBE1}">
-              <a14:hiddenEffects xmlns="" xmlns:a14="http://schemas.microsoft.com/office/drawing/2010/main">
+              <a14:hiddenEffects xmlns:a14="http://schemas.microsoft.com/office/drawing/2010/main" xmlns="">
                 <a:effectLst>
                   <a:outerShdw dist="35921" dir="2700000" algn="ctr" rotWithShape="0">
                     <a:schemeClr val="bg2"/>
@@ -1162,14 +1162,14 @@
           <a:noFill/>
           <a:extLst>
             <a:ext uri="{909E8E84-426E-40dd-AFC4-6F175D3DCCD1}">
-              <a14:hiddenFill xmlns:a14="http://schemas.microsoft.com/office/drawing/2010/main" xmlns="">
+              <a14:hiddenFill xmlns="" xmlns:a14="http://schemas.microsoft.com/office/drawing/2010/main">
                 <a:solidFill>
                   <a:srgbClr val="FFFFFF"/>
                 </a:solidFill>
               </a14:hiddenFill>
             </a:ext>
             <a:ext uri="{91240B29-F687-4f45-9708-019B960494DF}">
-              <a14:hiddenLine xmlns:a14="http://schemas.microsoft.com/office/drawing/2010/main" xmlns="" w="9525">
+              <a14:hiddenLine xmlns="" xmlns:a14="http://schemas.microsoft.com/office/drawing/2010/main" w="9525">
                 <a:solidFill>
                   <a:srgbClr val="000000"/>
                 </a:solidFill>
@@ -1646,14 +1646,14 @@
           </a:ln>
           <a:extLst>
             <a:ext uri="{909E8E84-426E-40dd-AFC4-6F175D3DCCD1}">
-              <a14:hiddenFill xmlns="" xmlns:a14="http://schemas.microsoft.com/office/drawing/2010/main">
+              <a14:hiddenFill xmlns:a14="http://schemas.microsoft.com/office/drawing/2010/main" xmlns="">
                 <a:solidFill>
                   <a:srgbClr val="FFFFFF"/>
                 </a:solidFill>
               </a14:hiddenFill>
             </a:ext>
             <a:ext uri="{91240B29-F687-4f45-9708-019B960494DF}">
-              <a14:hiddenLine xmlns="" xmlns:a14="http://schemas.microsoft.com/office/drawing/2010/main" w="9525">
+              <a14:hiddenLine xmlns:a14="http://schemas.microsoft.com/office/drawing/2010/main" xmlns="" w="9525">
                 <a:solidFill>
                   <a:srgbClr val="000000"/>
                 </a:solidFill>
@@ -1701,14 +1701,14 @@
           </a:ln>
           <a:extLst>
             <a:ext uri="{909E8E84-426E-40dd-AFC4-6F175D3DCCD1}">
-              <a14:hiddenFill xmlns="" xmlns:a14="http://schemas.microsoft.com/office/drawing/2010/main">
+              <a14:hiddenFill xmlns:a14="http://schemas.microsoft.com/office/drawing/2010/main" xmlns="">
                 <a:solidFill>
                   <a:srgbClr val="FFFFFF"/>
                 </a:solidFill>
               </a14:hiddenFill>
             </a:ext>
             <a:ext uri="{91240B29-F687-4f45-9708-019B960494DF}">
-              <a14:hiddenLine xmlns="" xmlns:a14="http://schemas.microsoft.com/office/drawing/2010/main" w="9525">
+              <a14:hiddenLine xmlns:a14="http://schemas.microsoft.com/office/drawing/2010/main" xmlns="" w="9525">
                 <a:solidFill>
                   <a:srgbClr val="000000"/>
                 </a:solidFill>
@@ -1829,14 +1829,14 @@
             </a:ln>
             <a:extLst>
               <a:ext uri="{909E8E84-426E-40dd-AFC4-6F175D3DCCD1}">
-                <a14:hiddenFill xmlns="" xmlns:a14="http://schemas.microsoft.com/office/drawing/2010/main">
+                <a14:hiddenFill xmlns:a14="http://schemas.microsoft.com/office/drawing/2010/main" xmlns="">
                   <a:solidFill>
                     <a:srgbClr val="FFFFFF"/>
                   </a:solidFill>
                 </a14:hiddenFill>
               </a:ext>
               <a:ext uri="{91240B29-F687-4f45-9708-019B960494DF}">
-                <a14:hiddenLine xmlns="" xmlns:a14="http://schemas.microsoft.com/office/drawing/2010/main" w="9525">
+                <a14:hiddenLine xmlns:a14="http://schemas.microsoft.com/office/drawing/2010/main" xmlns="" w="9525">
                   <a:solidFill>
                     <a:srgbClr val="000000"/>
                   </a:solidFill>
@@ -1885,14 +1885,14 @@
             </a:ln>
             <a:extLst>
               <a:ext uri="{909E8E84-426E-40dd-AFC4-6F175D3DCCD1}">
-                <a14:hiddenFill xmlns="" xmlns:a14="http://schemas.microsoft.com/office/drawing/2010/main">
+                <a14:hiddenFill xmlns:a14="http://schemas.microsoft.com/office/drawing/2010/main" xmlns="">
                   <a:solidFill>
                     <a:srgbClr val="FFFFFF"/>
                   </a:solidFill>
                 </a14:hiddenFill>
               </a:ext>
               <a:ext uri="{91240B29-F687-4f45-9708-019B960494DF}">
-                <a14:hiddenLine xmlns="" xmlns:a14="http://schemas.microsoft.com/office/drawing/2010/main" w="9525">
+                <a14:hiddenLine xmlns:a14="http://schemas.microsoft.com/office/drawing/2010/main" xmlns="" w="9525">
                   <a:solidFill>
                     <a:srgbClr val="000000"/>
                   </a:solidFill>
@@ -1927,14 +1927,14 @@
           </a:ln>
           <a:extLst>
             <a:ext uri="{909E8E84-426E-40dd-AFC4-6F175D3DCCD1}">
-              <a14:hiddenFill xmlns="" xmlns:a14="http://schemas.microsoft.com/office/drawing/2010/main">
+              <a14:hiddenFill xmlns:a14="http://schemas.microsoft.com/office/drawing/2010/main" xmlns="">
                 <a:solidFill>
                   <a:srgbClr val="FFFFFF"/>
                 </a:solidFill>
               </a14:hiddenFill>
             </a:ext>
             <a:ext uri="{91240B29-F687-4f45-9708-019B960494DF}">
-              <a14:hiddenLine xmlns="" xmlns:a14="http://schemas.microsoft.com/office/drawing/2010/main" w="9525">
+              <a14:hiddenLine xmlns:a14="http://schemas.microsoft.com/office/drawing/2010/main" xmlns="" w="9525">
                 <a:solidFill>
                   <a:srgbClr val="000000"/>
                 </a:solidFill>
@@ -2520,14 +2520,14 @@
           </a:ln>
           <a:extLst>
             <a:ext uri="{909E8E84-426E-40dd-AFC4-6F175D3DCCD1}">
-              <a14:hiddenFill xmlns="" xmlns:a14="http://schemas.microsoft.com/office/drawing/2010/main">
+              <a14:hiddenFill xmlns:a14="http://schemas.microsoft.com/office/drawing/2010/main" xmlns="">
                 <a:solidFill>
                   <a:srgbClr val="FFFFFF"/>
                 </a:solidFill>
               </a14:hiddenFill>
             </a:ext>
             <a:ext uri="{91240B29-F687-4f45-9708-019B960494DF}">
-              <a14:hiddenLine xmlns="" xmlns:a14="http://schemas.microsoft.com/office/drawing/2010/main" w="9525">
+              <a14:hiddenLine xmlns:a14="http://schemas.microsoft.com/office/drawing/2010/main" xmlns="" w="9525">
                 <a:solidFill>
                   <a:srgbClr val="000000"/>
                 </a:solidFill>
@@ -2575,14 +2575,14 @@
           </a:ln>
           <a:extLst>
             <a:ext uri="{909E8E84-426E-40dd-AFC4-6F175D3DCCD1}">
-              <a14:hiddenFill xmlns="" xmlns:a14="http://schemas.microsoft.com/office/drawing/2010/main">
+              <a14:hiddenFill xmlns:a14="http://schemas.microsoft.com/office/drawing/2010/main" xmlns="">
                 <a:solidFill>
                   <a:srgbClr val="FFFFFF"/>
                 </a:solidFill>
               </a14:hiddenFill>
             </a:ext>
             <a:ext uri="{91240B29-F687-4f45-9708-019B960494DF}">
-              <a14:hiddenLine xmlns="" xmlns:a14="http://schemas.microsoft.com/office/drawing/2010/main" w="9525">
+              <a14:hiddenLine xmlns:a14="http://schemas.microsoft.com/office/drawing/2010/main" xmlns="" w="9525">
                 <a:solidFill>
                   <a:srgbClr val="000000"/>
                 </a:solidFill>
@@ -2645,14 +2645,14 @@
             </a:ln>
             <a:extLst>
               <a:ext uri="{909E8E84-426E-40dd-AFC4-6F175D3DCCD1}">
-                <a14:hiddenFill xmlns="" xmlns:a14="http://schemas.microsoft.com/office/drawing/2010/main">
+                <a14:hiddenFill xmlns:a14="http://schemas.microsoft.com/office/drawing/2010/main" xmlns="">
                   <a:solidFill>
                     <a:srgbClr val="FFFFFF"/>
                   </a:solidFill>
                 </a14:hiddenFill>
               </a:ext>
               <a:ext uri="{91240B29-F687-4f45-9708-019B960494DF}">
-                <a14:hiddenLine xmlns="" xmlns:a14="http://schemas.microsoft.com/office/drawing/2010/main" w="9525">
+                <a14:hiddenLine xmlns:a14="http://schemas.microsoft.com/office/drawing/2010/main" xmlns="" w="9525">
                   <a:solidFill>
                     <a:srgbClr val="000000"/>
                   </a:solidFill>
@@ -2701,14 +2701,14 @@
             </a:ln>
             <a:extLst>
               <a:ext uri="{909E8E84-426E-40dd-AFC4-6F175D3DCCD1}">
-                <a14:hiddenFill xmlns="" xmlns:a14="http://schemas.microsoft.com/office/drawing/2010/main">
+                <a14:hiddenFill xmlns:a14="http://schemas.microsoft.com/office/drawing/2010/main" xmlns="">
                   <a:solidFill>
                     <a:srgbClr val="FFFFFF"/>
                   </a:solidFill>
                 </a14:hiddenFill>
               </a:ext>
               <a:ext uri="{91240B29-F687-4f45-9708-019B960494DF}">
-                <a14:hiddenLine xmlns="" xmlns:a14="http://schemas.microsoft.com/office/drawing/2010/main" w="9525">
+                <a14:hiddenLine xmlns:a14="http://schemas.microsoft.com/office/drawing/2010/main" xmlns="" w="9525">
                   <a:solidFill>
                     <a:srgbClr val="000000"/>
                   </a:solidFill>
@@ -2798,14 +2798,14 @@
           </a:ln>
           <a:extLst>
             <a:ext uri="{909E8E84-426E-40dd-AFC4-6F175D3DCCD1}">
-              <a14:hiddenFill xmlns="" xmlns:a14="http://schemas.microsoft.com/office/drawing/2010/main">
+              <a14:hiddenFill xmlns:a14="http://schemas.microsoft.com/office/drawing/2010/main" xmlns="">
                 <a:solidFill>
                   <a:srgbClr val="FFFFFF"/>
                 </a:solidFill>
               </a14:hiddenFill>
             </a:ext>
             <a:ext uri="{91240B29-F687-4f45-9708-019B960494DF}">
-              <a14:hiddenLine xmlns="" xmlns:a14="http://schemas.microsoft.com/office/drawing/2010/main" w="9525">
+              <a14:hiddenLine xmlns:a14="http://schemas.microsoft.com/office/drawing/2010/main" xmlns="" w="9525">
                 <a:solidFill>
                   <a:srgbClr val="000000"/>
                 </a:solidFill>
@@ -7487,14 +7487,14 @@
           </a:ln>
           <a:extLst>
             <a:ext uri="{909E8E84-426E-40dd-AFC4-6F175D3DCCD1}">
-              <a14:hiddenFill xmlns="" xmlns:a14="http://schemas.microsoft.com/office/drawing/2010/main">
+              <a14:hiddenFill xmlns:a14="http://schemas.microsoft.com/office/drawing/2010/main" xmlns="">
                 <a:solidFill>
                   <a:srgbClr val="FFFFFF"/>
                 </a:solidFill>
               </a14:hiddenFill>
             </a:ext>
             <a:ext uri="{91240B29-F687-4f45-9708-019B960494DF}">
-              <a14:hiddenLine xmlns="" xmlns:a14="http://schemas.microsoft.com/office/drawing/2010/main" w="9525">
+              <a14:hiddenLine xmlns:a14="http://schemas.microsoft.com/office/drawing/2010/main" xmlns="" w="9525">
                 <a:solidFill>
                   <a:srgbClr val="000000"/>
                 </a:solidFill>
@@ -7530,14 +7530,14 @@
           </a:ln>
           <a:extLst>
             <a:ext uri="{909E8E84-426E-40dd-AFC4-6F175D3DCCD1}">
-              <a14:hiddenFill xmlns="" xmlns:a14="http://schemas.microsoft.com/office/drawing/2010/main">
+              <a14:hiddenFill xmlns:a14="http://schemas.microsoft.com/office/drawing/2010/main" xmlns="">
                 <a:solidFill>
                   <a:srgbClr val="FFFFFF"/>
                 </a:solidFill>
               </a14:hiddenFill>
             </a:ext>
             <a:ext uri="{91240B29-F687-4f45-9708-019B960494DF}">
-              <a14:hiddenLine xmlns="" xmlns:a14="http://schemas.microsoft.com/office/drawing/2010/main" w="9525">
+              <a14:hiddenLine xmlns:a14="http://schemas.microsoft.com/office/drawing/2010/main" xmlns="" w="9525">
                 <a:solidFill>
                   <a:srgbClr val="000000"/>
                 </a:solidFill>
@@ -7588,14 +7588,14 @@
           </a:ln>
           <a:extLst>
             <a:ext uri="{909E8E84-426E-40dd-AFC4-6F175D3DCCD1}">
-              <a14:hiddenFill xmlns="" xmlns:a14="http://schemas.microsoft.com/office/drawing/2010/main">
+              <a14:hiddenFill xmlns:a14="http://schemas.microsoft.com/office/drawing/2010/main" xmlns="">
                 <a:solidFill>
                   <a:srgbClr val="FFFFFF"/>
                 </a:solidFill>
               </a14:hiddenFill>
             </a:ext>
             <a:ext uri="{91240B29-F687-4f45-9708-019B960494DF}">
-              <a14:hiddenLine xmlns="" xmlns:a14="http://schemas.microsoft.com/office/drawing/2010/main" w="9525">
+              <a14:hiddenLine xmlns:a14="http://schemas.microsoft.com/office/drawing/2010/main" xmlns="" w="9525">
                 <a:solidFill>
                   <a:srgbClr val="000000"/>
                 </a:solidFill>
@@ -7844,14 +7844,14 @@
           </a:ln>
           <a:extLst>
             <a:ext uri="{909E8E84-426E-40dd-AFC4-6F175D3DCCD1}">
-              <a14:hiddenFill xmlns="" xmlns:a14="http://schemas.microsoft.com/office/drawing/2010/main">
+              <a14:hiddenFill xmlns:a14="http://schemas.microsoft.com/office/drawing/2010/main" xmlns="">
                 <a:solidFill>
                   <a:srgbClr val="FFFFFF"/>
                 </a:solidFill>
               </a14:hiddenFill>
             </a:ext>
             <a:ext uri="{91240B29-F687-4f45-9708-019B960494DF}">
-              <a14:hiddenLine xmlns="" xmlns:a14="http://schemas.microsoft.com/office/drawing/2010/main" w="9525">
+              <a14:hiddenLine xmlns:a14="http://schemas.microsoft.com/office/drawing/2010/main" xmlns="" w="9525">
                 <a:solidFill>
                   <a:srgbClr val="000000"/>
                 </a:solidFill>
@@ -8370,14 +8370,14 @@
           </a:ln>
           <a:extLst>
             <a:ext uri="{909E8E84-426E-40dd-AFC4-6F175D3DCCD1}">
-              <a14:hiddenFill xmlns="" xmlns:a14="http://schemas.microsoft.com/office/drawing/2010/main">
+              <a14:hiddenFill xmlns:a14="http://schemas.microsoft.com/office/drawing/2010/main" xmlns="">
                 <a:solidFill>
                   <a:srgbClr val="FFFFFF"/>
                 </a:solidFill>
               </a14:hiddenFill>
             </a:ext>
             <a:ext uri="{91240B29-F687-4f45-9708-019B960494DF}">
-              <a14:hiddenLine xmlns="" xmlns:a14="http://schemas.microsoft.com/office/drawing/2010/main" w="9525">
+              <a14:hiddenLine xmlns:a14="http://schemas.microsoft.com/office/drawing/2010/main" xmlns="" w="9525">
                 <a:solidFill>
                   <a:srgbClr val="000000"/>
                 </a:solidFill>
@@ -8428,14 +8428,14 @@
           </a:ln>
           <a:extLst>
             <a:ext uri="{909E8E84-426E-40dd-AFC4-6F175D3DCCD1}">
-              <a14:hiddenFill xmlns="" xmlns:a14="http://schemas.microsoft.com/office/drawing/2010/main">
+              <a14:hiddenFill xmlns:a14="http://schemas.microsoft.com/office/drawing/2010/main" xmlns="">
                 <a:solidFill>
                   <a:srgbClr val="FFFFFF"/>
                 </a:solidFill>
               </a14:hiddenFill>
             </a:ext>
             <a:ext uri="{91240B29-F687-4f45-9708-019B960494DF}">
-              <a14:hiddenLine xmlns="" xmlns:a14="http://schemas.microsoft.com/office/drawing/2010/main" w="9525">
+              <a14:hiddenLine xmlns:a14="http://schemas.microsoft.com/office/drawing/2010/main" xmlns="" w="9525">
                 <a:solidFill>
                   <a:srgbClr val="000000"/>
                 </a:solidFill>
@@ -8682,14 +8682,14 @@
           </a:ln>
           <a:extLst>
             <a:ext uri="{909E8E84-426E-40dd-AFC4-6F175D3DCCD1}">
-              <a14:hiddenFill xmlns="" xmlns:a14="http://schemas.microsoft.com/office/drawing/2010/main">
+              <a14:hiddenFill xmlns:a14="http://schemas.microsoft.com/office/drawing/2010/main" xmlns="">
                 <a:solidFill>
                   <a:srgbClr val="FFFFFF"/>
                 </a:solidFill>
               </a14:hiddenFill>
             </a:ext>
             <a:ext uri="{91240B29-F687-4f45-9708-019B960494DF}">
-              <a14:hiddenLine xmlns="" xmlns:a14="http://schemas.microsoft.com/office/drawing/2010/main" w="9525">
+              <a14:hiddenLine xmlns:a14="http://schemas.microsoft.com/office/drawing/2010/main" xmlns="" w="9525">
                 <a:solidFill>
                   <a:srgbClr val="000000"/>
                 </a:solidFill>
@@ -9206,14 +9206,14 @@
           <a:ln/>
           <a:extLst>
             <a:ext uri="{909E8E84-426E-40dd-AFC4-6F175D3DCCD1}">
-              <a14:hiddenFill xmlns:a14="http://schemas.microsoft.com/office/drawing/2010/main" xmlns="">
+              <a14:hiddenFill xmlns="" xmlns:a14="http://schemas.microsoft.com/office/drawing/2010/main">
                 <a:solidFill>
                   <a:srgbClr val="FFFFFF"/>
                 </a:solidFill>
               </a14:hiddenFill>
             </a:ext>
             <a:ext uri="{91240B29-F687-4f45-9708-019B960494DF}">
-              <a14:hiddenLine xmlns:a14="http://schemas.microsoft.com/office/drawing/2010/main" xmlns="" w="9525">
+              <a14:hiddenLine xmlns="" xmlns:a14="http://schemas.microsoft.com/office/drawing/2010/main" w="9525">
                 <a:solidFill>
                   <a:srgbClr val="000000"/>
                 </a:solidFill>
@@ -9408,14 +9408,14 @@
           </a:ln>
           <a:extLst>
             <a:ext uri="{909E8E84-426E-40dd-AFC4-6F175D3DCCD1}">
-              <a14:hiddenFill xmlns:a14="http://schemas.microsoft.com/office/drawing/2010/main" xmlns="">
+              <a14:hiddenFill xmlns="" xmlns:a14="http://schemas.microsoft.com/office/drawing/2010/main">
                 <a:solidFill>
                   <a:srgbClr val="FFFFFF"/>
                 </a:solidFill>
               </a14:hiddenFill>
             </a:ext>
             <a:ext uri="{91240B29-F687-4f45-9708-019B960494DF}">
-              <a14:hiddenLine xmlns:a14="http://schemas.microsoft.com/office/drawing/2010/main" xmlns="" w="9525">
+              <a14:hiddenLine xmlns="" xmlns:a14="http://schemas.microsoft.com/office/drawing/2010/main" w="9525">
                 <a:solidFill>
                   <a:srgbClr val="000000"/>
                 </a:solidFill>
@@ -9493,14 +9493,14 @@
           </a:ln>
           <a:extLst>
             <a:ext uri="{909E8E84-426E-40dd-AFC4-6F175D3DCCD1}">
-              <a14:hiddenFill xmlns:a14="http://schemas.microsoft.com/office/drawing/2010/main" xmlns="">
+              <a14:hiddenFill xmlns="" xmlns:a14="http://schemas.microsoft.com/office/drawing/2010/main">
                 <a:solidFill>
                   <a:srgbClr val="FFFFFF"/>
                 </a:solidFill>
               </a14:hiddenFill>
             </a:ext>
             <a:ext uri="{91240B29-F687-4f45-9708-019B960494DF}">
-              <a14:hiddenLine xmlns:a14="http://schemas.microsoft.com/office/drawing/2010/main" xmlns="" w="9525">
+              <a14:hiddenLine xmlns="" xmlns:a14="http://schemas.microsoft.com/office/drawing/2010/main" w="9525">
                 <a:solidFill>
                   <a:srgbClr val="000000"/>
                 </a:solidFill>
@@ -9622,14 +9622,14 @@
           </a:ln>
           <a:extLst>
             <a:ext uri="{909E8E84-426E-40dd-AFC4-6F175D3DCCD1}">
-              <a14:hiddenFill xmlns:a14="http://schemas.microsoft.com/office/drawing/2010/main" xmlns="">
+              <a14:hiddenFill xmlns="" xmlns:a14="http://schemas.microsoft.com/office/drawing/2010/main">
                 <a:solidFill>
                   <a:srgbClr val="FFFFFF"/>
                 </a:solidFill>
               </a14:hiddenFill>
             </a:ext>
             <a:ext uri="{91240B29-F687-4f45-9708-019B960494DF}">
-              <a14:hiddenLine xmlns:a14="http://schemas.microsoft.com/office/drawing/2010/main" xmlns="" w="9525">
+              <a14:hiddenLine xmlns="" xmlns:a14="http://schemas.microsoft.com/office/drawing/2010/main" w="9525">
                 <a:solidFill>
                   <a:srgbClr val="000000"/>
                 </a:solidFill>
@@ -9671,14 +9671,14 @@
           </a:ln>
           <a:extLst>
             <a:ext uri="{909E8E84-426E-40dd-AFC4-6F175D3DCCD1}">
-              <a14:hiddenFill xmlns:a14="http://schemas.microsoft.com/office/drawing/2010/main" xmlns="">
+              <a14:hiddenFill xmlns="" xmlns:a14="http://schemas.microsoft.com/office/drawing/2010/main">
                 <a:solidFill>
                   <a:srgbClr val="FFFFFF"/>
                 </a:solidFill>
               </a14:hiddenFill>
             </a:ext>
             <a:ext uri="{91240B29-F687-4f45-9708-019B960494DF}">
-              <a14:hiddenLine xmlns:a14="http://schemas.microsoft.com/office/drawing/2010/main" xmlns="" w="9525">
+              <a14:hiddenLine xmlns="" xmlns:a14="http://schemas.microsoft.com/office/drawing/2010/main" w="9525">
                 <a:solidFill>
                   <a:srgbClr val="000000"/>
                 </a:solidFill>
@@ -9886,14 +9886,14 @@
           </a:ln>
           <a:extLst>
             <a:ext uri="{909E8E84-426E-40dd-AFC4-6F175D3DCCD1}">
-              <a14:hiddenFill xmlns:a14="http://schemas.microsoft.com/office/drawing/2010/main" xmlns="">
+              <a14:hiddenFill xmlns="" xmlns:a14="http://schemas.microsoft.com/office/drawing/2010/main">
                 <a:solidFill>
                   <a:srgbClr val="FFFFFF"/>
                 </a:solidFill>
               </a14:hiddenFill>
             </a:ext>
             <a:ext uri="{91240B29-F687-4f45-9708-019B960494DF}">
-              <a14:hiddenLine xmlns:a14="http://schemas.microsoft.com/office/drawing/2010/main" xmlns="" w="9525">
+              <a14:hiddenLine xmlns="" xmlns:a14="http://schemas.microsoft.com/office/drawing/2010/main" w="9525">
                 <a:solidFill>
                   <a:srgbClr val="000000"/>
                 </a:solidFill>
@@ -10483,14 +10483,14 @@
           </a:ln>
           <a:extLst>
             <a:ext uri="{909E8E84-426E-40dd-AFC4-6F175D3DCCD1}">
-              <a14:hiddenFill xmlns="" xmlns:a14="http://schemas.microsoft.com/office/drawing/2010/main">
+              <a14:hiddenFill xmlns:a14="http://schemas.microsoft.com/office/drawing/2010/main" xmlns="">
                 <a:solidFill>
                   <a:srgbClr val="FFFFFF"/>
                 </a:solidFill>
               </a14:hiddenFill>
             </a:ext>
             <a:ext uri="{91240B29-F687-4f45-9708-019B960494DF}">
-              <a14:hiddenLine xmlns="" xmlns:a14="http://schemas.microsoft.com/office/drawing/2010/main" w="9525">
+              <a14:hiddenLine xmlns:a14="http://schemas.microsoft.com/office/drawing/2010/main" xmlns="" w="9525">
                 <a:solidFill>
                   <a:srgbClr val="000000"/>
                 </a:solidFill>
@@ -12626,14 +12626,14 @@
           </a:ln>
           <a:extLst>
             <a:ext uri="{909E8E84-426E-40dd-AFC4-6F175D3DCCD1}">
-              <a14:hiddenFill xmlns="" xmlns:a14="http://schemas.microsoft.com/office/drawing/2010/main">
+              <a14:hiddenFill xmlns:a14="http://schemas.microsoft.com/office/drawing/2010/main" xmlns="">
                 <a:solidFill>
                   <a:srgbClr val="FFFFFF"/>
                 </a:solidFill>
               </a14:hiddenFill>
             </a:ext>
             <a:ext uri="{91240B29-F687-4f45-9708-019B960494DF}">
-              <a14:hiddenLine xmlns="" xmlns:a14="http://schemas.microsoft.com/office/drawing/2010/main" w="9525">
+              <a14:hiddenLine xmlns:a14="http://schemas.microsoft.com/office/drawing/2010/main" xmlns="" w="9525">
                 <a:solidFill>
                   <a:srgbClr val="000000"/>
                 </a:solidFill>
@@ -12845,30 +12845,14 @@
           <a:p>
             <a:r>
               <a:rPr lang="en-US" altLang="zh-TW" kern="0" dirty="0"/>
-              <a:t>Hit Point</a:t>
+              <a:t>Definition</a:t>
             </a:r>
           </a:p>
           <a:p>
             <a:pPr lvl="1"/>
             <a:r>
               <a:rPr lang="en-US" altLang="zh-TW" kern="0" dirty="0"/>
-              <a:t>The overlap of a Metal-2 routing</a:t>
-            </a:r>
-            <a:r>
-              <a:rPr lang="zh-TW" altLang="en-US" kern="0" dirty="0"/>
-              <a:t> </a:t>
-            </a:r>
-            <a:r>
-              <a:rPr lang="en-US" altLang="zh-TW" kern="0" dirty="0"/>
-              <a:t>track and</a:t>
-            </a:r>
-            <a:r>
-              <a:rPr lang="zh-TW" altLang="en-US" kern="0" dirty="0"/>
-              <a:t> </a:t>
-            </a:r>
-            <a:r>
-              <a:rPr lang="en-US" altLang="zh-TW" kern="0" dirty="0"/>
-              <a:t>an I/O pin shape</a:t>
+              <a:t>Local Density Uniformity(          ): </a:t>
             </a:r>
             <a:endParaRPr lang="en-US" altLang="zh-TW" sz="2400" kern="0" dirty="0">
               <a:solidFill>
@@ -12879,6 +12863,19 @@
           <a:p>
             <a:pPr lvl="1"/>
             <a:endParaRPr lang="en-US" altLang="zh-TW" kern="0" dirty="0"/>
+          </a:p>
+          <a:p>
+            <a:r>
+              <a:rPr lang="en-US" altLang="zh-TW" kern="0" dirty="0"/>
+              <a:t>Problem Formulation</a:t>
+            </a:r>
+          </a:p>
+          <a:p>
+            <a:pPr lvl="1"/>
+            <a:r>
+              <a:rPr lang="en-US" altLang="zh-TW" kern="0" dirty="0"/>
+              <a:t>Assign all vertices in the decomposition graph into three colors (masks) to minimize the stitch number and the conflict number, while keeping all density uniformities as small as possible </a:t>
+            </a:r>
           </a:p>
           <a:p>
             <a:endParaRPr lang="en-US" altLang="zh-TW" kern="0" dirty="0"/>
@@ -12914,8 +12911,67 @@
         </p:blipFill>
         <p:spPr>
           <a:xfrm>
-            <a:off x="609600" y="2748278"/>
-            <a:ext cx="4766320" cy="3576322"/>
+            <a:off x="6273140" y="3429000"/>
+            <a:ext cx="4523865" cy="3394400"/>
+          </a:xfrm>
+          <a:prstGeom prst="rect">
+            <a:avLst/>
+          </a:prstGeom>
+        </p:spPr>
+      </p:pic>
+      <p:pic>
+        <p:nvPicPr>
+          <p:cNvPr id="7" name="圖片 6">
+            <a:extLst>
+              <a:ext uri="{FF2B5EF4-FFF2-40B4-BE49-F238E27FC236}">
+                <a16:creationId xmlns:a16="http://schemas.microsoft.com/office/drawing/2014/main" id="{07E336E8-77A8-4754-AF7C-819ECEFA0E97}"/>
+              </a:ext>
+            </a:extLst>
+          </p:cNvPr>
+          <p:cNvPicPr>
+            <a:picLocks noChangeAspect="1"/>
+          </p:cNvPicPr>
+          <p:nvPr/>
+        </p:nvPicPr>
+        <p:blipFill>
+          <a:blip r:embed="rId3"/>
+          <a:stretch>
+            <a:fillRect/>
+          </a:stretch>
+        </p:blipFill>
+        <p:spPr>
+          <a:xfrm>
+            <a:off x="5437425" y="1526774"/>
+            <a:ext cx="4523865" cy="493041"/>
+          </a:xfrm>
+          <a:prstGeom prst="rect">
+            <a:avLst/>
+          </a:prstGeom>
+        </p:spPr>
+      </p:pic>
+      <p:pic>
+        <p:nvPicPr>
+          <p:cNvPr id="8" name="圖片 7">
+            <a:extLst>
+              <a:ext uri="{FF2B5EF4-FFF2-40B4-BE49-F238E27FC236}">
+                <a16:creationId xmlns:a16="http://schemas.microsoft.com/office/drawing/2014/main" id="{7724A604-AB95-43E4-A60F-FE5775A58AC7}"/>
+              </a:ext>
+            </a:extLst>
+          </p:cNvPr>
+          <p:cNvPicPr>
+            <a:picLocks noChangeAspect="1"/>
+          </p:cNvPicPr>
+          <p:nvPr/>
+        </p:nvPicPr>
+        <p:blipFill rotWithShape="1">
+          <a:blip r:embed="rId4"/>
+          <a:srcRect l="9737" t="-9420" r="8386" b="5901"/>
+          <a:stretch/>
+        </p:blipFill>
+        <p:spPr>
+          <a:xfrm>
+            <a:off x="4557348" y="1521912"/>
+            <a:ext cx="604291" cy="466455"/>
           </a:xfrm>
           <a:prstGeom prst="rect">
             <a:avLst/>

--- a/Double Patterning/A High-Performance Triple Patterning Layout Decomposer.pptx
+++ b/Double Patterning/A High-Performance Triple Patterning Layout Decomposer.pptx
@@ -6,29 +6,28 @@
     <p:sldMasterId id="2147483673" r:id="rId2"/>
   </p:sldMasterIdLst>
   <p:notesMasterIdLst>
-    <p:notesMasterId r:id="rId20"/>
+    <p:notesMasterId r:id="rId19"/>
   </p:notesMasterIdLst>
   <p:handoutMasterIdLst>
-    <p:handoutMasterId r:id="rId21"/>
+    <p:handoutMasterId r:id="rId20"/>
   </p:handoutMasterIdLst>
   <p:sldIdLst>
     <p:sldId id="357" r:id="rId3"/>
     <p:sldId id="358" r:id="rId4"/>
     <p:sldId id="375" r:id="rId5"/>
     <p:sldId id="360" r:id="rId6"/>
-    <p:sldId id="482" r:id="rId7"/>
-    <p:sldId id="485" r:id="rId8"/>
-    <p:sldId id="486" r:id="rId9"/>
-    <p:sldId id="376" r:id="rId10"/>
-    <p:sldId id="385" r:id="rId11"/>
-    <p:sldId id="487" r:id="rId12"/>
-    <p:sldId id="489" r:id="rId13"/>
-    <p:sldId id="367" r:id="rId14"/>
-    <p:sldId id="377" r:id="rId15"/>
-    <p:sldId id="483" r:id="rId16"/>
-    <p:sldId id="379" r:id="rId17"/>
-    <p:sldId id="366" r:id="rId18"/>
-    <p:sldId id="475" r:id="rId19"/>
+    <p:sldId id="376" r:id="rId7"/>
+    <p:sldId id="385" r:id="rId8"/>
+    <p:sldId id="487" r:id="rId9"/>
+    <p:sldId id="489" r:id="rId10"/>
+    <p:sldId id="490" r:id="rId11"/>
+    <p:sldId id="377" r:id="rId12"/>
+    <p:sldId id="483" r:id="rId13"/>
+    <p:sldId id="491" r:id="rId14"/>
+    <p:sldId id="492" r:id="rId15"/>
+    <p:sldId id="379" r:id="rId16"/>
+    <p:sldId id="366" r:id="rId17"/>
+    <p:sldId id="475" r:id="rId18"/>
   </p:sldIdLst>
   <p:sldSz cx="12192000" cy="6858000"/>
   <p:notesSz cx="6797675" cy="9928225"/>
@@ -1275,7 +1274,7 @@
               <a:pPr>
                 <a:defRPr/>
               </a:pPr>
-              <a:t>5</a:t>
+              <a:t>15</a:t>
             </a:fld>
             <a:endParaRPr lang="en-US" altLang="zh-Hant" dirty="0"/>
           </a:p>
@@ -1284,7 +1283,7 @@
     </p:spTree>
     <p:extLst>
       <p:ext uri="{BB962C8B-B14F-4D97-AF65-F5344CB8AC3E}">
-        <p14:creationId xmlns:p14="http://schemas.microsoft.com/office/powerpoint/2010/main" val="2746717492"/>
+        <p14:creationId xmlns:p14="http://schemas.microsoft.com/office/powerpoint/2010/main" val="4007608523"/>
       </p:ext>
     </p:extLst>
   </p:cSld>
@@ -1313,186 +1312,6 @@
       </p:grpSpPr>
       <p:sp>
         <p:nvSpPr>
-          <p:cNvPr id="2" name="投影片影像版面配置區 1"/>
-          <p:cNvSpPr>
-            <a:spLocks noGrp="1" noRot="1" noChangeAspect="1"/>
-          </p:cNvSpPr>
-          <p:nvPr>
-            <p:ph type="sldImg"/>
-          </p:nvPr>
-        </p:nvSpPr>
-        <p:spPr/>
-      </p:sp>
-      <p:sp>
-        <p:nvSpPr>
-          <p:cNvPr id="3" name="備忘稿版面配置區 2"/>
-          <p:cNvSpPr>
-            <a:spLocks noGrp="1"/>
-          </p:cNvSpPr>
-          <p:nvPr>
-            <p:ph type="body" idx="1"/>
-          </p:nvPr>
-        </p:nvSpPr>
-        <p:spPr/>
-        <p:txBody>
-          <a:bodyPr/>
-          <a:lstStyle/>
-          <a:p>
-            <a:endParaRPr lang="zh-TW" altLang="en-US" dirty="0"/>
-          </a:p>
-        </p:txBody>
-      </p:sp>
-      <p:sp>
-        <p:nvSpPr>
-          <p:cNvPr id="4" name="投影片編號版面配置區 3"/>
-          <p:cNvSpPr>
-            <a:spLocks noGrp="1"/>
-          </p:cNvSpPr>
-          <p:nvPr>
-            <p:ph type="sldNum" sz="quarter" idx="5"/>
-          </p:nvPr>
-        </p:nvSpPr>
-        <p:spPr/>
-        <p:txBody>
-          <a:bodyPr/>
-          <a:lstStyle/>
-          <a:p>
-            <a:pPr>
-              <a:defRPr/>
-            </a:pPr>
-            <a:fld id="{F805D155-4C6A-4B13-920E-C2B08AFD570F}" type="slidenum">
-              <a:rPr lang="en-US" altLang="zh-Hant" smtClean="0"/>
-              <a:pPr>
-                <a:defRPr/>
-              </a:pPr>
-              <a:t>6</a:t>
-            </a:fld>
-            <a:endParaRPr lang="en-US" altLang="zh-Hant" dirty="0"/>
-          </a:p>
-        </p:txBody>
-      </p:sp>
-    </p:spTree>
-    <p:extLst>
-      <p:ext uri="{BB962C8B-B14F-4D97-AF65-F5344CB8AC3E}">
-        <p14:creationId xmlns:p14="http://schemas.microsoft.com/office/powerpoint/2010/main" val="2085171707"/>
-      </p:ext>
-    </p:extLst>
-  </p:cSld>
-  <p:clrMapOvr>
-    <a:masterClrMapping/>
-  </p:clrMapOvr>
-</p:notes>
-</file>
-
-<file path=ppt/notesSlides/notesSlide4.xml><?xml version="1.0" encoding="utf-8"?>
-<p:notes xmlns:a="http://schemas.openxmlformats.org/drawingml/2006/main" xmlns:r="http://schemas.openxmlformats.org/officeDocument/2006/relationships" xmlns:p="http://schemas.openxmlformats.org/presentationml/2006/main">
-  <p:cSld>
-    <p:spTree>
-      <p:nvGrpSpPr>
-        <p:cNvPr id="1" name=""/>
-        <p:cNvGrpSpPr/>
-        <p:nvPr/>
-      </p:nvGrpSpPr>
-      <p:grpSpPr>
-        <a:xfrm>
-          <a:off x="0" y="0"/>
-          <a:ext cx="0" cy="0"/>
-          <a:chOff x="0" y="0"/>
-          <a:chExt cx="0" cy="0"/>
-        </a:xfrm>
-      </p:grpSpPr>
-      <p:sp>
-        <p:nvSpPr>
-          <p:cNvPr id="2" name="投影片影像版面配置區 1"/>
-          <p:cNvSpPr>
-            <a:spLocks noGrp="1" noRot="1" noChangeAspect="1"/>
-          </p:cNvSpPr>
-          <p:nvPr>
-            <p:ph type="sldImg"/>
-          </p:nvPr>
-        </p:nvSpPr>
-        <p:spPr/>
-      </p:sp>
-      <p:sp>
-        <p:nvSpPr>
-          <p:cNvPr id="3" name="備忘稿版面配置區 2"/>
-          <p:cNvSpPr>
-            <a:spLocks noGrp="1"/>
-          </p:cNvSpPr>
-          <p:nvPr>
-            <p:ph type="body" idx="1"/>
-          </p:nvPr>
-        </p:nvSpPr>
-        <p:spPr/>
-        <p:txBody>
-          <a:bodyPr/>
-          <a:lstStyle/>
-          <a:p>
-            <a:endParaRPr lang="zh-TW" altLang="en-US" dirty="0"/>
-          </a:p>
-        </p:txBody>
-      </p:sp>
-      <p:sp>
-        <p:nvSpPr>
-          <p:cNvPr id="4" name="投影片編號版面配置區 3"/>
-          <p:cNvSpPr>
-            <a:spLocks noGrp="1"/>
-          </p:cNvSpPr>
-          <p:nvPr>
-            <p:ph type="sldNum" sz="quarter" idx="5"/>
-          </p:nvPr>
-        </p:nvSpPr>
-        <p:spPr/>
-        <p:txBody>
-          <a:bodyPr/>
-          <a:lstStyle/>
-          <a:p>
-            <a:pPr>
-              <a:defRPr/>
-            </a:pPr>
-            <a:fld id="{F805D155-4C6A-4B13-920E-C2B08AFD570F}" type="slidenum">
-              <a:rPr lang="en-US" altLang="zh-Hant" smtClean="0"/>
-              <a:pPr>
-                <a:defRPr/>
-              </a:pPr>
-              <a:t>16</a:t>
-            </a:fld>
-            <a:endParaRPr lang="en-US" altLang="zh-Hant" dirty="0"/>
-          </a:p>
-        </p:txBody>
-      </p:sp>
-    </p:spTree>
-    <p:extLst>
-      <p:ext uri="{BB962C8B-B14F-4D97-AF65-F5344CB8AC3E}">
-        <p14:creationId xmlns:p14="http://schemas.microsoft.com/office/powerpoint/2010/main" val="4007608523"/>
-      </p:ext>
-    </p:extLst>
-  </p:cSld>
-  <p:clrMapOvr>
-    <a:masterClrMapping/>
-  </p:clrMapOvr>
-</p:notes>
-</file>
-
-<file path=ppt/notesSlides/notesSlide5.xml><?xml version="1.0" encoding="utf-8"?>
-<p:notes xmlns:a="http://schemas.openxmlformats.org/drawingml/2006/main" xmlns:r="http://schemas.openxmlformats.org/officeDocument/2006/relationships" xmlns:p="http://schemas.openxmlformats.org/presentationml/2006/main">
-  <p:cSld>
-    <p:spTree>
-      <p:nvGrpSpPr>
-        <p:cNvPr id="1" name=""/>
-        <p:cNvGrpSpPr/>
-        <p:nvPr/>
-      </p:nvGrpSpPr>
-      <p:grpSpPr>
-        <a:xfrm>
-          <a:off x="0" y="0"/>
-          <a:ext cx="0" cy="0"/>
-          <a:chOff x="0" y="0"/>
-          <a:chExt cx="0" cy="0"/>
-        </a:xfrm>
-      </p:grpSpPr>
-      <p:sp>
-        <p:nvSpPr>
           <p:cNvPr id="40962" name="Rectangle 7"/>
           <p:cNvSpPr>
             <a:spLocks noGrp="1" noChangeArrowheads="1"/>
@@ -1514,7 +1333,7 @@
               <a:pPr>
                 <a:defRPr/>
               </a:pPr>
-              <a:t>17</a:t>
+              <a:t>16</a:t>
             </a:fld>
             <a:endParaRPr lang="en-US" altLang="zh-TW"/>
           </a:p>
@@ -9976,7 +9795,7 @@
           <p:cNvPr id="2" name="標題 1">
             <a:extLst>
               <a:ext uri="{FF2B5EF4-FFF2-40B4-BE49-F238E27FC236}">
-                <a16:creationId xmlns:a16="http://schemas.microsoft.com/office/drawing/2014/main" id="{86200F7A-34CF-43A3-9077-D256DCFA7065}"/>
+                <a16:creationId xmlns:a16="http://schemas.microsoft.com/office/drawing/2014/main" id="{0E21B4C5-E7C1-43FF-A86B-ED12A45C57FC}"/>
               </a:ext>
             </a:extLst>
           </p:cNvPr>
@@ -9994,7 +9813,7 @@
           <a:p>
             <a:r>
               <a:rPr lang="en-US" altLang="zh-TW" dirty="0"/>
-              <a:t>LELE-Aware Via-1 Assignment (PAO)</a:t>
+              <a:t>Outline</a:t>
             </a:r>
             <a:endParaRPr lang="zh-TW" altLang="en-US" dirty="0"/>
           </a:p>
@@ -10005,7 +9824,7 @@
           <p:cNvPr id="3" name="內容版面配置區 2">
             <a:extLst>
               <a:ext uri="{FF2B5EF4-FFF2-40B4-BE49-F238E27FC236}">
-                <a16:creationId xmlns:a16="http://schemas.microsoft.com/office/drawing/2014/main" id="{E17A835A-9E7E-4580-9A9B-404A75EAFCF0}"/>
+                <a16:creationId xmlns:a16="http://schemas.microsoft.com/office/drawing/2014/main" id="{A7731B0D-BFCA-4942-8434-BA43449D5D22}"/>
               </a:ext>
             </a:extLst>
           </p:cNvPr>
@@ -10022,12 +9841,52 @@
           <a:lstStyle/>
           <a:p>
             <a:r>
+              <a:rPr lang="en-US" altLang="zh-TW" dirty="0">
+                <a:solidFill>
+                  <a:schemeClr val="bg1">
+                    <a:lumMod val="75000"/>
+                  </a:schemeClr>
+                </a:solidFill>
+              </a:rPr>
+              <a:t>Introduction</a:t>
+            </a:r>
+          </a:p>
+          <a:p>
+            <a:r>
+              <a:rPr lang="en-US" altLang="zh-TW" dirty="0">
+                <a:solidFill>
+                  <a:schemeClr val="bg1">
+                    <a:lumMod val="75000"/>
+                  </a:schemeClr>
+                </a:solidFill>
+              </a:rPr>
+              <a:t>Problem Formulation</a:t>
+            </a:r>
+          </a:p>
+          <a:p>
+            <a:r>
               <a:rPr lang="en-US" altLang="zh-TW" dirty="0"/>
-              <a:t>Construct Search Tree</a:t>
-            </a:r>
-          </a:p>
-          <a:p>
-            <a:endParaRPr lang="en-US" altLang="zh-TW" dirty="0"/>
+              <a:t>Experimental Results</a:t>
+            </a:r>
+          </a:p>
+          <a:p>
+            <a:r>
+              <a:rPr lang="en-US" altLang="zh-TW" dirty="0">
+                <a:solidFill>
+                  <a:schemeClr val="bg1">
+                    <a:lumMod val="75000"/>
+                  </a:schemeClr>
+                </a:solidFill>
+              </a:rPr>
+              <a:t>Conclusion</a:t>
+            </a:r>
+            <a:endParaRPr lang="zh-TW" altLang="en-US" dirty="0">
+              <a:solidFill>
+                <a:schemeClr val="bg1">
+                  <a:lumMod val="75000"/>
+                </a:schemeClr>
+              </a:solidFill>
+            </a:endParaRPr>
           </a:p>
         </p:txBody>
       </p:sp>
@@ -10036,7 +9895,7 @@
           <p:cNvPr id="4" name="日期版面配置區 3">
             <a:extLst>
               <a:ext uri="{FF2B5EF4-FFF2-40B4-BE49-F238E27FC236}">
-                <a16:creationId xmlns:a16="http://schemas.microsoft.com/office/drawing/2014/main" id="{C44B5E25-8A6F-41B7-81BF-A47D2D64C6E9}"/>
+                <a16:creationId xmlns:a16="http://schemas.microsoft.com/office/drawing/2014/main" id="{D0037C9E-6880-425F-BD51-65FD3D5207EC}"/>
               </a:ext>
             </a:extLst>
           </p:cNvPr>
@@ -10068,7 +9927,7 @@
           <p:cNvPr id="5" name="投影片編號版面配置區 4">
             <a:extLst>
               <a:ext uri="{FF2B5EF4-FFF2-40B4-BE49-F238E27FC236}">
-                <a16:creationId xmlns:a16="http://schemas.microsoft.com/office/drawing/2014/main" id="{5F7E3AD9-CE14-4A6D-AF06-ECB218AFB0FF}"/>
+                <a16:creationId xmlns:a16="http://schemas.microsoft.com/office/drawing/2014/main" id="{F98953EF-304E-45D1-82DE-8EC49FAFB54C}"/>
               </a:ext>
             </a:extLst>
           </p:cNvPr>
@@ -10098,70 +9957,10 @@
           </a:p>
         </p:txBody>
       </p:sp>
-      <p:pic>
-        <p:nvPicPr>
-          <p:cNvPr id="8" name="圖片 7">
-            <a:extLst>
-              <a:ext uri="{FF2B5EF4-FFF2-40B4-BE49-F238E27FC236}">
-                <a16:creationId xmlns:a16="http://schemas.microsoft.com/office/drawing/2014/main" id="{5EEF12BC-0F7A-4444-8FB3-CBE841A46507}"/>
-              </a:ext>
-            </a:extLst>
-          </p:cNvPr>
-          <p:cNvPicPr>
-            <a:picLocks noChangeAspect="1"/>
-          </p:cNvPicPr>
-          <p:nvPr/>
-        </p:nvPicPr>
-        <p:blipFill>
-          <a:blip r:embed="rId2"/>
-          <a:stretch>
-            <a:fillRect/>
-          </a:stretch>
-        </p:blipFill>
-        <p:spPr>
-          <a:xfrm>
-            <a:off x="6528048" y="859909"/>
-            <a:ext cx="4719089" cy="5867400"/>
-          </a:xfrm>
-          <a:prstGeom prst="rect">
-            <a:avLst/>
-          </a:prstGeom>
-        </p:spPr>
-      </p:pic>
-      <p:pic>
-        <p:nvPicPr>
-          <p:cNvPr id="9" name="圖片 8">
-            <a:extLst>
-              <a:ext uri="{FF2B5EF4-FFF2-40B4-BE49-F238E27FC236}">
-                <a16:creationId xmlns:a16="http://schemas.microsoft.com/office/drawing/2014/main" id="{C05E9F44-83DA-494D-99D9-B221005C288C}"/>
-              </a:ext>
-            </a:extLst>
-          </p:cNvPr>
-          <p:cNvPicPr>
-            <a:picLocks noChangeAspect="1"/>
-          </p:cNvPicPr>
-          <p:nvPr/>
-        </p:nvPicPr>
-        <p:blipFill>
-          <a:blip r:embed="rId3"/>
-          <a:stretch>
-            <a:fillRect/>
-          </a:stretch>
-        </p:blipFill>
-        <p:spPr>
-          <a:xfrm>
-            <a:off x="1362403" y="2276872"/>
-            <a:ext cx="4435426" cy="3414631"/>
-          </a:xfrm>
-          <a:prstGeom prst="rect">
-            <a:avLst/>
-          </a:prstGeom>
-        </p:spPr>
-      </p:pic>
     </p:spTree>
     <p:extLst>
       <p:ext uri="{BB962C8B-B14F-4D97-AF65-F5344CB8AC3E}">
-        <p14:creationId xmlns:p14="http://schemas.microsoft.com/office/powerpoint/2010/main" val="1338106709"/>
+        <p14:creationId xmlns:p14="http://schemas.microsoft.com/office/powerpoint/2010/main" val="3732529621"/>
       </p:ext>
     </p:extLst>
   </p:cSld>
@@ -10190,10 +9989,35 @@
       </p:grpSpPr>
       <p:sp>
         <p:nvSpPr>
+          <p:cNvPr id="6" name="內容版面配置區 5">
+            <a:extLst>
+              <a:ext uri="{FF2B5EF4-FFF2-40B4-BE49-F238E27FC236}">
+                <a16:creationId xmlns:a16="http://schemas.microsoft.com/office/drawing/2014/main" id="{5BE914E2-4FEC-47A9-8DE8-8454256406B8}"/>
+              </a:ext>
+            </a:extLst>
+          </p:cNvPr>
+          <p:cNvSpPr>
+            <a:spLocks noGrp="1"/>
+          </p:cNvSpPr>
+          <p:nvPr>
+            <p:ph idx="1"/>
+          </p:nvPr>
+        </p:nvSpPr>
+        <p:spPr/>
+        <p:txBody>
+          <a:bodyPr/>
+          <a:lstStyle/>
+          <a:p>
+            <a:endParaRPr lang="zh-TW" altLang="en-US" dirty="0"/>
+          </a:p>
+        </p:txBody>
+      </p:sp>
+      <p:sp>
+        <p:nvSpPr>
           <p:cNvPr id="2" name="標題 1">
             <a:extLst>
               <a:ext uri="{FF2B5EF4-FFF2-40B4-BE49-F238E27FC236}">
-                <a16:creationId xmlns:a16="http://schemas.microsoft.com/office/drawing/2014/main" id="{761D04CB-154D-4396-9606-4AC9C66CD209}"/>
+                <a16:creationId xmlns:a16="http://schemas.microsoft.com/office/drawing/2014/main" id="{B36C0CBB-73B6-4523-BBAB-8A0776641E37}"/>
               </a:ext>
             </a:extLst>
           </p:cNvPr>
@@ -10211,7 +10035,7 @@
           <a:p>
             <a:r>
               <a:rPr lang="en-US" altLang="zh-TW" dirty="0"/>
-              <a:t>SAPD-Aware Pin Access</a:t>
+              <a:t>Experimental Results</a:t>
             </a:r>
             <a:endParaRPr lang="zh-TW" altLang="en-US" dirty="0"/>
           </a:p>
@@ -10219,10 +10043,10 @@
       </p:sp>
       <p:sp>
         <p:nvSpPr>
-          <p:cNvPr id="3" name="內容版面配置區 2">
+          <p:cNvPr id="4" name="日期版面配置區 3">
             <a:extLst>
               <a:ext uri="{FF2B5EF4-FFF2-40B4-BE49-F238E27FC236}">
-                <a16:creationId xmlns:a16="http://schemas.microsoft.com/office/drawing/2014/main" id="{88AB7CD0-F762-4E2D-A0A9-DC62FFFA1B01}"/>
+                <a16:creationId xmlns:a16="http://schemas.microsoft.com/office/drawing/2014/main" id="{AA0AB3A0-3BE2-4B22-A5DE-56B2D61246E9}"/>
               </a:ext>
             </a:extLst>
           </p:cNvPr>
@@ -10230,87 +10054,6 @@
             <a:spLocks noGrp="1"/>
           </p:cNvSpPr>
           <p:nvPr>
-            <p:ph idx="1"/>
-          </p:nvPr>
-        </p:nvSpPr>
-        <p:spPr/>
-        <p:txBody>
-          <a:bodyPr/>
-          <a:lstStyle/>
-          <a:p>
-            <a:r>
-              <a:rPr lang="en-US" altLang="zh-TW" dirty="0"/>
-              <a:t>Mathematical Formulation</a:t>
-            </a:r>
-            <a:endParaRPr lang="en-US" altLang="zh-TW" sz="2400" dirty="0">
-              <a:solidFill>
-                <a:schemeClr val="tx1"/>
-              </a:solidFill>
-            </a:endParaRPr>
-          </a:p>
-          <a:p>
-            <a:pPr lvl="1"/>
-            <a:endParaRPr lang="en-US" altLang="zh-TW" sz="2000" dirty="0">
-              <a:solidFill>
-                <a:srgbClr val="000066"/>
-              </a:solidFill>
-            </a:endParaRPr>
-          </a:p>
-          <a:p>
-            <a:pPr lvl="1"/>
-            <a:endParaRPr lang="en-US" altLang="zh-TW" dirty="0"/>
-          </a:p>
-          <a:p>
-            <a:pPr lvl="1"/>
-            <a:endParaRPr lang="en-US" altLang="zh-TW" sz="2000" dirty="0">
-              <a:solidFill>
-                <a:srgbClr val="000066"/>
-              </a:solidFill>
-            </a:endParaRPr>
-          </a:p>
-          <a:p>
-            <a:pPr lvl="1"/>
-            <a:endParaRPr lang="en-US" altLang="zh-TW" dirty="0"/>
-          </a:p>
-          <a:p>
-            <a:pPr marL="457200" lvl="1" indent="0">
-              <a:buNone/>
-            </a:pPr>
-            <a:endParaRPr lang="en-US" altLang="zh-TW" sz="2000" dirty="0">
-              <a:solidFill>
-                <a:srgbClr val="000066"/>
-              </a:solidFill>
-            </a:endParaRPr>
-          </a:p>
-          <a:p>
-            <a:pPr lvl="1"/>
-            <a:endParaRPr lang="en-US" altLang="zh-TW" sz="2000" dirty="0">
-              <a:solidFill>
-                <a:srgbClr val="000066"/>
-              </a:solidFill>
-            </a:endParaRPr>
-          </a:p>
-          <a:p>
-            <a:r>
-              <a:rPr lang="en-US" altLang="zh-TW" dirty="0"/>
-              <a:t>MILP Formulation</a:t>
-            </a:r>
-          </a:p>
-        </p:txBody>
-      </p:sp>
-      <p:sp>
-        <p:nvSpPr>
-          <p:cNvPr id="4" name="日期版面配置區 3">
-            <a:extLst>
-              <a:ext uri="{FF2B5EF4-FFF2-40B4-BE49-F238E27FC236}">
-                <a16:creationId xmlns:a16="http://schemas.microsoft.com/office/drawing/2014/main" id="{2ECA3260-1C5B-420B-B103-93780B5C8E95}"/>
-              </a:ext>
-            </a:extLst>
-          </p:cNvPr>
-          <p:cNvSpPr>
-            <a:spLocks noGrp="1"/>
-          </p:cNvSpPr>
-          <p:nvPr>
             <p:ph type="dt" sz="half" idx="10"/>
           </p:nvPr>
         </p:nvSpPr>
@@ -10335,7 +10078,7 @@
           <p:cNvPr id="5" name="投影片編號版面配置區 4">
             <a:extLst>
               <a:ext uri="{FF2B5EF4-FFF2-40B4-BE49-F238E27FC236}">
-                <a16:creationId xmlns:a16="http://schemas.microsoft.com/office/drawing/2014/main" id="{2F30EAD0-AF70-4904-9931-AB2481ED7334}"/>
+                <a16:creationId xmlns:a16="http://schemas.microsoft.com/office/drawing/2014/main" id="{57565F14-FD05-4976-8E7B-8467A0AC3A92}"/>
               </a:ext>
             </a:extLst>
           </p:cNvPr>
@@ -10367,10 +10110,10 @@
       </p:sp>
       <p:pic>
         <p:nvPicPr>
-          <p:cNvPr id="6" name="圖片 5">
+          <p:cNvPr id="7" name="圖片 6">
             <a:extLst>
               <a:ext uri="{FF2B5EF4-FFF2-40B4-BE49-F238E27FC236}">
-                <a16:creationId xmlns:a16="http://schemas.microsoft.com/office/drawing/2014/main" id="{65C7F9D0-0337-41CE-8D1E-048691366DDD}"/>
+                <a16:creationId xmlns:a16="http://schemas.microsoft.com/office/drawing/2014/main" id="{6595D371-7933-4306-ADCD-69FCA9F1D0D6}"/>
               </a:ext>
             </a:extLst>
           </p:cNvPr>
@@ -10387,411 +10130,8 @@
         </p:blipFill>
         <p:spPr>
           <a:xfrm>
-            <a:off x="1028015" y="1512408"/>
-            <a:ext cx="2625412" cy="2097176"/>
-          </a:xfrm>
-          <a:prstGeom prst="rect">
-            <a:avLst/>
-          </a:prstGeom>
-        </p:spPr>
-      </p:pic>
-      <p:pic>
-        <p:nvPicPr>
-          <p:cNvPr id="7" name="圖片 6">
-            <a:extLst>
-              <a:ext uri="{FF2B5EF4-FFF2-40B4-BE49-F238E27FC236}">
-                <a16:creationId xmlns:a16="http://schemas.microsoft.com/office/drawing/2014/main" id="{7A0D4F2B-DC4E-4182-8035-0D084E897474}"/>
-              </a:ext>
-            </a:extLst>
-          </p:cNvPr>
-          <p:cNvPicPr>
-            <a:picLocks noChangeAspect="1"/>
-          </p:cNvPicPr>
-          <p:nvPr/>
-        </p:nvPicPr>
-        <p:blipFill>
-          <a:blip r:embed="rId3"/>
-          <a:stretch>
-            <a:fillRect/>
-          </a:stretch>
-        </p:blipFill>
-        <p:spPr>
-          <a:xfrm>
-            <a:off x="1271464" y="4005064"/>
-            <a:ext cx="2187665" cy="606106"/>
-          </a:xfrm>
-          <a:prstGeom prst="rect">
-            <a:avLst/>
-          </a:prstGeom>
-        </p:spPr>
-      </p:pic>
-      <p:pic>
-        <p:nvPicPr>
-          <p:cNvPr id="8" name="圖片 7">
-            <a:extLst>
-              <a:ext uri="{FF2B5EF4-FFF2-40B4-BE49-F238E27FC236}">
-                <a16:creationId xmlns:a16="http://schemas.microsoft.com/office/drawing/2014/main" id="{793273F7-60D0-4250-8366-DC5B6F481FCE}"/>
-              </a:ext>
-            </a:extLst>
-          </p:cNvPr>
-          <p:cNvPicPr>
-            <a:picLocks noChangeAspect="1"/>
-          </p:cNvPicPr>
-          <p:nvPr/>
-        </p:nvPicPr>
-        <p:blipFill>
-          <a:blip r:embed="rId4"/>
-          <a:stretch>
-            <a:fillRect/>
-          </a:stretch>
-        </p:blipFill>
-        <p:spPr>
-          <a:xfrm>
-            <a:off x="1271464" y="4655878"/>
-            <a:ext cx="2540001" cy="1637862"/>
-          </a:xfrm>
-          <a:prstGeom prst="rect">
-            <a:avLst/>
-          </a:prstGeom>
-        </p:spPr>
-      </p:pic>
-      <p:sp>
-        <p:nvSpPr>
-          <p:cNvPr id="9" name="內容版面配置區 2">
-            <a:extLst>
-              <a:ext uri="{FF2B5EF4-FFF2-40B4-BE49-F238E27FC236}">
-                <a16:creationId xmlns:a16="http://schemas.microsoft.com/office/drawing/2014/main" id="{4B3A2B4C-BF18-42BC-8844-E99227629131}"/>
-              </a:ext>
-            </a:extLst>
-          </p:cNvPr>
-          <p:cNvSpPr txBox="1">
-            <a:spLocks/>
-          </p:cNvSpPr>
-          <p:nvPr/>
-        </p:nvSpPr>
-        <p:spPr bwMode="auto">
-          <a:xfrm>
-            <a:off x="6048132" y="990600"/>
-            <a:ext cx="5432668" cy="5105400"/>
-          </a:xfrm>
-          <a:prstGeom prst="rect">
-            <a:avLst/>
-          </a:prstGeom>
-          <a:noFill/>
-          <a:ln>
-            <a:noFill/>
-          </a:ln>
-          <a:extLst>
-            <a:ext uri="{909E8E84-426E-40dd-AFC4-6F175D3DCCD1}">
-              <a14:hiddenFill xmlns:a14="http://schemas.microsoft.com/office/drawing/2010/main" xmlns="">
-                <a:solidFill>
-                  <a:srgbClr val="FFFFFF"/>
-                </a:solidFill>
-              </a14:hiddenFill>
-            </a:ext>
-            <a:ext uri="{91240B29-F687-4f45-9708-019B960494DF}">
-              <a14:hiddenLine xmlns:a14="http://schemas.microsoft.com/office/drawing/2010/main" xmlns="" w="9525">
-                <a:solidFill>
-                  <a:srgbClr val="000000"/>
-                </a:solidFill>
-                <a:miter lim="800000"/>
-                <a:headEnd/>
-                <a:tailEnd/>
-              </a14:hiddenLine>
-            </a:ext>
-          </a:extLst>
-        </p:spPr>
-        <p:txBody>
-          <a:bodyPr vert="horz" wrap="square" lIns="91440" tIns="45720" rIns="91440" bIns="45720" numCol="1" anchor="t" anchorCtr="0" compatLnSpc="1">
-            <a:prstTxWarp prst="textNoShape">
-              <a:avLst/>
-            </a:prstTxWarp>
-          </a:bodyPr>
-          <a:lstStyle>
-            <a:lvl1pPr marL="342900" indent="-342900" algn="l" rtl="0" eaLnBrk="0" fontAlgn="base" hangingPunct="0">
-              <a:spcBef>
-                <a:spcPct val="20000"/>
-              </a:spcBef>
-              <a:spcAft>
-                <a:spcPct val="0"/>
-              </a:spcAft>
-              <a:buClr>
-                <a:schemeClr val="tx1"/>
-              </a:buClr>
-              <a:buSzPct val="120000"/>
-              <a:buFont typeface="標楷體" pitchFamily="65" charset="-120"/>
-              <a:buChar char="․"/>
-              <a:defRPr kumimoji="1" sz="2400">
-                <a:solidFill>
-                  <a:schemeClr val="tx1"/>
-                </a:solidFill>
-                <a:latin typeface="+mn-lt"/>
-                <a:ea typeface="+mn-ea"/>
-                <a:cs typeface="+mn-cs"/>
-              </a:defRPr>
-            </a:lvl1pPr>
-            <a:lvl2pPr marL="742950" indent="-285750" algn="l" rtl="0" eaLnBrk="0" fontAlgn="base" hangingPunct="0">
-              <a:spcBef>
-                <a:spcPct val="20000"/>
-              </a:spcBef>
-              <a:spcAft>
-                <a:spcPct val="0"/>
-              </a:spcAft>
-              <a:buClr>
-                <a:srgbClr val="000099"/>
-              </a:buClr>
-              <a:buSzPct val="55000"/>
-              <a:buFont typeface="Symbol" pitchFamily="18" charset="2"/>
-              <a:buChar char="¾"/>
-              <a:defRPr kumimoji="1" sz="2000">
-                <a:solidFill>
-                  <a:srgbClr val="000066"/>
-                </a:solidFill>
-                <a:latin typeface="+mn-lt"/>
-                <a:ea typeface="+mn-ea"/>
-              </a:defRPr>
-            </a:lvl2pPr>
-            <a:lvl3pPr marL="1143000" indent="-228600" algn="l" rtl="0" eaLnBrk="0" fontAlgn="base" hangingPunct="0">
-              <a:spcBef>
-                <a:spcPct val="20000"/>
-              </a:spcBef>
-              <a:spcAft>
-                <a:spcPct val="0"/>
-              </a:spcAft>
-              <a:buClr>
-                <a:srgbClr val="003300"/>
-              </a:buClr>
-              <a:buSzPct val="50000"/>
-              <a:buFont typeface="Wingdings" pitchFamily="2" charset="2"/>
-              <a:buChar char="n"/>
-              <a:defRPr kumimoji="1" sz="1800">
-                <a:solidFill>
-                  <a:srgbClr val="003300"/>
-                </a:solidFill>
-                <a:latin typeface="+mn-lt"/>
-                <a:ea typeface="+mn-ea"/>
-              </a:defRPr>
-            </a:lvl3pPr>
-            <a:lvl4pPr marL="1600200" indent="-228600" algn="l" rtl="0" eaLnBrk="0" fontAlgn="base" hangingPunct="0">
-              <a:spcBef>
-                <a:spcPct val="20000"/>
-              </a:spcBef>
-              <a:spcAft>
-                <a:spcPct val="0"/>
-              </a:spcAft>
-              <a:buClr>
-                <a:srgbClr val="990000"/>
-              </a:buClr>
-              <a:buSzPct val="55000"/>
-              <a:buFont typeface="Wingdings" pitchFamily="2" charset="2"/>
-              <a:buChar char="n"/>
-              <a:defRPr kumimoji="1" sz="2000">
-                <a:solidFill>
-                  <a:srgbClr val="990000"/>
-                </a:solidFill>
-                <a:latin typeface="+mn-lt"/>
-                <a:ea typeface="+mn-ea"/>
-              </a:defRPr>
-            </a:lvl4pPr>
-            <a:lvl5pPr marL="2057400" indent="-228600" algn="l" rtl="0" eaLnBrk="0" fontAlgn="base" hangingPunct="0">
-              <a:spcBef>
-                <a:spcPct val="20000"/>
-              </a:spcBef>
-              <a:spcAft>
-                <a:spcPct val="0"/>
-              </a:spcAft>
-              <a:buClr>
-                <a:srgbClr val="000066"/>
-              </a:buClr>
-              <a:buSzPct val="50000"/>
-              <a:buFont typeface="Wingdings" pitchFamily="2" charset="2"/>
-              <a:buChar char="n"/>
-              <a:defRPr kumimoji="1" sz="2000">
-                <a:solidFill>
-                  <a:schemeClr val="tx1"/>
-                </a:solidFill>
-                <a:latin typeface="+mn-lt"/>
-                <a:ea typeface="+mn-ea"/>
-              </a:defRPr>
-            </a:lvl5pPr>
-            <a:lvl6pPr marL="2514600" indent="-228600" algn="l" rtl="0" fontAlgn="base">
-              <a:spcBef>
-                <a:spcPct val="20000"/>
-              </a:spcBef>
-              <a:spcAft>
-                <a:spcPct val="0"/>
-              </a:spcAft>
-              <a:buClr>
-                <a:srgbClr val="000066"/>
-              </a:buClr>
-              <a:buSzPct val="50000"/>
-              <a:buFont typeface="Wingdings" pitchFamily="2" charset="2"/>
-              <a:buChar char="n"/>
-              <a:defRPr kumimoji="1" sz="2000">
-                <a:solidFill>
-                  <a:schemeClr val="tx1"/>
-                </a:solidFill>
-                <a:latin typeface="+mn-lt"/>
-                <a:ea typeface="+mn-ea"/>
-              </a:defRPr>
-            </a:lvl6pPr>
-            <a:lvl7pPr marL="2971800" indent="-228600" algn="l" rtl="0" fontAlgn="base">
-              <a:spcBef>
-                <a:spcPct val="20000"/>
-              </a:spcBef>
-              <a:spcAft>
-                <a:spcPct val="0"/>
-              </a:spcAft>
-              <a:buClr>
-                <a:srgbClr val="000066"/>
-              </a:buClr>
-              <a:buSzPct val="50000"/>
-              <a:buFont typeface="Wingdings" pitchFamily="2" charset="2"/>
-              <a:buChar char="n"/>
-              <a:defRPr kumimoji="1" sz="2000">
-                <a:solidFill>
-                  <a:schemeClr val="tx1"/>
-                </a:solidFill>
-                <a:latin typeface="+mn-lt"/>
-                <a:ea typeface="+mn-ea"/>
-              </a:defRPr>
-            </a:lvl7pPr>
-            <a:lvl8pPr marL="3429000" indent="-228600" algn="l" rtl="0" fontAlgn="base">
-              <a:spcBef>
-                <a:spcPct val="20000"/>
-              </a:spcBef>
-              <a:spcAft>
-                <a:spcPct val="0"/>
-              </a:spcAft>
-              <a:buClr>
-                <a:srgbClr val="000066"/>
-              </a:buClr>
-              <a:buSzPct val="50000"/>
-              <a:buFont typeface="Wingdings" pitchFamily="2" charset="2"/>
-              <a:buChar char="n"/>
-              <a:defRPr kumimoji="1" sz="2000">
-                <a:solidFill>
-                  <a:schemeClr val="tx1"/>
-                </a:solidFill>
-                <a:latin typeface="+mn-lt"/>
-                <a:ea typeface="+mn-ea"/>
-              </a:defRPr>
-            </a:lvl8pPr>
-            <a:lvl9pPr marL="3886200" indent="-228600" algn="l" rtl="0" fontAlgn="base">
-              <a:spcBef>
-                <a:spcPct val="20000"/>
-              </a:spcBef>
-              <a:spcAft>
-                <a:spcPct val="0"/>
-              </a:spcAft>
-              <a:buClr>
-                <a:srgbClr val="000066"/>
-              </a:buClr>
-              <a:buSzPct val="50000"/>
-              <a:buFont typeface="Wingdings" pitchFamily="2" charset="2"/>
-              <a:buChar char="n"/>
-              <a:defRPr kumimoji="1" sz="2000">
-                <a:solidFill>
-                  <a:schemeClr val="tx1"/>
-                </a:solidFill>
-                <a:latin typeface="+mn-lt"/>
-                <a:ea typeface="+mn-ea"/>
-              </a:defRPr>
-            </a:lvl9pPr>
-          </a:lstStyle>
-          <a:p>
-            <a:r>
-              <a:rPr lang="en-US" altLang="zh-TW" kern="0" dirty="0" err="1"/>
-              <a:t>Lagrangian</a:t>
-            </a:r>
-            <a:r>
-              <a:rPr lang="en-US" altLang="zh-TW" kern="0" dirty="0"/>
-              <a:t> Relaxation</a:t>
-            </a:r>
-          </a:p>
-          <a:p>
-            <a:pPr lvl="1"/>
-            <a:endParaRPr lang="en-US" altLang="zh-TW" kern="0" dirty="0"/>
-          </a:p>
-          <a:p>
-            <a:pPr lvl="1"/>
-            <a:endParaRPr lang="en-US" altLang="zh-TW" kern="0" dirty="0"/>
-          </a:p>
-          <a:p>
-            <a:pPr lvl="1"/>
-            <a:endParaRPr lang="en-US" altLang="zh-TW" kern="0" dirty="0"/>
-          </a:p>
-          <a:p>
-            <a:pPr lvl="1"/>
-            <a:endParaRPr lang="en-US" altLang="zh-TW" kern="0" dirty="0"/>
-          </a:p>
-          <a:p>
-            <a:pPr marL="457200" lvl="1" indent="0">
-              <a:buFont typeface="Symbol" pitchFamily="18" charset="2"/>
-              <a:buNone/>
-            </a:pPr>
-            <a:endParaRPr lang="en-US" altLang="zh-TW" kern="0" dirty="0"/>
-          </a:p>
-          <a:p>
-            <a:pPr lvl="1"/>
-            <a:endParaRPr lang="en-US" altLang="zh-TW" kern="0" dirty="0"/>
-          </a:p>
-        </p:txBody>
-      </p:sp>
-      <p:pic>
-        <p:nvPicPr>
-          <p:cNvPr id="10" name="圖片 9">
-            <a:extLst>
-              <a:ext uri="{FF2B5EF4-FFF2-40B4-BE49-F238E27FC236}">
-                <a16:creationId xmlns:a16="http://schemas.microsoft.com/office/drawing/2014/main" id="{E26D9C59-47AC-4D67-98DE-FE7930E9586D}"/>
-              </a:ext>
-            </a:extLst>
-          </p:cNvPr>
-          <p:cNvPicPr>
-            <a:picLocks noChangeAspect="1"/>
-          </p:cNvPicPr>
-          <p:nvPr/>
-        </p:nvPicPr>
-        <p:blipFill>
-          <a:blip r:embed="rId5"/>
-          <a:stretch>
-            <a:fillRect/>
-          </a:stretch>
-        </p:blipFill>
-        <p:spPr>
-          <a:xfrm>
-            <a:off x="6384032" y="1457194"/>
-            <a:ext cx="3395762" cy="2113849"/>
-          </a:xfrm>
-          <a:prstGeom prst="rect">
-            <a:avLst/>
-          </a:prstGeom>
-        </p:spPr>
-      </p:pic>
-      <p:pic>
-        <p:nvPicPr>
-          <p:cNvPr id="11" name="圖片 10">
-            <a:extLst>
-              <a:ext uri="{FF2B5EF4-FFF2-40B4-BE49-F238E27FC236}">
-                <a16:creationId xmlns:a16="http://schemas.microsoft.com/office/drawing/2014/main" id="{CC799AC7-E04F-4D12-A429-5DD045FE32D6}"/>
-              </a:ext>
-            </a:extLst>
-          </p:cNvPr>
-          <p:cNvPicPr>
-            <a:picLocks noChangeAspect="1"/>
-          </p:cNvPicPr>
-          <p:nvPr/>
-        </p:nvPicPr>
-        <p:blipFill>
-          <a:blip r:embed="rId6"/>
-          <a:stretch>
-            <a:fillRect/>
-          </a:stretch>
-        </p:blipFill>
-        <p:spPr>
-          <a:xfrm>
-            <a:off x="5520729" y="3895032"/>
-            <a:ext cx="5122368" cy="2299838"/>
+            <a:off x="1657349" y="1162423"/>
+            <a:ext cx="8775701" cy="5162177"/>
           </a:xfrm>
           <a:prstGeom prst="rect">
             <a:avLst/>
@@ -10801,7 +10141,7 @@
     </p:spTree>
     <p:extLst>
       <p:ext uri="{BB962C8B-B14F-4D97-AF65-F5344CB8AC3E}">
-        <p14:creationId xmlns:p14="http://schemas.microsoft.com/office/powerpoint/2010/main" val="3128527875"/>
+        <p14:creationId xmlns:p14="http://schemas.microsoft.com/office/powerpoint/2010/main" val="500024535"/>
       </p:ext>
     </p:extLst>
   </p:cSld>
@@ -10830,6 +10170,31 @@
       </p:grpSpPr>
       <p:sp>
         <p:nvSpPr>
+          <p:cNvPr id="6" name="內容版面配置區 5">
+            <a:extLst>
+              <a:ext uri="{FF2B5EF4-FFF2-40B4-BE49-F238E27FC236}">
+                <a16:creationId xmlns:a16="http://schemas.microsoft.com/office/drawing/2014/main" id="{5BE914E2-4FEC-47A9-8DE8-8454256406B8}"/>
+              </a:ext>
+            </a:extLst>
+          </p:cNvPr>
+          <p:cNvSpPr>
+            <a:spLocks noGrp="1"/>
+          </p:cNvSpPr>
+          <p:nvPr>
+            <p:ph idx="1"/>
+          </p:nvPr>
+        </p:nvSpPr>
+        <p:spPr/>
+        <p:txBody>
+          <a:bodyPr/>
+          <a:lstStyle/>
+          <a:p>
+            <a:endParaRPr lang="zh-TW" altLang="en-US" dirty="0"/>
+          </a:p>
+        </p:txBody>
+      </p:sp>
+      <p:sp>
+        <p:nvSpPr>
           <p:cNvPr id="2" name="標題 1">
             <a:extLst>
               <a:ext uri="{FF2B5EF4-FFF2-40B4-BE49-F238E27FC236}">
@@ -10851,34 +10216,9 @@
           <a:p>
             <a:r>
               <a:rPr lang="en-US" altLang="zh-TW" dirty="0"/>
-              <a:t>PICO</a:t>
+              <a:t>Experimental Results</a:t>
             </a:r>
             <a:endParaRPr lang="zh-TW" altLang="en-US" dirty="0"/>
-          </a:p>
-        </p:txBody>
-      </p:sp>
-      <p:sp>
-        <p:nvSpPr>
-          <p:cNvPr id="3" name="內容版面配置區 2">
-            <a:extLst>
-              <a:ext uri="{FF2B5EF4-FFF2-40B4-BE49-F238E27FC236}">
-                <a16:creationId xmlns:a16="http://schemas.microsoft.com/office/drawing/2014/main" id="{902CFE75-50C5-4789-894E-A85AF0E975D3}"/>
-              </a:ext>
-            </a:extLst>
-          </p:cNvPr>
-          <p:cNvSpPr>
-            <a:spLocks noGrp="1"/>
-          </p:cNvSpPr>
-          <p:nvPr>
-            <p:ph idx="1"/>
-          </p:nvPr>
-        </p:nvSpPr>
-        <p:spPr/>
-        <p:txBody>
-          <a:bodyPr/>
-          <a:lstStyle/>
-          <a:p>
-            <a:endParaRPr lang="en-US" altLang="zh-TW" dirty="0"/>
           </a:p>
         </p:txBody>
       </p:sp>
@@ -10907,10 +10247,10 @@
               <a:defRPr/>
             </a:pPr>
             <a:r>
-              <a:rPr lang="en-US" altLang="zh-Hant" dirty="0"/>
+              <a:rPr lang="en-US" altLang="zh-Hant"/>
               <a:t>GIEE, NTU</a:t>
             </a:r>
-            <a:endParaRPr lang="zh-Hant" altLang="zh-Hant" dirty="0"/>
+            <a:endParaRPr lang="zh-Hant" altLang="zh-Hant"/>
           </a:p>
         </p:txBody>
       </p:sp>
@@ -10949,40 +10289,10 @@
           </a:p>
         </p:txBody>
       </p:sp>
-      <p:pic>
-        <p:nvPicPr>
-          <p:cNvPr id="7" name="圖片 6">
-            <a:extLst>
-              <a:ext uri="{FF2B5EF4-FFF2-40B4-BE49-F238E27FC236}">
-                <a16:creationId xmlns:a16="http://schemas.microsoft.com/office/drawing/2014/main" id="{ACCBAFB7-EA82-4A6A-B79A-19150318CC68}"/>
-              </a:ext>
-            </a:extLst>
-          </p:cNvPr>
-          <p:cNvPicPr>
-            <a:picLocks noChangeAspect="1"/>
-          </p:cNvPicPr>
-          <p:nvPr/>
-        </p:nvPicPr>
-        <p:blipFill>
-          <a:blip r:embed="rId2"/>
-          <a:stretch>
-            <a:fillRect/>
-          </a:stretch>
-        </p:blipFill>
-        <p:spPr>
-          <a:xfrm>
-            <a:off x="583086" y="1031813"/>
-            <a:ext cx="11017224" cy="5324537"/>
-          </a:xfrm>
-          <a:prstGeom prst="rect">
-            <a:avLst/>
-          </a:prstGeom>
-        </p:spPr>
-      </p:pic>
     </p:spTree>
     <p:extLst>
       <p:ext uri="{BB962C8B-B14F-4D97-AF65-F5344CB8AC3E}">
-        <p14:creationId xmlns:p14="http://schemas.microsoft.com/office/powerpoint/2010/main" val="3670725709"/>
+        <p14:creationId xmlns:p14="http://schemas.microsoft.com/office/powerpoint/2010/main" val="2322182595"/>
       </p:ext>
     </p:extLst>
   </p:cSld>
@@ -11011,10 +10321,35 @@
       </p:grpSpPr>
       <p:sp>
         <p:nvSpPr>
+          <p:cNvPr id="6" name="內容版面配置區 5">
+            <a:extLst>
+              <a:ext uri="{FF2B5EF4-FFF2-40B4-BE49-F238E27FC236}">
+                <a16:creationId xmlns:a16="http://schemas.microsoft.com/office/drawing/2014/main" id="{5BE914E2-4FEC-47A9-8DE8-8454256406B8}"/>
+              </a:ext>
+            </a:extLst>
+          </p:cNvPr>
+          <p:cNvSpPr>
+            <a:spLocks noGrp="1"/>
+          </p:cNvSpPr>
+          <p:nvPr>
+            <p:ph idx="1"/>
+          </p:nvPr>
+        </p:nvSpPr>
+        <p:spPr/>
+        <p:txBody>
+          <a:bodyPr/>
+          <a:lstStyle/>
+          <a:p>
+            <a:endParaRPr lang="zh-TW" altLang="en-US" dirty="0"/>
+          </a:p>
+        </p:txBody>
+      </p:sp>
+      <p:sp>
+        <p:nvSpPr>
           <p:cNvPr id="2" name="標題 1">
             <a:extLst>
               <a:ext uri="{FF2B5EF4-FFF2-40B4-BE49-F238E27FC236}">
-                <a16:creationId xmlns:a16="http://schemas.microsoft.com/office/drawing/2014/main" id="{0E21B4C5-E7C1-43FF-A86B-ED12A45C57FC}"/>
+                <a16:creationId xmlns:a16="http://schemas.microsoft.com/office/drawing/2014/main" id="{B36C0CBB-73B6-4523-BBAB-8A0776641E37}"/>
               </a:ext>
             </a:extLst>
           </p:cNvPr>
@@ -11032,7 +10367,7 @@
           <a:p>
             <a:r>
               <a:rPr lang="en-US" altLang="zh-TW" dirty="0"/>
-              <a:t>Outline</a:t>
+              <a:t>Experimental Results</a:t>
             </a:r>
             <a:endParaRPr lang="zh-TW" altLang="en-US" dirty="0"/>
           </a:p>
@@ -11040,10 +10375,10 @@
       </p:sp>
       <p:sp>
         <p:nvSpPr>
-          <p:cNvPr id="3" name="內容版面配置區 2">
+          <p:cNvPr id="4" name="日期版面配置區 3">
             <a:extLst>
               <a:ext uri="{FF2B5EF4-FFF2-40B4-BE49-F238E27FC236}">
-                <a16:creationId xmlns:a16="http://schemas.microsoft.com/office/drawing/2014/main" id="{A7731B0D-BFCA-4942-8434-BA43449D5D22}"/>
+                <a16:creationId xmlns:a16="http://schemas.microsoft.com/office/drawing/2014/main" id="{AA0AB3A0-3BE2-4B22-A5DE-56B2D61246E9}"/>
               </a:ext>
             </a:extLst>
           </p:cNvPr>
@@ -11051,77 +10386,6 @@
             <a:spLocks noGrp="1"/>
           </p:cNvSpPr>
           <p:nvPr>
-            <p:ph idx="1"/>
-          </p:nvPr>
-        </p:nvSpPr>
-        <p:spPr/>
-        <p:txBody>
-          <a:bodyPr/>
-          <a:lstStyle/>
-          <a:p>
-            <a:r>
-              <a:rPr lang="en-US" altLang="zh-TW" dirty="0">
-                <a:solidFill>
-                  <a:schemeClr val="bg1">
-                    <a:lumMod val="75000"/>
-                  </a:schemeClr>
-                </a:solidFill>
-              </a:rPr>
-              <a:t>Introduction</a:t>
-            </a:r>
-          </a:p>
-          <a:p>
-            <a:r>
-              <a:rPr lang="en-US" altLang="zh-TW" dirty="0">
-                <a:solidFill>
-                  <a:schemeClr val="bg1">
-                    <a:lumMod val="75000"/>
-                  </a:schemeClr>
-                </a:solidFill>
-              </a:rPr>
-              <a:t>Problem Formulation</a:t>
-            </a:r>
-          </a:p>
-          <a:p>
-            <a:r>
-              <a:rPr lang="en-US" altLang="zh-TW" dirty="0"/>
-              <a:t>Experimental Results</a:t>
-            </a:r>
-          </a:p>
-          <a:p>
-            <a:r>
-              <a:rPr lang="en-US" altLang="zh-TW" dirty="0">
-                <a:solidFill>
-                  <a:schemeClr val="bg1">
-                    <a:lumMod val="75000"/>
-                  </a:schemeClr>
-                </a:solidFill>
-              </a:rPr>
-              <a:t>Conclusion</a:t>
-            </a:r>
-            <a:endParaRPr lang="zh-TW" altLang="en-US" dirty="0">
-              <a:solidFill>
-                <a:schemeClr val="bg1">
-                  <a:lumMod val="75000"/>
-                </a:schemeClr>
-              </a:solidFill>
-            </a:endParaRPr>
-          </a:p>
-        </p:txBody>
-      </p:sp>
-      <p:sp>
-        <p:nvSpPr>
-          <p:cNvPr id="4" name="日期版面配置區 3">
-            <a:extLst>
-              <a:ext uri="{FF2B5EF4-FFF2-40B4-BE49-F238E27FC236}">
-                <a16:creationId xmlns:a16="http://schemas.microsoft.com/office/drawing/2014/main" id="{D0037C9E-6880-425F-BD51-65FD3D5207EC}"/>
-              </a:ext>
-            </a:extLst>
-          </p:cNvPr>
-          <p:cNvSpPr>
-            <a:spLocks noGrp="1"/>
-          </p:cNvSpPr>
-          <p:nvPr>
             <p:ph type="dt" sz="half" idx="10"/>
           </p:nvPr>
         </p:nvSpPr>
@@ -11146,7 +10410,7 @@
           <p:cNvPr id="5" name="投影片編號版面配置區 4">
             <a:extLst>
               <a:ext uri="{FF2B5EF4-FFF2-40B4-BE49-F238E27FC236}">
-                <a16:creationId xmlns:a16="http://schemas.microsoft.com/office/drawing/2014/main" id="{F98953EF-304E-45D1-82DE-8EC49FAFB54C}"/>
+                <a16:creationId xmlns:a16="http://schemas.microsoft.com/office/drawing/2014/main" id="{57565F14-FD05-4976-8E7B-8467A0AC3A92}"/>
               </a:ext>
             </a:extLst>
           </p:cNvPr>
@@ -11176,10 +10440,70 @@
           </a:p>
         </p:txBody>
       </p:sp>
+      <p:pic>
+        <p:nvPicPr>
+          <p:cNvPr id="3" name="圖片 2">
+            <a:extLst>
+              <a:ext uri="{FF2B5EF4-FFF2-40B4-BE49-F238E27FC236}">
+                <a16:creationId xmlns:a16="http://schemas.microsoft.com/office/drawing/2014/main" id="{89A27CD2-263F-41B1-8BBC-6CBAB956D793}"/>
+              </a:ext>
+            </a:extLst>
+          </p:cNvPr>
+          <p:cNvPicPr>
+            <a:picLocks noChangeAspect="1"/>
+          </p:cNvPicPr>
+          <p:nvPr/>
+        </p:nvPicPr>
+        <p:blipFill>
+          <a:blip r:embed="rId2"/>
+          <a:stretch>
+            <a:fillRect/>
+          </a:stretch>
+        </p:blipFill>
+        <p:spPr>
+          <a:xfrm>
+            <a:off x="235027" y="1928603"/>
+            <a:ext cx="5772956" cy="3000794"/>
+          </a:xfrm>
+          <a:prstGeom prst="rect">
+            <a:avLst/>
+          </a:prstGeom>
+        </p:spPr>
+      </p:pic>
+      <p:pic>
+        <p:nvPicPr>
+          <p:cNvPr id="8" name="圖片 7">
+            <a:extLst>
+              <a:ext uri="{FF2B5EF4-FFF2-40B4-BE49-F238E27FC236}">
+                <a16:creationId xmlns:a16="http://schemas.microsoft.com/office/drawing/2014/main" id="{A9C556F6-EC0C-451C-957F-EBE82C593476}"/>
+              </a:ext>
+            </a:extLst>
+          </p:cNvPr>
+          <p:cNvPicPr>
+            <a:picLocks noChangeAspect="1"/>
+          </p:cNvPicPr>
+          <p:nvPr/>
+        </p:nvPicPr>
+        <p:blipFill>
+          <a:blip r:embed="rId3"/>
+          <a:stretch>
+            <a:fillRect/>
+          </a:stretch>
+        </p:blipFill>
+        <p:spPr>
+          <a:xfrm>
+            <a:off x="6448374" y="1613873"/>
+            <a:ext cx="5472608" cy="3630254"/>
+          </a:xfrm>
+          <a:prstGeom prst="rect">
+            <a:avLst/>
+          </a:prstGeom>
+        </p:spPr>
+      </p:pic>
     </p:spTree>
     <p:extLst>
       <p:ext uri="{BB962C8B-B14F-4D97-AF65-F5344CB8AC3E}">
-        <p14:creationId xmlns:p14="http://schemas.microsoft.com/office/powerpoint/2010/main" val="3732529621"/>
+        <p14:creationId xmlns:p14="http://schemas.microsoft.com/office/powerpoint/2010/main" val="2974511703"/>
       </p:ext>
     </p:extLst>
   </p:cSld>
@@ -11211,7 +10535,7 @@
           <p:cNvPr id="2" name="標題 1">
             <a:extLst>
               <a:ext uri="{FF2B5EF4-FFF2-40B4-BE49-F238E27FC236}">
-                <a16:creationId xmlns:a16="http://schemas.microsoft.com/office/drawing/2014/main" id="{B36C0CBB-73B6-4523-BBAB-8A0776641E37}"/>
+                <a16:creationId xmlns:a16="http://schemas.microsoft.com/office/drawing/2014/main" id="{0E21B4C5-E7C1-43FF-A86B-ED12A45C57FC}"/>
               </a:ext>
             </a:extLst>
           </p:cNvPr>
@@ -11229,50 +10553,83 @@
           <a:p>
             <a:r>
               <a:rPr lang="en-US" altLang="zh-TW" dirty="0"/>
-              <a:t>Experimental Results</a:t>
+              <a:t>Outline</a:t>
             </a:r>
             <a:endParaRPr lang="zh-TW" altLang="en-US" dirty="0"/>
           </a:p>
         </p:txBody>
       </p:sp>
-      <p:pic>
-        <p:nvPicPr>
-          <p:cNvPr id="9" name="內容版面配置區 8">
+      <p:sp>
+        <p:nvSpPr>
+          <p:cNvPr id="3" name="內容版面配置區 2">
             <a:extLst>
               <a:ext uri="{FF2B5EF4-FFF2-40B4-BE49-F238E27FC236}">
-                <a16:creationId xmlns:a16="http://schemas.microsoft.com/office/drawing/2014/main" id="{C021A6BB-6815-4803-A3FC-1F21BA90B96F}"/>
+                <a16:creationId xmlns:a16="http://schemas.microsoft.com/office/drawing/2014/main" id="{A7731B0D-BFCA-4942-8434-BA43449D5D22}"/>
               </a:ext>
             </a:extLst>
           </p:cNvPr>
-          <p:cNvPicPr>
-            <a:picLocks noGrp="1" noChangeAspect="1"/>
-          </p:cNvPicPr>
+          <p:cNvSpPr>
+            <a:spLocks noGrp="1"/>
+          </p:cNvSpPr>
           <p:nvPr>
             <p:ph idx="1"/>
           </p:nvPr>
-        </p:nvPicPr>
-        <p:blipFill>
-          <a:blip r:embed="rId2"/>
-          <a:stretch>
-            <a:fillRect/>
-          </a:stretch>
-        </p:blipFill>
-        <p:spPr>
-          <a:xfrm>
-            <a:off x="417409" y="1412776"/>
-            <a:ext cx="4707255" cy="4104456"/>
-          </a:xfrm>
-          <a:prstGeom prst="rect">
-            <a:avLst/>
-          </a:prstGeom>
-        </p:spPr>
-      </p:pic>
+        </p:nvSpPr>
+        <p:spPr/>
+        <p:txBody>
+          <a:bodyPr/>
+          <a:lstStyle/>
+          <a:p>
+            <a:r>
+              <a:rPr lang="en-US" altLang="zh-TW" dirty="0">
+                <a:solidFill>
+                  <a:schemeClr val="bg1">
+                    <a:lumMod val="75000"/>
+                  </a:schemeClr>
+                </a:solidFill>
+              </a:rPr>
+              <a:t>Introduction</a:t>
+            </a:r>
+          </a:p>
+          <a:p>
+            <a:r>
+              <a:rPr lang="en-US" altLang="zh-TW" dirty="0">
+                <a:solidFill>
+                  <a:schemeClr val="bg1">
+                    <a:lumMod val="75000"/>
+                  </a:schemeClr>
+                </a:solidFill>
+              </a:rPr>
+              <a:t>Algorithms</a:t>
+            </a:r>
+          </a:p>
+          <a:p>
+            <a:r>
+              <a:rPr lang="en-US" altLang="zh-TW" dirty="0">
+                <a:solidFill>
+                  <a:schemeClr val="bg1">
+                    <a:lumMod val="75000"/>
+                  </a:schemeClr>
+                </a:solidFill>
+              </a:rPr>
+              <a:t>Experimental Results</a:t>
+            </a:r>
+          </a:p>
+          <a:p>
+            <a:r>
+              <a:rPr lang="en-US" altLang="zh-TW" dirty="0"/>
+              <a:t>Conclusion</a:t>
+            </a:r>
+            <a:endParaRPr lang="zh-TW" altLang="en-US" dirty="0"/>
+          </a:p>
+        </p:txBody>
+      </p:sp>
       <p:sp>
         <p:nvSpPr>
           <p:cNvPr id="4" name="日期版面配置區 3">
             <a:extLst>
               <a:ext uri="{FF2B5EF4-FFF2-40B4-BE49-F238E27FC236}">
-                <a16:creationId xmlns:a16="http://schemas.microsoft.com/office/drawing/2014/main" id="{AA0AB3A0-3BE2-4B22-A5DE-56B2D61246E9}"/>
+                <a16:creationId xmlns:a16="http://schemas.microsoft.com/office/drawing/2014/main" id="{D0037C9E-6880-425F-BD51-65FD3D5207EC}"/>
               </a:ext>
             </a:extLst>
           </p:cNvPr>
@@ -11304,7 +10661,7 @@
           <p:cNvPr id="5" name="投影片編號版面配置區 4">
             <a:extLst>
               <a:ext uri="{FF2B5EF4-FFF2-40B4-BE49-F238E27FC236}">
-                <a16:creationId xmlns:a16="http://schemas.microsoft.com/office/drawing/2014/main" id="{57565F14-FD05-4976-8E7B-8467A0AC3A92}"/>
+                <a16:creationId xmlns:a16="http://schemas.microsoft.com/office/drawing/2014/main" id="{F98953EF-304E-45D1-82DE-8EC49FAFB54C}"/>
               </a:ext>
             </a:extLst>
           </p:cNvPr>
@@ -11334,70 +10691,10 @@
           </a:p>
         </p:txBody>
       </p:sp>
-      <p:pic>
-        <p:nvPicPr>
-          <p:cNvPr id="10" name="圖片 9">
-            <a:extLst>
-              <a:ext uri="{FF2B5EF4-FFF2-40B4-BE49-F238E27FC236}">
-                <a16:creationId xmlns:a16="http://schemas.microsoft.com/office/drawing/2014/main" id="{F8665BDC-135D-406E-8EEE-480A27F3D2D2}"/>
-              </a:ext>
-            </a:extLst>
-          </p:cNvPr>
-          <p:cNvPicPr>
-            <a:picLocks noChangeAspect="1"/>
-          </p:cNvPicPr>
-          <p:nvPr/>
-        </p:nvPicPr>
-        <p:blipFill>
-          <a:blip r:embed="rId3"/>
-          <a:stretch>
-            <a:fillRect/>
-          </a:stretch>
-        </p:blipFill>
-        <p:spPr>
-          <a:xfrm>
-            <a:off x="5159897" y="931251"/>
-            <a:ext cx="6219304" cy="2528826"/>
-          </a:xfrm>
-          <a:prstGeom prst="rect">
-            <a:avLst/>
-          </a:prstGeom>
-        </p:spPr>
-      </p:pic>
-      <p:pic>
-        <p:nvPicPr>
-          <p:cNvPr id="11" name="圖片 10">
-            <a:extLst>
-              <a:ext uri="{FF2B5EF4-FFF2-40B4-BE49-F238E27FC236}">
-                <a16:creationId xmlns:a16="http://schemas.microsoft.com/office/drawing/2014/main" id="{60141413-462D-4DA3-9D4F-7902E8A83F99}"/>
-              </a:ext>
-            </a:extLst>
-          </p:cNvPr>
-          <p:cNvPicPr>
-            <a:picLocks noChangeAspect="1"/>
-          </p:cNvPicPr>
-          <p:nvPr/>
-        </p:nvPicPr>
-        <p:blipFill>
-          <a:blip r:embed="rId4"/>
-          <a:stretch>
-            <a:fillRect/>
-          </a:stretch>
-        </p:blipFill>
-        <p:spPr>
-          <a:xfrm>
-            <a:off x="5591945" y="3484808"/>
-            <a:ext cx="5112568" cy="3003187"/>
-          </a:xfrm>
-          <a:prstGeom prst="rect">
-            <a:avLst/>
-          </a:prstGeom>
-        </p:spPr>
-      </p:pic>
     </p:spTree>
     <p:extLst>
       <p:ext uri="{BB962C8B-B14F-4D97-AF65-F5344CB8AC3E}">
-        <p14:creationId xmlns:p14="http://schemas.microsoft.com/office/powerpoint/2010/main" val="500024535"/>
+        <p14:creationId xmlns:p14="http://schemas.microsoft.com/office/powerpoint/2010/main" val="2208720815"/>
       </p:ext>
     </p:extLst>
   </p:cSld>
@@ -11429,7 +10726,7 @@
           <p:cNvPr id="2" name="標題 1">
             <a:extLst>
               <a:ext uri="{FF2B5EF4-FFF2-40B4-BE49-F238E27FC236}">
-                <a16:creationId xmlns:a16="http://schemas.microsoft.com/office/drawing/2014/main" id="{0E21B4C5-E7C1-43FF-A86B-ED12A45C57FC}"/>
+                <a16:creationId xmlns:a16="http://schemas.microsoft.com/office/drawing/2014/main" id="{B36C0CBB-73B6-4523-BBAB-8A0776641E37}"/>
               </a:ext>
             </a:extLst>
           </p:cNvPr>
@@ -11447,7 +10744,7 @@
           <a:p>
             <a:r>
               <a:rPr lang="en-US" altLang="zh-TW" dirty="0"/>
-              <a:t>Outline</a:t>
+              <a:t>Conclusion</a:t>
             </a:r>
             <a:endParaRPr lang="zh-TW" altLang="en-US" dirty="0"/>
           </a:p>
@@ -11458,7 +10755,7 @@
           <p:cNvPr id="3" name="內容版面配置區 2">
             <a:extLst>
               <a:ext uri="{FF2B5EF4-FFF2-40B4-BE49-F238E27FC236}">
-                <a16:creationId xmlns:a16="http://schemas.microsoft.com/office/drawing/2014/main" id="{A7731B0D-BFCA-4942-8434-BA43449D5D22}"/>
+                <a16:creationId xmlns:a16="http://schemas.microsoft.com/office/drawing/2014/main" id="{902CFE75-50C5-4789-894E-A85AF0E975D3}"/>
               </a:ext>
             </a:extLst>
           </p:cNvPr>
@@ -11475,45 +10772,40 @@
           <a:lstStyle/>
           <a:p>
             <a:r>
-              <a:rPr lang="en-US" altLang="zh-TW" dirty="0">
-                <a:solidFill>
-                  <a:schemeClr val="bg1">
-                    <a:lumMod val="75000"/>
-                  </a:schemeClr>
-                </a:solidFill>
-              </a:rPr>
-              <a:t>Introduction</a:t>
-            </a:r>
-          </a:p>
-          <a:p>
-            <a:r>
-              <a:rPr lang="en-US" altLang="zh-TW" dirty="0">
-                <a:solidFill>
-                  <a:schemeClr val="bg1">
-                    <a:lumMod val="75000"/>
-                  </a:schemeClr>
-                </a:solidFill>
-              </a:rPr>
-              <a:t>Algorithms</a:t>
-            </a:r>
-          </a:p>
-          <a:p>
-            <a:r>
-              <a:rPr lang="en-US" altLang="zh-TW" dirty="0">
-                <a:solidFill>
-                  <a:schemeClr val="bg1">
-                    <a:lumMod val="75000"/>
-                  </a:schemeClr>
-                </a:solidFill>
-              </a:rPr>
-              <a:t>Experimental Results</a:t>
-            </a:r>
-          </a:p>
-          <a:p>
-            <a:r>
               <a:rPr lang="en-US" altLang="zh-TW" dirty="0"/>
-              <a:t>Conclusion</a:t>
-            </a:r>
+              <a:t>Density balancing is integrated into all the key steps of the decomposition flow</a:t>
+            </a:r>
+            <a:endParaRPr lang="en" altLang="zh-TW" dirty="0"/>
+          </a:p>
+          <a:p>
+            <a:pPr marL="0" indent="0" algn="l">
+              <a:buNone/>
+            </a:pPr>
+            <a:endParaRPr lang="en-US" altLang="zh-TW" dirty="0"/>
+          </a:p>
+          <a:p>
+            <a:r>
+              <a:rPr lang="en-US" altLang="zh-TW" dirty="0"/>
+              <a:t>Propose a set of speedup techniques, such as layout graph cut vertex stitch forbiddance, decomposition graph vertex clustering, and fast color assignment trial</a:t>
+            </a:r>
+            <a:endParaRPr lang="en" altLang="zh-TW" dirty="0"/>
+          </a:p>
+          <a:p>
+            <a:pPr marL="0" indent="0">
+              <a:buNone/>
+            </a:pPr>
+            <a:endParaRPr lang="en" altLang="zh-TW" dirty="0"/>
+          </a:p>
+          <a:p>
+            <a:endParaRPr lang="en" altLang="zh-TW" dirty="0"/>
+          </a:p>
+          <a:p>
+            <a:endParaRPr lang="en" altLang="zh-TW" dirty="0"/>
+          </a:p>
+          <a:p>
+            <a:endParaRPr lang="en" altLang="zh-TW" dirty="0"/>
+          </a:p>
+          <a:p>
             <a:endParaRPr lang="zh-TW" altLang="en-US" dirty="0"/>
           </a:p>
         </p:txBody>
@@ -11523,7 +10815,7 @@
           <p:cNvPr id="4" name="日期版面配置區 3">
             <a:extLst>
               <a:ext uri="{FF2B5EF4-FFF2-40B4-BE49-F238E27FC236}">
-                <a16:creationId xmlns:a16="http://schemas.microsoft.com/office/drawing/2014/main" id="{D0037C9E-6880-425F-BD51-65FD3D5207EC}"/>
+                <a16:creationId xmlns:a16="http://schemas.microsoft.com/office/drawing/2014/main" id="{AA0AB3A0-3BE2-4B22-A5DE-56B2D61246E9}"/>
               </a:ext>
             </a:extLst>
           </p:cNvPr>
@@ -11543,10 +10835,10 @@
               <a:defRPr/>
             </a:pPr>
             <a:r>
-              <a:rPr lang="en-US" altLang="zh-Hant"/>
+              <a:rPr lang="en-US" altLang="zh-Hant" dirty="0"/>
               <a:t>GIEE, NTU</a:t>
             </a:r>
-            <a:endParaRPr lang="zh-Hant" altLang="zh-Hant"/>
+            <a:endParaRPr lang="zh-Hant" altLang="zh-Hant" dirty="0"/>
           </a:p>
         </p:txBody>
       </p:sp>
@@ -11555,7 +10847,7 @@
           <p:cNvPr id="5" name="投影片編號版面配置區 4">
             <a:extLst>
               <a:ext uri="{FF2B5EF4-FFF2-40B4-BE49-F238E27FC236}">
-                <a16:creationId xmlns:a16="http://schemas.microsoft.com/office/drawing/2014/main" id="{F98953EF-304E-45D1-82DE-8EC49FAFB54C}"/>
+                <a16:creationId xmlns:a16="http://schemas.microsoft.com/office/drawing/2014/main" id="{57565F14-FD05-4976-8E7B-8467A0AC3A92}"/>
               </a:ext>
             </a:extLst>
           </p:cNvPr>
@@ -11580,199 +10872,6 @@
                 <a:defRPr/>
               </a:pPr>
               <a:t>15</a:t>
-            </a:fld>
-            <a:endParaRPr lang="en-US" altLang="zh-Hant" dirty="0"/>
-          </a:p>
-        </p:txBody>
-      </p:sp>
-    </p:spTree>
-    <p:extLst>
-      <p:ext uri="{BB962C8B-B14F-4D97-AF65-F5344CB8AC3E}">
-        <p14:creationId xmlns:p14="http://schemas.microsoft.com/office/powerpoint/2010/main" val="2208720815"/>
-      </p:ext>
-    </p:extLst>
-  </p:cSld>
-  <p:clrMapOvr>
-    <a:masterClrMapping/>
-  </p:clrMapOvr>
-</p:sld>
-</file>
-
-<file path=ppt/slides/slide16.xml><?xml version="1.0" encoding="utf-8"?>
-<p:sld xmlns:a="http://schemas.openxmlformats.org/drawingml/2006/main" xmlns:r="http://schemas.openxmlformats.org/officeDocument/2006/relationships" xmlns:p="http://schemas.openxmlformats.org/presentationml/2006/main">
-  <p:cSld>
-    <p:spTree>
-      <p:nvGrpSpPr>
-        <p:cNvPr id="1" name=""/>
-        <p:cNvGrpSpPr/>
-        <p:nvPr/>
-      </p:nvGrpSpPr>
-      <p:grpSpPr>
-        <a:xfrm>
-          <a:off x="0" y="0"/>
-          <a:ext cx="0" cy="0"/>
-          <a:chOff x="0" y="0"/>
-          <a:chExt cx="0" cy="0"/>
-        </a:xfrm>
-      </p:grpSpPr>
-      <p:sp>
-        <p:nvSpPr>
-          <p:cNvPr id="2" name="標題 1">
-            <a:extLst>
-              <a:ext uri="{FF2B5EF4-FFF2-40B4-BE49-F238E27FC236}">
-                <a16:creationId xmlns:a16="http://schemas.microsoft.com/office/drawing/2014/main" id="{B36C0CBB-73B6-4523-BBAB-8A0776641E37}"/>
-              </a:ext>
-            </a:extLst>
-          </p:cNvPr>
-          <p:cNvSpPr>
-            <a:spLocks noGrp="1"/>
-          </p:cNvSpPr>
-          <p:nvPr>
-            <p:ph type="title"/>
-          </p:nvPr>
-        </p:nvSpPr>
-        <p:spPr/>
-        <p:txBody>
-          <a:bodyPr/>
-          <a:lstStyle/>
-          <a:p>
-            <a:r>
-              <a:rPr lang="en-US" altLang="zh-TW" dirty="0"/>
-              <a:t>Conclusion</a:t>
-            </a:r>
-            <a:endParaRPr lang="zh-TW" altLang="en-US" dirty="0"/>
-          </a:p>
-        </p:txBody>
-      </p:sp>
-      <p:sp>
-        <p:nvSpPr>
-          <p:cNvPr id="3" name="內容版面配置區 2">
-            <a:extLst>
-              <a:ext uri="{FF2B5EF4-FFF2-40B4-BE49-F238E27FC236}">
-                <a16:creationId xmlns:a16="http://schemas.microsoft.com/office/drawing/2014/main" id="{902CFE75-50C5-4789-894E-A85AF0E975D3}"/>
-              </a:ext>
-            </a:extLst>
-          </p:cNvPr>
-          <p:cNvSpPr>
-            <a:spLocks noGrp="1"/>
-          </p:cNvSpPr>
-          <p:nvPr>
-            <p:ph idx="1"/>
-          </p:nvPr>
-        </p:nvSpPr>
-        <p:spPr/>
-        <p:txBody>
-          <a:bodyPr/>
-          <a:lstStyle/>
-          <a:p>
-            <a:pPr algn="l"/>
-            <a:r>
-              <a:rPr lang="en-US" altLang="zh-TW" dirty="0"/>
-              <a:t>Proposes propose a systematic methodology and introduce two algorithms, PAO for a specific I/O hit point combination and PICO for a SC</a:t>
-            </a:r>
-            <a:endParaRPr lang="en" altLang="zh-TW" dirty="0"/>
-          </a:p>
-          <a:p>
-            <a:endParaRPr lang="en" altLang="zh-TW" dirty="0"/>
-          </a:p>
-          <a:p>
-            <a:pPr algn="l"/>
-            <a:r>
-              <a:rPr lang="en-US" altLang="zh-TW" dirty="0"/>
-              <a:t>Future Work: extend the PAO technique to </a:t>
-            </a:r>
-            <a:r>
-              <a:rPr lang="en-US" altLang="zh-TW"/>
-              <a:t>the intercell pin </a:t>
-            </a:r>
-            <a:r>
-              <a:rPr lang="en-US" altLang="zh-TW" dirty="0"/>
-              <a:t>access study considering placement level information</a:t>
-            </a:r>
-            <a:endParaRPr lang="en" altLang="zh-TW" dirty="0"/>
-          </a:p>
-          <a:p>
-            <a:pPr marL="0" indent="0">
-              <a:buNone/>
-            </a:pPr>
-            <a:endParaRPr lang="en" altLang="zh-TW" dirty="0"/>
-          </a:p>
-          <a:p>
-            <a:endParaRPr lang="en" altLang="zh-TW" dirty="0"/>
-          </a:p>
-          <a:p>
-            <a:endParaRPr lang="en" altLang="zh-TW" dirty="0"/>
-          </a:p>
-          <a:p>
-            <a:endParaRPr lang="en" altLang="zh-TW" dirty="0"/>
-          </a:p>
-          <a:p>
-            <a:endParaRPr lang="zh-TW" altLang="en-US" dirty="0"/>
-          </a:p>
-        </p:txBody>
-      </p:sp>
-      <p:sp>
-        <p:nvSpPr>
-          <p:cNvPr id="4" name="日期版面配置區 3">
-            <a:extLst>
-              <a:ext uri="{FF2B5EF4-FFF2-40B4-BE49-F238E27FC236}">
-                <a16:creationId xmlns:a16="http://schemas.microsoft.com/office/drawing/2014/main" id="{AA0AB3A0-3BE2-4B22-A5DE-56B2D61246E9}"/>
-              </a:ext>
-            </a:extLst>
-          </p:cNvPr>
-          <p:cNvSpPr>
-            <a:spLocks noGrp="1"/>
-          </p:cNvSpPr>
-          <p:nvPr>
-            <p:ph type="dt" sz="half" idx="10"/>
-          </p:nvPr>
-        </p:nvSpPr>
-        <p:spPr/>
-        <p:txBody>
-          <a:bodyPr/>
-          <a:lstStyle/>
-          <a:p>
-            <a:pPr>
-              <a:defRPr/>
-            </a:pPr>
-            <a:r>
-              <a:rPr lang="en-US" altLang="zh-Hant" dirty="0"/>
-              <a:t>GIEE, NTU</a:t>
-            </a:r>
-            <a:endParaRPr lang="zh-Hant" altLang="zh-Hant" dirty="0"/>
-          </a:p>
-        </p:txBody>
-      </p:sp>
-      <p:sp>
-        <p:nvSpPr>
-          <p:cNvPr id="5" name="投影片編號版面配置區 4">
-            <a:extLst>
-              <a:ext uri="{FF2B5EF4-FFF2-40B4-BE49-F238E27FC236}">
-                <a16:creationId xmlns:a16="http://schemas.microsoft.com/office/drawing/2014/main" id="{57565F14-FD05-4976-8E7B-8467A0AC3A92}"/>
-              </a:ext>
-            </a:extLst>
-          </p:cNvPr>
-          <p:cNvSpPr>
-            <a:spLocks noGrp="1"/>
-          </p:cNvSpPr>
-          <p:nvPr>
-            <p:ph type="sldNum" sz="quarter" idx="11"/>
-          </p:nvPr>
-        </p:nvSpPr>
-        <p:spPr/>
-        <p:txBody>
-          <a:bodyPr/>
-          <a:lstStyle/>
-          <a:p>
-            <a:pPr>
-              <a:defRPr/>
-            </a:pPr>
-            <a:fld id="{5A007831-3536-4435-90C1-461D060F6A03}" type="slidenum">
-              <a:rPr lang="zh-Hant" altLang="en-US" smtClean="0"/>
-              <a:pPr>
-                <a:defRPr/>
-              </a:pPr>
-              <a:t>16</a:t>
             </a:fld>
             <a:endParaRPr lang="en-US" altLang="zh-Hant" dirty="0"/>
           </a:p>
@@ -11791,7 +10890,7 @@
 </p:sld>
 </file>
 
-<file path=ppt/slides/slide17.xml><?xml version="1.0" encoding="utf-8"?>
+<file path=ppt/slides/slide16.xml><?xml version="1.0" encoding="utf-8"?>
 <p:sld xmlns:a="http://schemas.openxmlformats.org/drawingml/2006/main" xmlns:r="http://schemas.openxmlformats.org/officeDocument/2006/relationships" xmlns:p="http://schemas.openxmlformats.org/presentationml/2006/main">
   <p:cSld>
     <p:spTree>
@@ -13013,7 +12112,7 @@
           <p:cNvPr id="2" name="標題 1">
             <a:extLst>
               <a:ext uri="{FF2B5EF4-FFF2-40B4-BE49-F238E27FC236}">
-                <a16:creationId xmlns:a16="http://schemas.microsoft.com/office/drawing/2014/main" id="{B36C0CBB-73B6-4523-BBAB-8A0776641E37}"/>
+                <a16:creationId xmlns:a16="http://schemas.microsoft.com/office/drawing/2014/main" id="{0E21B4C5-E7C1-43FF-A86B-ED12A45C57FC}"/>
               </a:ext>
             </a:extLst>
           </p:cNvPr>
@@ -13031,7 +12130,7 @@
           <a:p>
             <a:r>
               <a:rPr lang="en-US" altLang="zh-TW" dirty="0"/>
-              <a:t>Definitions</a:t>
+              <a:t>Outline</a:t>
             </a:r>
             <a:endParaRPr lang="zh-TW" altLang="en-US" dirty="0"/>
           </a:p>
@@ -13042,7 +12141,7 @@
           <p:cNvPr id="3" name="內容版面配置區 2">
             <a:extLst>
               <a:ext uri="{FF2B5EF4-FFF2-40B4-BE49-F238E27FC236}">
-                <a16:creationId xmlns:a16="http://schemas.microsoft.com/office/drawing/2014/main" id="{902CFE75-50C5-4789-894E-A85AF0E975D3}"/>
+                <a16:creationId xmlns:a16="http://schemas.microsoft.com/office/drawing/2014/main" id="{A7731B0D-BFCA-4942-8434-BA43449D5D22}"/>
               </a:ext>
             </a:extLst>
           </p:cNvPr>
@@ -13059,160 +12158,90 @@
           <a:lstStyle/>
           <a:p>
             <a:r>
+              <a:rPr lang="en-US" altLang="zh-TW" dirty="0">
+                <a:solidFill>
+                  <a:schemeClr val="bg1">
+                    <a:lumMod val="75000"/>
+                  </a:schemeClr>
+                </a:solidFill>
+              </a:rPr>
+              <a:t>Introduction</a:t>
+            </a:r>
+          </a:p>
+          <a:p>
+            <a:r>
               <a:rPr lang="en-US" altLang="zh-TW" dirty="0"/>
-              <a:t>Hit Point</a:t>
-            </a:r>
-            <a:endParaRPr lang="en-US" altLang="zh-TW" sz="2400" dirty="0">
+              <a:t>Algorithms</a:t>
+            </a:r>
+          </a:p>
+          <a:p>
+            <a:r>
+              <a:rPr lang="en-US" altLang="zh-TW" dirty="0">
+                <a:solidFill>
+                  <a:schemeClr val="bg1">
+                    <a:lumMod val="75000"/>
+                  </a:schemeClr>
+                </a:solidFill>
+              </a:rPr>
+              <a:t>Proposed Flow</a:t>
+            </a:r>
+          </a:p>
+          <a:p>
+            <a:pPr lvl="1"/>
+            <a:r>
+              <a:rPr lang="en-US" altLang="zh-TW" dirty="0">
+                <a:solidFill>
+                  <a:schemeClr val="bg1">
+                    <a:lumMod val="75000"/>
+                  </a:schemeClr>
+                </a:solidFill>
+              </a:rPr>
+              <a:t>Dynamic IR drop prediction</a:t>
+            </a:r>
+          </a:p>
+          <a:p>
+            <a:pPr lvl="1"/>
+            <a:r>
+              <a:rPr lang="en-US" altLang="zh-TW" dirty="0">
+                <a:solidFill>
+                  <a:schemeClr val="bg1">
+                    <a:lumMod val="75000"/>
+                  </a:schemeClr>
+                </a:solidFill>
+              </a:rPr>
+              <a:t>Dynamic IR drop aware cell movement</a:t>
+            </a:r>
+          </a:p>
+          <a:p>
+            <a:r>
+              <a:rPr lang="en-US" altLang="zh-TW" dirty="0">
+                <a:solidFill>
+                  <a:schemeClr val="bg1">
+                    <a:lumMod val="75000"/>
+                  </a:schemeClr>
+                </a:solidFill>
+              </a:rPr>
+              <a:t>Experimental Results</a:t>
+            </a:r>
+          </a:p>
+          <a:p>
+            <a:r>
+              <a:rPr lang="en-US" altLang="zh-TW" dirty="0">
+                <a:solidFill>
+                  <a:schemeClr val="bg1">
+                    <a:lumMod val="75000"/>
+                  </a:schemeClr>
+                </a:solidFill>
+              </a:rPr>
+              <a:t>Conclusion</a:t>
+            </a:r>
+            <a:endParaRPr lang="zh-TW" altLang="en-US" dirty="0">
               <a:solidFill>
-                <a:schemeClr val="tx1"/>
+                <a:schemeClr val="bg1">
+                  <a:lumMod val="75000"/>
+                </a:schemeClr>
               </a:solidFill>
             </a:endParaRPr>
-          </a:p>
-          <a:p>
-            <a:pPr lvl="1"/>
-            <a:r>
-              <a:rPr lang="en-US" altLang="zh-TW" sz="2000" dirty="0">
-                <a:solidFill>
-                  <a:srgbClr val="000066"/>
-                </a:solidFill>
-              </a:rPr>
-              <a:t>The overlap of a Metal-2 routing</a:t>
-            </a:r>
-            <a:r>
-              <a:rPr lang="zh-TW" altLang="en-US" sz="2000" dirty="0">
-                <a:solidFill>
-                  <a:srgbClr val="000066"/>
-                </a:solidFill>
-              </a:rPr>
-              <a:t> </a:t>
-            </a:r>
-            <a:r>
-              <a:rPr lang="en-US" altLang="zh-TW" sz="2000" dirty="0">
-                <a:solidFill>
-                  <a:srgbClr val="000066"/>
-                </a:solidFill>
-              </a:rPr>
-              <a:t>track and</a:t>
-            </a:r>
-            <a:r>
-              <a:rPr lang="zh-TW" altLang="en-US" sz="2000" dirty="0">
-                <a:solidFill>
-                  <a:srgbClr val="000066"/>
-                </a:solidFill>
-              </a:rPr>
-              <a:t> </a:t>
-            </a:r>
-            <a:r>
-              <a:rPr lang="en-US" altLang="zh-TW" sz="2000" dirty="0">
-                <a:solidFill>
-                  <a:srgbClr val="000066"/>
-                </a:solidFill>
-              </a:rPr>
-              <a:t>an I/O pin shape</a:t>
-            </a:r>
-            <a:endParaRPr lang="en-US" altLang="zh-TW" sz="2400" dirty="0">
-              <a:solidFill>
-                <a:schemeClr val="tx1"/>
-              </a:solidFill>
-            </a:endParaRPr>
-          </a:p>
-          <a:p>
-            <a:pPr lvl="1"/>
-            <a:endParaRPr lang="en-US" altLang="zh-TW" sz="2000" dirty="0">
-              <a:solidFill>
-                <a:srgbClr val="000066"/>
-              </a:solidFill>
-            </a:endParaRPr>
-          </a:p>
-          <a:p>
-            <a:r>
-              <a:rPr lang="en-US" altLang="zh-TW" dirty="0"/>
-              <a:t>Hit Point Combination</a:t>
-            </a:r>
-            <a:endParaRPr lang="en-US" altLang="zh-TW" sz="2000" dirty="0">
-              <a:solidFill>
-                <a:srgbClr val="000066"/>
-              </a:solidFill>
-            </a:endParaRPr>
-          </a:p>
-          <a:p>
-            <a:pPr lvl="1"/>
-            <a:r>
-              <a:rPr lang="en-US" altLang="zh-TW" sz="2000" dirty="0">
-                <a:solidFill>
-                  <a:srgbClr val="000066"/>
-                </a:solidFill>
-              </a:rPr>
-              <a:t>A set of hit points where each I/O pin in the </a:t>
-            </a:r>
-            <a:r>
-              <a:rPr lang="en-US" altLang="zh-TW" dirty="0"/>
-              <a:t>standard cell</a:t>
-            </a:r>
-            <a:r>
-              <a:rPr lang="en-US" altLang="zh-TW" sz="2000" dirty="0">
-                <a:solidFill>
-                  <a:srgbClr val="000066"/>
-                </a:solidFill>
-              </a:rPr>
-              <a:t> is accessed exactly once</a:t>
-            </a:r>
-            <a:endParaRPr lang="en-US" altLang="zh-TW" dirty="0"/>
-          </a:p>
-          <a:p>
-            <a:endParaRPr lang="en-US" altLang="zh-TW" dirty="0"/>
-          </a:p>
-          <a:p>
-            <a:r>
-              <a:rPr lang="en-US" altLang="zh-TW" dirty="0"/>
-              <a:t>Valid Hit Point Combination</a:t>
-            </a:r>
-            <a:endParaRPr lang="en-US" altLang="zh-TW" sz="2000" dirty="0">
-              <a:solidFill>
-                <a:srgbClr val="000066"/>
-              </a:solidFill>
-            </a:endParaRPr>
-          </a:p>
-          <a:p>
-            <a:pPr lvl="1"/>
-            <a:r>
-              <a:rPr lang="en-US" altLang="zh-TW" dirty="0"/>
-              <a:t>Hit point combination which induces zero design rule violations</a:t>
-            </a:r>
-          </a:p>
-          <a:p>
-            <a:pPr marL="457200" lvl="1" indent="0">
-              <a:buNone/>
-            </a:pPr>
-            <a:endParaRPr lang="en-US" altLang="zh-TW" dirty="0"/>
-          </a:p>
-          <a:p>
-            <a:r>
-              <a:rPr lang="en-US" altLang="zh-TW" dirty="0"/>
-              <a:t>Valid Hit Point</a:t>
-            </a:r>
-            <a:endParaRPr lang="en-US" altLang="zh-TW" sz="2000" dirty="0">
-              <a:solidFill>
-                <a:srgbClr val="000066"/>
-              </a:solidFill>
-            </a:endParaRPr>
-          </a:p>
-          <a:p>
-            <a:pPr lvl="1"/>
-            <a:r>
-              <a:rPr lang="en-US" altLang="zh-TW" sz="2000" dirty="0">
-                <a:solidFill>
-                  <a:srgbClr val="000066"/>
-                </a:solidFill>
-              </a:rPr>
-              <a:t>A hit point which can be accessed from both directions within some valid hit point combinations for one cell</a:t>
-            </a:r>
-          </a:p>
-          <a:p>
-            <a:pPr marL="457200" lvl="1" indent="0">
-              <a:buNone/>
-            </a:pPr>
-            <a:endParaRPr lang="en-US" altLang="zh-TW" dirty="0"/>
           </a:p>
         </p:txBody>
       </p:sp>
@@ -13221,7 +12250,7 @@
           <p:cNvPr id="4" name="日期版面配置區 3">
             <a:extLst>
               <a:ext uri="{FF2B5EF4-FFF2-40B4-BE49-F238E27FC236}">
-                <a16:creationId xmlns:a16="http://schemas.microsoft.com/office/drawing/2014/main" id="{AA0AB3A0-3BE2-4B22-A5DE-56B2D61246E9}"/>
+                <a16:creationId xmlns:a16="http://schemas.microsoft.com/office/drawing/2014/main" id="{D0037C9E-6880-425F-BD51-65FD3D5207EC}"/>
               </a:ext>
             </a:extLst>
           </p:cNvPr>
@@ -13253,7 +12282,7 @@
           <p:cNvPr id="5" name="投影片編號版面配置區 4">
             <a:extLst>
               <a:ext uri="{FF2B5EF4-FFF2-40B4-BE49-F238E27FC236}">
-                <a16:creationId xmlns:a16="http://schemas.microsoft.com/office/drawing/2014/main" id="{57565F14-FD05-4976-8E7B-8467A0AC3A92}"/>
+                <a16:creationId xmlns:a16="http://schemas.microsoft.com/office/drawing/2014/main" id="{F98953EF-304E-45D1-82DE-8EC49FAFB54C}"/>
               </a:ext>
             </a:extLst>
           </p:cNvPr>
@@ -13286,7 +12315,7 @@
     </p:spTree>
     <p:extLst>
       <p:ext uri="{BB962C8B-B14F-4D97-AF65-F5344CB8AC3E}">
-        <p14:creationId xmlns:p14="http://schemas.microsoft.com/office/powerpoint/2010/main" val="3912424235"/>
+        <p14:creationId xmlns:p14="http://schemas.microsoft.com/office/powerpoint/2010/main" val="1123569197"/>
       </p:ext>
     </p:extLst>
   </p:cSld>
@@ -13318,7 +12347,7 @@
           <p:cNvPr id="2" name="標題 1">
             <a:extLst>
               <a:ext uri="{FF2B5EF4-FFF2-40B4-BE49-F238E27FC236}">
-                <a16:creationId xmlns:a16="http://schemas.microsoft.com/office/drawing/2014/main" id="{B36C0CBB-73B6-4523-BBAB-8A0776641E37}"/>
+                <a16:creationId xmlns:a16="http://schemas.microsoft.com/office/drawing/2014/main" id="{86200F7A-34CF-43A3-9077-D256DCFA7065}"/>
               </a:ext>
             </a:extLst>
           </p:cNvPr>
@@ -13336,50 +12365,43 @@
           <a:p>
             <a:r>
               <a:rPr lang="en-US" altLang="zh-TW" dirty="0"/>
-              <a:t>Definitions</a:t>
+              <a:t>Algorithm Flow</a:t>
             </a:r>
             <a:endParaRPr lang="zh-TW" altLang="en-US" dirty="0"/>
           </a:p>
         </p:txBody>
       </p:sp>
-      <p:pic>
-        <p:nvPicPr>
-          <p:cNvPr id="6" name="內容版面配置區 5">
+      <p:sp>
+        <p:nvSpPr>
+          <p:cNvPr id="3" name="內容版面配置區 2">
             <a:extLst>
               <a:ext uri="{FF2B5EF4-FFF2-40B4-BE49-F238E27FC236}">
-                <a16:creationId xmlns:a16="http://schemas.microsoft.com/office/drawing/2014/main" id="{5C9FB837-B966-4F68-BB64-4128235342A5}"/>
+                <a16:creationId xmlns:a16="http://schemas.microsoft.com/office/drawing/2014/main" id="{E17A835A-9E7E-4580-9A9B-404A75EAFCF0}"/>
               </a:ext>
             </a:extLst>
           </p:cNvPr>
-          <p:cNvPicPr>
-            <a:picLocks noGrp="1" noChangeAspect="1"/>
-          </p:cNvPicPr>
+          <p:cNvSpPr>
+            <a:spLocks noGrp="1"/>
+          </p:cNvSpPr>
           <p:nvPr>
             <p:ph idx="1"/>
           </p:nvPr>
-        </p:nvPicPr>
-        <p:blipFill>
-          <a:blip r:embed="rId3"/>
-          <a:stretch>
-            <a:fillRect/>
-          </a:stretch>
-        </p:blipFill>
-        <p:spPr>
-          <a:xfrm>
-            <a:off x="2950197" y="1006475"/>
-            <a:ext cx="6190006" cy="5105400"/>
-          </a:xfrm>
-          <a:prstGeom prst="rect">
-            <a:avLst/>
-          </a:prstGeom>
-        </p:spPr>
-      </p:pic>
+        </p:nvSpPr>
+        <p:spPr/>
+        <p:txBody>
+          <a:bodyPr/>
+          <a:lstStyle/>
+          <a:p>
+            <a:endParaRPr lang="en-US" altLang="zh-TW" dirty="0"/>
+          </a:p>
+        </p:txBody>
+      </p:sp>
       <p:sp>
         <p:nvSpPr>
           <p:cNvPr id="4" name="日期版面配置區 3">
             <a:extLst>
               <a:ext uri="{FF2B5EF4-FFF2-40B4-BE49-F238E27FC236}">
-                <a16:creationId xmlns:a16="http://schemas.microsoft.com/office/drawing/2014/main" id="{AA0AB3A0-3BE2-4B22-A5DE-56B2D61246E9}"/>
+                <a16:creationId xmlns:a16="http://schemas.microsoft.com/office/drawing/2014/main" id="{C44B5E25-8A6F-41B7-81BF-A47D2D64C6E9}"/>
               </a:ext>
             </a:extLst>
           </p:cNvPr>
@@ -13411,7 +12433,7 @@
           <p:cNvPr id="5" name="投影片編號版面配置區 4">
             <a:extLst>
               <a:ext uri="{FF2B5EF4-FFF2-40B4-BE49-F238E27FC236}">
-                <a16:creationId xmlns:a16="http://schemas.microsoft.com/office/drawing/2014/main" id="{57565F14-FD05-4976-8E7B-8467A0AC3A92}"/>
+                <a16:creationId xmlns:a16="http://schemas.microsoft.com/office/drawing/2014/main" id="{5F7E3AD9-CE14-4A6D-AF06-ECB218AFB0FF}"/>
               </a:ext>
             </a:extLst>
           </p:cNvPr>
@@ -13441,10 +12463,70 @@
           </a:p>
         </p:txBody>
       </p:sp>
+      <p:pic>
+        <p:nvPicPr>
+          <p:cNvPr id="8" name="圖片 7">
+            <a:extLst>
+              <a:ext uri="{FF2B5EF4-FFF2-40B4-BE49-F238E27FC236}">
+                <a16:creationId xmlns:a16="http://schemas.microsoft.com/office/drawing/2014/main" id="{DCBE9551-E826-48CA-8466-07F58C0ED3EA}"/>
+              </a:ext>
+            </a:extLst>
+          </p:cNvPr>
+          <p:cNvPicPr>
+            <a:picLocks noChangeAspect="1"/>
+          </p:cNvPicPr>
+          <p:nvPr/>
+        </p:nvPicPr>
+        <p:blipFill>
+          <a:blip r:embed="rId2"/>
+          <a:stretch>
+            <a:fillRect/>
+          </a:stretch>
+        </p:blipFill>
+        <p:spPr>
+          <a:xfrm>
+            <a:off x="183230" y="2132856"/>
+            <a:ext cx="5416793" cy="3086472"/>
+          </a:xfrm>
+          <a:prstGeom prst="rect">
+            <a:avLst/>
+          </a:prstGeom>
+        </p:spPr>
+      </p:pic>
+      <p:pic>
+        <p:nvPicPr>
+          <p:cNvPr id="9" name="圖片 8">
+            <a:extLst>
+              <a:ext uri="{FF2B5EF4-FFF2-40B4-BE49-F238E27FC236}">
+                <a16:creationId xmlns:a16="http://schemas.microsoft.com/office/drawing/2014/main" id="{8003BB90-D2BB-4A46-B72F-EF000FA81623}"/>
+              </a:ext>
+            </a:extLst>
+          </p:cNvPr>
+          <p:cNvPicPr>
+            <a:picLocks noChangeAspect="1"/>
+          </p:cNvPicPr>
+          <p:nvPr/>
+        </p:nvPicPr>
+        <p:blipFill>
+          <a:blip r:embed="rId3"/>
+          <a:stretch>
+            <a:fillRect/>
+          </a:stretch>
+        </p:blipFill>
+        <p:spPr>
+          <a:xfrm>
+            <a:off x="6888088" y="990600"/>
+            <a:ext cx="4176464" cy="5540976"/>
+          </a:xfrm>
+          <a:prstGeom prst="rect">
+            <a:avLst/>
+          </a:prstGeom>
+        </p:spPr>
+      </p:pic>
     </p:spTree>
     <p:extLst>
       <p:ext uri="{BB962C8B-B14F-4D97-AF65-F5344CB8AC3E}">
-        <p14:creationId xmlns:p14="http://schemas.microsoft.com/office/powerpoint/2010/main" val="3278631284"/>
+        <p14:creationId xmlns:p14="http://schemas.microsoft.com/office/powerpoint/2010/main" val="3483033460"/>
       </p:ext>
     </p:extLst>
   </p:cSld>
@@ -13476,7 +12558,7 @@
           <p:cNvPr id="2" name="標題 1">
             <a:extLst>
               <a:ext uri="{FF2B5EF4-FFF2-40B4-BE49-F238E27FC236}">
-                <a16:creationId xmlns:a16="http://schemas.microsoft.com/office/drawing/2014/main" id="{761D04CB-154D-4396-9606-4AC9C66CD209}"/>
+                <a16:creationId xmlns:a16="http://schemas.microsoft.com/office/drawing/2014/main" id="{86200F7A-34CF-43A3-9077-D256DCFA7065}"/>
               </a:ext>
             </a:extLst>
           </p:cNvPr>
@@ -13494,7 +12576,7 @@
           <a:p>
             <a:r>
               <a:rPr lang="en-US" altLang="zh-TW" dirty="0"/>
-              <a:t>Problem Formulation</a:t>
+              <a:t>Density Balanced SDP(Semidefinite Programming)</a:t>
             </a:r>
             <a:endParaRPr lang="zh-TW" altLang="en-US" dirty="0"/>
           </a:p>
@@ -13505,7 +12587,7 @@
           <p:cNvPr id="3" name="內容版面配置區 2">
             <a:extLst>
               <a:ext uri="{FF2B5EF4-FFF2-40B4-BE49-F238E27FC236}">
-                <a16:creationId xmlns:a16="http://schemas.microsoft.com/office/drawing/2014/main" id="{88AB7CD0-F762-4E2D-A0A9-DC62FFFA1B01}"/>
+                <a16:creationId xmlns:a16="http://schemas.microsoft.com/office/drawing/2014/main" id="{E17A835A-9E7E-4580-9A9B-404A75EAFCF0}"/>
               </a:ext>
             </a:extLst>
           </p:cNvPr>
@@ -13523,49 +12605,35 @@
           <a:p>
             <a:r>
               <a:rPr lang="en-US" altLang="zh-TW" dirty="0"/>
-              <a:t>Problem 1: Pin Access Optimization (PAO)</a:t>
-            </a:r>
-            <a:endParaRPr lang="en-US" altLang="zh-TW" sz="2400" dirty="0">
-              <a:solidFill>
-                <a:schemeClr val="tx1"/>
-              </a:solidFill>
-            </a:endParaRPr>
-          </a:p>
-          <a:p>
-            <a:pPr lvl="1"/>
-            <a:r>
-              <a:rPr lang="en-US" altLang="zh-TW" sz="2000" dirty="0">
-                <a:solidFill>
-                  <a:srgbClr val="000066"/>
-                </a:solidFill>
-              </a:rPr>
-              <a:t>Given the SC layout and a specific hit point combination, determine whether or not it is possible to achieve an optimal LELE-friendly Via-1 assignment and subsequently optimize the Metal-2 wires for pin access and within-cell connections given the Via-1 assignment under SADP constraints. If possible, show legal Via-1 assignment and all SADP-friendly Metal-2 wires.</a:t>
-            </a:r>
-          </a:p>
-          <a:p>
-            <a:pPr lvl="1"/>
-            <a:endParaRPr lang="en-US" altLang="zh-TW" sz="2000" dirty="0">
-              <a:solidFill>
-                <a:srgbClr val="000066"/>
-              </a:solidFill>
-            </a:endParaRPr>
+              <a:t>Mathematical Formulation</a:t>
+            </a:r>
+          </a:p>
+          <a:p>
+            <a:endParaRPr lang="en-US" altLang="zh-TW" dirty="0"/>
+          </a:p>
+          <a:p>
+            <a:endParaRPr lang="en-US" altLang="zh-TW" dirty="0"/>
+          </a:p>
+          <a:p>
+            <a:endParaRPr lang="en-US" altLang="zh-TW" dirty="0"/>
+          </a:p>
+          <a:p>
+            <a:endParaRPr lang="en-US" altLang="zh-TW" dirty="0"/>
+          </a:p>
+          <a:p>
+            <a:endParaRPr lang="en-US" altLang="zh-TW" dirty="0"/>
           </a:p>
           <a:p>
             <a:r>
               <a:rPr lang="en-US" altLang="zh-TW" dirty="0"/>
-              <a:t>Problem 2: Pin Access and Cell Layout Co-Optimization (PICO)</a:t>
-            </a:r>
-          </a:p>
-          <a:p>
-            <a:pPr lvl="1"/>
-            <a:r>
-              <a:rPr lang="en-US" altLang="zh-TW" sz="2000" dirty="0">
-                <a:solidFill>
-                  <a:srgbClr val="000066"/>
-                </a:solidFill>
-              </a:rPr>
-              <a:t>Given the SC layout,  show all Via-1 assignment and Metal-2 wiring cases with successful PAOs and maximize the pin access flexibility under LELE and SADP constraints.</a:t>
-            </a:r>
+              <a:t>SDP Formulation</a:t>
+            </a:r>
+          </a:p>
+          <a:p>
+            <a:endParaRPr lang="en-US" altLang="zh-TW" dirty="0"/>
+          </a:p>
+          <a:p>
+            <a:endParaRPr lang="en-US" altLang="zh-TW" dirty="0"/>
           </a:p>
         </p:txBody>
       </p:sp>
@@ -13574,7 +12642,7 @@
           <p:cNvPr id="4" name="日期版面配置區 3">
             <a:extLst>
               <a:ext uri="{FF2B5EF4-FFF2-40B4-BE49-F238E27FC236}">
-                <a16:creationId xmlns:a16="http://schemas.microsoft.com/office/drawing/2014/main" id="{2ECA3260-1C5B-420B-B103-93780B5C8E95}"/>
+                <a16:creationId xmlns:a16="http://schemas.microsoft.com/office/drawing/2014/main" id="{C44B5E25-8A6F-41B7-81BF-A47D2D64C6E9}"/>
               </a:ext>
             </a:extLst>
           </p:cNvPr>
@@ -13606,7 +12674,7 @@
           <p:cNvPr id="5" name="投影片編號版面配置區 4">
             <a:extLst>
               <a:ext uri="{FF2B5EF4-FFF2-40B4-BE49-F238E27FC236}">
-                <a16:creationId xmlns:a16="http://schemas.microsoft.com/office/drawing/2014/main" id="{2F30EAD0-AF70-4904-9931-AB2481ED7334}"/>
+                <a16:creationId xmlns:a16="http://schemas.microsoft.com/office/drawing/2014/main" id="{5F7E3AD9-CE14-4A6D-AF06-ECB218AFB0FF}"/>
               </a:ext>
             </a:extLst>
           </p:cNvPr>
@@ -13636,10 +12704,70 @@
           </a:p>
         </p:txBody>
       </p:sp>
+      <p:pic>
+        <p:nvPicPr>
+          <p:cNvPr id="6" name="圖片 5">
+            <a:extLst>
+              <a:ext uri="{FF2B5EF4-FFF2-40B4-BE49-F238E27FC236}">
+                <a16:creationId xmlns:a16="http://schemas.microsoft.com/office/drawing/2014/main" id="{DB20EBD3-D338-428C-BE89-D5562ABB63D3}"/>
+              </a:ext>
+            </a:extLst>
+          </p:cNvPr>
+          <p:cNvPicPr>
+            <a:picLocks noChangeAspect="1"/>
+          </p:cNvPicPr>
+          <p:nvPr/>
+        </p:nvPicPr>
+        <p:blipFill>
+          <a:blip r:embed="rId2"/>
+          <a:stretch>
+            <a:fillRect/>
+          </a:stretch>
+        </p:blipFill>
+        <p:spPr>
+          <a:xfrm>
+            <a:off x="5591944" y="990600"/>
+            <a:ext cx="4608512" cy="2065627"/>
+          </a:xfrm>
+          <a:prstGeom prst="rect">
+            <a:avLst/>
+          </a:prstGeom>
+        </p:spPr>
+      </p:pic>
+      <p:pic>
+        <p:nvPicPr>
+          <p:cNvPr id="7" name="圖片 6">
+            <a:extLst>
+              <a:ext uri="{FF2B5EF4-FFF2-40B4-BE49-F238E27FC236}">
+                <a16:creationId xmlns:a16="http://schemas.microsoft.com/office/drawing/2014/main" id="{97728047-E15E-4114-85A0-E9343C90034F}"/>
+              </a:ext>
+            </a:extLst>
+          </p:cNvPr>
+          <p:cNvPicPr>
+            <a:picLocks noChangeAspect="1"/>
+          </p:cNvPicPr>
+          <p:nvPr/>
+        </p:nvPicPr>
+        <p:blipFill>
+          <a:blip r:embed="rId3"/>
+          <a:stretch>
+            <a:fillRect/>
+          </a:stretch>
+        </p:blipFill>
+        <p:spPr>
+          <a:xfrm>
+            <a:off x="3647728" y="3660636"/>
+            <a:ext cx="5184576" cy="2549664"/>
+          </a:xfrm>
+          <a:prstGeom prst="rect">
+            <a:avLst/>
+          </a:prstGeom>
+        </p:spPr>
+      </p:pic>
     </p:spTree>
     <p:extLst>
       <p:ext uri="{BB962C8B-B14F-4D97-AF65-F5344CB8AC3E}">
-        <p14:creationId xmlns:p14="http://schemas.microsoft.com/office/powerpoint/2010/main" val="1851772616"/>
+        <p14:creationId xmlns:p14="http://schemas.microsoft.com/office/powerpoint/2010/main" val="1338106709"/>
       </p:ext>
     </p:extLst>
   </p:cSld>
@@ -13671,7 +12799,7 @@
           <p:cNvPr id="2" name="標題 1">
             <a:extLst>
               <a:ext uri="{FF2B5EF4-FFF2-40B4-BE49-F238E27FC236}">
-                <a16:creationId xmlns:a16="http://schemas.microsoft.com/office/drawing/2014/main" id="{0E21B4C5-E7C1-43FF-A86B-ED12A45C57FC}"/>
+                <a16:creationId xmlns:a16="http://schemas.microsoft.com/office/drawing/2014/main" id="{761D04CB-154D-4396-9606-4AC9C66CD209}"/>
               </a:ext>
             </a:extLst>
           </p:cNvPr>
@@ -13689,127 +12817,50 @@
           <a:p>
             <a:r>
               <a:rPr lang="en-US" altLang="zh-TW" dirty="0"/>
-              <a:t>Outline</a:t>
+              <a:t>Density Balanced Mapping</a:t>
             </a:r>
             <a:endParaRPr lang="zh-TW" altLang="en-US" dirty="0"/>
           </a:p>
         </p:txBody>
       </p:sp>
-      <p:sp>
-        <p:nvSpPr>
-          <p:cNvPr id="3" name="內容版面配置區 2">
+      <p:pic>
+        <p:nvPicPr>
+          <p:cNvPr id="12" name="內容版面配置區 11">
             <a:extLst>
               <a:ext uri="{FF2B5EF4-FFF2-40B4-BE49-F238E27FC236}">
-                <a16:creationId xmlns:a16="http://schemas.microsoft.com/office/drawing/2014/main" id="{A7731B0D-BFCA-4942-8434-BA43449D5D22}"/>
+                <a16:creationId xmlns:a16="http://schemas.microsoft.com/office/drawing/2014/main" id="{E4C0F8AE-1D1A-40B1-8A77-F0BE3E055F23}"/>
               </a:ext>
             </a:extLst>
           </p:cNvPr>
-          <p:cNvSpPr>
-            <a:spLocks noGrp="1"/>
-          </p:cNvSpPr>
+          <p:cNvPicPr>
+            <a:picLocks noGrp="1" noChangeAspect="1"/>
+          </p:cNvPicPr>
           <p:nvPr>
             <p:ph idx="1"/>
           </p:nvPr>
-        </p:nvSpPr>
-        <p:spPr/>
-        <p:txBody>
-          <a:bodyPr/>
-          <a:lstStyle/>
-          <a:p>
-            <a:r>
-              <a:rPr lang="en-US" altLang="zh-TW" dirty="0">
-                <a:solidFill>
-                  <a:schemeClr val="bg1">
-                    <a:lumMod val="75000"/>
-                  </a:schemeClr>
-                </a:solidFill>
-              </a:rPr>
-              <a:t>Introduction</a:t>
-            </a:r>
-          </a:p>
-          <a:p>
-            <a:r>
-              <a:rPr lang="en-US" altLang="zh-TW" dirty="0"/>
-              <a:t>Algorithms</a:t>
-            </a:r>
-          </a:p>
-          <a:p>
-            <a:r>
-              <a:rPr lang="en-US" altLang="zh-TW" dirty="0">
-                <a:solidFill>
-                  <a:schemeClr val="bg1">
-                    <a:lumMod val="75000"/>
-                  </a:schemeClr>
-                </a:solidFill>
-              </a:rPr>
-              <a:t>Proposed Flow</a:t>
-            </a:r>
-          </a:p>
-          <a:p>
-            <a:pPr lvl="1"/>
-            <a:r>
-              <a:rPr lang="en-US" altLang="zh-TW" dirty="0">
-                <a:solidFill>
-                  <a:schemeClr val="bg1">
-                    <a:lumMod val="75000"/>
-                  </a:schemeClr>
-                </a:solidFill>
-              </a:rPr>
-              <a:t>Dynamic IR drop prediction</a:t>
-            </a:r>
-          </a:p>
-          <a:p>
-            <a:pPr lvl="1"/>
-            <a:r>
-              <a:rPr lang="en-US" altLang="zh-TW" dirty="0">
-                <a:solidFill>
-                  <a:schemeClr val="bg1">
-                    <a:lumMod val="75000"/>
-                  </a:schemeClr>
-                </a:solidFill>
-              </a:rPr>
-              <a:t>Dynamic IR drop aware cell movement</a:t>
-            </a:r>
-          </a:p>
-          <a:p>
-            <a:r>
-              <a:rPr lang="en-US" altLang="zh-TW" dirty="0">
-                <a:solidFill>
-                  <a:schemeClr val="bg1">
-                    <a:lumMod val="75000"/>
-                  </a:schemeClr>
-                </a:solidFill>
-              </a:rPr>
-              <a:t>Experimental Results</a:t>
-            </a:r>
-          </a:p>
-          <a:p>
-            <a:r>
-              <a:rPr lang="en-US" altLang="zh-TW" dirty="0">
-                <a:solidFill>
-                  <a:schemeClr val="bg1">
-                    <a:lumMod val="75000"/>
-                  </a:schemeClr>
-                </a:solidFill>
-              </a:rPr>
-              <a:t>Conclusion</a:t>
-            </a:r>
-            <a:endParaRPr lang="zh-TW" altLang="en-US" dirty="0">
-              <a:solidFill>
-                <a:schemeClr val="bg1">
-                  <a:lumMod val="75000"/>
-                </a:schemeClr>
-              </a:solidFill>
-            </a:endParaRPr>
-          </a:p>
-        </p:txBody>
-      </p:sp>
+        </p:nvPicPr>
+        <p:blipFill>
+          <a:blip r:embed="rId2"/>
+          <a:stretch>
+            <a:fillRect/>
+          </a:stretch>
+        </p:blipFill>
+        <p:spPr>
+          <a:xfrm>
+            <a:off x="413296" y="1497084"/>
+            <a:ext cx="5472608" cy="4400822"/>
+          </a:xfrm>
+          <a:prstGeom prst="rect">
+            <a:avLst/>
+          </a:prstGeom>
+        </p:spPr>
+      </p:pic>
       <p:sp>
         <p:nvSpPr>
           <p:cNvPr id="4" name="日期版面配置區 3">
             <a:extLst>
               <a:ext uri="{FF2B5EF4-FFF2-40B4-BE49-F238E27FC236}">
-                <a16:creationId xmlns:a16="http://schemas.microsoft.com/office/drawing/2014/main" id="{D0037C9E-6880-425F-BD51-65FD3D5207EC}"/>
+                <a16:creationId xmlns:a16="http://schemas.microsoft.com/office/drawing/2014/main" id="{2ECA3260-1C5B-420B-B103-93780B5C8E95}"/>
               </a:ext>
             </a:extLst>
           </p:cNvPr>
@@ -13841,7 +12892,7 @@
           <p:cNvPr id="5" name="投影片編號版面配置區 4">
             <a:extLst>
               <a:ext uri="{FF2B5EF4-FFF2-40B4-BE49-F238E27FC236}">
-                <a16:creationId xmlns:a16="http://schemas.microsoft.com/office/drawing/2014/main" id="{F98953EF-304E-45D1-82DE-8EC49FAFB54C}"/>
+                <a16:creationId xmlns:a16="http://schemas.microsoft.com/office/drawing/2014/main" id="{2F30EAD0-AF70-4904-9931-AB2481ED7334}"/>
               </a:ext>
             </a:extLst>
           </p:cNvPr>
@@ -13871,10 +12922,40 @@
           </a:p>
         </p:txBody>
       </p:sp>
+      <p:pic>
+        <p:nvPicPr>
+          <p:cNvPr id="13" name="圖片 12">
+            <a:extLst>
+              <a:ext uri="{FF2B5EF4-FFF2-40B4-BE49-F238E27FC236}">
+                <a16:creationId xmlns:a16="http://schemas.microsoft.com/office/drawing/2014/main" id="{E537B588-4C0C-4A48-AE71-5226DD5671C4}"/>
+              </a:ext>
+            </a:extLst>
+          </p:cNvPr>
+          <p:cNvPicPr>
+            <a:picLocks noChangeAspect="1"/>
+          </p:cNvPicPr>
+          <p:nvPr/>
+        </p:nvPicPr>
+        <p:blipFill>
+          <a:blip r:embed="rId3"/>
+          <a:stretch>
+            <a:fillRect/>
+          </a:stretch>
+        </p:blipFill>
+        <p:spPr>
+          <a:xfrm>
+            <a:off x="6096000" y="1270202"/>
+            <a:ext cx="5388591" cy="4854587"/>
+          </a:xfrm>
+          <a:prstGeom prst="rect">
+            <a:avLst/>
+          </a:prstGeom>
+        </p:spPr>
+      </p:pic>
     </p:spTree>
     <p:extLst>
       <p:ext uri="{BB962C8B-B14F-4D97-AF65-F5344CB8AC3E}">
-        <p14:creationId xmlns:p14="http://schemas.microsoft.com/office/powerpoint/2010/main" val="1123569197"/>
+        <p14:creationId xmlns:p14="http://schemas.microsoft.com/office/powerpoint/2010/main" val="3128527875"/>
       </p:ext>
     </p:extLst>
   </p:cSld>
@@ -13906,7 +12987,7 @@
           <p:cNvPr id="2" name="標題 1">
             <a:extLst>
               <a:ext uri="{FF2B5EF4-FFF2-40B4-BE49-F238E27FC236}">
-                <a16:creationId xmlns:a16="http://schemas.microsoft.com/office/drawing/2014/main" id="{86200F7A-34CF-43A3-9077-D256DCFA7065}"/>
+                <a16:creationId xmlns:a16="http://schemas.microsoft.com/office/drawing/2014/main" id="{63212DC6-6AB8-49BC-89BB-6B1C11CD2D74}"/>
               </a:ext>
             </a:extLst>
           </p:cNvPr>
@@ -13923,140 +13004,73 @@
           <a:lstStyle/>
           <a:p>
             <a:r>
+              <a:rPr lang="en-US" altLang="zh-TW"/>
+              <a:t>Speedup Techniques</a:t>
+            </a:r>
+            <a:endParaRPr lang="zh-TW" altLang="en-US" dirty="0"/>
+          </a:p>
+        </p:txBody>
+      </p:sp>
+      <p:sp>
+        <p:nvSpPr>
+          <p:cNvPr id="3" name="內容版面配置區 2">
+            <a:extLst>
+              <a:ext uri="{FF2B5EF4-FFF2-40B4-BE49-F238E27FC236}">
+                <a16:creationId xmlns:a16="http://schemas.microsoft.com/office/drawing/2014/main" id="{6DF0C6E4-5B84-4B6C-BE46-D94DAE5E5EDE}"/>
+              </a:ext>
+            </a:extLst>
+          </p:cNvPr>
+          <p:cNvSpPr>
+            <a:spLocks noGrp="1"/>
+          </p:cNvSpPr>
+          <p:nvPr>
+            <p:ph idx="1"/>
+          </p:nvPr>
+        </p:nvSpPr>
+        <p:spPr/>
+        <p:txBody>
+          <a:bodyPr/>
+          <a:lstStyle/>
+          <a:p>
+            <a:r>
               <a:rPr lang="en-US" altLang="zh-TW" dirty="0"/>
-              <a:t>LELE-Aware Via-1 Assignment (PAO)</a:t>
-            </a:r>
-            <a:endParaRPr lang="zh-TW" altLang="en-US" dirty="0"/>
-          </a:p>
-        </p:txBody>
-      </p:sp>
-      <mc:AlternateContent xmlns:mc="http://schemas.openxmlformats.org/markup-compatibility/2006" xmlns:a14="http://schemas.microsoft.com/office/drawing/2010/main">
-        <mc:Choice Requires="a14">
-          <p:sp>
-            <p:nvSpPr>
-              <p:cNvPr id="3" name="內容版面配置區 2">
-                <a:extLst>
-                  <a:ext uri="{FF2B5EF4-FFF2-40B4-BE49-F238E27FC236}">
-                    <a16:creationId xmlns:a16="http://schemas.microsoft.com/office/drawing/2014/main" id="{E17A835A-9E7E-4580-9A9B-404A75EAFCF0}"/>
-                  </a:ext>
-                </a:extLst>
-              </p:cNvPr>
-              <p:cNvSpPr>
-                <a:spLocks noGrp="1"/>
-              </p:cNvSpPr>
-              <p:nvPr>
-                <p:ph idx="1"/>
-              </p:nvPr>
-            </p:nvSpPr>
-            <p:spPr/>
-            <p:txBody>
-              <a:bodyPr/>
-              <a:lstStyle/>
-              <a:p>
-                <a:r>
-                  <a:rPr lang="en-US" altLang="zh-TW" dirty="0"/>
-                  <a:t>Takes O(</a:t>
-                </a:r>
-                <a14:m>
-                  <m:oMath xmlns:m="http://schemas.openxmlformats.org/officeDocument/2006/math">
-                    <m:sSup>
-                      <m:sSupPr>
-                        <m:ctrlPr>
-                          <a:rPr lang="en-US" altLang="zh-TW" i="1" smtClean="0">
-                            <a:latin typeface="Cambria Math" panose="02040503050406030204" pitchFamily="18" charset="0"/>
-                          </a:rPr>
-                        </m:ctrlPr>
-                      </m:sSupPr>
-                      <m:e>
-                        <m:r>
-                          <a:rPr lang="en-US" altLang="zh-TW" b="0" i="1" smtClean="0">
-                            <a:latin typeface="Cambria Math" panose="02040503050406030204" pitchFamily="18" charset="0"/>
-                          </a:rPr>
-                          <m:t>𝑘</m:t>
-                        </m:r>
-                      </m:e>
-                      <m:sup>
-                        <m:r>
-                          <a:rPr lang="en-US" altLang="zh-TW" b="0" i="1" smtClean="0">
-                            <a:latin typeface="Cambria Math" panose="02040503050406030204" pitchFamily="18" charset="0"/>
-                          </a:rPr>
-                          <m:t>𝑛</m:t>
-                        </m:r>
-                      </m:sup>
-                    </m:sSup>
-                  </m:oMath>
-                </a14:m>
-                <a:r>
-                  <a:rPr lang="en-US" altLang="zh-TW" dirty="0"/>
-                  <a:t>)</a:t>
-                </a:r>
-              </a:p>
-              <a:p>
-                <a:pPr lvl="1"/>
-                <a:r>
-                  <a:rPr lang="en-US" altLang="zh-TW" dirty="0"/>
-                  <a:t>k is the number of candidates of a hit point</a:t>
-                </a:r>
-              </a:p>
-              <a:p>
-                <a:pPr lvl="1"/>
-                <a:r>
-                  <a:rPr lang="en-US" altLang="zh-TW" dirty="0"/>
-                  <a:t>n and k are often bounded</a:t>
-                </a:r>
-              </a:p>
-              <a:p>
-                <a:endParaRPr lang="en-US" altLang="zh-TW" dirty="0"/>
-              </a:p>
-            </p:txBody>
-          </p:sp>
-        </mc:Choice>
-        <mc:Fallback xmlns="">
-          <p:sp>
-            <p:nvSpPr>
-              <p:cNvPr id="3" name="內容版面配置區 2">
-                <a:extLst>
-                  <a:ext uri="{FF2B5EF4-FFF2-40B4-BE49-F238E27FC236}">
-                    <a16:creationId xmlns:a16="http://schemas.microsoft.com/office/drawing/2014/main" id="{E17A835A-9E7E-4580-9A9B-404A75EAFCF0}"/>
-                  </a:ext>
-                </a:extLst>
-              </p:cNvPr>
-              <p:cNvSpPr>
-                <a:spLocks noGrp="1" noRot="1" noChangeAspect="1" noMove="1" noResize="1" noEditPoints="1" noAdjustHandles="1" noChangeArrowheads="1" noChangeShapeType="1" noTextEdit="1"/>
-              </p:cNvSpPr>
-              <p:nvPr>
-                <p:ph idx="1"/>
-              </p:nvPr>
-            </p:nvSpPr>
-            <p:spPr>
-              <a:blipFill>
-                <a:blip r:embed="rId2"/>
-                <a:stretch>
-                  <a:fillRect l="-906" t="-836"/>
-                </a:stretch>
-              </a:blipFill>
-            </p:spPr>
-            <p:txBody>
-              <a:bodyPr/>
-              <a:lstStyle/>
-              <a:p>
-                <a:r>
-                  <a:rPr lang="zh-TW" altLang="en-US">
-                    <a:noFill/>
-                  </a:rPr>
-                  <a:t> </a:t>
-                </a:r>
-              </a:p>
-            </p:txBody>
-          </p:sp>
-        </mc:Fallback>
-      </mc:AlternateContent>
+              <a:t>LG</a:t>
+            </a:r>
+            <a:r>
+              <a:rPr lang="zh-TW" altLang="en-US" dirty="0"/>
+              <a:t> </a:t>
+            </a:r>
+            <a:r>
+              <a:rPr lang="en-US" altLang="zh-TW" dirty="0"/>
+              <a:t>Cut Stitch Forbiddance</a:t>
+            </a:r>
+          </a:p>
+          <a:p>
+            <a:endParaRPr lang="en-US" altLang="zh-TW" dirty="0"/>
+          </a:p>
+          <a:p>
+            <a:r>
+              <a:rPr lang="en-US" altLang="zh-TW" dirty="0"/>
+              <a:t>Decomposition Graph Vertex Clustering</a:t>
+            </a:r>
+          </a:p>
+          <a:p>
+            <a:endParaRPr lang="en-US" altLang="zh-TW" dirty="0"/>
+          </a:p>
+          <a:p>
+            <a:r>
+              <a:rPr lang="en-US" altLang="zh-TW" dirty="0"/>
+              <a:t>Fast Color Assignment Trial</a:t>
+            </a:r>
+          </a:p>
+        </p:txBody>
+      </p:sp>
       <p:sp>
         <p:nvSpPr>
           <p:cNvPr id="4" name="日期版面配置區 3">
             <a:extLst>
               <a:ext uri="{FF2B5EF4-FFF2-40B4-BE49-F238E27FC236}">
-                <a16:creationId xmlns:a16="http://schemas.microsoft.com/office/drawing/2014/main" id="{C44B5E25-8A6F-41B7-81BF-A47D2D64C6E9}"/>
+                <a16:creationId xmlns:a16="http://schemas.microsoft.com/office/drawing/2014/main" id="{0D8A8520-C56A-4525-9424-C7D9E6877BE3}"/>
               </a:ext>
             </a:extLst>
           </p:cNvPr>
@@ -14088,7 +13102,7 @@
           <p:cNvPr id="5" name="投影片編號版面配置區 4">
             <a:extLst>
               <a:ext uri="{FF2B5EF4-FFF2-40B4-BE49-F238E27FC236}">
-                <a16:creationId xmlns:a16="http://schemas.microsoft.com/office/drawing/2014/main" id="{5F7E3AD9-CE14-4A6D-AF06-ECB218AFB0FF}"/>
+                <a16:creationId xmlns:a16="http://schemas.microsoft.com/office/drawing/2014/main" id="{11AF3BA3-E3C6-47EB-80EE-99410B804958}"/>
               </a:ext>
             </a:extLst>
           </p:cNvPr>
@@ -14120,10 +13134,40 @@
       </p:sp>
       <p:pic>
         <p:nvPicPr>
-          <p:cNvPr id="6" name="圖片 5">
+          <p:cNvPr id="7" name="圖片 6">
             <a:extLst>
               <a:ext uri="{FF2B5EF4-FFF2-40B4-BE49-F238E27FC236}">
-                <a16:creationId xmlns:a16="http://schemas.microsoft.com/office/drawing/2014/main" id="{176FE7D4-6FA7-4D4F-8F14-B78277898AF8}"/>
+                <a16:creationId xmlns:a16="http://schemas.microsoft.com/office/drawing/2014/main" id="{E57917AA-B130-43CB-B6A5-D58B487BD5C8}"/>
+              </a:ext>
+            </a:extLst>
+          </p:cNvPr>
+          <p:cNvPicPr>
+            <a:picLocks noChangeAspect="1"/>
+          </p:cNvPicPr>
+          <p:nvPr/>
+        </p:nvPicPr>
+        <p:blipFill>
+          <a:blip r:embed="rId2"/>
+          <a:stretch>
+            <a:fillRect/>
+          </a:stretch>
+        </p:blipFill>
+        <p:spPr>
+          <a:xfrm>
+            <a:off x="7176120" y="2654783"/>
+            <a:ext cx="3312368" cy="3963753"/>
+          </a:xfrm>
+          <a:prstGeom prst="rect">
+            <a:avLst/>
+          </a:prstGeom>
+        </p:spPr>
+      </p:pic>
+      <p:pic>
+        <p:nvPicPr>
+          <p:cNvPr id="8" name="圖片 7">
+            <a:extLst>
+              <a:ext uri="{FF2B5EF4-FFF2-40B4-BE49-F238E27FC236}">
+                <a16:creationId xmlns:a16="http://schemas.microsoft.com/office/drawing/2014/main" id="{8AFE08CA-742B-45AB-8538-995AEF5CDF7E}"/>
               </a:ext>
             </a:extLst>
           </p:cNvPr>
@@ -14140,8 +13184,8 @@
         </p:blipFill>
         <p:spPr>
           <a:xfrm>
-            <a:off x="869505" y="2276114"/>
-            <a:ext cx="5020379" cy="4277086"/>
+            <a:off x="7536160" y="990600"/>
+            <a:ext cx="2589614" cy="1422728"/>
           </a:xfrm>
           <a:prstGeom prst="rect">
             <a:avLst/>
@@ -14150,10 +13194,10 @@
       </p:pic>
       <p:pic>
         <p:nvPicPr>
-          <p:cNvPr id="7" name="圖片 6">
+          <p:cNvPr id="9" name="圖片 8">
             <a:extLst>
               <a:ext uri="{FF2B5EF4-FFF2-40B4-BE49-F238E27FC236}">
-                <a16:creationId xmlns:a16="http://schemas.microsoft.com/office/drawing/2014/main" id="{C142AD35-C256-4A84-BD3E-98878D2569BD}"/>
+                <a16:creationId xmlns:a16="http://schemas.microsoft.com/office/drawing/2014/main" id="{3864301B-A55B-4F2A-9CAA-12A0CF024FC7}"/>
               </a:ext>
             </a:extLst>
           </p:cNvPr>
@@ -14170,8 +13214,8 @@
         </p:blipFill>
         <p:spPr>
           <a:xfrm>
-            <a:off x="6647910" y="967523"/>
-            <a:ext cx="4176464" cy="5603952"/>
+            <a:off x="911424" y="3253938"/>
+            <a:ext cx="4695663" cy="3193331"/>
           </a:xfrm>
           <a:prstGeom prst="rect">
             <a:avLst/>
@@ -14181,7 +13225,7 @@
     </p:spTree>
     <p:extLst>
       <p:ext uri="{BB962C8B-B14F-4D97-AF65-F5344CB8AC3E}">
-        <p14:creationId xmlns:p14="http://schemas.microsoft.com/office/powerpoint/2010/main" val="3483033460"/>
+        <p14:creationId xmlns:p14="http://schemas.microsoft.com/office/powerpoint/2010/main" val="1762050134"/>
       </p:ext>
     </p:extLst>
   </p:cSld>

--- a/Double Patterning/A High-Performance Triple Patterning Layout Decomposer.pptx
+++ b/Double Patterning/A High-Performance Triple Patterning Layout Decomposer.pptx
@@ -18,12 +18,12 @@
     <p:sldId id="360" r:id="rId6"/>
     <p:sldId id="376" r:id="rId7"/>
     <p:sldId id="385" r:id="rId8"/>
-    <p:sldId id="487" r:id="rId9"/>
-    <p:sldId id="489" r:id="rId10"/>
-    <p:sldId id="490" r:id="rId11"/>
-    <p:sldId id="377" r:id="rId12"/>
-    <p:sldId id="483" r:id="rId13"/>
-    <p:sldId id="491" r:id="rId14"/>
+    <p:sldId id="493" r:id="rId9"/>
+    <p:sldId id="487" r:id="rId10"/>
+    <p:sldId id="489" r:id="rId11"/>
+    <p:sldId id="490" r:id="rId12"/>
+    <p:sldId id="377" r:id="rId13"/>
+    <p:sldId id="483" r:id="rId14"/>
     <p:sldId id="492" r:id="rId15"/>
     <p:sldId id="379" r:id="rId16"/>
     <p:sldId id="366" r:id="rId17"/>
@@ -239,14 +239,14 @@
           <a:effectLst/>
           <a:extLst>
             <a:ext uri="{909E8E84-426E-40dd-AFC4-6F175D3DCCD1}">
-              <a14:hiddenFill xmlns:a14="http://schemas.microsoft.com/office/drawing/2010/main" xmlns="">
+              <a14:hiddenFill xmlns="" xmlns:a14="http://schemas.microsoft.com/office/drawing/2010/main">
                 <a:solidFill>
                   <a:schemeClr val="accent1"/>
                 </a:solidFill>
               </a14:hiddenFill>
             </a:ext>
             <a:ext uri="{91240B29-F687-4f45-9708-019B960494DF}">
-              <a14:hiddenLine xmlns:a14="http://schemas.microsoft.com/office/drawing/2010/main" xmlns="" w="9525">
+              <a14:hiddenLine xmlns="" xmlns:a14="http://schemas.microsoft.com/office/drawing/2010/main" w="9525">
                 <a:solidFill>
                   <a:schemeClr val="tx1"/>
                 </a:solidFill>
@@ -256,7 +256,7 @@
               </a14:hiddenLine>
             </a:ext>
             <a:ext uri="{AF507438-7753-43e0-B8FC-AC1667EBCBE1}">
-              <a14:hiddenEffects xmlns:a14="http://schemas.microsoft.com/office/drawing/2010/main" xmlns="">
+              <a14:hiddenEffects xmlns="" xmlns:a14="http://schemas.microsoft.com/office/drawing/2010/main">
                 <a:effectLst>
                   <a:outerShdw dist="35921" dir="2700000" algn="ctr" rotWithShape="0">
                     <a:schemeClr val="bg2"/>
@@ -310,14 +310,14 @@
           <a:effectLst/>
           <a:extLst>
             <a:ext uri="{909E8E84-426E-40dd-AFC4-6F175D3DCCD1}">
-              <a14:hiddenFill xmlns:a14="http://schemas.microsoft.com/office/drawing/2010/main" xmlns="">
+              <a14:hiddenFill xmlns="" xmlns:a14="http://schemas.microsoft.com/office/drawing/2010/main">
                 <a:solidFill>
                   <a:schemeClr val="accent1"/>
                 </a:solidFill>
               </a14:hiddenFill>
             </a:ext>
             <a:ext uri="{91240B29-F687-4f45-9708-019B960494DF}">
-              <a14:hiddenLine xmlns:a14="http://schemas.microsoft.com/office/drawing/2010/main" xmlns="" w="9525">
+              <a14:hiddenLine xmlns="" xmlns:a14="http://schemas.microsoft.com/office/drawing/2010/main" w="9525">
                 <a:solidFill>
                   <a:schemeClr val="tx1"/>
                 </a:solidFill>
@@ -327,7 +327,7 @@
               </a14:hiddenLine>
             </a:ext>
             <a:ext uri="{AF507438-7753-43e0-B8FC-AC1667EBCBE1}">
-              <a14:hiddenEffects xmlns:a14="http://schemas.microsoft.com/office/drawing/2010/main" xmlns="">
+              <a14:hiddenEffects xmlns="" xmlns:a14="http://schemas.microsoft.com/office/drawing/2010/main">
                 <a:effectLst>
                   <a:outerShdw dist="35921" dir="2700000" algn="ctr" rotWithShape="0">
                     <a:schemeClr val="bg2"/>
@@ -381,14 +381,14 @@
           <a:effectLst/>
           <a:extLst>
             <a:ext uri="{909E8E84-426E-40dd-AFC4-6F175D3DCCD1}">
-              <a14:hiddenFill xmlns:a14="http://schemas.microsoft.com/office/drawing/2010/main" xmlns="">
+              <a14:hiddenFill xmlns="" xmlns:a14="http://schemas.microsoft.com/office/drawing/2010/main">
                 <a:solidFill>
                   <a:schemeClr val="accent1"/>
                 </a:solidFill>
               </a14:hiddenFill>
             </a:ext>
             <a:ext uri="{91240B29-F687-4f45-9708-019B960494DF}">
-              <a14:hiddenLine xmlns:a14="http://schemas.microsoft.com/office/drawing/2010/main" xmlns="" w="9525">
+              <a14:hiddenLine xmlns="" xmlns:a14="http://schemas.microsoft.com/office/drawing/2010/main" w="9525">
                 <a:solidFill>
                   <a:schemeClr val="tx1"/>
                 </a:solidFill>
@@ -398,7 +398,7 @@
               </a14:hiddenLine>
             </a:ext>
             <a:ext uri="{AF507438-7753-43e0-B8FC-AC1667EBCBE1}">
-              <a14:hiddenEffects xmlns:a14="http://schemas.microsoft.com/office/drawing/2010/main" xmlns="">
+              <a14:hiddenEffects xmlns="" xmlns:a14="http://schemas.microsoft.com/office/drawing/2010/main">
                 <a:effectLst>
                   <a:outerShdw dist="35921" dir="2700000" algn="ctr" rotWithShape="0">
                     <a:schemeClr val="bg2"/>
@@ -452,14 +452,14 @@
           <a:effectLst/>
           <a:extLst>
             <a:ext uri="{909E8E84-426E-40dd-AFC4-6F175D3DCCD1}">
-              <a14:hiddenFill xmlns:a14="http://schemas.microsoft.com/office/drawing/2010/main" xmlns="">
+              <a14:hiddenFill xmlns="" xmlns:a14="http://schemas.microsoft.com/office/drawing/2010/main">
                 <a:solidFill>
                   <a:schemeClr val="accent1"/>
                 </a:solidFill>
               </a14:hiddenFill>
             </a:ext>
             <a:ext uri="{91240B29-F687-4f45-9708-019B960494DF}">
-              <a14:hiddenLine xmlns:a14="http://schemas.microsoft.com/office/drawing/2010/main" xmlns="" w="9525">
+              <a14:hiddenLine xmlns="" xmlns:a14="http://schemas.microsoft.com/office/drawing/2010/main" w="9525">
                 <a:solidFill>
                   <a:schemeClr val="tx1"/>
                 </a:solidFill>
@@ -469,7 +469,7 @@
               </a14:hiddenLine>
             </a:ext>
             <a:ext uri="{AF507438-7753-43e0-B8FC-AC1667EBCBE1}">
-              <a14:hiddenEffects xmlns:a14="http://schemas.microsoft.com/office/drawing/2010/main" xmlns="">
+              <a14:hiddenEffects xmlns="" xmlns:a14="http://schemas.microsoft.com/office/drawing/2010/main">
                 <a:effectLst>
                   <a:outerShdw dist="35921" dir="2700000" algn="ctr" rotWithShape="0">
                     <a:schemeClr val="bg2"/>
@@ -566,14 +566,14 @@
           <a:effectLst/>
           <a:extLst>
             <a:ext uri="{909E8E84-426E-40dd-AFC4-6F175D3DCCD1}">
-              <a14:hiddenFill xmlns:a14="http://schemas.microsoft.com/office/drawing/2010/main" xmlns="">
+              <a14:hiddenFill xmlns="" xmlns:a14="http://schemas.microsoft.com/office/drawing/2010/main">
                 <a:solidFill>
                   <a:schemeClr val="accent1"/>
                 </a:solidFill>
               </a14:hiddenFill>
             </a:ext>
             <a:ext uri="{91240B29-F687-4f45-9708-019B960494DF}">
-              <a14:hiddenLine xmlns:a14="http://schemas.microsoft.com/office/drawing/2010/main" xmlns="" w="9525">
+              <a14:hiddenLine xmlns="" xmlns:a14="http://schemas.microsoft.com/office/drawing/2010/main" w="9525">
                 <a:solidFill>
                   <a:schemeClr val="tx1"/>
                 </a:solidFill>
@@ -583,7 +583,7 @@
               </a14:hiddenLine>
             </a:ext>
             <a:ext uri="{AF507438-7753-43e0-B8FC-AC1667EBCBE1}">
-              <a14:hiddenEffects xmlns:a14="http://schemas.microsoft.com/office/drawing/2010/main" xmlns="">
+              <a14:hiddenEffects xmlns="" xmlns:a14="http://schemas.microsoft.com/office/drawing/2010/main">
                 <a:effectLst>
                   <a:outerShdw dist="35921" dir="2700000" algn="ctr" rotWithShape="0">
                     <a:schemeClr val="bg2"/>
@@ -637,14 +637,14 @@
           <a:effectLst/>
           <a:extLst>
             <a:ext uri="{909E8E84-426E-40dd-AFC4-6F175D3DCCD1}">
-              <a14:hiddenFill xmlns:a14="http://schemas.microsoft.com/office/drawing/2010/main" xmlns="">
+              <a14:hiddenFill xmlns="" xmlns:a14="http://schemas.microsoft.com/office/drawing/2010/main">
                 <a:solidFill>
                   <a:schemeClr val="accent1"/>
                 </a:solidFill>
               </a14:hiddenFill>
             </a:ext>
             <a:ext uri="{91240B29-F687-4f45-9708-019B960494DF}">
-              <a14:hiddenLine xmlns:a14="http://schemas.microsoft.com/office/drawing/2010/main" xmlns="" w="9525">
+              <a14:hiddenLine xmlns="" xmlns:a14="http://schemas.microsoft.com/office/drawing/2010/main" w="9525">
                 <a:solidFill>
                   <a:schemeClr val="tx1"/>
                 </a:solidFill>
@@ -654,7 +654,7 @@
               </a14:hiddenLine>
             </a:ext>
             <a:ext uri="{AF507438-7753-43e0-B8FC-AC1667EBCBE1}">
-              <a14:hiddenEffects xmlns:a14="http://schemas.microsoft.com/office/drawing/2010/main" xmlns="">
+              <a14:hiddenEffects xmlns="" xmlns:a14="http://schemas.microsoft.com/office/drawing/2010/main">
                 <a:effectLst>
                   <a:outerShdw dist="35921" dir="2700000" algn="ctr" rotWithShape="0">
                     <a:schemeClr val="bg2"/>
@@ -713,14 +713,14 @@
           <a:effectLst/>
           <a:extLst>
             <a:ext uri="{909E8E84-426E-40dd-AFC4-6F175D3DCCD1}">
-              <a14:hiddenFill xmlns:a14="http://schemas.microsoft.com/office/drawing/2010/main" xmlns="">
+              <a14:hiddenFill xmlns="" xmlns:a14="http://schemas.microsoft.com/office/drawing/2010/main">
                 <a:solidFill>
                   <a:srgbClr val="FFFFFF"/>
                 </a:solidFill>
               </a14:hiddenFill>
             </a:ext>
             <a:ext uri="{AF507438-7753-43e0-B8FC-AC1667EBCBE1}">
-              <a14:hiddenEffects xmlns:a14="http://schemas.microsoft.com/office/drawing/2010/main" xmlns="">
+              <a14:hiddenEffects xmlns="" xmlns:a14="http://schemas.microsoft.com/office/drawing/2010/main">
                 <a:effectLst>
                   <a:outerShdw dist="35921" dir="2700000" algn="ctr" rotWithShape="0">
                     <a:srgbClr val="808080"/>
@@ -729,7 +729,7 @@
               </a14:hiddenEffects>
             </a:ext>
             <a:ext uri="{53640926-AAD7-44d8-BBD7-CCE9431645EC}">
-              <a14:shadowObscured xmlns:a14="http://schemas.microsoft.com/office/drawing/2010/main" xmlns="" val="1"/>
+              <a14:shadowObscured xmlns="" xmlns:a14="http://schemas.microsoft.com/office/drawing/2010/main" val="1"/>
             </a:ext>
           </a:extLst>
         </p:spPr>
@@ -759,14 +759,14 @@
           <a:effectLst/>
           <a:extLst>
             <a:ext uri="{909E8E84-426E-40dd-AFC4-6F175D3DCCD1}">
-              <a14:hiddenFill xmlns:a14="http://schemas.microsoft.com/office/drawing/2010/main" xmlns="">
+              <a14:hiddenFill xmlns="" xmlns:a14="http://schemas.microsoft.com/office/drawing/2010/main">
                 <a:solidFill>
                   <a:schemeClr val="accent1"/>
                 </a:solidFill>
               </a14:hiddenFill>
             </a:ext>
             <a:ext uri="{91240B29-F687-4f45-9708-019B960494DF}">
-              <a14:hiddenLine xmlns:a14="http://schemas.microsoft.com/office/drawing/2010/main" xmlns="" w="9525">
+              <a14:hiddenLine xmlns="" xmlns:a14="http://schemas.microsoft.com/office/drawing/2010/main" w="9525">
                 <a:solidFill>
                   <a:schemeClr val="tx1"/>
                 </a:solidFill>
@@ -776,7 +776,7 @@
               </a14:hiddenLine>
             </a:ext>
             <a:ext uri="{AF507438-7753-43e0-B8FC-AC1667EBCBE1}">
-              <a14:hiddenEffects xmlns:a14="http://schemas.microsoft.com/office/drawing/2010/main" xmlns="">
+              <a14:hiddenEffects xmlns="" xmlns:a14="http://schemas.microsoft.com/office/drawing/2010/main">
                 <a:effectLst>
                   <a:outerShdw dist="35921" dir="2700000" algn="ctr" rotWithShape="0">
                     <a:schemeClr val="bg2"/>
@@ -855,14 +855,14 @@
           <a:effectLst/>
           <a:extLst>
             <a:ext uri="{909E8E84-426E-40dd-AFC4-6F175D3DCCD1}">
-              <a14:hiddenFill xmlns:a14="http://schemas.microsoft.com/office/drawing/2010/main" xmlns="">
+              <a14:hiddenFill xmlns="" xmlns:a14="http://schemas.microsoft.com/office/drawing/2010/main">
                 <a:solidFill>
                   <a:schemeClr val="accent1"/>
                 </a:solidFill>
               </a14:hiddenFill>
             </a:ext>
             <a:ext uri="{91240B29-F687-4f45-9708-019B960494DF}">
-              <a14:hiddenLine xmlns:a14="http://schemas.microsoft.com/office/drawing/2010/main" xmlns="" w="9525">
+              <a14:hiddenLine xmlns="" xmlns:a14="http://schemas.microsoft.com/office/drawing/2010/main" w="9525">
                 <a:solidFill>
                   <a:schemeClr val="tx1"/>
                 </a:solidFill>
@@ -872,7 +872,7 @@
               </a14:hiddenLine>
             </a:ext>
             <a:ext uri="{AF507438-7753-43e0-B8FC-AC1667EBCBE1}">
-              <a14:hiddenEffects xmlns:a14="http://schemas.microsoft.com/office/drawing/2010/main" xmlns="">
+              <a14:hiddenEffects xmlns="" xmlns:a14="http://schemas.microsoft.com/office/drawing/2010/main">
                 <a:effectLst>
                   <a:outerShdw dist="35921" dir="2700000" algn="ctr" rotWithShape="0">
                     <a:schemeClr val="bg2"/>
@@ -926,14 +926,14 @@
           <a:effectLst/>
           <a:extLst>
             <a:ext uri="{909E8E84-426E-40dd-AFC4-6F175D3DCCD1}">
-              <a14:hiddenFill xmlns:a14="http://schemas.microsoft.com/office/drawing/2010/main" xmlns="">
+              <a14:hiddenFill xmlns="" xmlns:a14="http://schemas.microsoft.com/office/drawing/2010/main">
                 <a:solidFill>
                   <a:schemeClr val="accent1"/>
                 </a:solidFill>
               </a14:hiddenFill>
             </a:ext>
             <a:ext uri="{91240B29-F687-4f45-9708-019B960494DF}">
-              <a14:hiddenLine xmlns:a14="http://schemas.microsoft.com/office/drawing/2010/main" xmlns="" w="9525">
+              <a14:hiddenLine xmlns="" xmlns:a14="http://schemas.microsoft.com/office/drawing/2010/main" w="9525">
                 <a:solidFill>
                   <a:schemeClr val="tx1"/>
                 </a:solidFill>
@@ -943,7 +943,7 @@
               </a14:hiddenLine>
             </a:ext>
             <a:ext uri="{AF507438-7753-43e0-B8FC-AC1667EBCBE1}">
-              <a14:hiddenEffects xmlns:a14="http://schemas.microsoft.com/office/drawing/2010/main" xmlns="">
+              <a14:hiddenEffects xmlns="" xmlns:a14="http://schemas.microsoft.com/office/drawing/2010/main">
                 <a:effectLst>
                   <a:outerShdw dist="35921" dir="2700000" algn="ctr" rotWithShape="0">
                     <a:schemeClr val="bg2"/>
@@ -1161,14 +1161,14 @@
           <a:noFill/>
           <a:extLst>
             <a:ext uri="{909E8E84-426E-40dd-AFC4-6F175D3DCCD1}">
-              <a14:hiddenFill xmlns="" xmlns:a14="http://schemas.microsoft.com/office/drawing/2010/main">
+              <a14:hiddenFill xmlns:a14="http://schemas.microsoft.com/office/drawing/2010/main" xmlns="">
                 <a:solidFill>
                   <a:srgbClr val="FFFFFF"/>
                 </a:solidFill>
               </a14:hiddenFill>
             </a:ext>
             <a:ext uri="{91240B29-F687-4f45-9708-019B960494DF}">
-              <a14:hiddenLine xmlns="" xmlns:a14="http://schemas.microsoft.com/office/drawing/2010/main" w="9525">
+              <a14:hiddenLine xmlns:a14="http://schemas.microsoft.com/office/drawing/2010/main" xmlns="" w="9525">
                 <a:solidFill>
                   <a:srgbClr val="000000"/>
                 </a:solidFill>
@@ -1465,14 +1465,14 @@
           </a:ln>
           <a:extLst>
             <a:ext uri="{909E8E84-426E-40dd-AFC4-6F175D3DCCD1}">
-              <a14:hiddenFill xmlns:a14="http://schemas.microsoft.com/office/drawing/2010/main" xmlns="">
+              <a14:hiddenFill xmlns="" xmlns:a14="http://schemas.microsoft.com/office/drawing/2010/main">
                 <a:solidFill>
                   <a:srgbClr val="FFFFFF"/>
                 </a:solidFill>
               </a14:hiddenFill>
             </a:ext>
             <a:ext uri="{91240B29-F687-4f45-9708-019B960494DF}">
-              <a14:hiddenLine xmlns:a14="http://schemas.microsoft.com/office/drawing/2010/main" xmlns="" w="9525">
+              <a14:hiddenLine xmlns="" xmlns:a14="http://schemas.microsoft.com/office/drawing/2010/main" w="9525">
                 <a:solidFill>
                   <a:srgbClr val="000000"/>
                 </a:solidFill>
@@ -1520,14 +1520,14 @@
           </a:ln>
           <a:extLst>
             <a:ext uri="{909E8E84-426E-40dd-AFC4-6F175D3DCCD1}">
-              <a14:hiddenFill xmlns:a14="http://schemas.microsoft.com/office/drawing/2010/main" xmlns="">
+              <a14:hiddenFill xmlns="" xmlns:a14="http://schemas.microsoft.com/office/drawing/2010/main">
                 <a:solidFill>
                   <a:srgbClr val="FFFFFF"/>
                 </a:solidFill>
               </a14:hiddenFill>
             </a:ext>
             <a:ext uri="{91240B29-F687-4f45-9708-019B960494DF}">
-              <a14:hiddenLine xmlns:a14="http://schemas.microsoft.com/office/drawing/2010/main" xmlns="" w="9525">
+              <a14:hiddenLine xmlns="" xmlns:a14="http://schemas.microsoft.com/office/drawing/2010/main" w="9525">
                 <a:solidFill>
                   <a:srgbClr val="000000"/>
                 </a:solidFill>
@@ -1648,14 +1648,14 @@
             </a:ln>
             <a:extLst>
               <a:ext uri="{909E8E84-426E-40dd-AFC4-6F175D3DCCD1}">
-                <a14:hiddenFill xmlns:a14="http://schemas.microsoft.com/office/drawing/2010/main" xmlns="">
+                <a14:hiddenFill xmlns="" xmlns:a14="http://schemas.microsoft.com/office/drawing/2010/main">
                   <a:solidFill>
                     <a:srgbClr val="FFFFFF"/>
                   </a:solidFill>
                 </a14:hiddenFill>
               </a:ext>
               <a:ext uri="{91240B29-F687-4f45-9708-019B960494DF}">
-                <a14:hiddenLine xmlns:a14="http://schemas.microsoft.com/office/drawing/2010/main" xmlns="" w="9525">
+                <a14:hiddenLine xmlns="" xmlns:a14="http://schemas.microsoft.com/office/drawing/2010/main" w="9525">
                   <a:solidFill>
                     <a:srgbClr val="000000"/>
                   </a:solidFill>
@@ -1704,14 +1704,14 @@
             </a:ln>
             <a:extLst>
               <a:ext uri="{909E8E84-426E-40dd-AFC4-6F175D3DCCD1}">
-                <a14:hiddenFill xmlns:a14="http://schemas.microsoft.com/office/drawing/2010/main" xmlns="">
+                <a14:hiddenFill xmlns="" xmlns:a14="http://schemas.microsoft.com/office/drawing/2010/main">
                   <a:solidFill>
                     <a:srgbClr val="FFFFFF"/>
                   </a:solidFill>
                 </a14:hiddenFill>
               </a:ext>
               <a:ext uri="{91240B29-F687-4f45-9708-019B960494DF}">
-                <a14:hiddenLine xmlns:a14="http://schemas.microsoft.com/office/drawing/2010/main" xmlns="" w="9525">
+                <a14:hiddenLine xmlns="" xmlns:a14="http://schemas.microsoft.com/office/drawing/2010/main" w="9525">
                   <a:solidFill>
                     <a:srgbClr val="000000"/>
                   </a:solidFill>
@@ -1746,14 +1746,14 @@
           </a:ln>
           <a:extLst>
             <a:ext uri="{909E8E84-426E-40dd-AFC4-6F175D3DCCD1}">
-              <a14:hiddenFill xmlns:a14="http://schemas.microsoft.com/office/drawing/2010/main" xmlns="">
+              <a14:hiddenFill xmlns="" xmlns:a14="http://schemas.microsoft.com/office/drawing/2010/main">
                 <a:solidFill>
                   <a:srgbClr val="FFFFFF"/>
                 </a:solidFill>
               </a14:hiddenFill>
             </a:ext>
             <a:ext uri="{91240B29-F687-4f45-9708-019B960494DF}">
-              <a14:hiddenLine xmlns:a14="http://schemas.microsoft.com/office/drawing/2010/main" xmlns="" w="9525">
+              <a14:hiddenLine xmlns="" xmlns:a14="http://schemas.microsoft.com/office/drawing/2010/main" w="9525">
                 <a:solidFill>
                   <a:srgbClr val="000000"/>
                 </a:solidFill>
@@ -2339,14 +2339,14 @@
           </a:ln>
           <a:extLst>
             <a:ext uri="{909E8E84-426E-40dd-AFC4-6F175D3DCCD1}">
-              <a14:hiddenFill xmlns:a14="http://schemas.microsoft.com/office/drawing/2010/main" xmlns="">
+              <a14:hiddenFill xmlns="" xmlns:a14="http://schemas.microsoft.com/office/drawing/2010/main">
                 <a:solidFill>
                   <a:srgbClr val="FFFFFF"/>
                 </a:solidFill>
               </a14:hiddenFill>
             </a:ext>
             <a:ext uri="{91240B29-F687-4f45-9708-019B960494DF}">
-              <a14:hiddenLine xmlns:a14="http://schemas.microsoft.com/office/drawing/2010/main" xmlns="" w="9525">
+              <a14:hiddenLine xmlns="" xmlns:a14="http://schemas.microsoft.com/office/drawing/2010/main" w="9525">
                 <a:solidFill>
                   <a:srgbClr val="000000"/>
                 </a:solidFill>
@@ -2394,14 +2394,14 @@
           </a:ln>
           <a:extLst>
             <a:ext uri="{909E8E84-426E-40dd-AFC4-6F175D3DCCD1}">
-              <a14:hiddenFill xmlns:a14="http://schemas.microsoft.com/office/drawing/2010/main" xmlns="">
+              <a14:hiddenFill xmlns="" xmlns:a14="http://schemas.microsoft.com/office/drawing/2010/main">
                 <a:solidFill>
                   <a:srgbClr val="FFFFFF"/>
                 </a:solidFill>
               </a14:hiddenFill>
             </a:ext>
             <a:ext uri="{91240B29-F687-4f45-9708-019B960494DF}">
-              <a14:hiddenLine xmlns:a14="http://schemas.microsoft.com/office/drawing/2010/main" xmlns="" w="9525">
+              <a14:hiddenLine xmlns="" xmlns:a14="http://schemas.microsoft.com/office/drawing/2010/main" w="9525">
                 <a:solidFill>
                   <a:srgbClr val="000000"/>
                 </a:solidFill>
@@ -2464,14 +2464,14 @@
             </a:ln>
             <a:extLst>
               <a:ext uri="{909E8E84-426E-40dd-AFC4-6F175D3DCCD1}">
-                <a14:hiddenFill xmlns:a14="http://schemas.microsoft.com/office/drawing/2010/main" xmlns="">
+                <a14:hiddenFill xmlns="" xmlns:a14="http://schemas.microsoft.com/office/drawing/2010/main">
                   <a:solidFill>
                     <a:srgbClr val="FFFFFF"/>
                   </a:solidFill>
                 </a14:hiddenFill>
               </a:ext>
               <a:ext uri="{91240B29-F687-4f45-9708-019B960494DF}">
-                <a14:hiddenLine xmlns:a14="http://schemas.microsoft.com/office/drawing/2010/main" xmlns="" w="9525">
+                <a14:hiddenLine xmlns="" xmlns:a14="http://schemas.microsoft.com/office/drawing/2010/main" w="9525">
                   <a:solidFill>
                     <a:srgbClr val="000000"/>
                   </a:solidFill>
@@ -2520,14 +2520,14 @@
             </a:ln>
             <a:extLst>
               <a:ext uri="{909E8E84-426E-40dd-AFC4-6F175D3DCCD1}">
-                <a14:hiddenFill xmlns:a14="http://schemas.microsoft.com/office/drawing/2010/main" xmlns="">
+                <a14:hiddenFill xmlns="" xmlns:a14="http://schemas.microsoft.com/office/drawing/2010/main">
                   <a:solidFill>
                     <a:srgbClr val="FFFFFF"/>
                   </a:solidFill>
                 </a14:hiddenFill>
               </a:ext>
               <a:ext uri="{91240B29-F687-4f45-9708-019B960494DF}">
-                <a14:hiddenLine xmlns:a14="http://schemas.microsoft.com/office/drawing/2010/main" xmlns="" w="9525">
+                <a14:hiddenLine xmlns="" xmlns:a14="http://schemas.microsoft.com/office/drawing/2010/main" w="9525">
                   <a:solidFill>
                     <a:srgbClr val="000000"/>
                   </a:solidFill>
@@ -2617,14 +2617,14 @@
           </a:ln>
           <a:extLst>
             <a:ext uri="{909E8E84-426E-40dd-AFC4-6F175D3DCCD1}">
-              <a14:hiddenFill xmlns:a14="http://schemas.microsoft.com/office/drawing/2010/main" xmlns="">
+              <a14:hiddenFill xmlns="" xmlns:a14="http://schemas.microsoft.com/office/drawing/2010/main">
                 <a:solidFill>
                   <a:srgbClr val="FFFFFF"/>
                 </a:solidFill>
               </a14:hiddenFill>
             </a:ext>
             <a:ext uri="{91240B29-F687-4f45-9708-019B960494DF}">
-              <a14:hiddenLine xmlns:a14="http://schemas.microsoft.com/office/drawing/2010/main" xmlns="" w="9525">
+              <a14:hiddenLine xmlns="" xmlns:a14="http://schemas.microsoft.com/office/drawing/2010/main" w="9525">
                 <a:solidFill>
                   <a:srgbClr val="000000"/>
                 </a:solidFill>
@@ -7306,14 +7306,14 @@
           </a:ln>
           <a:extLst>
             <a:ext uri="{909E8E84-426E-40dd-AFC4-6F175D3DCCD1}">
-              <a14:hiddenFill xmlns:a14="http://schemas.microsoft.com/office/drawing/2010/main" xmlns="">
+              <a14:hiddenFill xmlns="" xmlns:a14="http://schemas.microsoft.com/office/drawing/2010/main">
                 <a:solidFill>
                   <a:srgbClr val="FFFFFF"/>
                 </a:solidFill>
               </a14:hiddenFill>
             </a:ext>
             <a:ext uri="{91240B29-F687-4f45-9708-019B960494DF}">
-              <a14:hiddenLine xmlns:a14="http://schemas.microsoft.com/office/drawing/2010/main" xmlns="" w="9525">
+              <a14:hiddenLine xmlns="" xmlns:a14="http://schemas.microsoft.com/office/drawing/2010/main" w="9525">
                 <a:solidFill>
                   <a:srgbClr val="000000"/>
                 </a:solidFill>
@@ -7349,14 +7349,14 @@
           </a:ln>
           <a:extLst>
             <a:ext uri="{909E8E84-426E-40dd-AFC4-6F175D3DCCD1}">
-              <a14:hiddenFill xmlns:a14="http://schemas.microsoft.com/office/drawing/2010/main" xmlns="">
+              <a14:hiddenFill xmlns="" xmlns:a14="http://schemas.microsoft.com/office/drawing/2010/main">
                 <a:solidFill>
                   <a:srgbClr val="FFFFFF"/>
                 </a:solidFill>
               </a14:hiddenFill>
             </a:ext>
             <a:ext uri="{91240B29-F687-4f45-9708-019B960494DF}">
-              <a14:hiddenLine xmlns:a14="http://schemas.microsoft.com/office/drawing/2010/main" xmlns="" w="9525">
+              <a14:hiddenLine xmlns="" xmlns:a14="http://schemas.microsoft.com/office/drawing/2010/main" w="9525">
                 <a:solidFill>
                   <a:srgbClr val="000000"/>
                 </a:solidFill>
@@ -7407,14 +7407,14 @@
           </a:ln>
           <a:extLst>
             <a:ext uri="{909E8E84-426E-40dd-AFC4-6F175D3DCCD1}">
-              <a14:hiddenFill xmlns:a14="http://schemas.microsoft.com/office/drawing/2010/main" xmlns="">
+              <a14:hiddenFill xmlns="" xmlns:a14="http://schemas.microsoft.com/office/drawing/2010/main">
                 <a:solidFill>
                   <a:srgbClr val="FFFFFF"/>
                 </a:solidFill>
               </a14:hiddenFill>
             </a:ext>
             <a:ext uri="{91240B29-F687-4f45-9708-019B960494DF}">
-              <a14:hiddenLine xmlns:a14="http://schemas.microsoft.com/office/drawing/2010/main" xmlns="" w="9525">
+              <a14:hiddenLine xmlns="" xmlns:a14="http://schemas.microsoft.com/office/drawing/2010/main" w="9525">
                 <a:solidFill>
                   <a:srgbClr val="000000"/>
                 </a:solidFill>
@@ -7663,14 +7663,14 @@
           </a:ln>
           <a:extLst>
             <a:ext uri="{909E8E84-426E-40dd-AFC4-6F175D3DCCD1}">
-              <a14:hiddenFill xmlns:a14="http://schemas.microsoft.com/office/drawing/2010/main" xmlns="">
+              <a14:hiddenFill xmlns="" xmlns:a14="http://schemas.microsoft.com/office/drawing/2010/main">
                 <a:solidFill>
                   <a:srgbClr val="FFFFFF"/>
                 </a:solidFill>
               </a14:hiddenFill>
             </a:ext>
             <a:ext uri="{91240B29-F687-4f45-9708-019B960494DF}">
-              <a14:hiddenLine xmlns:a14="http://schemas.microsoft.com/office/drawing/2010/main" xmlns="" w="9525">
+              <a14:hiddenLine xmlns="" xmlns:a14="http://schemas.microsoft.com/office/drawing/2010/main" w="9525">
                 <a:solidFill>
                   <a:srgbClr val="000000"/>
                 </a:solidFill>
@@ -8189,14 +8189,14 @@
           </a:ln>
           <a:extLst>
             <a:ext uri="{909E8E84-426E-40dd-AFC4-6F175D3DCCD1}">
-              <a14:hiddenFill xmlns:a14="http://schemas.microsoft.com/office/drawing/2010/main" xmlns="">
+              <a14:hiddenFill xmlns="" xmlns:a14="http://schemas.microsoft.com/office/drawing/2010/main">
                 <a:solidFill>
                   <a:srgbClr val="FFFFFF"/>
                 </a:solidFill>
               </a14:hiddenFill>
             </a:ext>
             <a:ext uri="{91240B29-F687-4f45-9708-019B960494DF}">
-              <a14:hiddenLine xmlns:a14="http://schemas.microsoft.com/office/drawing/2010/main" xmlns="" w="9525">
+              <a14:hiddenLine xmlns="" xmlns:a14="http://schemas.microsoft.com/office/drawing/2010/main" w="9525">
                 <a:solidFill>
                   <a:srgbClr val="000000"/>
                 </a:solidFill>
@@ -8247,14 +8247,14 @@
           </a:ln>
           <a:extLst>
             <a:ext uri="{909E8E84-426E-40dd-AFC4-6F175D3DCCD1}">
-              <a14:hiddenFill xmlns:a14="http://schemas.microsoft.com/office/drawing/2010/main" xmlns="">
+              <a14:hiddenFill xmlns="" xmlns:a14="http://schemas.microsoft.com/office/drawing/2010/main">
                 <a:solidFill>
                   <a:srgbClr val="FFFFFF"/>
                 </a:solidFill>
               </a14:hiddenFill>
             </a:ext>
             <a:ext uri="{91240B29-F687-4f45-9708-019B960494DF}">
-              <a14:hiddenLine xmlns:a14="http://schemas.microsoft.com/office/drawing/2010/main" xmlns="" w="9525">
+              <a14:hiddenLine xmlns="" xmlns:a14="http://schemas.microsoft.com/office/drawing/2010/main" w="9525">
                 <a:solidFill>
                   <a:srgbClr val="000000"/>
                 </a:solidFill>
@@ -8501,14 +8501,14 @@
           </a:ln>
           <a:extLst>
             <a:ext uri="{909E8E84-426E-40dd-AFC4-6F175D3DCCD1}">
-              <a14:hiddenFill xmlns:a14="http://schemas.microsoft.com/office/drawing/2010/main" xmlns="">
+              <a14:hiddenFill xmlns="" xmlns:a14="http://schemas.microsoft.com/office/drawing/2010/main">
                 <a:solidFill>
                   <a:srgbClr val="FFFFFF"/>
                 </a:solidFill>
               </a14:hiddenFill>
             </a:ext>
             <a:ext uri="{91240B29-F687-4f45-9708-019B960494DF}">
-              <a14:hiddenLine xmlns:a14="http://schemas.microsoft.com/office/drawing/2010/main" xmlns="" w="9525">
+              <a14:hiddenLine xmlns="" xmlns:a14="http://schemas.microsoft.com/office/drawing/2010/main" w="9525">
                 <a:solidFill>
                   <a:srgbClr val="000000"/>
                 </a:solidFill>
@@ -9025,14 +9025,14 @@
           <a:ln/>
           <a:extLst>
             <a:ext uri="{909E8E84-426E-40dd-AFC4-6F175D3DCCD1}">
-              <a14:hiddenFill xmlns="" xmlns:a14="http://schemas.microsoft.com/office/drawing/2010/main">
+              <a14:hiddenFill xmlns:a14="http://schemas.microsoft.com/office/drawing/2010/main" xmlns="">
                 <a:solidFill>
                   <a:srgbClr val="FFFFFF"/>
                 </a:solidFill>
               </a14:hiddenFill>
             </a:ext>
             <a:ext uri="{91240B29-F687-4f45-9708-019B960494DF}">
-              <a14:hiddenLine xmlns="" xmlns:a14="http://schemas.microsoft.com/office/drawing/2010/main" w="9525">
+              <a14:hiddenLine xmlns:a14="http://schemas.microsoft.com/office/drawing/2010/main" xmlns="" w="9525">
                 <a:solidFill>
                   <a:srgbClr val="000000"/>
                 </a:solidFill>
@@ -9227,14 +9227,14 @@
           </a:ln>
           <a:extLst>
             <a:ext uri="{909E8E84-426E-40dd-AFC4-6F175D3DCCD1}">
-              <a14:hiddenFill xmlns="" xmlns:a14="http://schemas.microsoft.com/office/drawing/2010/main">
+              <a14:hiddenFill xmlns:a14="http://schemas.microsoft.com/office/drawing/2010/main" xmlns="">
                 <a:solidFill>
                   <a:srgbClr val="FFFFFF"/>
                 </a:solidFill>
               </a14:hiddenFill>
             </a:ext>
             <a:ext uri="{91240B29-F687-4f45-9708-019B960494DF}">
-              <a14:hiddenLine xmlns="" xmlns:a14="http://schemas.microsoft.com/office/drawing/2010/main" w="9525">
+              <a14:hiddenLine xmlns:a14="http://schemas.microsoft.com/office/drawing/2010/main" xmlns="" w="9525">
                 <a:solidFill>
                   <a:srgbClr val="000000"/>
                 </a:solidFill>
@@ -9312,14 +9312,14 @@
           </a:ln>
           <a:extLst>
             <a:ext uri="{909E8E84-426E-40dd-AFC4-6F175D3DCCD1}">
-              <a14:hiddenFill xmlns="" xmlns:a14="http://schemas.microsoft.com/office/drawing/2010/main">
+              <a14:hiddenFill xmlns:a14="http://schemas.microsoft.com/office/drawing/2010/main" xmlns="">
                 <a:solidFill>
                   <a:srgbClr val="FFFFFF"/>
                 </a:solidFill>
               </a14:hiddenFill>
             </a:ext>
             <a:ext uri="{91240B29-F687-4f45-9708-019B960494DF}">
-              <a14:hiddenLine xmlns="" xmlns:a14="http://schemas.microsoft.com/office/drawing/2010/main" w="9525">
+              <a14:hiddenLine xmlns:a14="http://schemas.microsoft.com/office/drawing/2010/main" xmlns="" w="9525">
                 <a:solidFill>
                   <a:srgbClr val="000000"/>
                 </a:solidFill>
@@ -9441,14 +9441,14 @@
           </a:ln>
           <a:extLst>
             <a:ext uri="{909E8E84-426E-40dd-AFC4-6F175D3DCCD1}">
-              <a14:hiddenFill xmlns="" xmlns:a14="http://schemas.microsoft.com/office/drawing/2010/main">
+              <a14:hiddenFill xmlns:a14="http://schemas.microsoft.com/office/drawing/2010/main" xmlns="">
                 <a:solidFill>
                   <a:srgbClr val="FFFFFF"/>
                 </a:solidFill>
               </a14:hiddenFill>
             </a:ext>
             <a:ext uri="{91240B29-F687-4f45-9708-019B960494DF}">
-              <a14:hiddenLine xmlns="" xmlns:a14="http://schemas.microsoft.com/office/drawing/2010/main" w="9525">
+              <a14:hiddenLine xmlns:a14="http://schemas.microsoft.com/office/drawing/2010/main" xmlns="" w="9525">
                 <a:solidFill>
                   <a:srgbClr val="000000"/>
                 </a:solidFill>
@@ -9490,14 +9490,14 @@
           </a:ln>
           <a:extLst>
             <a:ext uri="{909E8E84-426E-40dd-AFC4-6F175D3DCCD1}">
-              <a14:hiddenFill xmlns="" xmlns:a14="http://schemas.microsoft.com/office/drawing/2010/main">
+              <a14:hiddenFill xmlns:a14="http://schemas.microsoft.com/office/drawing/2010/main" xmlns="">
                 <a:solidFill>
                   <a:srgbClr val="FFFFFF"/>
                 </a:solidFill>
               </a14:hiddenFill>
             </a:ext>
             <a:ext uri="{91240B29-F687-4f45-9708-019B960494DF}">
-              <a14:hiddenLine xmlns="" xmlns:a14="http://schemas.microsoft.com/office/drawing/2010/main" w="9525">
+              <a14:hiddenLine xmlns:a14="http://schemas.microsoft.com/office/drawing/2010/main" xmlns="" w="9525">
                 <a:solidFill>
                   <a:srgbClr val="000000"/>
                 </a:solidFill>
@@ -9705,14 +9705,14 @@
           </a:ln>
           <a:extLst>
             <a:ext uri="{909E8E84-426E-40dd-AFC4-6F175D3DCCD1}">
-              <a14:hiddenFill xmlns="" xmlns:a14="http://schemas.microsoft.com/office/drawing/2010/main">
+              <a14:hiddenFill xmlns:a14="http://schemas.microsoft.com/office/drawing/2010/main" xmlns="">
                 <a:solidFill>
                   <a:srgbClr val="FFFFFF"/>
                 </a:solidFill>
               </a14:hiddenFill>
             </a:ext>
             <a:ext uri="{91240B29-F687-4f45-9708-019B960494DF}">
-              <a14:hiddenLine xmlns="" xmlns:a14="http://schemas.microsoft.com/office/drawing/2010/main" w="9525">
+              <a14:hiddenLine xmlns:a14="http://schemas.microsoft.com/office/drawing/2010/main" xmlns="" w="9525">
                 <a:solidFill>
                   <a:srgbClr val="000000"/>
                 </a:solidFill>
@@ -9795,7 +9795,7 @@
           <p:cNvPr id="2" name="標題 1">
             <a:extLst>
               <a:ext uri="{FF2B5EF4-FFF2-40B4-BE49-F238E27FC236}">
-                <a16:creationId xmlns:a16="http://schemas.microsoft.com/office/drawing/2014/main" id="{0E21B4C5-E7C1-43FF-A86B-ED12A45C57FC}"/>
+                <a16:creationId xmlns:a16="http://schemas.microsoft.com/office/drawing/2014/main" id="{63212DC6-6AB8-49BC-89BB-6B1C11CD2D74}"/>
               </a:ext>
             </a:extLst>
           </p:cNvPr>
@@ -9812,8 +9812,8 @@
           <a:lstStyle/>
           <a:p>
             <a:r>
-              <a:rPr lang="en-US" altLang="zh-TW" dirty="0"/>
-              <a:t>Outline</a:t>
+              <a:rPr lang="en-US" altLang="zh-TW"/>
+              <a:t>Speedup Techniques</a:t>
             </a:r>
             <a:endParaRPr lang="zh-TW" altLang="en-US" dirty="0"/>
           </a:p>
@@ -9824,7 +9824,7 @@
           <p:cNvPr id="3" name="內容版面配置區 2">
             <a:extLst>
               <a:ext uri="{FF2B5EF4-FFF2-40B4-BE49-F238E27FC236}">
-                <a16:creationId xmlns:a16="http://schemas.microsoft.com/office/drawing/2014/main" id="{A7731B0D-BFCA-4942-8434-BA43449D5D22}"/>
+                <a16:creationId xmlns:a16="http://schemas.microsoft.com/office/drawing/2014/main" id="{6DF0C6E4-5B84-4B6C-BE46-D94DAE5E5EDE}"/>
               </a:ext>
             </a:extLst>
           </p:cNvPr>
@@ -9841,52 +9841,35 @@
           <a:lstStyle/>
           <a:p>
             <a:r>
-              <a:rPr lang="en-US" altLang="zh-TW" dirty="0">
-                <a:solidFill>
-                  <a:schemeClr val="bg1">
-                    <a:lumMod val="75000"/>
-                  </a:schemeClr>
-                </a:solidFill>
-              </a:rPr>
-              <a:t>Introduction</a:t>
-            </a:r>
-          </a:p>
-          <a:p>
-            <a:r>
-              <a:rPr lang="en-US" altLang="zh-TW" dirty="0">
-                <a:solidFill>
-                  <a:schemeClr val="bg1">
-                    <a:lumMod val="75000"/>
-                  </a:schemeClr>
-                </a:solidFill>
-              </a:rPr>
-              <a:t>Problem Formulation</a:t>
-            </a:r>
-          </a:p>
-          <a:p>
-            <a:r>
               <a:rPr lang="en-US" altLang="zh-TW" dirty="0"/>
-              <a:t>Experimental Results</a:t>
-            </a:r>
-          </a:p>
-          <a:p>
-            <a:r>
-              <a:rPr lang="en-US" altLang="zh-TW" dirty="0">
-                <a:solidFill>
-                  <a:schemeClr val="bg1">
-                    <a:lumMod val="75000"/>
-                  </a:schemeClr>
-                </a:solidFill>
-              </a:rPr>
-              <a:t>Conclusion</a:t>
-            </a:r>
-            <a:endParaRPr lang="zh-TW" altLang="en-US" dirty="0">
-              <a:solidFill>
-                <a:schemeClr val="bg1">
-                  <a:lumMod val="75000"/>
-                </a:schemeClr>
-              </a:solidFill>
-            </a:endParaRPr>
+              <a:t>LG</a:t>
+            </a:r>
+            <a:r>
+              <a:rPr lang="zh-TW" altLang="en-US" dirty="0"/>
+              <a:t> </a:t>
+            </a:r>
+            <a:r>
+              <a:rPr lang="en-US" altLang="zh-TW" dirty="0"/>
+              <a:t>Cut Stitch Forbiddance</a:t>
+            </a:r>
+          </a:p>
+          <a:p>
+            <a:endParaRPr lang="en-US" altLang="zh-TW" dirty="0"/>
+          </a:p>
+          <a:p>
+            <a:r>
+              <a:rPr lang="en-US" altLang="zh-TW" dirty="0"/>
+              <a:t>Decomposition Graph Vertex Clustering</a:t>
+            </a:r>
+          </a:p>
+          <a:p>
+            <a:endParaRPr lang="en-US" altLang="zh-TW" dirty="0"/>
+          </a:p>
+          <a:p>
+            <a:r>
+              <a:rPr lang="en-US" altLang="zh-TW" dirty="0"/>
+              <a:t>Fast Color Assignment Trial</a:t>
+            </a:r>
           </a:p>
         </p:txBody>
       </p:sp>
@@ -9895,7 +9878,7 @@
           <p:cNvPr id="4" name="日期版面配置區 3">
             <a:extLst>
               <a:ext uri="{FF2B5EF4-FFF2-40B4-BE49-F238E27FC236}">
-                <a16:creationId xmlns:a16="http://schemas.microsoft.com/office/drawing/2014/main" id="{D0037C9E-6880-425F-BD51-65FD3D5207EC}"/>
+                <a16:creationId xmlns:a16="http://schemas.microsoft.com/office/drawing/2014/main" id="{0D8A8520-C56A-4525-9424-C7D9E6877BE3}"/>
               </a:ext>
             </a:extLst>
           </p:cNvPr>
@@ -9927,7 +9910,7 @@
           <p:cNvPr id="5" name="投影片編號版面配置區 4">
             <a:extLst>
               <a:ext uri="{FF2B5EF4-FFF2-40B4-BE49-F238E27FC236}">
-                <a16:creationId xmlns:a16="http://schemas.microsoft.com/office/drawing/2014/main" id="{F98953EF-304E-45D1-82DE-8EC49FAFB54C}"/>
+                <a16:creationId xmlns:a16="http://schemas.microsoft.com/office/drawing/2014/main" id="{11AF3BA3-E3C6-47EB-80EE-99410B804958}"/>
               </a:ext>
             </a:extLst>
           </p:cNvPr>
@@ -9957,10 +9940,100 @@
           </a:p>
         </p:txBody>
       </p:sp>
+      <p:pic>
+        <p:nvPicPr>
+          <p:cNvPr id="7" name="圖片 6">
+            <a:extLst>
+              <a:ext uri="{FF2B5EF4-FFF2-40B4-BE49-F238E27FC236}">
+                <a16:creationId xmlns:a16="http://schemas.microsoft.com/office/drawing/2014/main" id="{E57917AA-B130-43CB-B6A5-D58B487BD5C8}"/>
+              </a:ext>
+            </a:extLst>
+          </p:cNvPr>
+          <p:cNvPicPr>
+            <a:picLocks noChangeAspect="1"/>
+          </p:cNvPicPr>
+          <p:nvPr/>
+        </p:nvPicPr>
+        <p:blipFill>
+          <a:blip r:embed="rId2"/>
+          <a:stretch>
+            <a:fillRect/>
+          </a:stretch>
+        </p:blipFill>
+        <p:spPr>
+          <a:xfrm>
+            <a:off x="7176120" y="2654783"/>
+            <a:ext cx="3312368" cy="3963753"/>
+          </a:xfrm>
+          <a:prstGeom prst="rect">
+            <a:avLst/>
+          </a:prstGeom>
+        </p:spPr>
+      </p:pic>
+      <p:pic>
+        <p:nvPicPr>
+          <p:cNvPr id="8" name="圖片 7">
+            <a:extLst>
+              <a:ext uri="{FF2B5EF4-FFF2-40B4-BE49-F238E27FC236}">
+                <a16:creationId xmlns:a16="http://schemas.microsoft.com/office/drawing/2014/main" id="{8AFE08CA-742B-45AB-8538-995AEF5CDF7E}"/>
+              </a:ext>
+            </a:extLst>
+          </p:cNvPr>
+          <p:cNvPicPr>
+            <a:picLocks noChangeAspect="1"/>
+          </p:cNvPicPr>
+          <p:nvPr/>
+        </p:nvPicPr>
+        <p:blipFill>
+          <a:blip r:embed="rId3"/>
+          <a:stretch>
+            <a:fillRect/>
+          </a:stretch>
+        </p:blipFill>
+        <p:spPr>
+          <a:xfrm>
+            <a:off x="7536160" y="990600"/>
+            <a:ext cx="2589614" cy="1422728"/>
+          </a:xfrm>
+          <a:prstGeom prst="rect">
+            <a:avLst/>
+          </a:prstGeom>
+        </p:spPr>
+      </p:pic>
+      <p:pic>
+        <p:nvPicPr>
+          <p:cNvPr id="9" name="圖片 8">
+            <a:extLst>
+              <a:ext uri="{FF2B5EF4-FFF2-40B4-BE49-F238E27FC236}">
+                <a16:creationId xmlns:a16="http://schemas.microsoft.com/office/drawing/2014/main" id="{3864301B-A55B-4F2A-9CAA-12A0CF024FC7}"/>
+              </a:ext>
+            </a:extLst>
+          </p:cNvPr>
+          <p:cNvPicPr>
+            <a:picLocks noChangeAspect="1"/>
+          </p:cNvPicPr>
+          <p:nvPr/>
+        </p:nvPicPr>
+        <p:blipFill>
+          <a:blip r:embed="rId4"/>
+          <a:stretch>
+            <a:fillRect/>
+          </a:stretch>
+        </p:blipFill>
+        <p:spPr>
+          <a:xfrm>
+            <a:off x="911424" y="3253938"/>
+            <a:ext cx="4695663" cy="3193331"/>
+          </a:xfrm>
+          <a:prstGeom prst="rect">
+            <a:avLst/>
+          </a:prstGeom>
+        </p:spPr>
+      </p:pic>
     </p:spTree>
     <p:extLst>
       <p:ext uri="{BB962C8B-B14F-4D97-AF65-F5344CB8AC3E}">
-        <p14:creationId xmlns:p14="http://schemas.microsoft.com/office/powerpoint/2010/main" val="3732529621"/>
+        <p14:creationId xmlns:p14="http://schemas.microsoft.com/office/powerpoint/2010/main" val="1762050134"/>
       </p:ext>
     </p:extLst>
   </p:cSld>
@@ -9989,10 +10062,10 @@
       </p:grpSpPr>
       <p:sp>
         <p:nvSpPr>
-          <p:cNvPr id="6" name="內容版面配置區 5">
+          <p:cNvPr id="2" name="標題 1">
             <a:extLst>
               <a:ext uri="{FF2B5EF4-FFF2-40B4-BE49-F238E27FC236}">
-                <a16:creationId xmlns:a16="http://schemas.microsoft.com/office/drawing/2014/main" id="{5BE914E2-4FEC-47A9-8DE8-8454256406B8}"/>
+                <a16:creationId xmlns:a16="http://schemas.microsoft.com/office/drawing/2014/main" id="{0E21B4C5-E7C1-43FF-A86B-ED12A45C57FC}"/>
               </a:ext>
             </a:extLst>
           </p:cNvPr>
@@ -10000,7 +10073,7 @@
             <a:spLocks noGrp="1"/>
           </p:cNvSpPr>
           <p:nvPr>
-            <p:ph idx="1"/>
+            <p:ph type="title"/>
           </p:nvPr>
         </p:nvSpPr>
         <p:spPr/>
@@ -10008,16 +10081,20 @@
           <a:bodyPr/>
           <a:lstStyle/>
           <a:p>
+            <a:r>
+              <a:rPr lang="en-US" altLang="zh-TW" dirty="0"/>
+              <a:t>Outline</a:t>
+            </a:r>
             <a:endParaRPr lang="zh-TW" altLang="en-US" dirty="0"/>
           </a:p>
         </p:txBody>
       </p:sp>
       <p:sp>
         <p:nvSpPr>
-          <p:cNvPr id="2" name="標題 1">
+          <p:cNvPr id="3" name="內容版面配置區 2">
             <a:extLst>
               <a:ext uri="{FF2B5EF4-FFF2-40B4-BE49-F238E27FC236}">
-                <a16:creationId xmlns:a16="http://schemas.microsoft.com/office/drawing/2014/main" id="{B36C0CBB-73B6-4523-BBAB-8A0776641E37}"/>
+                <a16:creationId xmlns:a16="http://schemas.microsoft.com/office/drawing/2014/main" id="{A7731B0D-BFCA-4942-8434-BA43449D5D22}"/>
               </a:ext>
             </a:extLst>
           </p:cNvPr>
@@ -10025,19 +10102,61 @@
             <a:spLocks noGrp="1"/>
           </p:cNvSpPr>
           <p:nvPr>
-            <p:ph type="title"/>
+            <p:ph idx="1"/>
           </p:nvPr>
         </p:nvSpPr>
         <p:spPr/>
         <p:txBody>
           <a:bodyPr/>
           <a:lstStyle/>
+          <a:p>
+            <a:r>
+              <a:rPr lang="en-US" altLang="zh-TW" dirty="0">
+                <a:solidFill>
+                  <a:schemeClr val="bg1">
+                    <a:lumMod val="75000"/>
+                  </a:schemeClr>
+                </a:solidFill>
+              </a:rPr>
+              <a:t>Introduction</a:t>
+            </a:r>
+          </a:p>
+          <a:p>
+            <a:r>
+              <a:rPr lang="en-US" altLang="zh-TW" dirty="0">
+                <a:solidFill>
+                  <a:schemeClr val="bg1">
+                    <a:lumMod val="75000"/>
+                  </a:schemeClr>
+                </a:solidFill>
+              </a:rPr>
+              <a:t>Problem Formulation</a:t>
+            </a:r>
+          </a:p>
           <a:p>
             <a:r>
               <a:rPr lang="en-US" altLang="zh-TW" dirty="0"/>
               <a:t>Experimental Results</a:t>
             </a:r>
-            <a:endParaRPr lang="zh-TW" altLang="en-US" dirty="0"/>
+          </a:p>
+          <a:p>
+            <a:r>
+              <a:rPr lang="en-US" altLang="zh-TW" dirty="0">
+                <a:solidFill>
+                  <a:schemeClr val="bg1">
+                    <a:lumMod val="75000"/>
+                  </a:schemeClr>
+                </a:solidFill>
+              </a:rPr>
+              <a:t>Conclusion</a:t>
+            </a:r>
+            <a:endParaRPr lang="zh-TW" altLang="en-US" dirty="0">
+              <a:solidFill>
+                <a:schemeClr val="bg1">
+                  <a:lumMod val="75000"/>
+                </a:schemeClr>
+              </a:solidFill>
+            </a:endParaRPr>
           </a:p>
         </p:txBody>
       </p:sp>
@@ -10046,7 +10165,7 @@
           <p:cNvPr id="4" name="日期版面配置區 3">
             <a:extLst>
               <a:ext uri="{FF2B5EF4-FFF2-40B4-BE49-F238E27FC236}">
-                <a16:creationId xmlns:a16="http://schemas.microsoft.com/office/drawing/2014/main" id="{AA0AB3A0-3BE2-4B22-A5DE-56B2D61246E9}"/>
+                <a16:creationId xmlns:a16="http://schemas.microsoft.com/office/drawing/2014/main" id="{D0037C9E-6880-425F-BD51-65FD3D5207EC}"/>
               </a:ext>
             </a:extLst>
           </p:cNvPr>
@@ -10078,7 +10197,7 @@
           <p:cNvPr id="5" name="投影片編號版面配置區 4">
             <a:extLst>
               <a:ext uri="{FF2B5EF4-FFF2-40B4-BE49-F238E27FC236}">
-                <a16:creationId xmlns:a16="http://schemas.microsoft.com/office/drawing/2014/main" id="{57565F14-FD05-4976-8E7B-8467A0AC3A92}"/>
+                <a16:creationId xmlns:a16="http://schemas.microsoft.com/office/drawing/2014/main" id="{F98953EF-304E-45D1-82DE-8EC49FAFB54C}"/>
               </a:ext>
             </a:extLst>
           </p:cNvPr>
@@ -10103,6 +10222,157 @@
                 <a:defRPr/>
               </a:pPr>
               <a:t>11</a:t>
+            </a:fld>
+            <a:endParaRPr lang="en-US" altLang="zh-Hant" dirty="0"/>
+          </a:p>
+        </p:txBody>
+      </p:sp>
+    </p:spTree>
+    <p:extLst>
+      <p:ext uri="{BB962C8B-B14F-4D97-AF65-F5344CB8AC3E}">
+        <p14:creationId xmlns:p14="http://schemas.microsoft.com/office/powerpoint/2010/main" val="3732529621"/>
+      </p:ext>
+    </p:extLst>
+  </p:cSld>
+  <p:clrMapOvr>
+    <a:masterClrMapping/>
+  </p:clrMapOvr>
+</p:sld>
+</file>
+
+<file path=ppt/slides/slide12.xml><?xml version="1.0" encoding="utf-8"?>
+<p:sld xmlns:a="http://schemas.openxmlformats.org/drawingml/2006/main" xmlns:r="http://schemas.openxmlformats.org/officeDocument/2006/relationships" xmlns:p="http://schemas.openxmlformats.org/presentationml/2006/main">
+  <p:cSld>
+    <p:spTree>
+      <p:nvGrpSpPr>
+        <p:cNvPr id="1" name=""/>
+        <p:cNvGrpSpPr/>
+        <p:nvPr/>
+      </p:nvGrpSpPr>
+      <p:grpSpPr>
+        <a:xfrm>
+          <a:off x="0" y="0"/>
+          <a:ext cx="0" cy="0"/>
+          <a:chOff x="0" y="0"/>
+          <a:chExt cx="0" cy="0"/>
+        </a:xfrm>
+      </p:grpSpPr>
+      <p:sp>
+        <p:nvSpPr>
+          <p:cNvPr id="6" name="內容版面配置區 5">
+            <a:extLst>
+              <a:ext uri="{FF2B5EF4-FFF2-40B4-BE49-F238E27FC236}">
+                <a16:creationId xmlns:a16="http://schemas.microsoft.com/office/drawing/2014/main" id="{5BE914E2-4FEC-47A9-8DE8-8454256406B8}"/>
+              </a:ext>
+            </a:extLst>
+          </p:cNvPr>
+          <p:cNvSpPr>
+            <a:spLocks noGrp="1"/>
+          </p:cNvSpPr>
+          <p:nvPr>
+            <p:ph idx="1"/>
+          </p:nvPr>
+        </p:nvSpPr>
+        <p:spPr/>
+        <p:txBody>
+          <a:bodyPr/>
+          <a:lstStyle/>
+          <a:p>
+            <a:endParaRPr lang="zh-TW" altLang="en-US" dirty="0"/>
+          </a:p>
+        </p:txBody>
+      </p:sp>
+      <p:sp>
+        <p:nvSpPr>
+          <p:cNvPr id="2" name="標題 1">
+            <a:extLst>
+              <a:ext uri="{FF2B5EF4-FFF2-40B4-BE49-F238E27FC236}">
+                <a16:creationId xmlns:a16="http://schemas.microsoft.com/office/drawing/2014/main" id="{B36C0CBB-73B6-4523-BBAB-8A0776641E37}"/>
+              </a:ext>
+            </a:extLst>
+          </p:cNvPr>
+          <p:cNvSpPr>
+            <a:spLocks noGrp="1"/>
+          </p:cNvSpPr>
+          <p:nvPr>
+            <p:ph type="title"/>
+          </p:nvPr>
+        </p:nvSpPr>
+        <p:spPr/>
+        <p:txBody>
+          <a:bodyPr/>
+          <a:lstStyle/>
+          <a:p>
+            <a:r>
+              <a:rPr lang="en-US" altLang="zh-TW" dirty="0"/>
+              <a:t>Experimental Results</a:t>
+            </a:r>
+            <a:endParaRPr lang="zh-TW" altLang="en-US" dirty="0"/>
+          </a:p>
+        </p:txBody>
+      </p:sp>
+      <p:sp>
+        <p:nvSpPr>
+          <p:cNvPr id="4" name="日期版面配置區 3">
+            <a:extLst>
+              <a:ext uri="{FF2B5EF4-FFF2-40B4-BE49-F238E27FC236}">
+                <a16:creationId xmlns:a16="http://schemas.microsoft.com/office/drawing/2014/main" id="{AA0AB3A0-3BE2-4B22-A5DE-56B2D61246E9}"/>
+              </a:ext>
+            </a:extLst>
+          </p:cNvPr>
+          <p:cNvSpPr>
+            <a:spLocks noGrp="1"/>
+          </p:cNvSpPr>
+          <p:nvPr>
+            <p:ph type="dt" sz="half" idx="10"/>
+          </p:nvPr>
+        </p:nvSpPr>
+        <p:spPr/>
+        <p:txBody>
+          <a:bodyPr/>
+          <a:lstStyle/>
+          <a:p>
+            <a:pPr>
+              <a:defRPr/>
+            </a:pPr>
+            <a:r>
+              <a:rPr lang="en-US" altLang="zh-Hant"/>
+              <a:t>GIEE, NTU</a:t>
+            </a:r>
+            <a:endParaRPr lang="zh-Hant" altLang="zh-Hant"/>
+          </a:p>
+        </p:txBody>
+      </p:sp>
+      <p:sp>
+        <p:nvSpPr>
+          <p:cNvPr id="5" name="投影片編號版面配置區 4">
+            <a:extLst>
+              <a:ext uri="{FF2B5EF4-FFF2-40B4-BE49-F238E27FC236}">
+                <a16:creationId xmlns:a16="http://schemas.microsoft.com/office/drawing/2014/main" id="{57565F14-FD05-4976-8E7B-8467A0AC3A92}"/>
+              </a:ext>
+            </a:extLst>
+          </p:cNvPr>
+          <p:cNvSpPr>
+            <a:spLocks noGrp="1"/>
+          </p:cNvSpPr>
+          <p:nvPr>
+            <p:ph type="sldNum" sz="quarter" idx="11"/>
+          </p:nvPr>
+        </p:nvSpPr>
+        <p:spPr/>
+        <p:txBody>
+          <a:bodyPr/>
+          <a:lstStyle/>
+          <a:p>
+            <a:pPr>
+              <a:defRPr/>
+            </a:pPr>
+            <a:fld id="{5A007831-3536-4435-90C1-461D060F6A03}" type="slidenum">
+              <a:rPr lang="zh-Hant" altLang="en-US" smtClean="0"/>
+              <a:pPr>
+                <a:defRPr/>
+              </a:pPr>
+              <a:t>12</a:t>
             </a:fld>
             <a:endParaRPr lang="en-US" altLang="zh-Hant" dirty="0"/>
           </a:p>
@@ -10142,157 +10412,6 @@
     <p:extLst>
       <p:ext uri="{BB962C8B-B14F-4D97-AF65-F5344CB8AC3E}">
         <p14:creationId xmlns:p14="http://schemas.microsoft.com/office/powerpoint/2010/main" val="500024535"/>
-      </p:ext>
-    </p:extLst>
-  </p:cSld>
-  <p:clrMapOvr>
-    <a:masterClrMapping/>
-  </p:clrMapOvr>
-</p:sld>
-</file>
-
-<file path=ppt/slides/slide12.xml><?xml version="1.0" encoding="utf-8"?>
-<p:sld xmlns:a="http://schemas.openxmlformats.org/drawingml/2006/main" xmlns:r="http://schemas.openxmlformats.org/officeDocument/2006/relationships" xmlns:p="http://schemas.openxmlformats.org/presentationml/2006/main">
-  <p:cSld>
-    <p:spTree>
-      <p:nvGrpSpPr>
-        <p:cNvPr id="1" name=""/>
-        <p:cNvGrpSpPr/>
-        <p:nvPr/>
-      </p:nvGrpSpPr>
-      <p:grpSpPr>
-        <a:xfrm>
-          <a:off x="0" y="0"/>
-          <a:ext cx="0" cy="0"/>
-          <a:chOff x="0" y="0"/>
-          <a:chExt cx="0" cy="0"/>
-        </a:xfrm>
-      </p:grpSpPr>
-      <p:sp>
-        <p:nvSpPr>
-          <p:cNvPr id="6" name="內容版面配置區 5">
-            <a:extLst>
-              <a:ext uri="{FF2B5EF4-FFF2-40B4-BE49-F238E27FC236}">
-                <a16:creationId xmlns:a16="http://schemas.microsoft.com/office/drawing/2014/main" id="{5BE914E2-4FEC-47A9-8DE8-8454256406B8}"/>
-              </a:ext>
-            </a:extLst>
-          </p:cNvPr>
-          <p:cNvSpPr>
-            <a:spLocks noGrp="1"/>
-          </p:cNvSpPr>
-          <p:nvPr>
-            <p:ph idx="1"/>
-          </p:nvPr>
-        </p:nvSpPr>
-        <p:spPr/>
-        <p:txBody>
-          <a:bodyPr/>
-          <a:lstStyle/>
-          <a:p>
-            <a:endParaRPr lang="zh-TW" altLang="en-US" dirty="0"/>
-          </a:p>
-        </p:txBody>
-      </p:sp>
-      <p:sp>
-        <p:nvSpPr>
-          <p:cNvPr id="2" name="標題 1">
-            <a:extLst>
-              <a:ext uri="{FF2B5EF4-FFF2-40B4-BE49-F238E27FC236}">
-                <a16:creationId xmlns:a16="http://schemas.microsoft.com/office/drawing/2014/main" id="{B36C0CBB-73B6-4523-BBAB-8A0776641E37}"/>
-              </a:ext>
-            </a:extLst>
-          </p:cNvPr>
-          <p:cNvSpPr>
-            <a:spLocks noGrp="1"/>
-          </p:cNvSpPr>
-          <p:nvPr>
-            <p:ph type="title"/>
-          </p:nvPr>
-        </p:nvSpPr>
-        <p:spPr/>
-        <p:txBody>
-          <a:bodyPr/>
-          <a:lstStyle/>
-          <a:p>
-            <a:r>
-              <a:rPr lang="en-US" altLang="zh-TW" dirty="0"/>
-              <a:t>Experimental Results</a:t>
-            </a:r>
-            <a:endParaRPr lang="zh-TW" altLang="en-US" dirty="0"/>
-          </a:p>
-        </p:txBody>
-      </p:sp>
-      <p:sp>
-        <p:nvSpPr>
-          <p:cNvPr id="4" name="日期版面配置區 3">
-            <a:extLst>
-              <a:ext uri="{FF2B5EF4-FFF2-40B4-BE49-F238E27FC236}">
-                <a16:creationId xmlns:a16="http://schemas.microsoft.com/office/drawing/2014/main" id="{AA0AB3A0-3BE2-4B22-A5DE-56B2D61246E9}"/>
-              </a:ext>
-            </a:extLst>
-          </p:cNvPr>
-          <p:cNvSpPr>
-            <a:spLocks noGrp="1"/>
-          </p:cNvSpPr>
-          <p:nvPr>
-            <p:ph type="dt" sz="half" idx="10"/>
-          </p:nvPr>
-        </p:nvSpPr>
-        <p:spPr/>
-        <p:txBody>
-          <a:bodyPr/>
-          <a:lstStyle/>
-          <a:p>
-            <a:pPr>
-              <a:defRPr/>
-            </a:pPr>
-            <a:r>
-              <a:rPr lang="en-US" altLang="zh-Hant"/>
-              <a:t>GIEE, NTU</a:t>
-            </a:r>
-            <a:endParaRPr lang="zh-Hant" altLang="zh-Hant"/>
-          </a:p>
-        </p:txBody>
-      </p:sp>
-      <p:sp>
-        <p:nvSpPr>
-          <p:cNvPr id="5" name="投影片編號版面配置區 4">
-            <a:extLst>
-              <a:ext uri="{FF2B5EF4-FFF2-40B4-BE49-F238E27FC236}">
-                <a16:creationId xmlns:a16="http://schemas.microsoft.com/office/drawing/2014/main" id="{57565F14-FD05-4976-8E7B-8467A0AC3A92}"/>
-              </a:ext>
-            </a:extLst>
-          </p:cNvPr>
-          <p:cNvSpPr>
-            <a:spLocks noGrp="1"/>
-          </p:cNvSpPr>
-          <p:nvPr>
-            <p:ph type="sldNum" sz="quarter" idx="11"/>
-          </p:nvPr>
-        </p:nvSpPr>
-        <p:spPr/>
-        <p:txBody>
-          <a:bodyPr/>
-          <a:lstStyle/>
-          <a:p>
-            <a:pPr>
-              <a:defRPr/>
-            </a:pPr>
-            <a:fld id="{5A007831-3536-4435-90C1-461D060F6A03}" type="slidenum">
-              <a:rPr lang="zh-Hant" altLang="en-US" smtClean="0"/>
-              <a:pPr>
-                <a:defRPr/>
-              </a:pPr>
-              <a:t>12</a:t>
-            </a:fld>
-            <a:endParaRPr lang="en-US" altLang="zh-Hant" dirty="0"/>
-          </a:p>
-        </p:txBody>
-      </p:sp>
-    </p:spTree>
-    <p:extLst>
-      <p:ext uri="{BB962C8B-B14F-4D97-AF65-F5344CB8AC3E}">
-        <p14:creationId xmlns:p14="http://schemas.microsoft.com/office/powerpoint/2010/main" val="2322182595"/>
       </p:ext>
     </p:extLst>
   </p:cSld>
@@ -11725,14 +11844,14 @@
           </a:ln>
           <a:extLst>
             <a:ext uri="{909E8E84-426E-40dd-AFC4-6F175D3DCCD1}">
-              <a14:hiddenFill xmlns:a14="http://schemas.microsoft.com/office/drawing/2010/main" xmlns="">
+              <a14:hiddenFill xmlns="" xmlns:a14="http://schemas.microsoft.com/office/drawing/2010/main">
                 <a:solidFill>
                   <a:srgbClr val="FFFFFF"/>
                 </a:solidFill>
               </a14:hiddenFill>
             </a:ext>
             <a:ext uri="{91240B29-F687-4f45-9708-019B960494DF}">
-              <a14:hiddenLine xmlns:a14="http://schemas.microsoft.com/office/drawing/2010/main" xmlns="" w="9525">
+              <a14:hiddenLine xmlns="" xmlns:a14="http://schemas.microsoft.com/office/drawing/2010/main" w="9525">
                 <a:solidFill>
                   <a:srgbClr val="000000"/>
                 </a:solidFill>
@@ -12558,7 +12677,7 @@
           <p:cNvPr id="2" name="標題 1">
             <a:extLst>
               <a:ext uri="{FF2B5EF4-FFF2-40B4-BE49-F238E27FC236}">
-                <a16:creationId xmlns:a16="http://schemas.microsoft.com/office/drawing/2014/main" id="{86200F7A-34CF-43A3-9077-D256DCFA7065}"/>
+                <a16:creationId xmlns:a16="http://schemas.microsoft.com/office/drawing/2014/main" id="{587C74AA-CDCB-40BB-AA21-2A522D32075D}"/>
               </a:ext>
             </a:extLst>
           </p:cNvPr>
@@ -12576,7 +12695,7 @@
           <a:p>
             <a:r>
               <a:rPr lang="en-US" altLang="zh-TW" dirty="0"/>
-              <a:t>Density Balanced SDP(Semidefinite Programming)</a:t>
+              <a:t>Stitch Finding</a:t>
             </a:r>
             <a:endParaRPr lang="zh-TW" altLang="en-US" dirty="0"/>
           </a:p>
@@ -12587,7 +12706,7 @@
           <p:cNvPr id="3" name="內容版面配置區 2">
             <a:extLst>
               <a:ext uri="{FF2B5EF4-FFF2-40B4-BE49-F238E27FC236}">
-                <a16:creationId xmlns:a16="http://schemas.microsoft.com/office/drawing/2014/main" id="{E17A835A-9E7E-4580-9A9B-404A75EAFCF0}"/>
+                <a16:creationId xmlns:a16="http://schemas.microsoft.com/office/drawing/2014/main" id="{4C795155-8693-4D25-80FB-E7D290AE9CE2}"/>
               </a:ext>
             </a:extLst>
           </p:cNvPr>
@@ -12603,37 +12722,7 @@
           <a:bodyPr/>
           <a:lstStyle/>
           <a:p>
-            <a:r>
-              <a:rPr lang="en-US" altLang="zh-TW" dirty="0"/>
-              <a:t>Mathematical Formulation</a:t>
-            </a:r>
-          </a:p>
-          <a:p>
-            <a:endParaRPr lang="en-US" altLang="zh-TW" dirty="0"/>
-          </a:p>
-          <a:p>
-            <a:endParaRPr lang="en-US" altLang="zh-TW" dirty="0"/>
-          </a:p>
-          <a:p>
-            <a:endParaRPr lang="en-US" altLang="zh-TW" dirty="0"/>
-          </a:p>
-          <a:p>
-            <a:endParaRPr lang="en-US" altLang="zh-TW" dirty="0"/>
-          </a:p>
-          <a:p>
-            <a:endParaRPr lang="en-US" altLang="zh-TW" dirty="0"/>
-          </a:p>
-          <a:p>
-            <a:r>
-              <a:rPr lang="en-US" altLang="zh-TW" dirty="0"/>
-              <a:t>SDP Formulation</a:t>
-            </a:r>
-          </a:p>
-          <a:p>
-            <a:endParaRPr lang="en-US" altLang="zh-TW" dirty="0"/>
-          </a:p>
-          <a:p>
-            <a:endParaRPr lang="en-US" altLang="zh-TW" dirty="0"/>
+            <a:endParaRPr lang="zh-TW" altLang="en-US"/>
           </a:p>
         </p:txBody>
       </p:sp>
@@ -12642,7 +12731,7 @@
           <p:cNvPr id="4" name="日期版面配置區 3">
             <a:extLst>
               <a:ext uri="{FF2B5EF4-FFF2-40B4-BE49-F238E27FC236}">
-                <a16:creationId xmlns:a16="http://schemas.microsoft.com/office/drawing/2014/main" id="{C44B5E25-8A6F-41B7-81BF-A47D2D64C6E9}"/>
+                <a16:creationId xmlns:a16="http://schemas.microsoft.com/office/drawing/2014/main" id="{DABA5290-EE49-4644-B518-5E06C19737EE}"/>
               </a:ext>
             </a:extLst>
           </p:cNvPr>
@@ -12674,7 +12763,7 @@
           <p:cNvPr id="5" name="投影片編號版面配置區 4">
             <a:extLst>
               <a:ext uri="{FF2B5EF4-FFF2-40B4-BE49-F238E27FC236}">
-                <a16:creationId xmlns:a16="http://schemas.microsoft.com/office/drawing/2014/main" id="{5F7E3AD9-CE14-4A6D-AF06-ECB218AFB0FF}"/>
+                <a16:creationId xmlns:a16="http://schemas.microsoft.com/office/drawing/2014/main" id="{86DA816E-B8FA-455A-B376-C757D8A262DB}"/>
               </a:ext>
             </a:extLst>
           </p:cNvPr>
@@ -12699,6 +12788,247 @@
                 <a:defRPr/>
               </a:pPr>
               <a:t>7</a:t>
+            </a:fld>
+            <a:endParaRPr lang="en-US" altLang="zh-Hant" dirty="0"/>
+          </a:p>
+        </p:txBody>
+      </p:sp>
+      <p:pic>
+        <p:nvPicPr>
+          <p:cNvPr id="6" name="圖片 5">
+            <a:extLst>
+              <a:ext uri="{FF2B5EF4-FFF2-40B4-BE49-F238E27FC236}">
+                <a16:creationId xmlns:a16="http://schemas.microsoft.com/office/drawing/2014/main" id="{D3C15408-CF73-4D78-8473-2C21AB8AB08A}"/>
+              </a:ext>
+            </a:extLst>
+          </p:cNvPr>
+          <p:cNvPicPr>
+            <a:picLocks noChangeAspect="1"/>
+          </p:cNvPicPr>
+          <p:nvPr/>
+        </p:nvPicPr>
+        <p:blipFill>
+          <a:blip r:embed="rId2"/>
+          <a:stretch>
+            <a:fillRect/>
+          </a:stretch>
+        </p:blipFill>
+        <p:spPr>
+          <a:xfrm>
+            <a:off x="609600" y="987856"/>
+            <a:ext cx="5095804" cy="5420504"/>
+          </a:xfrm>
+          <a:prstGeom prst="rect">
+            <a:avLst/>
+          </a:prstGeom>
+        </p:spPr>
+      </p:pic>
+      <p:pic>
+        <p:nvPicPr>
+          <p:cNvPr id="7" name="圖片 6">
+            <a:extLst>
+              <a:ext uri="{FF2B5EF4-FFF2-40B4-BE49-F238E27FC236}">
+                <a16:creationId xmlns:a16="http://schemas.microsoft.com/office/drawing/2014/main" id="{ED7EB763-185F-44C4-AF21-2D896748EDF3}"/>
+              </a:ext>
+            </a:extLst>
+          </p:cNvPr>
+          <p:cNvPicPr>
+            <a:picLocks noChangeAspect="1"/>
+          </p:cNvPicPr>
+          <p:nvPr/>
+        </p:nvPicPr>
+        <p:blipFill>
+          <a:blip r:embed="rId3"/>
+          <a:stretch>
+            <a:fillRect/>
+          </a:stretch>
+        </p:blipFill>
+        <p:spPr>
+          <a:xfrm>
+            <a:off x="6021742" y="2204864"/>
+            <a:ext cx="5817230" cy="2135901"/>
+          </a:xfrm>
+          <a:prstGeom prst="rect">
+            <a:avLst/>
+          </a:prstGeom>
+        </p:spPr>
+      </p:pic>
+    </p:spTree>
+    <p:extLst>
+      <p:ext uri="{BB962C8B-B14F-4D97-AF65-F5344CB8AC3E}">
+        <p14:creationId xmlns:p14="http://schemas.microsoft.com/office/powerpoint/2010/main" val="1586171172"/>
+      </p:ext>
+    </p:extLst>
+  </p:cSld>
+  <p:clrMapOvr>
+    <a:masterClrMapping/>
+  </p:clrMapOvr>
+</p:sld>
+</file>
+
+<file path=ppt/slides/slide8.xml><?xml version="1.0" encoding="utf-8"?>
+<p:sld xmlns:a="http://schemas.openxmlformats.org/drawingml/2006/main" xmlns:r="http://schemas.openxmlformats.org/officeDocument/2006/relationships" xmlns:p="http://schemas.openxmlformats.org/presentationml/2006/main">
+  <p:cSld>
+    <p:spTree>
+      <p:nvGrpSpPr>
+        <p:cNvPr id="1" name=""/>
+        <p:cNvGrpSpPr/>
+        <p:nvPr/>
+      </p:nvGrpSpPr>
+      <p:grpSpPr>
+        <a:xfrm>
+          <a:off x="0" y="0"/>
+          <a:ext cx="0" cy="0"/>
+          <a:chOff x="0" y="0"/>
+          <a:chExt cx="0" cy="0"/>
+        </a:xfrm>
+      </p:grpSpPr>
+      <p:sp>
+        <p:nvSpPr>
+          <p:cNvPr id="2" name="標題 1">
+            <a:extLst>
+              <a:ext uri="{FF2B5EF4-FFF2-40B4-BE49-F238E27FC236}">
+                <a16:creationId xmlns:a16="http://schemas.microsoft.com/office/drawing/2014/main" id="{86200F7A-34CF-43A3-9077-D256DCFA7065}"/>
+              </a:ext>
+            </a:extLst>
+          </p:cNvPr>
+          <p:cNvSpPr>
+            <a:spLocks noGrp="1"/>
+          </p:cNvSpPr>
+          <p:nvPr>
+            <p:ph type="title"/>
+          </p:nvPr>
+        </p:nvSpPr>
+        <p:spPr/>
+        <p:txBody>
+          <a:bodyPr/>
+          <a:lstStyle/>
+          <a:p>
+            <a:r>
+              <a:rPr lang="en-US" altLang="zh-TW" dirty="0"/>
+              <a:t>Density Balanced SDP(Semidefinite Programming)</a:t>
+            </a:r>
+            <a:endParaRPr lang="zh-TW" altLang="en-US" dirty="0"/>
+          </a:p>
+        </p:txBody>
+      </p:sp>
+      <p:sp>
+        <p:nvSpPr>
+          <p:cNvPr id="3" name="內容版面配置區 2">
+            <a:extLst>
+              <a:ext uri="{FF2B5EF4-FFF2-40B4-BE49-F238E27FC236}">
+                <a16:creationId xmlns:a16="http://schemas.microsoft.com/office/drawing/2014/main" id="{E17A835A-9E7E-4580-9A9B-404A75EAFCF0}"/>
+              </a:ext>
+            </a:extLst>
+          </p:cNvPr>
+          <p:cNvSpPr>
+            <a:spLocks noGrp="1"/>
+          </p:cNvSpPr>
+          <p:nvPr>
+            <p:ph idx="1"/>
+          </p:nvPr>
+        </p:nvSpPr>
+        <p:spPr/>
+        <p:txBody>
+          <a:bodyPr/>
+          <a:lstStyle/>
+          <a:p>
+            <a:r>
+              <a:rPr lang="en-US" altLang="zh-TW" dirty="0"/>
+              <a:t>Mathematical Formulation</a:t>
+            </a:r>
+          </a:p>
+          <a:p>
+            <a:endParaRPr lang="en-US" altLang="zh-TW" dirty="0"/>
+          </a:p>
+          <a:p>
+            <a:endParaRPr lang="en-US" altLang="zh-TW" dirty="0"/>
+          </a:p>
+          <a:p>
+            <a:endParaRPr lang="en-US" altLang="zh-TW" dirty="0"/>
+          </a:p>
+          <a:p>
+            <a:endParaRPr lang="en-US" altLang="zh-TW" dirty="0"/>
+          </a:p>
+          <a:p>
+            <a:endParaRPr lang="en-US" altLang="zh-TW" dirty="0"/>
+          </a:p>
+          <a:p>
+            <a:r>
+              <a:rPr lang="en-US" altLang="zh-TW" dirty="0"/>
+              <a:t>SDP Formulation</a:t>
+            </a:r>
+          </a:p>
+          <a:p>
+            <a:endParaRPr lang="en-US" altLang="zh-TW" dirty="0"/>
+          </a:p>
+          <a:p>
+            <a:endParaRPr lang="en-US" altLang="zh-TW" dirty="0"/>
+          </a:p>
+        </p:txBody>
+      </p:sp>
+      <p:sp>
+        <p:nvSpPr>
+          <p:cNvPr id="4" name="日期版面配置區 3">
+            <a:extLst>
+              <a:ext uri="{FF2B5EF4-FFF2-40B4-BE49-F238E27FC236}">
+                <a16:creationId xmlns:a16="http://schemas.microsoft.com/office/drawing/2014/main" id="{C44B5E25-8A6F-41B7-81BF-A47D2D64C6E9}"/>
+              </a:ext>
+            </a:extLst>
+          </p:cNvPr>
+          <p:cNvSpPr>
+            <a:spLocks noGrp="1"/>
+          </p:cNvSpPr>
+          <p:nvPr>
+            <p:ph type="dt" sz="half" idx="10"/>
+          </p:nvPr>
+        </p:nvSpPr>
+        <p:spPr/>
+        <p:txBody>
+          <a:bodyPr/>
+          <a:lstStyle/>
+          <a:p>
+            <a:pPr>
+              <a:defRPr/>
+            </a:pPr>
+            <a:r>
+              <a:rPr lang="en-US" altLang="zh-Hant"/>
+              <a:t>GIEE, NTU</a:t>
+            </a:r>
+            <a:endParaRPr lang="zh-Hant" altLang="zh-Hant"/>
+          </a:p>
+        </p:txBody>
+      </p:sp>
+      <p:sp>
+        <p:nvSpPr>
+          <p:cNvPr id="5" name="投影片編號版面配置區 4">
+            <a:extLst>
+              <a:ext uri="{FF2B5EF4-FFF2-40B4-BE49-F238E27FC236}">
+                <a16:creationId xmlns:a16="http://schemas.microsoft.com/office/drawing/2014/main" id="{5F7E3AD9-CE14-4A6D-AF06-ECB218AFB0FF}"/>
+              </a:ext>
+            </a:extLst>
+          </p:cNvPr>
+          <p:cNvSpPr>
+            <a:spLocks noGrp="1"/>
+          </p:cNvSpPr>
+          <p:nvPr>
+            <p:ph type="sldNum" sz="quarter" idx="11"/>
+          </p:nvPr>
+        </p:nvSpPr>
+        <p:spPr/>
+        <p:txBody>
+          <a:bodyPr/>
+          <a:lstStyle/>
+          <a:p>
+            <a:pPr>
+              <a:defRPr/>
+            </a:pPr>
+            <a:fld id="{5A007831-3536-4435-90C1-461D060F6A03}" type="slidenum">
+              <a:rPr lang="zh-Hant" altLang="en-US" smtClean="0"/>
+              <a:pPr>
+                <a:defRPr/>
+              </a:pPr>
+              <a:t>8</a:t>
             </a:fld>
             <a:endParaRPr lang="en-US" altLang="zh-Hant" dirty="0"/>
           </a:p>
@@ -12777,7 +13107,7 @@
 </p:sld>
 </file>
 
-<file path=ppt/slides/slide8.xml><?xml version="1.0" encoding="utf-8"?>
+<file path=ppt/slides/slide9.xml><?xml version="1.0" encoding="utf-8"?>
 <p:sld xmlns:a="http://schemas.openxmlformats.org/drawingml/2006/main" xmlns:r="http://schemas.openxmlformats.org/officeDocument/2006/relationships" xmlns:p="http://schemas.openxmlformats.org/presentationml/2006/main">
   <p:cSld>
     <p:spTree>
@@ -12916,7 +13246,7 @@
               <a:pPr>
                 <a:defRPr/>
               </a:pPr>
-              <a:t>8</a:t>
+              <a:t>9</a:t>
             </a:fld>
             <a:endParaRPr lang="en-US" altLang="zh-Hant" dirty="0"/>
           </a:p>
@@ -12956,276 +13286,6 @@
     <p:extLst>
       <p:ext uri="{BB962C8B-B14F-4D97-AF65-F5344CB8AC3E}">
         <p14:creationId xmlns:p14="http://schemas.microsoft.com/office/powerpoint/2010/main" val="3128527875"/>
-      </p:ext>
-    </p:extLst>
-  </p:cSld>
-  <p:clrMapOvr>
-    <a:masterClrMapping/>
-  </p:clrMapOvr>
-</p:sld>
-</file>
-
-<file path=ppt/slides/slide9.xml><?xml version="1.0" encoding="utf-8"?>
-<p:sld xmlns:a="http://schemas.openxmlformats.org/drawingml/2006/main" xmlns:r="http://schemas.openxmlformats.org/officeDocument/2006/relationships" xmlns:p="http://schemas.openxmlformats.org/presentationml/2006/main">
-  <p:cSld>
-    <p:spTree>
-      <p:nvGrpSpPr>
-        <p:cNvPr id="1" name=""/>
-        <p:cNvGrpSpPr/>
-        <p:nvPr/>
-      </p:nvGrpSpPr>
-      <p:grpSpPr>
-        <a:xfrm>
-          <a:off x="0" y="0"/>
-          <a:ext cx="0" cy="0"/>
-          <a:chOff x="0" y="0"/>
-          <a:chExt cx="0" cy="0"/>
-        </a:xfrm>
-      </p:grpSpPr>
-      <p:sp>
-        <p:nvSpPr>
-          <p:cNvPr id="2" name="標題 1">
-            <a:extLst>
-              <a:ext uri="{FF2B5EF4-FFF2-40B4-BE49-F238E27FC236}">
-                <a16:creationId xmlns:a16="http://schemas.microsoft.com/office/drawing/2014/main" id="{63212DC6-6AB8-49BC-89BB-6B1C11CD2D74}"/>
-              </a:ext>
-            </a:extLst>
-          </p:cNvPr>
-          <p:cNvSpPr>
-            <a:spLocks noGrp="1"/>
-          </p:cNvSpPr>
-          <p:nvPr>
-            <p:ph type="title"/>
-          </p:nvPr>
-        </p:nvSpPr>
-        <p:spPr/>
-        <p:txBody>
-          <a:bodyPr/>
-          <a:lstStyle/>
-          <a:p>
-            <a:r>
-              <a:rPr lang="en-US" altLang="zh-TW"/>
-              <a:t>Speedup Techniques</a:t>
-            </a:r>
-            <a:endParaRPr lang="zh-TW" altLang="en-US" dirty="0"/>
-          </a:p>
-        </p:txBody>
-      </p:sp>
-      <p:sp>
-        <p:nvSpPr>
-          <p:cNvPr id="3" name="內容版面配置區 2">
-            <a:extLst>
-              <a:ext uri="{FF2B5EF4-FFF2-40B4-BE49-F238E27FC236}">
-                <a16:creationId xmlns:a16="http://schemas.microsoft.com/office/drawing/2014/main" id="{6DF0C6E4-5B84-4B6C-BE46-D94DAE5E5EDE}"/>
-              </a:ext>
-            </a:extLst>
-          </p:cNvPr>
-          <p:cNvSpPr>
-            <a:spLocks noGrp="1"/>
-          </p:cNvSpPr>
-          <p:nvPr>
-            <p:ph idx="1"/>
-          </p:nvPr>
-        </p:nvSpPr>
-        <p:spPr/>
-        <p:txBody>
-          <a:bodyPr/>
-          <a:lstStyle/>
-          <a:p>
-            <a:r>
-              <a:rPr lang="en-US" altLang="zh-TW" dirty="0"/>
-              <a:t>LG</a:t>
-            </a:r>
-            <a:r>
-              <a:rPr lang="zh-TW" altLang="en-US" dirty="0"/>
-              <a:t> </a:t>
-            </a:r>
-            <a:r>
-              <a:rPr lang="en-US" altLang="zh-TW" dirty="0"/>
-              <a:t>Cut Stitch Forbiddance</a:t>
-            </a:r>
-          </a:p>
-          <a:p>
-            <a:endParaRPr lang="en-US" altLang="zh-TW" dirty="0"/>
-          </a:p>
-          <a:p>
-            <a:r>
-              <a:rPr lang="en-US" altLang="zh-TW" dirty="0"/>
-              <a:t>Decomposition Graph Vertex Clustering</a:t>
-            </a:r>
-          </a:p>
-          <a:p>
-            <a:endParaRPr lang="en-US" altLang="zh-TW" dirty="0"/>
-          </a:p>
-          <a:p>
-            <a:r>
-              <a:rPr lang="en-US" altLang="zh-TW" dirty="0"/>
-              <a:t>Fast Color Assignment Trial</a:t>
-            </a:r>
-          </a:p>
-        </p:txBody>
-      </p:sp>
-      <p:sp>
-        <p:nvSpPr>
-          <p:cNvPr id="4" name="日期版面配置區 3">
-            <a:extLst>
-              <a:ext uri="{FF2B5EF4-FFF2-40B4-BE49-F238E27FC236}">
-                <a16:creationId xmlns:a16="http://schemas.microsoft.com/office/drawing/2014/main" id="{0D8A8520-C56A-4525-9424-C7D9E6877BE3}"/>
-              </a:ext>
-            </a:extLst>
-          </p:cNvPr>
-          <p:cNvSpPr>
-            <a:spLocks noGrp="1"/>
-          </p:cNvSpPr>
-          <p:nvPr>
-            <p:ph type="dt" sz="half" idx="10"/>
-          </p:nvPr>
-        </p:nvSpPr>
-        <p:spPr/>
-        <p:txBody>
-          <a:bodyPr/>
-          <a:lstStyle/>
-          <a:p>
-            <a:pPr>
-              <a:defRPr/>
-            </a:pPr>
-            <a:r>
-              <a:rPr lang="en-US" altLang="zh-Hant"/>
-              <a:t>GIEE, NTU</a:t>
-            </a:r>
-            <a:endParaRPr lang="zh-Hant" altLang="zh-Hant"/>
-          </a:p>
-        </p:txBody>
-      </p:sp>
-      <p:sp>
-        <p:nvSpPr>
-          <p:cNvPr id="5" name="投影片編號版面配置區 4">
-            <a:extLst>
-              <a:ext uri="{FF2B5EF4-FFF2-40B4-BE49-F238E27FC236}">
-                <a16:creationId xmlns:a16="http://schemas.microsoft.com/office/drawing/2014/main" id="{11AF3BA3-E3C6-47EB-80EE-99410B804958}"/>
-              </a:ext>
-            </a:extLst>
-          </p:cNvPr>
-          <p:cNvSpPr>
-            <a:spLocks noGrp="1"/>
-          </p:cNvSpPr>
-          <p:nvPr>
-            <p:ph type="sldNum" sz="quarter" idx="11"/>
-          </p:nvPr>
-        </p:nvSpPr>
-        <p:spPr/>
-        <p:txBody>
-          <a:bodyPr/>
-          <a:lstStyle/>
-          <a:p>
-            <a:pPr>
-              <a:defRPr/>
-            </a:pPr>
-            <a:fld id="{5A007831-3536-4435-90C1-461D060F6A03}" type="slidenum">
-              <a:rPr lang="zh-Hant" altLang="en-US" smtClean="0"/>
-              <a:pPr>
-                <a:defRPr/>
-              </a:pPr>
-              <a:t>9</a:t>
-            </a:fld>
-            <a:endParaRPr lang="en-US" altLang="zh-Hant" dirty="0"/>
-          </a:p>
-        </p:txBody>
-      </p:sp>
-      <p:pic>
-        <p:nvPicPr>
-          <p:cNvPr id="7" name="圖片 6">
-            <a:extLst>
-              <a:ext uri="{FF2B5EF4-FFF2-40B4-BE49-F238E27FC236}">
-                <a16:creationId xmlns:a16="http://schemas.microsoft.com/office/drawing/2014/main" id="{E57917AA-B130-43CB-B6A5-D58B487BD5C8}"/>
-              </a:ext>
-            </a:extLst>
-          </p:cNvPr>
-          <p:cNvPicPr>
-            <a:picLocks noChangeAspect="1"/>
-          </p:cNvPicPr>
-          <p:nvPr/>
-        </p:nvPicPr>
-        <p:blipFill>
-          <a:blip r:embed="rId2"/>
-          <a:stretch>
-            <a:fillRect/>
-          </a:stretch>
-        </p:blipFill>
-        <p:spPr>
-          <a:xfrm>
-            <a:off x="7176120" y="2654783"/>
-            <a:ext cx="3312368" cy="3963753"/>
-          </a:xfrm>
-          <a:prstGeom prst="rect">
-            <a:avLst/>
-          </a:prstGeom>
-        </p:spPr>
-      </p:pic>
-      <p:pic>
-        <p:nvPicPr>
-          <p:cNvPr id="8" name="圖片 7">
-            <a:extLst>
-              <a:ext uri="{FF2B5EF4-FFF2-40B4-BE49-F238E27FC236}">
-                <a16:creationId xmlns:a16="http://schemas.microsoft.com/office/drawing/2014/main" id="{8AFE08CA-742B-45AB-8538-995AEF5CDF7E}"/>
-              </a:ext>
-            </a:extLst>
-          </p:cNvPr>
-          <p:cNvPicPr>
-            <a:picLocks noChangeAspect="1"/>
-          </p:cNvPicPr>
-          <p:nvPr/>
-        </p:nvPicPr>
-        <p:blipFill>
-          <a:blip r:embed="rId3"/>
-          <a:stretch>
-            <a:fillRect/>
-          </a:stretch>
-        </p:blipFill>
-        <p:spPr>
-          <a:xfrm>
-            <a:off x="7536160" y="990600"/>
-            <a:ext cx="2589614" cy="1422728"/>
-          </a:xfrm>
-          <a:prstGeom prst="rect">
-            <a:avLst/>
-          </a:prstGeom>
-        </p:spPr>
-      </p:pic>
-      <p:pic>
-        <p:nvPicPr>
-          <p:cNvPr id="9" name="圖片 8">
-            <a:extLst>
-              <a:ext uri="{FF2B5EF4-FFF2-40B4-BE49-F238E27FC236}">
-                <a16:creationId xmlns:a16="http://schemas.microsoft.com/office/drawing/2014/main" id="{3864301B-A55B-4F2A-9CAA-12A0CF024FC7}"/>
-              </a:ext>
-            </a:extLst>
-          </p:cNvPr>
-          <p:cNvPicPr>
-            <a:picLocks noChangeAspect="1"/>
-          </p:cNvPicPr>
-          <p:nvPr/>
-        </p:nvPicPr>
-        <p:blipFill>
-          <a:blip r:embed="rId4"/>
-          <a:stretch>
-            <a:fillRect/>
-          </a:stretch>
-        </p:blipFill>
-        <p:spPr>
-          <a:xfrm>
-            <a:off x="911424" y="3253938"/>
-            <a:ext cx="4695663" cy="3193331"/>
-          </a:xfrm>
-          <a:prstGeom prst="rect">
-            <a:avLst/>
-          </a:prstGeom>
-        </p:spPr>
-      </p:pic>
-    </p:spTree>
-    <p:extLst>
-      <p:ext uri="{BB962C8B-B14F-4D97-AF65-F5344CB8AC3E}">
-        <p14:creationId xmlns:p14="http://schemas.microsoft.com/office/powerpoint/2010/main" val="1762050134"/>
       </p:ext>
     </p:extLst>
   </p:cSld>

--- a/Double Patterning/A High-Performance Triple Patterning Layout Decomposer.pptx
+++ b/Double Patterning/A High-Performance Triple Patterning Layout Decomposer.pptx
@@ -6,10 +6,10 @@
     <p:sldMasterId id="2147483673" r:id="rId2"/>
   </p:sldMasterIdLst>
   <p:notesMasterIdLst>
-    <p:notesMasterId r:id="rId19"/>
+    <p:notesMasterId r:id="rId20"/>
   </p:notesMasterIdLst>
   <p:handoutMasterIdLst>
-    <p:handoutMasterId r:id="rId20"/>
+    <p:handoutMasterId r:id="rId21"/>
   </p:handoutMasterIdLst>
   <p:sldIdLst>
     <p:sldId id="357" r:id="rId3"/>
@@ -18,16 +18,17 @@
     <p:sldId id="360" r:id="rId6"/>
     <p:sldId id="376" r:id="rId7"/>
     <p:sldId id="385" r:id="rId8"/>
-    <p:sldId id="487" r:id="rId9"/>
-    <p:sldId id="489" r:id="rId10"/>
-    <p:sldId id="490" r:id="rId11"/>
-    <p:sldId id="377" r:id="rId12"/>
-    <p:sldId id="483" r:id="rId13"/>
-    <p:sldId id="491" r:id="rId14"/>
-    <p:sldId id="492" r:id="rId15"/>
-    <p:sldId id="379" r:id="rId16"/>
-    <p:sldId id="366" r:id="rId17"/>
-    <p:sldId id="475" r:id="rId18"/>
+    <p:sldId id="493" r:id="rId9"/>
+    <p:sldId id="487" r:id="rId10"/>
+    <p:sldId id="489" r:id="rId11"/>
+    <p:sldId id="490" r:id="rId12"/>
+    <p:sldId id="377" r:id="rId13"/>
+    <p:sldId id="483" r:id="rId14"/>
+    <p:sldId id="491" r:id="rId15"/>
+    <p:sldId id="492" r:id="rId16"/>
+    <p:sldId id="379" r:id="rId17"/>
+    <p:sldId id="366" r:id="rId18"/>
+    <p:sldId id="475" r:id="rId19"/>
   </p:sldIdLst>
   <p:sldSz cx="12192000" cy="6858000"/>
   <p:notesSz cx="6797675" cy="9928225"/>
@@ -239,14 +240,14 @@
           <a:effectLst/>
           <a:extLst>
             <a:ext uri="{909E8E84-426E-40dd-AFC4-6F175D3DCCD1}">
-              <a14:hiddenFill xmlns:a14="http://schemas.microsoft.com/office/drawing/2010/main" xmlns="">
+              <a14:hiddenFill xmlns="" xmlns:a14="http://schemas.microsoft.com/office/drawing/2010/main">
                 <a:solidFill>
                   <a:schemeClr val="accent1"/>
                 </a:solidFill>
               </a14:hiddenFill>
             </a:ext>
             <a:ext uri="{91240B29-F687-4f45-9708-019B960494DF}">
-              <a14:hiddenLine xmlns:a14="http://schemas.microsoft.com/office/drawing/2010/main" xmlns="" w="9525">
+              <a14:hiddenLine xmlns="" xmlns:a14="http://schemas.microsoft.com/office/drawing/2010/main" w="9525">
                 <a:solidFill>
                   <a:schemeClr val="tx1"/>
                 </a:solidFill>
@@ -256,7 +257,7 @@
               </a14:hiddenLine>
             </a:ext>
             <a:ext uri="{AF507438-7753-43e0-B8FC-AC1667EBCBE1}">
-              <a14:hiddenEffects xmlns:a14="http://schemas.microsoft.com/office/drawing/2010/main" xmlns="">
+              <a14:hiddenEffects xmlns="" xmlns:a14="http://schemas.microsoft.com/office/drawing/2010/main">
                 <a:effectLst>
                   <a:outerShdw dist="35921" dir="2700000" algn="ctr" rotWithShape="0">
                     <a:schemeClr val="bg2"/>
@@ -310,14 +311,14 @@
           <a:effectLst/>
           <a:extLst>
             <a:ext uri="{909E8E84-426E-40dd-AFC4-6F175D3DCCD1}">
-              <a14:hiddenFill xmlns:a14="http://schemas.microsoft.com/office/drawing/2010/main" xmlns="">
+              <a14:hiddenFill xmlns="" xmlns:a14="http://schemas.microsoft.com/office/drawing/2010/main">
                 <a:solidFill>
                   <a:schemeClr val="accent1"/>
                 </a:solidFill>
               </a14:hiddenFill>
             </a:ext>
             <a:ext uri="{91240B29-F687-4f45-9708-019B960494DF}">
-              <a14:hiddenLine xmlns:a14="http://schemas.microsoft.com/office/drawing/2010/main" xmlns="" w="9525">
+              <a14:hiddenLine xmlns="" xmlns:a14="http://schemas.microsoft.com/office/drawing/2010/main" w="9525">
                 <a:solidFill>
                   <a:schemeClr val="tx1"/>
                 </a:solidFill>
@@ -327,7 +328,7 @@
               </a14:hiddenLine>
             </a:ext>
             <a:ext uri="{AF507438-7753-43e0-B8FC-AC1667EBCBE1}">
-              <a14:hiddenEffects xmlns:a14="http://schemas.microsoft.com/office/drawing/2010/main" xmlns="">
+              <a14:hiddenEffects xmlns="" xmlns:a14="http://schemas.microsoft.com/office/drawing/2010/main">
                 <a:effectLst>
                   <a:outerShdw dist="35921" dir="2700000" algn="ctr" rotWithShape="0">
                     <a:schemeClr val="bg2"/>
@@ -381,14 +382,14 @@
           <a:effectLst/>
           <a:extLst>
             <a:ext uri="{909E8E84-426E-40dd-AFC4-6F175D3DCCD1}">
-              <a14:hiddenFill xmlns:a14="http://schemas.microsoft.com/office/drawing/2010/main" xmlns="">
+              <a14:hiddenFill xmlns="" xmlns:a14="http://schemas.microsoft.com/office/drawing/2010/main">
                 <a:solidFill>
                   <a:schemeClr val="accent1"/>
                 </a:solidFill>
               </a14:hiddenFill>
             </a:ext>
             <a:ext uri="{91240B29-F687-4f45-9708-019B960494DF}">
-              <a14:hiddenLine xmlns:a14="http://schemas.microsoft.com/office/drawing/2010/main" xmlns="" w="9525">
+              <a14:hiddenLine xmlns="" xmlns:a14="http://schemas.microsoft.com/office/drawing/2010/main" w="9525">
                 <a:solidFill>
                   <a:schemeClr val="tx1"/>
                 </a:solidFill>
@@ -398,7 +399,7 @@
               </a14:hiddenLine>
             </a:ext>
             <a:ext uri="{AF507438-7753-43e0-B8FC-AC1667EBCBE1}">
-              <a14:hiddenEffects xmlns:a14="http://schemas.microsoft.com/office/drawing/2010/main" xmlns="">
+              <a14:hiddenEffects xmlns="" xmlns:a14="http://schemas.microsoft.com/office/drawing/2010/main">
                 <a:effectLst>
                   <a:outerShdw dist="35921" dir="2700000" algn="ctr" rotWithShape="0">
                     <a:schemeClr val="bg2"/>
@@ -452,14 +453,14 @@
           <a:effectLst/>
           <a:extLst>
             <a:ext uri="{909E8E84-426E-40dd-AFC4-6F175D3DCCD1}">
-              <a14:hiddenFill xmlns:a14="http://schemas.microsoft.com/office/drawing/2010/main" xmlns="">
+              <a14:hiddenFill xmlns="" xmlns:a14="http://schemas.microsoft.com/office/drawing/2010/main">
                 <a:solidFill>
                   <a:schemeClr val="accent1"/>
                 </a:solidFill>
               </a14:hiddenFill>
             </a:ext>
             <a:ext uri="{91240B29-F687-4f45-9708-019B960494DF}">
-              <a14:hiddenLine xmlns:a14="http://schemas.microsoft.com/office/drawing/2010/main" xmlns="" w="9525">
+              <a14:hiddenLine xmlns="" xmlns:a14="http://schemas.microsoft.com/office/drawing/2010/main" w="9525">
                 <a:solidFill>
                   <a:schemeClr val="tx1"/>
                 </a:solidFill>
@@ -469,7 +470,7 @@
               </a14:hiddenLine>
             </a:ext>
             <a:ext uri="{AF507438-7753-43e0-B8FC-AC1667EBCBE1}">
-              <a14:hiddenEffects xmlns:a14="http://schemas.microsoft.com/office/drawing/2010/main" xmlns="">
+              <a14:hiddenEffects xmlns="" xmlns:a14="http://schemas.microsoft.com/office/drawing/2010/main">
                 <a:effectLst>
                   <a:outerShdw dist="35921" dir="2700000" algn="ctr" rotWithShape="0">
                     <a:schemeClr val="bg2"/>
@@ -566,14 +567,14 @@
           <a:effectLst/>
           <a:extLst>
             <a:ext uri="{909E8E84-426E-40dd-AFC4-6F175D3DCCD1}">
-              <a14:hiddenFill xmlns:a14="http://schemas.microsoft.com/office/drawing/2010/main" xmlns="">
+              <a14:hiddenFill xmlns="" xmlns:a14="http://schemas.microsoft.com/office/drawing/2010/main">
                 <a:solidFill>
                   <a:schemeClr val="accent1"/>
                 </a:solidFill>
               </a14:hiddenFill>
             </a:ext>
             <a:ext uri="{91240B29-F687-4f45-9708-019B960494DF}">
-              <a14:hiddenLine xmlns:a14="http://schemas.microsoft.com/office/drawing/2010/main" xmlns="" w="9525">
+              <a14:hiddenLine xmlns="" xmlns:a14="http://schemas.microsoft.com/office/drawing/2010/main" w="9525">
                 <a:solidFill>
                   <a:schemeClr val="tx1"/>
                 </a:solidFill>
@@ -583,7 +584,7 @@
               </a14:hiddenLine>
             </a:ext>
             <a:ext uri="{AF507438-7753-43e0-B8FC-AC1667EBCBE1}">
-              <a14:hiddenEffects xmlns:a14="http://schemas.microsoft.com/office/drawing/2010/main" xmlns="">
+              <a14:hiddenEffects xmlns="" xmlns:a14="http://schemas.microsoft.com/office/drawing/2010/main">
                 <a:effectLst>
                   <a:outerShdw dist="35921" dir="2700000" algn="ctr" rotWithShape="0">
                     <a:schemeClr val="bg2"/>
@@ -637,14 +638,14 @@
           <a:effectLst/>
           <a:extLst>
             <a:ext uri="{909E8E84-426E-40dd-AFC4-6F175D3DCCD1}">
-              <a14:hiddenFill xmlns:a14="http://schemas.microsoft.com/office/drawing/2010/main" xmlns="">
+              <a14:hiddenFill xmlns="" xmlns:a14="http://schemas.microsoft.com/office/drawing/2010/main">
                 <a:solidFill>
                   <a:schemeClr val="accent1"/>
                 </a:solidFill>
               </a14:hiddenFill>
             </a:ext>
             <a:ext uri="{91240B29-F687-4f45-9708-019B960494DF}">
-              <a14:hiddenLine xmlns:a14="http://schemas.microsoft.com/office/drawing/2010/main" xmlns="" w="9525">
+              <a14:hiddenLine xmlns="" xmlns:a14="http://schemas.microsoft.com/office/drawing/2010/main" w="9525">
                 <a:solidFill>
                   <a:schemeClr val="tx1"/>
                 </a:solidFill>
@@ -654,7 +655,7 @@
               </a14:hiddenLine>
             </a:ext>
             <a:ext uri="{AF507438-7753-43e0-B8FC-AC1667EBCBE1}">
-              <a14:hiddenEffects xmlns:a14="http://schemas.microsoft.com/office/drawing/2010/main" xmlns="">
+              <a14:hiddenEffects xmlns="" xmlns:a14="http://schemas.microsoft.com/office/drawing/2010/main">
                 <a:effectLst>
                   <a:outerShdw dist="35921" dir="2700000" algn="ctr" rotWithShape="0">
                     <a:schemeClr val="bg2"/>
@@ -713,14 +714,14 @@
           <a:effectLst/>
           <a:extLst>
             <a:ext uri="{909E8E84-426E-40dd-AFC4-6F175D3DCCD1}">
-              <a14:hiddenFill xmlns:a14="http://schemas.microsoft.com/office/drawing/2010/main" xmlns="">
+              <a14:hiddenFill xmlns="" xmlns:a14="http://schemas.microsoft.com/office/drawing/2010/main">
                 <a:solidFill>
                   <a:srgbClr val="FFFFFF"/>
                 </a:solidFill>
               </a14:hiddenFill>
             </a:ext>
             <a:ext uri="{AF507438-7753-43e0-B8FC-AC1667EBCBE1}">
-              <a14:hiddenEffects xmlns:a14="http://schemas.microsoft.com/office/drawing/2010/main" xmlns="">
+              <a14:hiddenEffects xmlns="" xmlns:a14="http://schemas.microsoft.com/office/drawing/2010/main">
                 <a:effectLst>
                   <a:outerShdw dist="35921" dir="2700000" algn="ctr" rotWithShape="0">
                     <a:srgbClr val="808080"/>
@@ -729,7 +730,7 @@
               </a14:hiddenEffects>
             </a:ext>
             <a:ext uri="{53640926-AAD7-44d8-BBD7-CCE9431645EC}">
-              <a14:shadowObscured xmlns:a14="http://schemas.microsoft.com/office/drawing/2010/main" xmlns="" val="1"/>
+              <a14:shadowObscured xmlns="" xmlns:a14="http://schemas.microsoft.com/office/drawing/2010/main" val="1"/>
             </a:ext>
           </a:extLst>
         </p:spPr>
@@ -759,14 +760,14 @@
           <a:effectLst/>
           <a:extLst>
             <a:ext uri="{909E8E84-426E-40dd-AFC4-6F175D3DCCD1}">
-              <a14:hiddenFill xmlns:a14="http://schemas.microsoft.com/office/drawing/2010/main" xmlns="">
+              <a14:hiddenFill xmlns="" xmlns:a14="http://schemas.microsoft.com/office/drawing/2010/main">
                 <a:solidFill>
                   <a:schemeClr val="accent1"/>
                 </a:solidFill>
               </a14:hiddenFill>
             </a:ext>
             <a:ext uri="{91240B29-F687-4f45-9708-019B960494DF}">
-              <a14:hiddenLine xmlns:a14="http://schemas.microsoft.com/office/drawing/2010/main" xmlns="" w="9525">
+              <a14:hiddenLine xmlns="" xmlns:a14="http://schemas.microsoft.com/office/drawing/2010/main" w="9525">
                 <a:solidFill>
                   <a:schemeClr val="tx1"/>
                 </a:solidFill>
@@ -776,7 +777,7 @@
               </a14:hiddenLine>
             </a:ext>
             <a:ext uri="{AF507438-7753-43e0-B8FC-AC1667EBCBE1}">
-              <a14:hiddenEffects xmlns:a14="http://schemas.microsoft.com/office/drawing/2010/main" xmlns="">
+              <a14:hiddenEffects xmlns="" xmlns:a14="http://schemas.microsoft.com/office/drawing/2010/main">
                 <a:effectLst>
                   <a:outerShdw dist="35921" dir="2700000" algn="ctr" rotWithShape="0">
                     <a:schemeClr val="bg2"/>
@@ -855,14 +856,14 @@
           <a:effectLst/>
           <a:extLst>
             <a:ext uri="{909E8E84-426E-40dd-AFC4-6F175D3DCCD1}">
-              <a14:hiddenFill xmlns:a14="http://schemas.microsoft.com/office/drawing/2010/main" xmlns="">
+              <a14:hiddenFill xmlns="" xmlns:a14="http://schemas.microsoft.com/office/drawing/2010/main">
                 <a:solidFill>
                   <a:schemeClr val="accent1"/>
                 </a:solidFill>
               </a14:hiddenFill>
             </a:ext>
             <a:ext uri="{91240B29-F687-4f45-9708-019B960494DF}">
-              <a14:hiddenLine xmlns:a14="http://schemas.microsoft.com/office/drawing/2010/main" xmlns="" w="9525">
+              <a14:hiddenLine xmlns="" xmlns:a14="http://schemas.microsoft.com/office/drawing/2010/main" w="9525">
                 <a:solidFill>
                   <a:schemeClr val="tx1"/>
                 </a:solidFill>
@@ -872,7 +873,7 @@
               </a14:hiddenLine>
             </a:ext>
             <a:ext uri="{AF507438-7753-43e0-B8FC-AC1667EBCBE1}">
-              <a14:hiddenEffects xmlns:a14="http://schemas.microsoft.com/office/drawing/2010/main" xmlns="">
+              <a14:hiddenEffects xmlns="" xmlns:a14="http://schemas.microsoft.com/office/drawing/2010/main">
                 <a:effectLst>
                   <a:outerShdw dist="35921" dir="2700000" algn="ctr" rotWithShape="0">
                     <a:schemeClr val="bg2"/>
@@ -926,14 +927,14 @@
           <a:effectLst/>
           <a:extLst>
             <a:ext uri="{909E8E84-426E-40dd-AFC4-6F175D3DCCD1}">
-              <a14:hiddenFill xmlns:a14="http://schemas.microsoft.com/office/drawing/2010/main" xmlns="">
+              <a14:hiddenFill xmlns="" xmlns:a14="http://schemas.microsoft.com/office/drawing/2010/main">
                 <a:solidFill>
                   <a:schemeClr val="accent1"/>
                 </a:solidFill>
               </a14:hiddenFill>
             </a:ext>
             <a:ext uri="{91240B29-F687-4f45-9708-019B960494DF}">
-              <a14:hiddenLine xmlns:a14="http://schemas.microsoft.com/office/drawing/2010/main" xmlns="" w="9525">
+              <a14:hiddenLine xmlns="" xmlns:a14="http://schemas.microsoft.com/office/drawing/2010/main" w="9525">
                 <a:solidFill>
                   <a:schemeClr val="tx1"/>
                 </a:solidFill>
@@ -943,7 +944,7 @@
               </a14:hiddenLine>
             </a:ext>
             <a:ext uri="{AF507438-7753-43e0-B8FC-AC1667EBCBE1}">
-              <a14:hiddenEffects xmlns:a14="http://schemas.microsoft.com/office/drawing/2010/main" xmlns="">
+              <a14:hiddenEffects xmlns="" xmlns:a14="http://schemas.microsoft.com/office/drawing/2010/main">
                 <a:effectLst>
                   <a:outerShdw dist="35921" dir="2700000" algn="ctr" rotWithShape="0">
                     <a:schemeClr val="bg2"/>
@@ -1161,14 +1162,14 @@
           <a:noFill/>
           <a:extLst>
             <a:ext uri="{909E8E84-426E-40dd-AFC4-6F175D3DCCD1}">
-              <a14:hiddenFill xmlns="" xmlns:a14="http://schemas.microsoft.com/office/drawing/2010/main">
+              <a14:hiddenFill xmlns:a14="http://schemas.microsoft.com/office/drawing/2010/main" xmlns="">
                 <a:solidFill>
                   <a:srgbClr val="FFFFFF"/>
                 </a:solidFill>
               </a14:hiddenFill>
             </a:ext>
             <a:ext uri="{91240B29-F687-4f45-9708-019B960494DF}">
-              <a14:hiddenLine xmlns="" xmlns:a14="http://schemas.microsoft.com/office/drawing/2010/main" w="9525">
+              <a14:hiddenLine xmlns:a14="http://schemas.microsoft.com/office/drawing/2010/main" xmlns="" w="9525">
                 <a:solidFill>
                   <a:srgbClr val="000000"/>
                 </a:solidFill>
@@ -1274,7 +1275,7 @@
               <a:pPr>
                 <a:defRPr/>
               </a:pPr>
-              <a:t>15</a:t>
+              <a:t>16</a:t>
             </a:fld>
             <a:endParaRPr lang="en-US" altLang="zh-Hant" dirty="0"/>
           </a:p>
@@ -1333,7 +1334,7 @@
               <a:pPr>
                 <a:defRPr/>
               </a:pPr>
-              <a:t>16</a:t>
+              <a:t>17</a:t>
             </a:fld>
             <a:endParaRPr lang="en-US" altLang="zh-TW"/>
           </a:p>
@@ -1465,14 +1466,14 @@
           </a:ln>
           <a:extLst>
             <a:ext uri="{909E8E84-426E-40dd-AFC4-6F175D3DCCD1}">
-              <a14:hiddenFill xmlns:a14="http://schemas.microsoft.com/office/drawing/2010/main" xmlns="">
+              <a14:hiddenFill xmlns="" xmlns:a14="http://schemas.microsoft.com/office/drawing/2010/main">
                 <a:solidFill>
                   <a:srgbClr val="FFFFFF"/>
                 </a:solidFill>
               </a14:hiddenFill>
             </a:ext>
             <a:ext uri="{91240B29-F687-4f45-9708-019B960494DF}">
-              <a14:hiddenLine xmlns:a14="http://schemas.microsoft.com/office/drawing/2010/main" xmlns="" w="9525">
+              <a14:hiddenLine xmlns="" xmlns:a14="http://schemas.microsoft.com/office/drawing/2010/main" w="9525">
                 <a:solidFill>
                   <a:srgbClr val="000000"/>
                 </a:solidFill>
@@ -1520,14 +1521,14 @@
           </a:ln>
           <a:extLst>
             <a:ext uri="{909E8E84-426E-40dd-AFC4-6F175D3DCCD1}">
-              <a14:hiddenFill xmlns:a14="http://schemas.microsoft.com/office/drawing/2010/main" xmlns="">
+              <a14:hiddenFill xmlns="" xmlns:a14="http://schemas.microsoft.com/office/drawing/2010/main">
                 <a:solidFill>
                   <a:srgbClr val="FFFFFF"/>
                 </a:solidFill>
               </a14:hiddenFill>
             </a:ext>
             <a:ext uri="{91240B29-F687-4f45-9708-019B960494DF}">
-              <a14:hiddenLine xmlns:a14="http://schemas.microsoft.com/office/drawing/2010/main" xmlns="" w="9525">
+              <a14:hiddenLine xmlns="" xmlns:a14="http://schemas.microsoft.com/office/drawing/2010/main" w="9525">
                 <a:solidFill>
                   <a:srgbClr val="000000"/>
                 </a:solidFill>
@@ -1648,14 +1649,14 @@
             </a:ln>
             <a:extLst>
               <a:ext uri="{909E8E84-426E-40dd-AFC4-6F175D3DCCD1}">
-                <a14:hiddenFill xmlns:a14="http://schemas.microsoft.com/office/drawing/2010/main" xmlns="">
+                <a14:hiddenFill xmlns="" xmlns:a14="http://schemas.microsoft.com/office/drawing/2010/main">
                   <a:solidFill>
                     <a:srgbClr val="FFFFFF"/>
                   </a:solidFill>
                 </a14:hiddenFill>
               </a:ext>
               <a:ext uri="{91240B29-F687-4f45-9708-019B960494DF}">
-                <a14:hiddenLine xmlns:a14="http://schemas.microsoft.com/office/drawing/2010/main" xmlns="" w="9525">
+                <a14:hiddenLine xmlns="" xmlns:a14="http://schemas.microsoft.com/office/drawing/2010/main" w="9525">
                   <a:solidFill>
                     <a:srgbClr val="000000"/>
                   </a:solidFill>
@@ -1704,14 +1705,14 @@
             </a:ln>
             <a:extLst>
               <a:ext uri="{909E8E84-426E-40dd-AFC4-6F175D3DCCD1}">
-                <a14:hiddenFill xmlns:a14="http://schemas.microsoft.com/office/drawing/2010/main" xmlns="">
+                <a14:hiddenFill xmlns="" xmlns:a14="http://schemas.microsoft.com/office/drawing/2010/main">
                   <a:solidFill>
                     <a:srgbClr val="FFFFFF"/>
                   </a:solidFill>
                 </a14:hiddenFill>
               </a:ext>
               <a:ext uri="{91240B29-F687-4f45-9708-019B960494DF}">
-                <a14:hiddenLine xmlns:a14="http://schemas.microsoft.com/office/drawing/2010/main" xmlns="" w="9525">
+                <a14:hiddenLine xmlns="" xmlns:a14="http://schemas.microsoft.com/office/drawing/2010/main" w="9525">
                   <a:solidFill>
                     <a:srgbClr val="000000"/>
                   </a:solidFill>
@@ -1746,14 +1747,14 @@
           </a:ln>
           <a:extLst>
             <a:ext uri="{909E8E84-426E-40dd-AFC4-6F175D3DCCD1}">
-              <a14:hiddenFill xmlns:a14="http://schemas.microsoft.com/office/drawing/2010/main" xmlns="">
+              <a14:hiddenFill xmlns="" xmlns:a14="http://schemas.microsoft.com/office/drawing/2010/main">
                 <a:solidFill>
                   <a:srgbClr val="FFFFFF"/>
                 </a:solidFill>
               </a14:hiddenFill>
             </a:ext>
             <a:ext uri="{91240B29-F687-4f45-9708-019B960494DF}">
-              <a14:hiddenLine xmlns:a14="http://schemas.microsoft.com/office/drawing/2010/main" xmlns="" w="9525">
+              <a14:hiddenLine xmlns="" xmlns:a14="http://schemas.microsoft.com/office/drawing/2010/main" w="9525">
                 <a:solidFill>
                   <a:srgbClr val="000000"/>
                 </a:solidFill>
@@ -2339,14 +2340,14 @@
           </a:ln>
           <a:extLst>
             <a:ext uri="{909E8E84-426E-40dd-AFC4-6F175D3DCCD1}">
-              <a14:hiddenFill xmlns:a14="http://schemas.microsoft.com/office/drawing/2010/main" xmlns="">
+              <a14:hiddenFill xmlns="" xmlns:a14="http://schemas.microsoft.com/office/drawing/2010/main">
                 <a:solidFill>
                   <a:srgbClr val="FFFFFF"/>
                 </a:solidFill>
               </a14:hiddenFill>
             </a:ext>
             <a:ext uri="{91240B29-F687-4f45-9708-019B960494DF}">
-              <a14:hiddenLine xmlns:a14="http://schemas.microsoft.com/office/drawing/2010/main" xmlns="" w="9525">
+              <a14:hiddenLine xmlns="" xmlns:a14="http://schemas.microsoft.com/office/drawing/2010/main" w="9525">
                 <a:solidFill>
                   <a:srgbClr val="000000"/>
                 </a:solidFill>
@@ -2394,14 +2395,14 @@
           </a:ln>
           <a:extLst>
             <a:ext uri="{909E8E84-426E-40dd-AFC4-6F175D3DCCD1}">
-              <a14:hiddenFill xmlns:a14="http://schemas.microsoft.com/office/drawing/2010/main" xmlns="">
+              <a14:hiddenFill xmlns="" xmlns:a14="http://schemas.microsoft.com/office/drawing/2010/main">
                 <a:solidFill>
                   <a:srgbClr val="FFFFFF"/>
                 </a:solidFill>
               </a14:hiddenFill>
             </a:ext>
             <a:ext uri="{91240B29-F687-4f45-9708-019B960494DF}">
-              <a14:hiddenLine xmlns:a14="http://schemas.microsoft.com/office/drawing/2010/main" xmlns="" w="9525">
+              <a14:hiddenLine xmlns="" xmlns:a14="http://schemas.microsoft.com/office/drawing/2010/main" w="9525">
                 <a:solidFill>
                   <a:srgbClr val="000000"/>
                 </a:solidFill>
@@ -2464,14 +2465,14 @@
             </a:ln>
             <a:extLst>
               <a:ext uri="{909E8E84-426E-40dd-AFC4-6F175D3DCCD1}">
-                <a14:hiddenFill xmlns:a14="http://schemas.microsoft.com/office/drawing/2010/main" xmlns="">
+                <a14:hiddenFill xmlns="" xmlns:a14="http://schemas.microsoft.com/office/drawing/2010/main">
                   <a:solidFill>
                     <a:srgbClr val="FFFFFF"/>
                   </a:solidFill>
                 </a14:hiddenFill>
               </a:ext>
               <a:ext uri="{91240B29-F687-4f45-9708-019B960494DF}">
-                <a14:hiddenLine xmlns:a14="http://schemas.microsoft.com/office/drawing/2010/main" xmlns="" w="9525">
+                <a14:hiddenLine xmlns="" xmlns:a14="http://schemas.microsoft.com/office/drawing/2010/main" w="9525">
                   <a:solidFill>
                     <a:srgbClr val="000000"/>
                   </a:solidFill>
@@ -2520,14 +2521,14 @@
             </a:ln>
             <a:extLst>
               <a:ext uri="{909E8E84-426E-40dd-AFC4-6F175D3DCCD1}">
-                <a14:hiddenFill xmlns:a14="http://schemas.microsoft.com/office/drawing/2010/main" xmlns="">
+                <a14:hiddenFill xmlns="" xmlns:a14="http://schemas.microsoft.com/office/drawing/2010/main">
                   <a:solidFill>
                     <a:srgbClr val="FFFFFF"/>
                   </a:solidFill>
                 </a14:hiddenFill>
               </a:ext>
               <a:ext uri="{91240B29-F687-4f45-9708-019B960494DF}">
-                <a14:hiddenLine xmlns:a14="http://schemas.microsoft.com/office/drawing/2010/main" xmlns="" w="9525">
+                <a14:hiddenLine xmlns="" xmlns:a14="http://schemas.microsoft.com/office/drawing/2010/main" w="9525">
                   <a:solidFill>
                     <a:srgbClr val="000000"/>
                   </a:solidFill>
@@ -2617,14 +2618,14 @@
           </a:ln>
           <a:extLst>
             <a:ext uri="{909E8E84-426E-40dd-AFC4-6F175D3DCCD1}">
-              <a14:hiddenFill xmlns:a14="http://schemas.microsoft.com/office/drawing/2010/main" xmlns="">
+              <a14:hiddenFill xmlns="" xmlns:a14="http://schemas.microsoft.com/office/drawing/2010/main">
                 <a:solidFill>
                   <a:srgbClr val="FFFFFF"/>
                 </a:solidFill>
               </a14:hiddenFill>
             </a:ext>
             <a:ext uri="{91240B29-F687-4f45-9708-019B960494DF}">
-              <a14:hiddenLine xmlns:a14="http://schemas.microsoft.com/office/drawing/2010/main" xmlns="" w="9525">
+              <a14:hiddenLine xmlns="" xmlns:a14="http://schemas.microsoft.com/office/drawing/2010/main" w="9525">
                 <a:solidFill>
                   <a:srgbClr val="000000"/>
                 </a:solidFill>
@@ -7306,14 +7307,14 @@
           </a:ln>
           <a:extLst>
             <a:ext uri="{909E8E84-426E-40dd-AFC4-6F175D3DCCD1}">
-              <a14:hiddenFill xmlns:a14="http://schemas.microsoft.com/office/drawing/2010/main" xmlns="">
+              <a14:hiddenFill xmlns="" xmlns:a14="http://schemas.microsoft.com/office/drawing/2010/main">
                 <a:solidFill>
                   <a:srgbClr val="FFFFFF"/>
                 </a:solidFill>
               </a14:hiddenFill>
             </a:ext>
             <a:ext uri="{91240B29-F687-4f45-9708-019B960494DF}">
-              <a14:hiddenLine xmlns:a14="http://schemas.microsoft.com/office/drawing/2010/main" xmlns="" w="9525">
+              <a14:hiddenLine xmlns="" xmlns:a14="http://schemas.microsoft.com/office/drawing/2010/main" w="9525">
                 <a:solidFill>
                   <a:srgbClr val="000000"/>
                 </a:solidFill>
@@ -7349,14 +7350,14 @@
           </a:ln>
           <a:extLst>
             <a:ext uri="{909E8E84-426E-40dd-AFC4-6F175D3DCCD1}">
-              <a14:hiddenFill xmlns:a14="http://schemas.microsoft.com/office/drawing/2010/main" xmlns="">
+              <a14:hiddenFill xmlns="" xmlns:a14="http://schemas.microsoft.com/office/drawing/2010/main">
                 <a:solidFill>
                   <a:srgbClr val="FFFFFF"/>
                 </a:solidFill>
               </a14:hiddenFill>
             </a:ext>
             <a:ext uri="{91240B29-F687-4f45-9708-019B960494DF}">
-              <a14:hiddenLine xmlns:a14="http://schemas.microsoft.com/office/drawing/2010/main" xmlns="" w="9525">
+              <a14:hiddenLine xmlns="" xmlns:a14="http://schemas.microsoft.com/office/drawing/2010/main" w="9525">
                 <a:solidFill>
                   <a:srgbClr val="000000"/>
                 </a:solidFill>
@@ -7407,14 +7408,14 @@
           </a:ln>
           <a:extLst>
             <a:ext uri="{909E8E84-426E-40dd-AFC4-6F175D3DCCD1}">
-              <a14:hiddenFill xmlns:a14="http://schemas.microsoft.com/office/drawing/2010/main" xmlns="">
+              <a14:hiddenFill xmlns="" xmlns:a14="http://schemas.microsoft.com/office/drawing/2010/main">
                 <a:solidFill>
                   <a:srgbClr val="FFFFFF"/>
                 </a:solidFill>
               </a14:hiddenFill>
             </a:ext>
             <a:ext uri="{91240B29-F687-4f45-9708-019B960494DF}">
-              <a14:hiddenLine xmlns:a14="http://schemas.microsoft.com/office/drawing/2010/main" xmlns="" w="9525">
+              <a14:hiddenLine xmlns="" xmlns:a14="http://schemas.microsoft.com/office/drawing/2010/main" w="9525">
                 <a:solidFill>
                   <a:srgbClr val="000000"/>
                 </a:solidFill>
@@ -7663,14 +7664,14 @@
           </a:ln>
           <a:extLst>
             <a:ext uri="{909E8E84-426E-40dd-AFC4-6F175D3DCCD1}">
-              <a14:hiddenFill xmlns:a14="http://schemas.microsoft.com/office/drawing/2010/main" xmlns="">
+              <a14:hiddenFill xmlns="" xmlns:a14="http://schemas.microsoft.com/office/drawing/2010/main">
                 <a:solidFill>
                   <a:srgbClr val="FFFFFF"/>
                 </a:solidFill>
               </a14:hiddenFill>
             </a:ext>
             <a:ext uri="{91240B29-F687-4f45-9708-019B960494DF}">
-              <a14:hiddenLine xmlns:a14="http://schemas.microsoft.com/office/drawing/2010/main" xmlns="" w="9525">
+              <a14:hiddenLine xmlns="" xmlns:a14="http://schemas.microsoft.com/office/drawing/2010/main" w="9525">
                 <a:solidFill>
                   <a:srgbClr val="000000"/>
                 </a:solidFill>
@@ -8189,14 +8190,14 @@
           </a:ln>
           <a:extLst>
             <a:ext uri="{909E8E84-426E-40dd-AFC4-6F175D3DCCD1}">
-              <a14:hiddenFill xmlns:a14="http://schemas.microsoft.com/office/drawing/2010/main" xmlns="">
+              <a14:hiddenFill xmlns="" xmlns:a14="http://schemas.microsoft.com/office/drawing/2010/main">
                 <a:solidFill>
                   <a:srgbClr val="FFFFFF"/>
                 </a:solidFill>
               </a14:hiddenFill>
             </a:ext>
             <a:ext uri="{91240B29-F687-4f45-9708-019B960494DF}">
-              <a14:hiddenLine xmlns:a14="http://schemas.microsoft.com/office/drawing/2010/main" xmlns="" w="9525">
+              <a14:hiddenLine xmlns="" xmlns:a14="http://schemas.microsoft.com/office/drawing/2010/main" w="9525">
                 <a:solidFill>
                   <a:srgbClr val="000000"/>
                 </a:solidFill>
@@ -8247,14 +8248,14 @@
           </a:ln>
           <a:extLst>
             <a:ext uri="{909E8E84-426E-40dd-AFC4-6F175D3DCCD1}">
-              <a14:hiddenFill xmlns:a14="http://schemas.microsoft.com/office/drawing/2010/main" xmlns="">
+              <a14:hiddenFill xmlns="" xmlns:a14="http://schemas.microsoft.com/office/drawing/2010/main">
                 <a:solidFill>
                   <a:srgbClr val="FFFFFF"/>
                 </a:solidFill>
               </a14:hiddenFill>
             </a:ext>
             <a:ext uri="{91240B29-F687-4f45-9708-019B960494DF}">
-              <a14:hiddenLine xmlns:a14="http://schemas.microsoft.com/office/drawing/2010/main" xmlns="" w="9525">
+              <a14:hiddenLine xmlns="" xmlns:a14="http://schemas.microsoft.com/office/drawing/2010/main" w="9525">
                 <a:solidFill>
                   <a:srgbClr val="000000"/>
                 </a:solidFill>
@@ -8501,14 +8502,14 @@
           </a:ln>
           <a:extLst>
             <a:ext uri="{909E8E84-426E-40dd-AFC4-6F175D3DCCD1}">
-              <a14:hiddenFill xmlns:a14="http://schemas.microsoft.com/office/drawing/2010/main" xmlns="">
+              <a14:hiddenFill xmlns="" xmlns:a14="http://schemas.microsoft.com/office/drawing/2010/main">
                 <a:solidFill>
                   <a:srgbClr val="FFFFFF"/>
                 </a:solidFill>
               </a14:hiddenFill>
             </a:ext>
             <a:ext uri="{91240B29-F687-4f45-9708-019B960494DF}">
-              <a14:hiddenLine xmlns:a14="http://schemas.microsoft.com/office/drawing/2010/main" xmlns="" w="9525">
+              <a14:hiddenLine xmlns="" xmlns:a14="http://schemas.microsoft.com/office/drawing/2010/main" w="9525">
                 <a:solidFill>
                   <a:srgbClr val="000000"/>
                 </a:solidFill>
@@ -9025,14 +9026,14 @@
           <a:ln/>
           <a:extLst>
             <a:ext uri="{909E8E84-426E-40dd-AFC4-6F175D3DCCD1}">
-              <a14:hiddenFill xmlns="" xmlns:a14="http://schemas.microsoft.com/office/drawing/2010/main">
+              <a14:hiddenFill xmlns:a14="http://schemas.microsoft.com/office/drawing/2010/main" xmlns="">
                 <a:solidFill>
                   <a:srgbClr val="FFFFFF"/>
                 </a:solidFill>
               </a14:hiddenFill>
             </a:ext>
             <a:ext uri="{91240B29-F687-4f45-9708-019B960494DF}">
-              <a14:hiddenLine xmlns="" xmlns:a14="http://schemas.microsoft.com/office/drawing/2010/main" w="9525">
+              <a14:hiddenLine xmlns:a14="http://schemas.microsoft.com/office/drawing/2010/main" xmlns="" w="9525">
                 <a:solidFill>
                   <a:srgbClr val="000000"/>
                 </a:solidFill>
@@ -9227,14 +9228,14 @@
           </a:ln>
           <a:extLst>
             <a:ext uri="{909E8E84-426E-40dd-AFC4-6F175D3DCCD1}">
-              <a14:hiddenFill xmlns="" xmlns:a14="http://schemas.microsoft.com/office/drawing/2010/main">
+              <a14:hiddenFill xmlns:a14="http://schemas.microsoft.com/office/drawing/2010/main" xmlns="">
                 <a:solidFill>
                   <a:srgbClr val="FFFFFF"/>
                 </a:solidFill>
               </a14:hiddenFill>
             </a:ext>
             <a:ext uri="{91240B29-F687-4f45-9708-019B960494DF}">
-              <a14:hiddenLine xmlns="" xmlns:a14="http://schemas.microsoft.com/office/drawing/2010/main" w="9525">
+              <a14:hiddenLine xmlns:a14="http://schemas.microsoft.com/office/drawing/2010/main" xmlns="" w="9525">
                 <a:solidFill>
                   <a:srgbClr val="000000"/>
                 </a:solidFill>
@@ -9312,14 +9313,14 @@
           </a:ln>
           <a:extLst>
             <a:ext uri="{909E8E84-426E-40dd-AFC4-6F175D3DCCD1}">
-              <a14:hiddenFill xmlns="" xmlns:a14="http://schemas.microsoft.com/office/drawing/2010/main">
+              <a14:hiddenFill xmlns:a14="http://schemas.microsoft.com/office/drawing/2010/main" xmlns="">
                 <a:solidFill>
                   <a:srgbClr val="FFFFFF"/>
                 </a:solidFill>
               </a14:hiddenFill>
             </a:ext>
             <a:ext uri="{91240B29-F687-4f45-9708-019B960494DF}">
-              <a14:hiddenLine xmlns="" xmlns:a14="http://schemas.microsoft.com/office/drawing/2010/main" w="9525">
+              <a14:hiddenLine xmlns:a14="http://schemas.microsoft.com/office/drawing/2010/main" xmlns="" w="9525">
                 <a:solidFill>
                   <a:srgbClr val="000000"/>
                 </a:solidFill>
@@ -9441,14 +9442,14 @@
           </a:ln>
           <a:extLst>
             <a:ext uri="{909E8E84-426E-40dd-AFC4-6F175D3DCCD1}">
-              <a14:hiddenFill xmlns="" xmlns:a14="http://schemas.microsoft.com/office/drawing/2010/main">
+              <a14:hiddenFill xmlns:a14="http://schemas.microsoft.com/office/drawing/2010/main" xmlns="">
                 <a:solidFill>
                   <a:srgbClr val="FFFFFF"/>
                 </a:solidFill>
               </a14:hiddenFill>
             </a:ext>
             <a:ext uri="{91240B29-F687-4f45-9708-019B960494DF}">
-              <a14:hiddenLine xmlns="" xmlns:a14="http://schemas.microsoft.com/office/drawing/2010/main" w="9525">
+              <a14:hiddenLine xmlns:a14="http://schemas.microsoft.com/office/drawing/2010/main" xmlns="" w="9525">
                 <a:solidFill>
                   <a:srgbClr val="000000"/>
                 </a:solidFill>
@@ -9490,14 +9491,14 @@
           </a:ln>
           <a:extLst>
             <a:ext uri="{909E8E84-426E-40dd-AFC4-6F175D3DCCD1}">
-              <a14:hiddenFill xmlns="" xmlns:a14="http://schemas.microsoft.com/office/drawing/2010/main">
+              <a14:hiddenFill xmlns:a14="http://schemas.microsoft.com/office/drawing/2010/main" xmlns="">
                 <a:solidFill>
                   <a:srgbClr val="FFFFFF"/>
                 </a:solidFill>
               </a14:hiddenFill>
             </a:ext>
             <a:ext uri="{91240B29-F687-4f45-9708-019B960494DF}">
-              <a14:hiddenLine xmlns="" xmlns:a14="http://schemas.microsoft.com/office/drawing/2010/main" w="9525">
+              <a14:hiddenLine xmlns:a14="http://schemas.microsoft.com/office/drawing/2010/main" xmlns="" w="9525">
                 <a:solidFill>
                   <a:srgbClr val="000000"/>
                 </a:solidFill>
@@ -9705,14 +9706,14 @@
           </a:ln>
           <a:extLst>
             <a:ext uri="{909E8E84-426E-40dd-AFC4-6F175D3DCCD1}">
-              <a14:hiddenFill xmlns="" xmlns:a14="http://schemas.microsoft.com/office/drawing/2010/main">
+              <a14:hiddenFill xmlns:a14="http://schemas.microsoft.com/office/drawing/2010/main" xmlns="">
                 <a:solidFill>
                   <a:srgbClr val="FFFFFF"/>
                 </a:solidFill>
               </a14:hiddenFill>
             </a:ext>
             <a:ext uri="{91240B29-F687-4f45-9708-019B960494DF}">
-              <a14:hiddenLine xmlns="" xmlns:a14="http://schemas.microsoft.com/office/drawing/2010/main" w="9525">
+              <a14:hiddenLine xmlns:a14="http://schemas.microsoft.com/office/drawing/2010/main" xmlns="" w="9525">
                 <a:solidFill>
                   <a:srgbClr val="000000"/>
                 </a:solidFill>
@@ -9795,7 +9796,7 @@
           <p:cNvPr id="2" name="標題 1">
             <a:extLst>
               <a:ext uri="{FF2B5EF4-FFF2-40B4-BE49-F238E27FC236}">
-                <a16:creationId xmlns:a16="http://schemas.microsoft.com/office/drawing/2014/main" id="{0E21B4C5-E7C1-43FF-A86B-ED12A45C57FC}"/>
+                <a16:creationId xmlns:a16="http://schemas.microsoft.com/office/drawing/2014/main" id="{63212DC6-6AB8-49BC-89BB-6B1C11CD2D74}"/>
               </a:ext>
             </a:extLst>
           </p:cNvPr>
@@ -9812,8 +9813,8 @@
           <a:lstStyle/>
           <a:p>
             <a:r>
-              <a:rPr lang="en-US" altLang="zh-TW" dirty="0"/>
-              <a:t>Outline</a:t>
+              <a:rPr lang="en-US" altLang="zh-TW"/>
+              <a:t>Speedup Techniques</a:t>
             </a:r>
             <a:endParaRPr lang="zh-TW" altLang="en-US" dirty="0"/>
           </a:p>
@@ -9824,7 +9825,7 @@
           <p:cNvPr id="3" name="內容版面配置區 2">
             <a:extLst>
               <a:ext uri="{FF2B5EF4-FFF2-40B4-BE49-F238E27FC236}">
-                <a16:creationId xmlns:a16="http://schemas.microsoft.com/office/drawing/2014/main" id="{A7731B0D-BFCA-4942-8434-BA43449D5D22}"/>
+                <a16:creationId xmlns:a16="http://schemas.microsoft.com/office/drawing/2014/main" id="{6DF0C6E4-5B84-4B6C-BE46-D94DAE5E5EDE}"/>
               </a:ext>
             </a:extLst>
           </p:cNvPr>
@@ -9841,52 +9842,35 @@
           <a:lstStyle/>
           <a:p>
             <a:r>
-              <a:rPr lang="en-US" altLang="zh-TW" dirty="0">
-                <a:solidFill>
-                  <a:schemeClr val="bg1">
-                    <a:lumMod val="75000"/>
-                  </a:schemeClr>
-                </a:solidFill>
-              </a:rPr>
-              <a:t>Introduction</a:t>
-            </a:r>
-          </a:p>
-          <a:p>
-            <a:r>
-              <a:rPr lang="en-US" altLang="zh-TW" dirty="0">
-                <a:solidFill>
-                  <a:schemeClr val="bg1">
-                    <a:lumMod val="75000"/>
-                  </a:schemeClr>
-                </a:solidFill>
-              </a:rPr>
-              <a:t>Problem Formulation</a:t>
-            </a:r>
-          </a:p>
-          <a:p>
-            <a:r>
               <a:rPr lang="en-US" altLang="zh-TW" dirty="0"/>
-              <a:t>Experimental Results</a:t>
-            </a:r>
-          </a:p>
-          <a:p>
-            <a:r>
-              <a:rPr lang="en-US" altLang="zh-TW" dirty="0">
-                <a:solidFill>
-                  <a:schemeClr val="bg1">
-                    <a:lumMod val="75000"/>
-                  </a:schemeClr>
-                </a:solidFill>
-              </a:rPr>
-              <a:t>Conclusion</a:t>
-            </a:r>
-            <a:endParaRPr lang="zh-TW" altLang="en-US" dirty="0">
-              <a:solidFill>
-                <a:schemeClr val="bg1">
-                  <a:lumMod val="75000"/>
-                </a:schemeClr>
-              </a:solidFill>
-            </a:endParaRPr>
+              <a:t>LG</a:t>
+            </a:r>
+            <a:r>
+              <a:rPr lang="zh-TW" altLang="en-US" dirty="0"/>
+              <a:t> </a:t>
+            </a:r>
+            <a:r>
+              <a:rPr lang="en-US" altLang="zh-TW" dirty="0"/>
+              <a:t>Cut Stitch Forbiddance</a:t>
+            </a:r>
+          </a:p>
+          <a:p>
+            <a:endParaRPr lang="en-US" altLang="zh-TW" dirty="0"/>
+          </a:p>
+          <a:p>
+            <a:r>
+              <a:rPr lang="en-US" altLang="zh-TW" dirty="0"/>
+              <a:t>Decomposition Graph Vertex Clustering</a:t>
+            </a:r>
+          </a:p>
+          <a:p>
+            <a:endParaRPr lang="en-US" altLang="zh-TW" dirty="0"/>
+          </a:p>
+          <a:p>
+            <a:r>
+              <a:rPr lang="en-US" altLang="zh-TW" dirty="0"/>
+              <a:t>Fast Color Assignment Trial</a:t>
+            </a:r>
           </a:p>
         </p:txBody>
       </p:sp>
@@ -9895,7 +9879,7 @@
           <p:cNvPr id="4" name="日期版面配置區 3">
             <a:extLst>
               <a:ext uri="{FF2B5EF4-FFF2-40B4-BE49-F238E27FC236}">
-                <a16:creationId xmlns:a16="http://schemas.microsoft.com/office/drawing/2014/main" id="{D0037C9E-6880-425F-BD51-65FD3D5207EC}"/>
+                <a16:creationId xmlns:a16="http://schemas.microsoft.com/office/drawing/2014/main" id="{0D8A8520-C56A-4525-9424-C7D9E6877BE3}"/>
               </a:ext>
             </a:extLst>
           </p:cNvPr>
@@ -9927,7 +9911,7 @@
           <p:cNvPr id="5" name="投影片編號版面配置區 4">
             <a:extLst>
               <a:ext uri="{FF2B5EF4-FFF2-40B4-BE49-F238E27FC236}">
-                <a16:creationId xmlns:a16="http://schemas.microsoft.com/office/drawing/2014/main" id="{F98953EF-304E-45D1-82DE-8EC49FAFB54C}"/>
+                <a16:creationId xmlns:a16="http://schemas.microsoft.com/office/drawing/2014/main" id="{11AF3BA3-E3C6-47EB-80EE-99410B804958}"/>
               </a:ext>
             </a:extLst>
           </p:cNvPr>
@@ -9957,10 +9941,100 @@
           </a:p>
         </p:txBody>
       </p:sp>
+      <p:pic>
+        <p:nvPicPr>
+          <p:cNvPr id="7" name="圖片 6">
+            <a:extLst>
+              <a:ext uri="{FF2B5EF4-FFF2-40B4-BE49-F238E27FC236}">
+                <a16:creationId xmlns:a16="http://schemas.microsoft.com/office/drawing/2014/main" id="{E57917AA-B130-43CB-B6A5-D58B487BD5C8}"/>
+              </a:ext>
+            </a:extLst>
+          </p:cNvPr>
+          <p:cNvPicPr>
+            <a:picLocks noChangeAspect="1"/>
+          </p:cNvPicPr>
+          <p:nvPr/>
+        </p:nvPicPr>
+        <p:blipFill>
+          <a:blip r:embed="rId2"/>
+          <a:stretch>
+            <a:fillRect/>
+          </a:stretch>
+        </p:blipFill>
+        <p:spPr>
+          <a:xfrm>
+            <a:off x="7176120" y="2654783"/>
+            <a:ext cx="3312368" cy="3963753"/>
+          </a:xfrm>
+          <a:prstGeom prst="rect">
+            <a:avLst/>
+          </a:prstGeom>
+        </p:spPr>
+      </p:pic>
+      <p:pic>
+        <p:nvPicPr>
+          <p:cNvPr id="8" name="圖片 7">
+            <a:extLst>
+              <a:ext uri="{FF2B5EF4-FFF2-40B4-BE49-F238E27FC236}">
+                <a16:creationId xmlns:a16="http://schemas.microsoft.com/office/drawing/2014/main" id="{8AFE08CA-742B-45AB-8538-995AEF5CDF7E}"/>
+              </a:ext>
+            </a:extLst>
+          </p:cNvPr>
+          <p:cNvPicPr>
+            <a:picLocks noChangeAspect="1"/>
+          </p:cNvPicPr>
+          <p:nvPr/>
+        </p:nvPicPr>
+        <p:blipFill>
+          <a:blip r:embed="rId3"/>
+          <a:stretch>
+            <a:fillRect/>
+          </a:stretch>
+        </p:blipFill>
+        <p:spPr>
+          <a:xfrm>
+            <a:off x="7536160" y="990600"/>
+            <a:ext cx="2589614" cy="1422728"/>
+          </a:xfrm>
+          <a:prstGeom prst="rect">
+            <a:avLst/>
+          </a:prstGeom>
+        </p:spPr>
+      </p:pic>
+      <p:pic>
+        <p:nvPicPr>
+          <p:cNvPr id="9" name="圖片 8">
+            <a:extLst>
+              <a:ext uri="{FF2B5EF4-FFF2-40B4-BE49-F238E27FC236}">
+                <a16:creationId xmlns:a16="http://schemas.microsoft.com/office/drawing/2014/main" id="{3864301B-A55B-4F2A-9CAA-12A0CF024FC7}"/>
+              </a:ext>
+            </a:extLst>
+          </p:cNvPr>
+          <p:cNvPicPr>
+            <a:picLocks noChangeAspect="1"/>
+          </p:cNvPicPr>
+          <p:nvPr/>
+        </p:nvPicPr>
+        <p:blipFill>
+          <a:blip r:embed="rId4"/>
+          <a:stretch>
+            <a:fillRect/>
+          </a:stretch>
+        </p:blipFill>
+        <p:spPr>
+          <a:xfrm>
+            <a:off x="911424" y="3253938"/>
+            <a:ext cx="4695663" cy="3193331"/>
+          </a:xfrm>
+          <a:prstGeom prst="rect">
+            <a:avLst/>
+          </a:prstGeom>
+        </p:spPr>
+      </p:pic>
     </p:spTree>
     <p:extLst>
       <p:ext uri="{BB962C8B-B14F-4D97-AF65-F5344CB8AC3E}">
-        <p14:creationId xmlns:p14="http://schemas.microsoft.com/office/powerpoint/2010/main" val="3732529621"/>
+        <p14:creationId xmlns:p14="http://schemas.microsoft.com/office/powerpoint/2010/main" val="1762050134"/>
       </p:ext>
     </p:extLst>
   </p:cSld>
@@ -9989,10 +10063,10 @@
       </p:grpSpPr>
       <p:sp>
         <p:nvSpPr>
-          <p:cNvPr id="6" name="內容版面配置區 5">
+          <p:cNvPr id="2" name="標題 1">
             <a:extLst>
               <a:ext uri="{FF2B5EF4-FFF2-40B4-BE49-F238E27FC236}">
-                <a16:creationId xmlns:a16="http://schemas.microsoft.com/office/drawing/2014/main" id="{5BE914E2-4FEC-47A9-8DE8-8454256406B8}"/>
+                <a16:creationId xmlns:a16="http://schemas.microsoft.com/office/drawing/2014/main" id="{0E21B4C5-E7C1-43FF-A86B-ED12A45C57FC}"/>
               </a:ext>
             </a:extLst>
           </p:cNvPr>
@@ -10000,7 +10074,7 @@
             <a:spLocks noGrp="1"/>
           </p:cNvSpPr>
           <p:nvPr>
-            <p:ph idx="1"/>
+            <p:ph type="title"/>
           </p:nvPr>
         </p:nvSpPr>
         <p:spPr/>
@@ -10008,16 +10082,20 @@
           <a:bodyPr/>
           <a:lstStyle/>
           <a:p>
+            <a:r>
+              <a:rPr lang="en-US" altLang="zh-TW" dirty="0"/>
+              <a:t>Outline</a:t>
+            </a:r>
             <a:endParaRPr lang="zh-TW" altLang="en-US" dirty="0"/>
           </a:p>
         </p:txBody>
       </p:sp>
       <p:sp>
         <p:nvSpPr>
-          <p:cNvPr id="2" name="標題 1">
+          <p:cNvPr id="3" name="內容版面配置區 2">
             <a:extLst>
               <a:ext uri="{FF2B5EF4-FFF2-40B4-BE49-F238E27FC236}">
-                <a16:creationId xmlns:a16="http://schemas.microsoft.com/office/drawing/2014/main" id="{B36C0CBB-73B6-4523-BBAB-8A0776641E37}"/>
+                <a16:creationId xmlns:a16="http://schemas.microsoft.com/office/drawing/2014/main" id="{A7731B0D-BFCA-4942-8434-BA43449D5D22}"/>
               </a:ext>
             </a:extLst>
           </p:cNvPr>
@@ -10025,19 +10103,61 @@
             <a:spLocks noGrp="1"/>
           </p:cNvSpPr>
           <p:nvPr>
-            <p:ph type="title"/>
+            <p:ph idx="1"/>
           </p:nvPr>
         </p:nvSpPr>
         <p:spPr/>
         <p:txBody>
           <a:bodyPr/>
           <a:lstStyle/>
+          <a:p>
+            <a:r>
+              <a:rPr lang="en-US" altLang="zh-TW" dirty="0">
+                <a:solidFill>
+                  <a:schemeClr val="bg1">
+                    <a:lumMod val="75000"/>
+                  </a:schemeClr>
+                </a:solidFill>
+              </a:rPr>
+              <a:t>Introduction</a:t>
+            </a:r>
+          </a:p>
+          <a:p>
+            <a:r>
+              <a:rPr lang="en-US" altLang="zh-TW" dirty="0">
+                <a:solidFill>
+                  <a:schemeClr val="bg1">
+                    <a:lumMod val="75000"/>
+                  </a:schemeClr>
+                </a:solidFill>
+              </a:rPr>
+              <a:t>Problem Formulation</a:t>
+            </a:r>
+          </a:p>
           <a:p>
             <a:r>
               <a:rPr lang="en-US" altLang="zh-TW" dirty="0"/>
               <a:t>Experimental Results</a:t>
             </a:r>
-            <a:endParaRPr lang="zh-TW" altLang="en-US" dirty="0"/>
+          </a:p>
+          <a:p>
+            <a:r>
+              <a:rPr lang="en-US" altLang="zh-TW" dirty="0">
+                <a:solidFill>
+                  <a:schemeClr val="bg1">
+                    <a:lumMod val="75000"/>
+                  </a:schemeClr>
+                </a:solidFill>
+              </a:rPr>
+              <a:t>Conclusion</a:t>
+            </a:r>
+            <a:endParaRPr lang="zh-TW" altLang="en-US" dirty="0">
+              <a:solidFill>
+                <a:schemeClr val="bg1">
+                  <a:lumMod val="75000"/>
+                </a:schemeClr>
+              </a:solidFill>
+            </a:endParaRPr>
           </a:p>
         </p:txBody>
       </p:sp>
@@ -10046,7 +10166,7 @@
           <p:cNvPr id="4" name="日期版面配置區 3">
             <a:extLst>
               <a:ext uri="{FF2B5EF4-FFF2-40B4-BE49-F238E27FC236}">
-                <a16:creationId xmlns:a16="http://schemas.microsoft.com/office/drawing/2014/main" id="{AA0AB3A0-3BE2-4B22-A5DE-56B2D61246E9}"/>
+                <a16:creationId xmlns:a16="http://schemas.microsoft.com/office/drawing/2014/main" id="{D0037C9E-6880-425F-BD51-65FD3D5207EC}"/>
               </a:ext>
             </a:extLst>
           </p:cNvPr>
@@ -10078,7 +10198,7 @@
           <p:cNvPr id="5" name="投影片編號版面配置區 4">
             <a:extLst>
               <a:ext uri="{FF2B5EF4-FFF2-40B4-BE49-F238E27FC236}">
-                <a16:creationId xmlns:a16="http://schemas.microsoft.com/office/drawing/2014/main" id="{57565F14-FD05-4976-8E7B-8467A0AC3A92}"/>
+                <a16:creationId xmlns:a16="http://schemas.microsoft.com/office/drawing/2014/main" id="{F98953EF-304E-45D1-82DE-8EC49FAFB54C}"/>
               </a:ext>
             </a:extLst>
           </p:cNvPr>
@@ -10103,6 +10223,157 @@
                 <a:defRPr/>
               </a:pPr>
               <a:t>11</a:t>
+            </a:fld>
+            <a:endParaRPr lang="en-US" altLang="zh-Hant" dirty="0"/>
+          </a:p>
+        </p:txBody>
+      </p:sp>
+    </p:spTree>
+    <p:extLst>
+      <p:ext uri="{BB962C8B-B14F-4D97-AF65-F5344CB8AC3E}">
+        <p14:creationId xmlns:p14="http://schemas.microsoft.com/office/powerpoint/2010/main" val="3732529621"/>
+      </p:ext>
+    </p:extLst>
+  </p:cSld>
+  <p:clrMapOvr>
+    <a:masterClrMapping/>
+  </p:clrMapOvr>
+</p:sld>
+</file>
+
+<file path=ppt/slides/slide12.xml><?xml version="1.0" encoding="utf-8"?>
+<p:sld xmlns:a="http://schemas.openxmlformats.org/drawingml/2006/main" xmlns:r="http://schemas.openxmlformats.org/officeDocument/2006/relationships" xmlns:p="http://schemas.openxmlformats.org/presentationml/2006/main">
+  <p:cSld>
+    <p:spTree>
+      <p:nvGrpSpPr>
+        <p:cNvPr id="1" name=""/>
+        <p:cNvGrpSpPr/>
+        <p:nvPr/>
+      </p:nvGrpSpPr>
+      <p:grpSpPr>
+        <a:xfrm>
+          <a:off x="0" y="0"/>
+          <a:ext cx="0" cy="0"/>
+          <a:chOff x="0" y="0"/>
+          <a:chExt cx="0" cy="0"/>
+        </a:xfrm>
+      </p:grpSpPr>
+      <p:sp>
+        <p:nvSpPr>
+          <p:cNvPr id="6" name="內容版面配置區 5">
+            <a:extLst>
+              <a:ext uri="{FF2B5EF4-FFF2-40B4-BE49-F238E27FC236}">
+                <a16:creationId xmlns:a16="http://schemas.microsoft.com/office/drawing/2014/main" id="{5BE914E2-4FEC-47A9-8DE8-8454256406B8}"/>
+              </a:ext>
+            </a:extLst>
+          </p:cNvPr>
+          <p:cNvSpPr>
+            <a:spLocks noGrp="1"/>
+          </p:cNvSpPr>
+          <p:nvPr>
+            <p:ph idx="1"/>
+          </p:nvPr>
+        </p:nvSpPr>
+        <p:spPr/>
+        <p:txBody>
+          <a:bodyPr/>
+          <a:lstStyle/>
+          <a:p>
+            <a:endParaRPr lang="zh-TW" altLang="en-US" dirty="0"/>
+          </a:p>
+        </p:txBody>
+      </p:sp>
+      <p:sp>
+        <p:nvSpPr>
+          <p:cNvPr id="2" name="標題 1">
+            <a:extLst>
+              <a:ext uri="{FF2B5EF4-FFF2-40B4-BE49-F238E27FC236}">
+                <a16:creationId xmlns:a16="http://schemas.microsoft.com/office/drawing/2014/main" id="{B36C0CBB-73B6-4523-BBAB-8A0776641E37}"/>
+              </a:ext>
+            </a:extLst>
+          </p:cNvPr>
+          <p:cNvSpPr>
+            <a:spLocks noGrp="1"/>
+          </p:cNvSpPr>
+          <p:nvPr>
+            <p:ph type="title"/>
+          </p:nvPr>
+        </p:nvSpPr>
+        <p:spPr/>
+        <p:txBody>
+          <a:bodyPr/>
+          <a:lstStyle/>
+          <a:p>
+            <a:r>
+              <a:rPr lang="en-US" altLang="zh-TW" dirty="0"/>
+              <a:t>Experimental Results</a:t>
+            </a:r>
+            <a:endParaRPr lang="zh-TW" altLang="en-US" dirty="0"/>
+          </a:p>
+        </p:txBody>
+      </p:sp>
+      <p:sp>
+        <p:nvSpPr>
+          <p:cNvPr id="4" name="日期版面配置區 3">
+            <a:extLst>
+              <a:ext uri="{FF2B5EF4-FFF2-40B4-BE49-F238E27FC236}">
+                <a16:creationId xmlns:a16="http://schemas.microsoft.com/office/drawing/2014/main" id="{AA0AB3A0-3BE2-4B22-A5DE-56B2D61246E9}"/>
+              </a:ext>
+            </a:extLst>
+          </p:cNvPr>
+          <p:cNvSpPr>
+            <a:spLocks noGrp="1"/>
+          </p:cNvSpPr>
+          <p:nvPr>
+            <p:ph type="dt" sz="half" idx="10"/>
+          </p:nvPr>
+        </p:nvSpPr>
+        <p:spPr/>
+        <p:txBody>
+          <a:bodyPr/>
+          <a:lstStyle/>
+          <a:p>
+            <a:pPr>
+              <a:defRPr/>
+            </a:pPr>
+            <a:r>
+              <a:rPr lang="en-US" altLang="zh-Hant"/>
+              <a:t>GIEE, NTU</a:t>
+            </a:r>
+            <a:endParaRPr lang="zh-Hant" altLang="zh-Hant"/>
+          </a:p>
+        </p:txBody>
+      </p:sp>
+      <p:sp>
+        <p:nvSpPr>
+          <p:cNvPr id="5" name="投影片編號版面配置區 4">
+            <a:extLst>
+              <a:ext uri="{FF2B5EF4-FFF2-40B4-BE49-F238E27FC236}">
+                <a16:creationId xmlns:a16="http://schemas.microsoft.com/office/drawing/2014/main" id="{57565F14-FD05-4976-8E7B-8467A0AC3A92}"/>
+              </a:ext>
+            </a:extLst>
+          </p:cNvPr>
+          <p:cNvSpPr>
+            <a:spLocks noGrp="1"/>
+          </p:cNvSpPr>
+          <p:nvPr>
+            <p:ph type="sldNum" sz="quarter" idx="11"/>
+          </p:nvPr>
+        </p:nvSpPr>
+        <p:spPr/>
+        <p:txBody>
+          <a:bodyPr/>
+          <a:lstStyle/>
+          <a:p>
+            <a:pPr>
+              <a:defRPr/>
+            </a:pPr>
+            <a:fld id="{5A007831-3536-4435-90C1-461D060F6A03}" type="slidenum">
+              <a:rPr lang="zh-Hant" altLang="en-US" smtClean="0"/>
+              <a:pPr>
+                <a:defRPr/>
+              </a:pPr>
+              <a:t>12</a:t>
             </a:fld>
             <a:endParaRPr lang="en-US" altLang="zh-Hant" dirty="0"/>
           </a:p>
@@ -10151,157 +10422,6 @@
 </p:sld>
 </file>
 
-<file path=ppt/slides/slide12.xml><?xml version="1.0" encoding="utf-8"?>
-<p:sld xmlns:a="http://schemas.openxmlformats.org/drawingml/2006/main" xmlns:r="http://schemas.openxmlformats.org/officeDocument/2006/relationships" xmlns:p="http://schemas.openxmlformats.org/presentationml/2006/main">
-  <p:cSld>
-    <p:spTree>
-      <p:nvGrpSpPr>
-        <p:cNvPr id="1" name=""/>
-        <p:cNvGrpSpPr/>
-        <p:nvPr/>
-      </p:nvGrpSpPr>
-      <p:grpSpPr>
-        <a:xfrm>
-          <a:off x="0" y="0"/>
-          <a:ext cx="0" cy="0"/>
-          <a:chOff x="0" y="0"/>
-          <a:chExt cx="0" cy="0"/>
-        </a:xfrm>
-      </p:grpSpPr>
-      <p:sp>
-        <p:nvSpPr>
-          <p:cNvPr id="6" name="內容版面配置區 5">
-            <a:extLst>
-              <a:ext uri="{FF2B5EF4-FFF2-40B4-BE49-F238E27FC236}">
-                <a16:creationId xmlns:a16="http://schemas.microsoft.com/office/drawing/2014/main" id="{5BE914E2-4FEC-47A9-8DE8-8454256406B8}"/>
-              </a:ext>
-            </a:extLst>
-          </p:cNvPr>
-          <p:cNvSpPr>
-            <a:spLocks noGrp="1"/>
-          </p:cNvSpPr>
-          <p:nvPr>
-            <p:ph idx="1"/>
-          </p:nvPr>
-        </p:nvSpPr>
-        <p:spPr/>
-        <p:txBody>
-          <a:bodyPr/>
-          <a:lstStyle/>
-          <a:p>
-            <a:endParaRPr lang="zh-TW" altLang="en-US" dirty="0"/>
-          </a:p>
-        </p:txBody>
-      </p:sp>
-      <p:sp>
-        <p:nvSpPr>
-          <p:cNvPr id="2" name="標題 1">
-            <a:extLst>
-              <a:ext uri="{FF2B5EF4-FFF2-40B4-BE49-F238E27FC236}">
-                <a16:creationId xmlns:a16="http://schemas.microsoft.com/office/drawing/2014/main" id="{B36C0CBB-73B6-4523-BBAB-8A0776641E37}"/>
-              </a:ext>
-            </a:extLst>
-          </p:cNvPr>
-          <p:cNvSpPr>
-            <a:spLocks noGrp="1"/>
-          </p:cNvSpPr>
-          <p:nvPr>
-            <p:ph type="title"/>
-          </p:nvPr>
-        </p:nvSpPr>
-        <p:spPr/>
-        <p:txBody>
-          <a:bodyPr/>
-          <a:lstStyle/>
-          <a:p>
-            <a:r>
-              <a:rPr lang="en-US" altLang="zh-TW" dirty="0"/>
-              <a:t>Experimental Results</a:t>
-            </a:r>
-            <a:endParaRPr lang="zh-TW" altLang="en-US" dirty="0"/>
-          </a:p>
-        </p:txBody>
-      </p:sp>
-      <p:sp>
-        <p:nvSpPr>
-          <p:cNvPr id="4" name="日期版面配置區 3">
-            <a:extLst>
-              <a:ext uri="{FF2B5EF4-FFF2-40B4-BE49-F238E27FC236}">
-                <a16:creationId xmlns:a16="http://schemas.microsoft.com/office/drawing/2014/main" id="{AA0AB3A0-3BE2-4B22-A5DE-56B2D61246E9}"/>
-              </a:ext>
-            </a:extLst>
-          </p:cNvPr>
-          <p:cNvSpPr>
-            <a:spLocks noGrp="1"/>
-          </p:cNvSpPr>
-          <p:nvPr>
-            <p:ph type="dt" sz="half" idx="10"/>
-          </p:nvPr>
-        </p:nvSpPr>
-        <p:spPr/>
-        <p:txBody>
-          <a:bodyPr/>
-          <a:lstStyle/>
-          <a:p>
-            <a:pPr>
-              <a:defRPr/>
-            </a:pPr>
-            <a:r>
-              <a:rPr lang="en-US" altLang="zh-Hant"/>
-              <a:t>GIEE, NTU</a:t>
-            </a:r>
-            <a:endParaRPr lang="zh-Hant" altLang="zh-Hant"/>
-          </a:p>
-        </p:txBody>
-      </p:sp>
-      <p:sp>
-        <p:nvSpPr>
-          <p:cNvPr id="5" name="投影片編號版面配置區 4">
-            <a:extLst>
-              <a:ext uri="{FF2B5EF4-FFF2-40B4-BE49-F238E27FC236}">
-                <a16:creationId xmlns:a16="http://schemas.microsoft.com/office/drawing/2014/main" id="{57565F14-FD05-4976-8E7B-8467A0AC3A92}"/>
-              </a:ext>
-            </a:extLst>
-          </p:cNvPr>
-          <p:cNvSpPr>
-            <a:spLocks noGrp="1"/>
-          </p:cNvSpPr>
-          <p:nvPr>
-            <p:ph type="sldNum" sz="quarter" idx="11"/>
-          </p:nvPr>
-        </p:nvSpPr>
-        <p:spPr/>
-        <p:txBody>
-          <a:bodyPr/>
-          <a:lstStyle/>
-          <a:p>
-            <a:pPr>
-              <a:defRPr/>
-            </a:pPr>
-            <a:fld id="{5A007831-3536-4435-90C1-461D060F6A03}" type="slidenum">
-              <a:rPr lang="zh-Hant" altLang="en-US" smtClean="0"/>
-              <a:pPr>
-                <a:defRPr/>
-              </a:pPr>
-              <a:t>12</a:t>
-            </a:fld>
-            <a:endParaRPr lang="en-US" altLang="zh-Hant" dirty="0"/>
-          </a:p>
-        </p:txBody>
-      </p:sp>
-    </p:spTree>
-    <p:extLst>
-      <p:ext uri="{BB962C8B-B14F-4D97-AF65-F5344CB8AC3E}">
-        <p14:creationId xmlns:p14="http://schemas.microsoft.com/office/powerpoint/2010/main" val="2322182595"/>
-      </p:ext>
-    </p:extLst>
-  </p:cSld>
-  <p:clrMapOvr>
-    <a:masterClrMapping/>
-  </p:clrMapOvr>
-</p:sld>
-</file>
-
 <file path=ppt/slides/slide13.xml><?xml version="1.0" encoding="utf-8"?>
 <p:sld xmlns:a="http://schemas.openxmlformats.org/drawingml/2006/main" xmlns:r="http://schemas.openxmlformats.org/officeDocument/2006/relationships" xmlns:p="http://schemas.openxmlformats.org/presentationml/2006/main">
   <p:cSld>
@@ -10435,6 +10555,157 @@
                 <a:defRPr/>
               </a:pPr>
               <a:t>13</a:t>
+            </a:fld>
+            <a:endParaRPr lang="en-US" altLang="zh-Hant" dirty="0"/>
+          </a:p>
+        </p:txBody>
+      </p:sp>
+    </p:spTree>
+    <p:extLst>
+      <p:ext uri="{BB962C8B-B14F-4D97-AF65-F5344CB8AC3E}">
+        <p14:creationId xmlns:p14="http://schemas.microsoft.com/office/powerpoint/2010/main" val="2322182595"/>
+      </p:ext>
+    </p:extLst>
+  </p:cSld>
+  <p:clrMapOvr>
+    <a:masterClrMapping/>
+  </p:clrMapOvr>
+</p:sld>
+</file>
+
+<file path=ppt/slides/slide14.xml><?xml version="1.0" encoding="utf-8"?>
+<p:sld xmlns:a="http://schemas.openxmlformats.org/drawingml/2006/main" xmlns:r="http://schemas.openxmlformats.org/officeDocument/2006/relationships" xmlns:p="http://schemas.openxmlformats.org/presentationml/2006/main">
+  <p:cSld>
+    <p:spTree>
+      <p:nvGrpSpPr>
+        <p:cNvPr id="1" name=""/>
+        <p:cNvGrpSpPr/>
+        <p:nvPr/>
+      </p:nvGrpSpPr>
+      <p:grpSpPr>
+        <a:xfrm>
+          <a:off x="0" y="0"/>
+          <a:ext cx="0" cy="0"/>
+          <a:chOff x="0" y="0"/>
+          <a:chExt cx="0" cy="0"/>
+        </a:xfrm>
+      </p:grpSpPr>
+      <p:sp>
+        <p:nvSpPr>
+          <p:cNvPr id="6" name="內容版面配置區 5">
+            <a:extLst>
+              <a:ext uri="{FF2B5EF4-FFF2-40B4-BE49-F238E27FC236}">
+                <a16:creationId xmlns:a16="http://schemas.microsoft.com/office/drawing/2014/main" id="{5BE914E2-4FEC-47A9-8DE8-8454256406B8}"/>
+              </a:ext>
+            </a:extLst>
+          </p:cNvPr>
+          <p:cNvSpPr>
+            <a:spLocks noGrp="1"/>
+          </p:cNvSpPr>
+          <p:nvPr>
+            <p:ph idx="1"/>
+          </p:nvPr>
+        </p:nvSpPr>
+        <p:spPr/>
+        <p:txBody>
+          <a:bodyPr/>
+          <a:lstStyle/>
+          <a:p>
+            <a:endParaRPr lang="zh-TW" altLang="en-US" dirty="0"/>
+          </a:p>
+        </p:txBody>
+      </p:sp>
+      <p:sp>
+        <p:nvSpPr>
+          <p:cNvPr id="2" name="標題 1">
+            <a:extLst>
+              <a:ext uri="{FF2B5EF4-FFF2-40B4-BE49-F238E27FC236}">
+                <a16:creationId xmlns:a16="http://schemas.microsoft.com/office/drawing/2014/main" id="{B36C0CBB-73B6-4523-BBAB-8A0776641E37}"/>
+              </a:ext>
+            </a:extLst>
+          </p:cNvPr>
+          <p:cNvSpPr>
+            <a:spLocks noGrp="1"/>
+          </p:cNvSpPr>
+          <p:nvPr>
+            <p:ph type="title"/>
+          </p:nvPr>
+        </p:nvSpPr>
+        <p:spPr/>
+        <p:txBody>
+          <a:bodyPr/>
+          <a:lstStyle/>
+          <a:p>
+            <a:r>
+              <a:rPr lang="en-US" altLang="zh-TW" dirty="0"/>
+              <a:t>Experimental Results</a:t>
+            </a:r>
+            <a:endParaRPr lang="zh-TW" altLang="en-US" dirty="0"/>
+          </a:p>
+        </p:txBody>
+      </p:sp>
+      <p:sp>
+        <p:nvSpPr>
+          <p:cNvPr id="4" name="日期版面配置區 3">
+            <a:extLst>
+              <a:ext uri="{FF2B5EF4-FFF2-40B4-BE49-F238E27FC236}">
+                <a16:creationId xmlns:a16="http://schemas.microsoft.com/office/drawing/2014/main" id="{AA0AB3A0-3BE2-4B22-A5DE-56B2D61246E9}"/>
+              </a:ext>
+            </a:extLst>
+          </p:cNvPr>
+          <p:cNvSpPr>
+            <a:spLocks noGrp="1"/>
+          </p:cNvSpPr>
+          <p:nvPr>
+            <p:ph type="dt" sz="half" idx="10"/>
+          </p:nvPr>
+        </p:nvSpPr>
+        <p:spPr/>
+        <p:txBody>
+          <a:bodyPr/>
+          <a:lstStyle/>
+          <a:p>
+            <a:pPr>
+              <a:defRPr/>
+            </a:pPr>
+            <a:r>
+              <a:rPr lang="en-US" altLang="zh-Hant"/>
+              <a:t>GIEE, NTU</a:t>
+            </a:r>
+            <a:endParaRPr lang="zh-Hant" altLang="zh-Hant"/>
+          </a:p>
+        </p:txBody>
+      </p:sp>
+      <p:sp>
+        <p:nvSpPr>
+          <p:cNvPr id="5" name="投影片編號版面配置區 4">
+            <a:extLst>
+              <a:ext uri="{FF2B5EF4-FFF2-40B4-BE49-F238E27FC236}">
+                <a16:creationId xmlns:a16="http://schemas.microsoft.com/office/drawing/2014/main" id="{57565F14-FD05-4976-8E7B-8467A0AC3A92}"/>
+              </a:ext>
+            </a:extLst>
+          </p:cNvPr>
+          <p:cNvSpPr>
+            <a:spLocks noGrp="1"/>
+          </p:cNvSpPr>
+          <p:nvPr>
+            <p:ph type="sldNum" sz="quarter" idx="11"/>
+          </p:nvPr>
+        </p:nvSpPr>
+        <p:spPr/>
+        <p:txBody>
+          <a:bodyPr/>
+          <a:lstStyle/>
+          <a:p>
+            <a:pPr>
+              <a:defRPr/>
+            </a:pPr>
+            <a:fld id="{5A007831-3536-4435-90C1-461D060F6A03}" type="slidenum">
+              <a:rPr lang="zh-Hant" altLang="en-US" smtClean="0"/>
+              <a:pPr>
+                <a:defRPr/>
+              </a:pPr>
+              <a:t>14</a:t>
             </a:fld>
             <a:endParaRPr lang="en-US" altLang="zh-Hant" dirty="0"/>
           </a:p>
@@ -10513,197 +10784,6 @@
 </p:sld>
 </file>
 
-<file path=ppt/slides/slide14.xml><?xml version="1.0" encoding="utf-8"?>
-<p:sld xmlns:a="http://schemas.openxmlformats.org/drawingml/2006/main" xmlns:r="http://schemas.openxmlformats.org/officeDocument/2006/relationships" xmlns:p="http://schemas.openxmlformats.org/presentationml/2006/main">
-  <p:cSld>
-    <p:spTree>
-      <p:nvGrpSpPr>
-        <p:cNvPr id="1" name=""/>
-        <p:cNvGrpSpPr/>
-        <p:nvPr/>
-      </p:nvGrpSpPr>
-      <p:grpSpPr>
-        <a:xfrm>
-          <a:off x="0" y="0"/>
-          <a:ext cx="0" cy="0"/>
-          <a:chOff x="0" y="0"/>
-          <a:chExt cx="0" cy="0"/>
-        </a:xfrm>
-      </p:grpSpPr>
-      <p:sp>
-        <p:nvSpPr>
-          <p:cNvPr id="2" name="標題 1">
-            <a:extLst>
-              <a:ext uri="{FF2B5EF4-FFF2-40B4-BE49-F238E27FC236}">
-                <a16:creationId xmlns:a16="http://schemas.microsoft.com/office/drawing/2014/main" id="{0E21B4C5-E7C1-43FF-A86B-ED12A45C57FC}"/>
-              </a:ext>
-            </a:extLst>
-          </p:cNvPr>
-          <p:cNvSpPr>
-            <a:spLocks noGrp="1"/>
-          </p:cNvSpPr>
-          <p:nvPr>
-            <p:ph type="title"/>
-          </p:nvPr>
-        </p:nvSpPr>
-        <p:spPr/>
-        <p:txBody>
-          <a:bodyPr/>
-          <a:lstStyle/>
-          <a:p>
-            <a:r>
-              <a:rPr lang="en-US" altLang="zh-TW" dirty="0"/>
-              <a:t>Outline</a:t>
-            </a:r>
-            <a:endParaRPr lang="zh-TW" altLang="en-US" dirty="0"/>
-          </a:p>
-        </p:txBody>
-      </p:sp>
-      <p:sp>
-        <p:nvSpPr>
-          <p:cNvPr id="3" name="內容版面配置區 2">
-            <a:extLst>
-              <a:ext uri="{FF2B5EF4-FFF2-40B4-BE49-F238E27FC236}">
-                <a16:creationId xmlns:a16="http://schemas.microsoft.com/office/drawing/2014/main" id="{A7731B0D-BFCA-4942-8434-BA43449D5D22}"/>
-              </a:ext>
-            </a:extLst>
-          </p:cNvPr>
-          <p:cNvSpPr>
-            <a:spLocks noGrp="1"/>
-          </p:cNvSpPr>
-          <p:nvPr>
-            <p:ph idx="1"/>
-          </p:nvPr>
-        </p:nvSpPr>
-        <p:spPr/>
-        <p:txBody>
-          <a:bodyPr/>
-          <a:lstStyle/>
-          <a:p>
-            <a:r>
-              <a:rPr lang="en-US" altLang="zh-TW" dirty="0">
-                <a:solidFill>
-                  <a:schemeClr val="bg1">
-                    <a:lumMod val="75000"/>
-                  </a:schemeClr>
-                </a:solidFill>
-              </a:rPr>
-              <a:t>Introduction</a:t>
-            </a:r>
-          </a:p>
-          <a:p>
-            <a:r>
-              <a:rPr lang="en-US" altLang="zh-TW" dirty="0">
-                <a:solidFill>
-                  <a:schemeClr val="bg1">
-                    <a:lumMod val="75000"/>
-                  </a:schemeClr>
-                </a:solidFill>
-              </a:rPr>
-              <a:t>Algorithms</a:t>
-            </a:r>
-          </a:p>
-          <a:p>
-            <a:r>
-              <a:rPr lang="en-US" altLang="zh-TW" dirty="0">
-                <a:solidFill>
-                  <a:schemeClr val="bg1">
-                    <a:lumMod val="75000"/>
-                  </a:schemeClr>
-                </a:solidFill>
-              </a:rPr>
-              <a:t>Experimental Results</a:t>
-            </a:r>
-          </a:p>
-          <a:p>
-            <a:r>
-              <a:rPr lang="en-US" altLang="zh-TW" dirty="0"/>
-              <a:t>Conclusion</a:t>
-            </a:r>
-            <a:endParaRPr lang="zh-TW" altLang="en-US" dirty="0"/>
-          </a:p>
-        </p:txBody>
-      </p:sp>
-      <p:sp>
-        <p:nvSpPr>
-          <p:cNvPr id="4" name="日期版面配置區 3">
-            <a:extLst>
-              <a:ext uri="{FF2B5EF4-FFF2-40B4-BE49-F238E27FC236}">
-                <a16:creationId xmlns:a16="http://schemas.microsoft.com/office/drawing/2014/main" id="{D0037C9E-6880-425F-BD51-65FD3D5207EC}"/>
-              </a:ext>
-            </a:extLst>
-          </p:cNvPr>
-          <p:cNvSpPr>
-            <a:spLocks noGrp="1"/>
-          </p:cNvSpPr>
-          <p:nvPr>
-            <p:ph type="dt" sz="half" idx="10"/>
-          </p:nvPr>
-        </p:nvSpPr>
-        <p:spPr/>
-        <p:txBody>
-          <a:bodyPr/>
-          <a:lstStyle/>
-          <a:p>
-            <a:pPr>
-              <a:defRPr/>
-            </a:pPr>
-            <a:r>
-              <a:rPr lang="en-US" altLang="zh-Hant"/>
-              <a:t>GIEE, NTU</a:t>
-            </a:r>
-            <a:endParaRPr lang="zh-Hant" altLang="zh-Hant"/>
-          </a:p>
-        </p:txBody>
-      </p:sp>
-      <p:sp>
-        <p:nvSpPr>
-          <p:cNvPr id="5" name="投影片編號版面配置區 4">
-            <a:extLst>
-              <a:ext uri="{FF2B5EF4-FFF2-40B4-BE49-F238E27FC236}">
-                <a16:creationId xmlns:a16="http://schemas.microsoft.com/office/drawing/2014/main" id="{F98953EF-304E-45D1-82DE-8EC49FAFB54C}"/>
-              </a:ext>
-            </a:extLst>
-          </p:cNvPr>
-          <p:cNvSpPr>
-            <a:spLocks noGrp="1"/>
-          </p:cNvSpPr>
-          <p:nvPr>
-            <p:ph type="sldNum" sz="quarter" idx="11"/>
-          </p:nvPr>
-        </p:nvSpPr>
-        <p:spPr/>
-        <p:txBody>
-          <a:bodyPr/>
-          <a:lstStyle/>
-          <a:p>
-            <a:pPr>
-              <a:defRPr/>
-            </a:pPr>
-            <a:fld id="{5A007831-3536-4435-90C1-461D060F6A03}" type="slidenum">
-              <a:rPr lang="zh-Hant" altLang="en-US" smtClean="0"/>
-              <a:pPr>
-                <a:defRPr/>
-              </a:pPr>
-              <a:t>14</a:t>
-            </a:fld>
-            <a:endParaRPr lang="en-US" altLang="zh-Hant" dirty="0"/>
-          </a:p>
-        </p:txBody>
-      </p:sp>
-    </p:spTree>
-    <p:extLst>
-      <p:ext uri="{BB962C8B-B14F-4D97-AF65-F5344CB8AC3E}">
-        <p14:creationId xmlns:p14="http://schemas.microsoft.com/office/powerpoint/2010/main" val="2208720815"/>
-      </p:ext>
-    </p:extLst>
-  </p:cSld>
-  <p:clrMapOvr>
-    <a:masterClrMapping/>
-  </p:clrMapOvr>
-</p:sld>
-</file>
-
 <file path=ppt/slides/slide15.xml><?xml version="1.0" encoding="utf-8"?>
 <p:sld xmlns:a="http://schemas.openxmlformats.org/drawingml/2006/main" xmlns:r="http://schemas.openxmlformats.org/officeDocument/2006/relationships" xmlns:p="http://schemas.openxmlformats.org/presentationml/2006/main">
   <p:cSld>
@@ -10726,7 +10806,7 @@
           <p:cNvPr id="2" name="標題 1">
             <a:extLst>
               <a:ext uri="{FF2B5EF4-FFF2-40B4-BE49-F238E27FC236}">
-                <a16:creationId xmlns:a16="http://schemas.microsoft.com/office/drawing/2014/main" id="{B36C0CBB-73B6-4523-BBAB-8A0776641E37}"/>
+                <a16:creationId xmlns:a16="http://schemas.microsoft.com/office/drawing/2014/main" id="{0E21B4C5-E7C1-43FF-A86B-ED12A45C57FC}"/>
               </a:ext>
             </a:extLst>
           </p:cNvPr>
@@ -10744,7 +10824,7 @@
           <a:p>
             <a:r>
               <a:rPr lang="en-US" altLang="zh-TW" dirty="0"/>
-              <a:t>Conclusion</a:t>
+              <a:t>Outline</a:t>
             </a:r>
             <a:endParaRPr lang="zh-TW" altLang="en-US" dirty="0"/>
           </a:p>
@@ -10755,7 +10835,7 @@
           <p:cNvPr id="3" name="內容版面配置區 2">
             <a:extLst>
               <a:ext uri="{FF2B5EF4-FFF2-40B4-BE49-F238E27FC236}">
-                <a16:creationId xmlns:a16="http://schemas.microsoft.com/office/drawing/2014/main" id="{902CFE75-50C5-4789-894E-A85AF0E975D3}"/>
+                <a16:creationId xmlns:a16="http://schemas.microsoft.com/office/drawing/2014/main" id="{A7731B0D-BFCA-4942-8434-BA43449D5D22}"/>
               </a:ext>
             </a:extLst>
           </p:cNvPr>
@@ -10772,40 +10852,45 @@
           <a:lstStyle/>
           <a:p>
             <a:r>
+              <a:rPr lang="en-US" altLang="zh-TW" dirty="0">
+                <a:solidFill>
+                  <a:schemeClr val="bg1">
+                    <a:lumMod val="75000"/>
+                  </a:schemeClr>
+                </a:solidFill>
+              </a:rPr>
+              <a:t>Introduction</a:t>
+            </a:r>
+          </a:p>
+          <a:p>
+            <a:r>
+              <a:rPr lang="en-US" altLang="zh-TW" dirty="0">
+                <a:solidFill>
+                  <a:schemeClr val="bg1">
+                    <a:lumMod val="75000"/>
+                  </a:schemeClr>
+                </a:solidFill>
+              </a:rPr>
+              <a:t>Algorithms</a:t>
+            </a:r>
+          </a:p>
+          <a:p>
+            <a:r>
+              <a:rPr lang="en-US" altLang="zh-TW" dirty="0">
+                <a:solidFill>
+                  <a:schemeClr val="bg1">
+                    <a:lumMod val="75000"/>
+                  </a:schemeClr>
+                </a:solidFill>
+              </a:rPr>
+              <a:t>Experimental Results</a:t>
+            </a:r>
+          </a:p>
+          <a:p>
+            <a:r>
               <a:rPr lang="en-US" altLang="zh-TW" dirty="0"/>
-              <a:t>Density balancing is integrated into all the key steps of the decomposition flow</a:t>
-            </a:r>
-            <a:endParaRPr lang="en" altLang="zh-TW" dirty="0"/>
-          </a:p>
-          <a:p>
-            <a:pPr marL="0" indent="0" algn="l">
-              <a:buNone/>
-            </a:pPr>
-            <a:endParaRPr lang="en-US" altLang="zh-TW" dirty="0"/>
-          </a:p>
-          <a:p>
-            <a:r>
-              <a:rPr lang="en-US" altLang="zh-TW" dirty="0"/>
-              <a:t>Propose a set of speedup techniques, such as layout graph cut vertex stitch forbiddance, decomposition graph vertex clustering, and fast color assignment trial</a:t>
-            </a:r>
-            <a:endParaRPr lang="en" altLang="zh-TW" dirty="0"/>
-          </a:p>
-          <a:p>
-            <a:pPr marL="0" indent="0">
-              <a:buNone/>
-            </a:pPr>
-            <a:endParaRPr lang="en" altLang="zh-TW" dirty="0"/>
-          </a:p>
-          <a:p>
-            <a:endParaRPr lang="en" altLang="zh-TW" dirty="0"/>
-          </a:p>
-          <a:p>
-            <a:endParaRPr lang="en" altLang="zh-TW" dirty="0"/>
-          </a:p>
-          <a:p>
-            <a:endParaRPr lang="en" altLang="zh-TW" dirty="0"/>
-          </a:p>
-          <a:p>
+              <a:t>Conclusion</a:t>
+            </a:r>
             <a:endParaRPr lang="zh-TW" altLang="en-US" dirty="0"/>
           </a:p>
         </p:txBody>
@@ -10815,7 +10900,7 @@
           <p:cNvPr id="4" name="日期版面配置區 3">
             <a:extLst>
               <a:ext uri="{FF2B5EF4-FFF2-40B4-BE49-F238E27FC236}">
-                <a16:creationId xmlns:a16="http://schemas.microsoft.com/office/drawing/2014/main" id="{AA0AB3A0-3BE2-4B22-A5DE-56B2D61246E9}"/>
+                <a16:creationId xmlns:a16="http://schemas.microsoft.com/office/drawing/2014/main" id="{D0037C9E-6880-425F-BD51-65FD3D5207EC}"/>
               </a:ext>
             </a:extLst>
           </p:cNvPr>
@@ -10835,10 +10920,10 @@
               <a:defRPr/>
             </a:pPr>
             <a:r>
-              <a:rPr lang="en-US" altLang="zh-Hant" dirty="0"/>
+              <a:rPr lang="en-US" altLang="zh-Hant"/>
               <a:t>GIEE, NTU</a:t>
             </a:r>
-            <a:endParaRPr lang="zh-Hant" altLang="zh-Hant" dirty="0"/>
+            <a:endParaRPr lang="zh-Hant" altLang="zh-Hant"/>
           </a:p>
         </p:txBody>
       </p:sp>
@@ -10847,7 +10932,7 @@
           <p:cNvPr id="5" name="投影片編號版面配置區 4">
             <a:extLst>
               <a:ext uri="{FF2B5EF4-FFF2-40B4-BE49-F238E27FC236}">
-                <a16:creationId xmlns:a16="http://schemas.microsoft.com/office/drawing/2014/main" id="{57565F14-FD05-4976-8E7B-8467A0AC3A92}"/>
+                <a16:creationId xmlns:a16="http://schemas.microsoft.com/office/drawing/2014/main" id="{F98953EF-304E-45D1-82DE-8EC49FAFB54C}"/>
               </a:ext>
             </a:extLst>
           </p:cNvPr>
@@ -10872,6 +10957,192 @@
                 <a:defRPr/>
               </a:pPr>
               <a:t>15</a:t>
+            </a:fld>
+            <a:endParaRPr lang="en-US" altLang="zh-Hant" dirty="0"/>
+          </a:p>
+        </p:txBody>
+      </p:sp>
+    </p:spTree>
+    <p:extLst>
+      <p:ext uri="{BB962C8B-B14F-4D97-AF65-F5344CB8AC3E}">
+        <p14:creationId xmlns:p14="http://schemas.microsoft.com/office/powerpoint/2010/main" val="2208720815"/>
+      </p:ext>
+    </p:extLst>
+  </p:cSld>
+  <p:clrMapOvr>
+    <a:masterClrMapping/>
+  </p:clrMapOvr>
+</p:sld>
+</file>
+
+<file path=ppt/slides/slide16.xml><?xml version="1.0" encoding="utf-8"?>
+<p:sld xmlns:a="http://schemas.openxmlformats.org/drawingml/2006/main" xmlns:r="http://schemas.openxmlformats.org/officeDocument/2006/relationships" xmlns:p="http://schemas.openxmlformats.org/presentationml/2006/main">
+  <p:cSld>
+    <p:spTree>
+      <p:nvGrpSpPr>
+        <p:cNvPr id="1" name=""/>
+        <p:cNvGrpSpPr/>
+        <p:nvPr/>
+      </p:nvGrpSpPr>
+      <p:grpSpPr>
+        <a:xfrm>
+          <a:off x="0" y="0"/>
+          <a:ext cx="0" cy="0"/>
+          <a:chOff x="0" y="0"/>
+          <a:chExt cx="0" cy="0"/>
+        </a:xfrm>
+      </p:grpSpPr>
+      <p:sp>
+        <p:nvSpPr>
+          <p:cNvPr id="2" name="標題 1">
+            <a:extLst>
+              <a:ext uri="{FF2B5EF4-FFF2-40B4-BE49-F238E27FC236}">
+                <a16:creationId xmlns:a16="http://schemas.microsoft.com/office/drawing/2014/main" id="{B36C0CBB-73B6-4523-BBAB-8A0776641E37}"/>
+              </a:ext>
+            </a:extLst>
+          </p:cNvPr>
+          <p:cNvSpPr>
+            <a:spLocks noGrp="1"/>
+          </p:cNvSpPr>
+          <p:nvPr>
+            <p:ph type="title"/>
+          </p:nvPr>
+        </p:nvSpPr>
+        <p:spPr/>
+        <p:txBody>
+          <a:bodyPr/>
+          <a:lstStyle/>
+          <a:p>
+            <a:r>
+              <a:rPr lang="en-US" altLang="zh-TW" dirty="0"/>
+              <a:t>Conclusion</a:t>
+            </a:r>
+            <a:endParaRPr lang="zh-TW" altLang="en-US" dirty="0"/>
+          </a:p>
+        </p:txBody>
+      </p:sp>
+      <p:sp>
+        <p:nvSpPr>
+          <p:cNvPr id="3" name="內容版面配置區 2">
+            <a:extLst>
+              <a:ext uri="{FF2B5EF4-FFF2-40B4-BE49-F238E27FC236}">
+                <a16:creationId xmlns:a16="http://schemas.microsoft.com/office/drawing/2014/main" id="{902CFE75-50C5-4789-894E-A85AF0E975D3}"/>
+              </a:ext>
+            </a:extLst>
+          </p:cNvPr>
+          <p:cNvSpPr>
+            <a:spLocks noGrp="1"/>
+          </p:cNvSpPr>
+          <p:nvPr>
+            <p:ph idx="1"/>
+          </p:nvPr>
+        </p:nvSpPr>
+        <p:spPr/>
+        <p:txBody>
+          <a:bodyPr/>
+          <a:lstStyle/>
+          <a:p>
+            <a:r>
+              <a:rPr lang="en-US" altLang="zh-TW" dirty="0"/>
+              <a:t>Density balancing is integrated into all the key steps of the decomposition flow</a:t>
+            </a:r>
+            <a:endParaRPr lang="en" altLang="zh-TW" dirty="0"/>
+          </a:p>
+          <a:p>
+            <a:pPr marL="0" indent="0" algn="l">
+              <a:buNone/>
+            </a:pPr>
+            <a:endParaRPr lang="en-US" altLang="zh-TW" dirty="0"/>
+          </a:p>
+          <a:p>
+            <a:r>
+              <a:rPr lang="en-US" altLang="zh-TW" dirty="0"/>
+              <a:t>Propose a set of speedup techniques, such as layout graph cut vertex stitch forbiddance, decomposition graph vertex clustering, and fast color assignment trial</a:t>
+            </a:r>
+            <a:endParaRPr lang="en" altLang="zh-TW" dirty="0"/>
+          </a:p>
+          <a:p>
+            <a:pPr marL="0" indent="0">
+              <a:buNone/>
+            </a:pPr>
+            <a:endParaRPr lang="en" altLang="zh-TW" dirty="0"/>
+          </a:p>
+          <a:p>
+            <a:endParaRPr lang="en" altLang="zh-TW" dirty="0"/>
+          </a:p>
+          <a:p>
+            <a:endParaRPr lang="en" altLang="zh-TW" dirty="0"/>
+          </a:p>
+          <a:p>
+            <a:endParaRPr lang="en" altLang="zh-TW" dirty="0"/>
+          </a:p>
+          <a:p>
+            <a:endParaRPr lang="zh-TW" altLang="en-US" dirty="0"/>
+          </a:p>
+        </p:txBody>
+      </p:sp>
+      <p:sp>
+        <p:nvSpPr>
+          <p:cNvPr id="4" name="日期版面配置區 3">
+            <a:extLst>
+              <a:ext uri="{FF2B5EF4-FFF2-40B4-BE49-F238E27FC236}">
+                <a16:creationId xmlns:a16="http://schemas.microsoft.com/office/drawing/2014/main" id="{AA0AB3A0-3BE2-4B22-A5DE-56B2D61246E9}"/>
+              </a:ext>
+            </a:extLst>
+          </p:cNvPr>
+          <p:cNvSpPr>
+            <a:spLocks noGrp="1"/>
+          </p:cNvSpPr>
+          <p:nvPr>
+            <p:ph type="dt" sz="half" idx="10"/>
+          </p:nvPr>
+        </p:nvSpPr>
+        <p:spPr/>
+        <p:txBody>
+          <a:bodyPr/>
+          <a:lstStyle/>
+          <a:p>
+            <a:pPr>
+              <a:defRPr/>
+            </a:pPr>
+            <a:r>
+              <a:rPr lang="en-US" altLang="zh-Hant" dirty="0"/>
+              <a:t>GIEE, NTU</a:t>
+            </a:r>
+            <a:endParaRPr lang="zh-Hant" altLang="zh-Hant" dirty="0"/>
+          </a:p>
+        </p:txBody>
+      </p:sp>
+      <p:sp>
+        <p:nvSpPr>
+          <p:cNvPr id="5" name="投影片編號版面配置區 4">
+            <a:extLst>
+              <a:ext uri="{FF2B5EF4-FFF2-40B4-BE49-F238E27FC236}">
+                <a16:creationId xmlns:a16="http://schemas.microsoft.com/office/drawing/2014/main" id="{57565F14-FD05-4976-8E7B-8467A0AC3A92}"/>
+              </a:ext>
+            </a:extLst>
+          </p:cNvPr>
+          <p:cNvSpPr>
+            <a:spLocks noGrp="1"/>
+          </p:cNvSpPr>
+          <p:nvPr>
+            <p:ph type="sldNum" sz="quarter" idx="11"/>
+          </p:nvPr>
+        </p:nvSpPr>
+        <p:spPr/>
+        <p:txBody>
+          <a:bodyPr/>
+          <a:lstStyle/>
+          <a:p>
+            <a:pPr>
+              <a:defRPr/>
+            </a:pPr>
+            <a:fld id="{5A007831-3536-4435-90C1-461D060F6A03}" type="slidenum">
+              <a:rPr lang="zh-Hant" altLang="en-US" smtClean="0"/>
+              <a:pPr>
+                <a:defRPr/>
+              </a:pPr>
+              <a:t>16</a:t>
             </a:fld>
             <a:endParaRPr lang="en-US" altLang="zh-Hant" dirty="0"/>
           </a:p>
@@ -10890,7 +11161,7 @@
 </p:sld>
 </file>
 
-<file path=ppt/slides/slide16.xml><?xml version="1.0" encoding="utf-8"?>
+<file path=ppt/slides/slide17.xml><?xml version="1.0" encoding="utf-8"?>
 <p:sld xmlns:a="http://schemas.openxmlformats.org/drawingml/2006/main" xmlns:r="http://schemas.openxmlformats.org/officeDocument/2006/relationships" xmlns:p="http://schemas.openxmlformats.org/presentationml/2006/main">
   <p:cSld>
     <p:spTree>
@@ -11725,14 +11996,14 @@
           </a:ln>
           <a:extLst>
             <a:ext uri="{909E8E84-426E-40dd-AFC4-6F175D3DCCD1}">
-              <a14:hiddenFill xmlns:a14="http://schemas.microsoft.com/office/drawing/2010/main" xmlns="">
+              <a14:hiddenFill xmlns="" xmlns:a14="http://schemas.microsoft.com/office/drawing/2010/main">
                 <a:solidFill>
                   <a:srgbClr val="FFFFFF"/>
                 </a:solidFill>
               </a14:hiddenFill>
             </a:ext>
             <a:ext uri="{91240B29-F687-4f45-9708-019B960494DF}">
-              <a14:hiddenLine xmlns:a14="http://schemas.microsoft.com/office/drawing/2010/main" xmlns="" w="9525">
+              <a14:hiddenLine xmlns="" xmlns:a14="http://schemas.microsoft.com/office/drawing/2010/main" w="9525">
                 <a:solidFill>
                   <a:srgbClr val="000000"/>
                 </a:solidFill>
@@ -12558,7 +12829,7 @@
           <p:cNvPr id="2" name="標題 1">
             <a:extLst>
               <a:ext uri="{FF2B5EF4-FFF2-40B4-BE49-F238E27FC236}">
-                <a16:creationId xmlns:a16="http://schemas.microsoft.com/office/drawing/2014/main" id="{86200F7A-34CF-43A3-9077-D256DCFA7065}"/>
+                <a16:creationId xmlns:a16="http://schemas.microsoft.com/office/drawing/2014/main" id="{26FFB575-7C72-42CD-81E2-4ECDB0D4F9AB}"/>
               </a:ext>
             </a:extLst>
           </p:cNvPr>
@@ -12576,7 +12847,7 @@
           <a:p>
             <a:r>
               <a:rPr lang="en-US" altLang="zh-TW" dirty="0"/>
-              <a:t>Density Balanced SDP(Semidefinite Programming)</a:t>
+              <a:t>Stitch Finding</a:t>
             </a:r>
             <a:endParaRPr lang="zh-TW" altLang="en-US" dirty="0"/>
           </a:p>
@@ -12587,7 +12858,7 @@
           <p:cNvPr id="3" name="內容版面配置區 2">
             <a:extLst>
               <a:ext uri="{FF2B5EF4-FFF2-40B4-BE49-F238E27FC236}">
-                <a16:creationId xmlns:a16="http://schemas.microsoft.com/office/drawing/2014/main" id="{E17A835A-9E7E-4580-9A9B-404A75EAFCF0}"/>
+                <a16:creationId xmlns:a16="http://schemas.microsoft.com/office/drawing/2014/main" id="{D0185F0D-3534-4003-B164-27D3E20EE715}"/>
               </a:ext>
             </a:extLst>
           </p:cNvPr>
@@ -12605,35 +12876,22 @@
           <a:p>
             <a:r>
               <a:rPr lang="en-US" altLang="zh-TW" dirty="0"/>
-              <a:t>Mathematical Formulation</a:t>
+              <a:t>Jian </a:t>
+            </a:r>
+            <a:r>
+              <a:rPr lang="en-US" altLang="zh-TW" dirty="0" err="1"/>
+              <a:t>Kuang</a:t>
+            </a:r>
+            <a:r>
+              <a:rPr lang="en-US" altLang="zh-TW" dirty="0"/>
+              <a:t>, Evangeline F.Y. Young, DAC’13</a:t>
             </a:r>
           </a:p>
           <a:p>
             <a:endParaRPr lang="en-US" altLang="zh-TW" dirty="0"/>
           </a:p>
           <a:p>
-            <a:endParaRPr lang="en-US" altLang="zh-TW" dirty="0"/>
-          </a:p>
-          <a:p>
-            <a:endParaRPr lang="en-US" altLang="zh-TW" dirty="0"/>
-          </a:p>
-          <a:p>
-            <a:endParaRPr lang="en-US" altLang="zh-TW" dirty="0"/>
-          </a:p>
-          <a:p>
-            <a:endParaRPr lang="en-US" altLang="zh-TW" dirty="0"/>
-          </a:p>
-          <a:p>
-            <a:r>
-              <a:rPr lang="en-US" altLang="zh-TW" dirty="0"/>
-              <a:t>SDP Formulation</a:t>
-            </a:r>
-          </a:p>
-          <a:p>
-            <a:endParaRPr lang="en-US" altLang="zh-TW" dirty="0"/>
-          </a:p>
-          <a:p>
-            <a:endParaRPr lang="en-US" altLang="zh-TW" dirty="0"/>
+            <a:endParaRPr lang="zh-TW" altLang="en-US" dirty="0"/>
           </a:p>
         </p:txBody>
       </p:sp>
@@ -12642,7 +12900,7 @@
           <p:cNvPr id="4" name="日期版面配置區 3">
             <a:extLst>
               <a:ext uri="{FF2B5EF4-FFF2-40B4-BE49-F238E27FC236}">
-                <a16:creationId xmlns:a16="http://schemas.microsoft.com/office/drawing/2014/main" id="{C44B5E25-8A6F-41B7-81BF-A47D2D64C6E9}"/>
+                <a16:creationId xmlns:a16="http://schemas.microsoft.com/office/drawing/2014/main" id="{4B080BE4-7822-4B38-82C2-72A5AFC11FC5}"/>
               </a:ext>
             </a:extLst>
           </p:cNvPr>
@@ -12674,7 +12932,7 @@
           <p:cNvPr id="5" name="投影片編號版面配置區 4">
             <a:extLst>
               <a:ext uri="{FF2B5EF4-FFF2-40B4-BE49-F238E27FC236}">
-                <a16:creationId xmlns:a16="http://schemas.microsoft.com/office/drawing/2014/main" id="{5F7E3AD9-CE14-4A6D-AF06-ECB218AFB0FF}"/>
+                <a16:creationId xmlns:a16="http://schemas.microsoft.com/office/drawing/2014/main" id="{D9C283D0-ED83-49B5-83FC-FD94D1DBE8A5}"/>
               </a:ext>
             </a:extLst>
           </p:cNvPr>
@@ -12699,6 +12957,187 @@
                 <a:defRPr/>
               </a:pPr>
               <a:t>7</a:t>
+            </a:fld>
+            <a:endParaRPr lang="en-US" altLang="zh-Hant" dirty="0"/>
+          </a:p>
+        </p:txBody>
+      </p:sp>
+    </p:spTree>
+    <p:extLst>
+      <p:ext uri="{BB962C8B-B14F-4D97-AF65-F5344CB8AC3E}">
+        <p14:creationId xmlns:p14="http://schemas.microsoft.com/office/powerpoint/2010/main" val="2910230104"/>
+      </p:ext>
+    </p:extLst>
+  </p:cSld>
+  <p:clrMapOvr>
+    <a:masterClrMapping/>
+  </p:clrMapOvr>
+</p:sld>
+</file>
+
+<file path=ppt/slides/slide8.xml><?xml version="1.0" encoding="utf-8"?>
+<p:sld xmlns:a="http://schemas.openxmlformats.org/drawingml/2006/main" xmlns:r="http://schemas.openxmlformats.org/officeDocument/2006/relationships" xmlns:p="http://schemas.openxmlformats.org/presentationml/2006/main">
+  <p:cSld>
+    <p:spTree>
+      <p:nvGrpSpPr>
+        <p:cNvPr id="1" name=""/>
+        <p:cNvGrpSpPr/>
+        <p:nvPr/>
+      </p:nvGrpSpPr>
+      <p:grpSpPr>
+        <a:xfrm>
+          <a:off x="0" y="0"/>
+          <a:ext cx="0" cy="0"/>
+          <a:chOff x="0" y="0"/>
+          <a:chExt cx="0" cy="0"/>
+        </a:xfrm>
+      </p:grpSpPr>
+      <p:sp>
+        <p:nvSpPr>
+          <p:cNvPr id="2" name="標題 1">
+            <a:extLst>
+              <a:ext uri="{FF2B5EF4-FFF2-40B4-BE49-F238E27FC236}">
+                <a16:creationId xmlns:a16="http://schemas.microsoft.com/office/drawing/2014/main" id="{86200F7A-34CF-43A3-9077-D256DCFA7065}"/>
+              </a:ext>
+            </a:extLst>
+          </p:cNvPr>
+          <p:cNvSpPr>
+            <a:spLocks noGrp="1"/>
+          </p:cNvSpPr>
+          <p:nvPr>
+            <p:ph type="title"/>
+          </p:nvPr>
+        </p:nvSpPr>
+        <p:spPr/>
+        <p:txBody>
+          <a:bodyPr/>
+          <a:lstStyle/>
+          <a:p>
+            <a:r>
+              <a:rPr lang="en-US" altLang="zh-TW" dirty="0"/>
+              <a:t>Density Balanced SDP(Semidefinite Programming)</a:t>
+            </a:r>
+            <a:endParaRPr lang="zh-TW" altLang="en-US" dirty="0"/>
+          </a:p>
+        </p:txBody>
+      </p:sp>
+      <p:sp>
+        <p:nvSpPr>
+          <p:cNvPr id="3" name="內容版面配置區 2">
+            <a:extLst>
+              <a:ext uri="{FF2B5EF4-FFF2-40B4-BE49-F238E27FC236}">
+                <a16:creationId xmlns:a16="http://schemas.microsoft.com/office/drawing/2014/main" id="{E17A835A-9E7E-4580-9A9B-404A75EAFCF0}"/>
+              </a:ext>
+            </a:extLst>
+          </p:cNvPr>
+          <p:cNvSpPr>
+            <a:spLocks noGrp="1"/>
+          </p:cNvSpPr>
+          <p:nvPr>
+            <p:ph idx="1"/>
+          </p:nvPr>
+        </p:nvSpPr>
+        <p:spPr/>
+        <p:txBody>
+          <a:bodyPr/>
+          <a:lstStyle/>
+          <a:p>
+            <a:r>
+              <a:rPr lang="en-US" altLang="zh-TW" dirty="0"/>
+              <a:t>Mathematical Formulation</a:t>
+            </a:r>
+          </a:p>
+          <a:p>
+            <a:endParaRPr lang="en-US" altLang="zh-TW" dirty="0"/>
+          </a:p>
+          <a:p>
+            <a:endParaRPr lang="en-US" altLang="zh-TW" dirty="0"/>
+          </a:p>
+          <a:p>
+            <a:endParaRPr lang="en-US" altLang="zh-TW" dirty="0"/>
+          </a:p>
+          <a:p>
+            <a:endParaRPr lang="en-US" altLang="zh-TW" dirty="0"/>
+          </a:p>
+          <a:p>
+            <a:endParaRPr lang="en-US" altLang="zh-TW" dirty="0"/>
+          </a:p>
+          <a:p>
+            <a:r>
+              <a:rPr lang="en-US" altLang="zh-TW" dirty="0"/>
+              <a:t>SDP Formulation</a:t>
+            </a:r>
+          </a:p>
+          <a:p>
+            <a:endParaRPr lang="en-US" altLang="zh-TW" dirty="0"/>
+          </a:p>
+          <a:p>
+            <a:endParaRPr lang="en-US" altLang="zh-TW" dirty="0"/>
+          </a:p>
+        </p:txBody>
+      </p:sp>
+      <p:sp>
+        <p:nvSpPr>
+          <p:cNvPr id="4" name="日期版面配置區 3">
+            <a:extLst>
+              <a:ext uri="{FF2B5EF4-FFF2-40B4-BE49-F238E27FC236}">
+                <a16:creationId xmlns:a16="http://schemas.microsoft.com/office/drawing/2014/main" id="{C44B5E25-8A6F-41B7-81BF-A47D2D64C6E9}"/>
+              </a:ext>
+            </a:extLst>
+          </p:cNvPr>
+          <p:cNvSpPr>
+            <a:spLocks noGrp="1"/>
+          </p:cNvSpPr>
+          <p:nvPr>
+            <p:ph type="dt" sz="half" idx="10"/>
+          </p:nvPr>
+        </p:nvSpPr>
+        <p:spPr/>
+        <p:txBody>
+          <a:bodyPr/>
+          <a:lstStyle/>
+          <a:p>
+            <a:pPr>
+              <a:defRPr/>
+            </a:pPr>
+            <a:r>
+              <a:rPr lang="en-US" altLang="zh-Hant"/>
+              <a:t>GIEE, NTU</a:t>
+            </a:r>
+            <a:endParaRPr lang="zh-Hant" altLang="zh-Hant"/>
+          </a:p>
+        </p:txBody>
+      </p:sp>
+      <p:sp>
+        <p:nvSpPr>
+          <p:cNvPr id="5" name="投影片編號版面配置區 4">
+            <a:extLst>
+              <a:ext uri="{FF2B5EF4-FFF2-40B4-BE49-F238E27FC236}">
+                <a16:creationId xmlns:a16="http://schemas.microsoft.com/office/drawing/2014/main" id="{5F7E3AD9-CE14-4A6D-AF06-ECB218AFB0FF}"/>
+              </a:ext>
+            </a:extLst>
+          </p:cNvPr>
+          <p:cNvSpPr>
+            <a:spLocks noGrp="1"/>
+          </p:cNvSpPr>
+          <p:nvPr>
+            <p:ph type="sldNum" sz="quarter" idx="11"/>
+          </p:nvPr>
+        </p:nvSpPr>
+        <p:spPr/>
+        <p:txBody>
+          <a:bodyPr/>
+          <a:lstStyle/>
+          <a:p>
+            <a:pPr>
+              <a:defRPr/>
+            </a:pPr>
+            <a:fld id="{5A007831-3536-4435-90C1-461D060F6A03}" type="slidenum">
+              <a:rPr lang="zh-Hant" altLang="en-US" smtClean="0"/>
+              <a:pPr>
+                <a:defRPr/>
+              </a:pPr>
+              <a:t>8</a:t>
             </a:fld>
             <a:endParaRPr lang="en-US" altLang="zh-Hant" dirty="0"/>
           </a:p>
@@ -12777,7 +13216,7 @@
 </p:sld>
 </file>
 
-<file path=ppt/slides/slide8.xml><?xml version="1.0" encoding="utf-8"?>
+<file path=ppt/slides/slide9.xml><?xml version="1.0" encoding="utf-8"?>
 <p:sld xmlns:a="http://schemas.openxmlformats.org/drawingml/2006/main" xmlns:r="http://schemas.openxmlformats.org/officeDocument/2006/relationships" xmlns:p="http://schemas.openxmlformats.org/presentationml/2006/main">
   <p:cSld>
     <p:spTree>
@@ -12916,7 +13355,7 @@
               <a:pPr>
                 <a:defRPr/>
               </a:pPr>
-              <a:t>8</a:t>
+              <a:t>9</a:t>
             </a:fld>
             <a:endParaRPr lang="en-US" altLang="zh-Hant" dirty="0"/>
           </a:p>
@@ -12956,276 +13395,6 @@
     <p:extLst>
       <p:ext uri="{BB962C8B-B14F-4D97-AF65-F5344CB8AC3E}">
         <p14:creationId xmlns:p14="http://schemas.microsoft.com/office/powerpoint/2010/main" val="3128527875"/>
-      </p:ext>
-    </p:extLst>
-  </p:cSld>
-  <p:clrMapOvr>
-    <a:masterClrMapping/>
-  </p:clrMapOvr>
-</p:sld>
-</file>
-
-<file path=ppt/slides/slide9.xml><?xml version="1.0" encoding="utf-8"?>
-<p:sld xmlns:a="http://schemas.openxmlformats.org/drawingml/2006/main" xmlns:r="http://schemas.openxmlformats.org/officeDocument/2006/relationships" xmlns:p="http://schemas.openxmlformats.org/presentationml/2006/main">
-  <p:cSld>
-    <p:spTree>
-      <p:nvGrpSpPr>
-        <p:cNvPr id="1" name=""/>
-        <p:cNvGrpSpPr/>
-        <p:nvPr/>
-      </p:nvGrpSpPr>
-      <p:grpSpPr>
-        <a:xfrm>
-          <a:off x="0" y="0"/>
-          <a:ext cx="0" cy="0"/>
-          <a:chOff x="0" y="0"/>
-          <a:chExt cx="0" cy="0"/>
-        </a:xfrm>
-      </p:grpSpPr>
-      <p:sp>
-        <p:nvSpPr>
-          <p:cNvPr id="2" name="標題 1">
-            <a:extLst>
-              <a:ext uri="{FF2B5EF4-FFF2-40B4-BE49-F238E27FC236}">
-                <a16:creationId xmlns:a16="http://schemas.microsoft.com/office/drawing/2014/main" id="{63212DC6-6AB8-49BC-89BB-6B1C11CD2D74}"/>
-              </a:ext>
-            </a:extLst>
-          </p:cNvPr>
-          <p:cNvSpPr>
-            <a:spLocks noGrp="1"/>
-          </p:cNvSpPr>
-          <p:nvPr>
-            <p:ph type="title"/>
-          </p:nvPr>
-        </p:nvSpPr>
-        <p:spPr/>
-        <p:txBody>
-          <a:bodyPr/>
-          <a:lstStyle/>
-          <a:p>
-            <a:r>
-              <a:rPr lang="en-US" altLang="zh-TW"/>
-              <a:t>Speedup Techniques</a:t>
-            </a:r>
-            <a:endParaRPr lang="zh-TW" altLang="en-US" dirty="0"/>
-          </a:p>
-        </p:txBody>
-      </p:sp>
-      <p:sp>
-        <p:nvSpPr>
-          <p:cNvPr id="3" name="內容版面配置區 2">
-            <a:extLst>
-              <a:ext uri="{FF2B5EF4-FFF2-40B4-BE49-F238E27FC236}">
-                <a16:creationId xmlns:a16="http://schemas.microsoft.com/office/drawing/2014/main" id="{6DF0C6E4-5B84-4B6C-BE46-D94DAE5E5EDE}"/>
-              </a:ext>
-            </a:extLst>
-          </p:cNvPr>
-          <p:cNvSpPr>
-            <a:spLocks noGrp="1"/>
-          </p:cNvSpPr>
-          <p:nvPr>
-            <p:ph idx="1"/>
-          </p:nvPr>
-        </p:nvSpPr>
-        <p:spPr/>
-        <p:txBody>
-          <a:bodyPr/>
-          <a:lstStyle/>
-          <a:p>
-            <a:r>
-              <a:rPr lang="en-US" altLang="zh-TW" dirty="0"/>
-              <a:t>LG</a:t>
-            </a:r>
-            <a:r>
-              <a:rPr lang="zh-TW" altLang="en-US" dirty="0"/>
-              <a:t> </a:t>
-            </a:r>
-            <a:r>
-              <a:rPr lang="en-US" altLang="zh-TW" dirty="0"/>
-              <a:t>Cut Stitch Forbiddance</a:t>
-            </a:r>
-          </a:p>
-          <a:p>
-            <a:endParaRPr lang="en-US" altLang="zh-TW" dirty="0"/>
-          </a:p>
-          <a:p>
-            <a:r>
-              <a:rPr lang="en-US" altLang="zh-TW" dirty="0"/>
-              <a:t>Decomposition Graph Vertex Clustering</a:t>
-            </a:r>
-          </a:p>
-          <a:p>
-            <a:endParaRPr lang="en-US" altLang="zh-TW" dirty="0"/>
-          </a:p>
-          <a:p>
-            <a:r>
-              <a:rPr lang="en-US" altLang="zh-TW" dirty="0"/>
-              <a:t>Fast Color Assignment Trial</a:t>
-            </a:r>
-          </a:p>
-        </p:txBody>
-      </p:sp>
-      <p:sp>
-        <p:nvSpPr>
-          <p:cNvPr id="4" name="日期版面配置區 3">
-            <a:extLst>
-              <a:ext uri="{FF2B5EF4-FFF2-40B4-BE49-F238E27FC236}">
-                <a16:creationId xmlns:a16="http://schemas.microsoft.com/office/drawing/2014/main" id="{0D8A8520-C56A-4525-9424-C7D9E6877BE3}"/>
-              </a:ext>
-            </a:extLst>
-          </p:cNvPr>
-          <p:cNvSpPr>
-            <a:spLocks noGrp="1"/>
-          </p:cNvSpPr>
-          <p:nvPr>
-            <p:ph type="dt" sz="half" idx="10"/>
-          </p:nvPr>
-        </p:nvSpPr>
-        <p:spPr/>
-        <p:txBody>
-          <a:bodyPr/>
-          <a:lstStyle/>
-          <a:p>
-            <a:pPr>
-              <a:defRPr/>
-            </a:pPr>
-            <a:r>
-              <a:rPr lang="en-US" altLang="zh-Hant"/>
-              <a:t>GIEE, NTU</a:t>
-            </a:r>
-            <a:endParaRPr lang="zh-Hant" altLang="zh-Hant"/>
-          </a:p>
-        </p:txBody>
-      </p:sp>
-      <p:sp>
-        <p:nvSpPr>
-          <p:cNvPr id="5" name="投影片編號版面配置區 4">
-            <a:extLst>
-              <a:ext uri="{FF2B5EF4-FFF2-40B4-BE49-F238E27FC236}">
-                <a16:creationId xmlns:a16="http://schemas.microsoft.com/office/drawing/2014/main" id="{11AF3BA3-E3C6-47EB-80EE-99410B804958}"/>
-              </a:ext>
-            </a:extLst>
-          </p:cNvPr>
-          <p:cNvSpPr>
-            <a:spLocks noGrp="1"/>
-          </p:cNvSpPr>
-          <p:nvPr>
-            <p:ph type="sldNum" sz="quarter" idx="11"/>
-          </p:nvPr>
-        </p:nvSpPr>
-        <p:spPr/>
-        <p:txBody>
-          <a:bodyPr/>
-          <a:lstStyle/>
-          <a:p>
-            <a:pPr>
-              <a:defRPr/>
-            </a:pPr>
-            <a:fld id="{5A007831-3536-4435-90C1-461D060F6A03}" type="slidenum">
-              <a:rPr lang="zh-Hant" altLang="en-US" smtClean="0"/>
-              <a:pPr>
-                <a:defRPr/>
-              </a:pPr>
-              <a:t>9</a:t>
-            </a:fld>
-            <a:endParaRPr lang="en-US" altLang="zh-Hant" dirty="0"/>
-          </a:p>
-        </p:txBody>
-      </p:sp>
-      <p:pic>
-        <p:nvPicPr>
-          <p:cNvPr id="7" name="圖片 6">
-            <a:extLst>
-              <a:ext uri="{FF2B5EF4-FFF2-40B4-BE49-F238E27FC236}">
-                <a16:creationId xmlns:a16="http://schemas.microsoft.com/office/drawing/2014/main" id="{E57917AA-B130-43CB-B6A5-D58B487BD5C8}"/>
-              </a:ext>
-            </a:extLst>
-          </p:cNvPr>
-          <p:cNvPicPr>
-            <a:picLocks noChangeAspect="1"/>
-          </p:cNvPicPr>
-          <p:nvPr/>
-        </p:nvPicPr>
-        <p:blipFill>
-          <a:blip r:embed="rId2"/>
-          <a:stretch>
-            <a:fillRect/>
-          </a:stretch>
-        </p:blipFill>
-        <p:spPr>
-          <a:xfrm>
-            <a:off x="7176120" y="2654783"/>
-            <a:ext cx="3312368" cy="3963753"/>
-          </a:xfrm>
-          <a:prstGeom prst="rect">
-            <a:avLst/>
-          </a:prstGeom>
-        </p:spPr>
-      </p:pic>
-      <p:pic>
-        <p:nvPicPr>
-          <p:cNvPr id="8" name="圖片 7">
-            <a:extLst>
-              <a:ext uri="{FF2B5EF4-FFF2-40B4-BE49-F238E27FC236}">
-                <a16:creationId xmlns:a16="http://schemas.microsoft.com/office/drawing/2014/main" id="{8AFE08CA-742B-45AB-8538-995AEF5CDF7E}"/>
-              </a:ext>
-            </a:extLst>
-          </p:cNvPr>
-          <p:cNvPicPr>
-            <a:picLocks noChangeAspect="1"/>
-          </p:cNvPicPr>
-          <p:nvPr/>
-        </p:nvPicPr>
-        <p:blipFill>
-          <a:blip r:embed="rId3"/>
-          <a:stretch>
-            <a:fillRect/>
-          </a:stretch>
-        </p:blipFill>
-        <p:spPr>
-          <a:xfrm>
-            <a:off x="7536160" y="990600"/>
-            <a:ext cx="2589614" cy="1422728"/>
-          </a:xfrm>
-          <a:prstGeom prst="rect">
-            <a:avLst/>
-          </a:prstGeom>
-        </p:spPr>
-      </p:pic>
-      <p:pic>
-        <p:nvPicPr>
-          <p:cNvPr id="9" name="圖片 8">
-            <a:extLst>
-              <a:ext uri="{FF2B5EF4-FFF2-40B4-BE49-F238E27FC236}">
-                <a16:creationId xmlns:a16="http://schemas.microsoft.com/office/drawing/2014/main" id="{3864301B-A55B-4F2A-9CAA-12A0CF024FC7}"/>
-              </a:ext>
-            </a:extLst>
-          </p:cNvPr>
-          <p:cNvPicPr>
-            <a:picLocks noChangeAspect="1"/>
-          </p:cNvPicPr>
-          <p:nvPr/>
-        </p:nvPicPr>
-        <p:blipFill>
-          <a:blip r:embed="rId4"/>
-          <a:stretch>
-            <a:fillRect/>
-          </a:stretch>
-        </p:blipFill>
-        <p:spPr>
-          <a:xfrm>
-            <a:off x="911424" y="3253938"/>
-            <a:ext cx="4695663" cy="3193331"/>
-          </a:xfrm>
-          <a:prstGeom prst="rect">
-            <a:avLst/>
-          </a:prstGeom>
-        </p:spPr>
-      </p:pic>
-    </p:spTree>
-    <p:extLst>
-      <p:ext uri="{BB962C8B-B14F-4D97-AF65-F5344CB8AC3E}">
-        <p14:creationId xmlns:p14="http://schemas.microsoft.com/office/powerpoint/2010/main" val="1762050134"/>
       </p:ext>
     </p:extLst>
   </p:cSld>
